--- a/design/알약전사_발표ppt.pptx
+++ b/design/알약전사_발표ppt.pptx
@@ -5,33 +5,31 @@
     <p:sldMasterId id="2147483660" r:id="rId1"/>
   </p:sldMasterIdLst>
   <p:notesMasterIdLst>
-    <p:notesMasterId r:id="rId26"/>
+    <p:notesMasterId r:id="rId24"/>
   </p:notesMasterIdLst>
   <p:sldIdLst>
     <p:sldId id="257" r:id="rId2"/>
     <p:sldId id="258" r:id="rId3"/>
     <p:sldId id="259" r:id="rId4"/>
     <p:sldId id="260" r:id="rId5"/>
-    <p:sldId id="261" r:id="rId6"/>
-    <p:sldId id="262" r:id="rId7"/>
-    <p:sldId id="266" r:id="rId8"/>
-    <p:sldId id="267" r:id="rId9"/>
-    <p:sldId id="268" r:id="rId10"/>
-    <p:sldId id="263" r:id="rId11"/>
-    <p:sldId id="264" r:id="rId12"/>
-    <p:sldId id="265" r:id="rId13"/>
-    <p:sldId id="269" r:id="rId14"/>
-    <p:sldId id="270" r:id="rId15"/>
-    <p:sldId id="271" r:id="rId16"/>
-    <p:sldId id="272" r:id="rId17"/>
-    <p:sldId id="280" r:id="rId18"/>
-    <p:sldId id="273" r:id="rId19"/>
-    <p:sldId id="274" r:id="rId20"/>
-    <p:sldId id="279" r:id="rId21"/>
-    <p:sldId id="275" r:id="rId22"/>
-    <p:sldId id="276" r:id="rId23"/>
-    <p:sldId id="277" r:id="rId24"/>
-    <p:sldId id="278" r:id="rId25"/>
+    <p:sldId id="262" r:id="rId6"/>
+    <p:sldId id="266" r:id="rId7"/>
+    <p:sldId id="267" r:id="rId8"/>
+    <p:sldId id="263" r:id="rId9"/>
+    <p:sldId id="264" r:id="rId10"/>
+    <p:sldId id="265" r:id="rId11"/>
+    <p:sldId id="269" r:id="rId12"/>
+    <p:sldId id="270" r:id="rId13"/>
+    <p:sldId id="271" r:id="rId14"/>
+    <p:sldId id="272" r:id="rId15"/>
+    <p:sldId id="280" r:id="rId16"/>
+    <p:sldId id="273" r:id="rId17"/>
+    <p:sldId id="274" r:id="rId18"/>
+    <p:sldId id="279" r:id="rId19"/>
+    <p:sldId id="275" r:id="rId20"/>
+    <p:sldId id="276" r:id="rId21"/>
+    <p:sldId id="277" r:id="rId22"/>
+    <p:sldId id="278" r:id="rId23"/>
   </p:sldIdLst>
   <p:sldSz cx="12192000" cy="6858000"/>
   <p:notesSz cx="6858000" cy="9144000"/>
@@ -151,11 +149,9 @@
         <p14:section name="게임 컨셉" id="{8CA70DAD-D112-4739-B7B8-7D5B82D5956B}">
           <p14:sldIdLst>
             <p14:sldId id="260"/>
-            <p14:sldId id="261"/>
             <p14:sldId id="262"/>
             <p14:sldId id="266"/>
             <p14:sldId id="267"/>
-            <p14:sldId id="268"/>
             <p14:sldId id="263"/>
             <p14:sldId id="264"/>
             <p14:sldId id="265"/>
@@ -1855,7 +1851,7 @@
           <a:p>
             <a:fld id="{91E23A69-A730-4BF6-8DEA-FD1E0013C869}" type="datetimeFigureOut">
               <a:rPr lang="ko-KR" altLang="en-US" smtClean="0"/>
-              <a:t>2018-12-09</a:t>
+              <a:t>2018-12-10</a:t>
             </a:fld>
             <a:endParaRPr lang="ko-KR" altLang="en-US"/>
           </a:p>
@@ -2231,7 +2227,7 @@
   <p:cSld>
     <p:spTree>
       <p:nvGrpSpPr>
-        <p:cNvPr id="1" name="Shape 154"/>
+        <p:cNvPr id="1" name="Shape 167"/>
         <p:cNvGrpSpPr/>
         <p:nvPr/>
       </p:nvGrpSpPr>
@@ -2245,7 +2241,7 @@
       </p:grpSpPr>
       <p:sp>
         <p:nvSpPr>
-          <p:cNvPr id="155" name="Google Shape;155;g40806a2254_2_1:notes"/>
+          <p:cNvPr id="168" name="Google Shape;168;g40806a2254_2_46:notes"/>
           <p:cNvSpPr txBox="1">
             <a:spLocks noGrp="1"/>
           </p:cNvSpPr>
@@ -2283,7 +2279,7 @@
       </p:sp>
       <p:sp>
         <p:nvSpPr>
-          <p:cNvPr id="156" name="Google Shape;156;g40806a2254_2_1:notes"/>
+          <p:cNvPr id="169" name="Google Shape;169;g40806a2254_2_46:notes"/>
           <p:cNvSpPr>
             <a:spLocks noGrp="1" noRot="1" noChangeAspect="1"/>
           </p:cNvSpPr>
@@ -2335,7 +2331,7 @@
   <p:cSld>
     <p:spTree>
       <p:nvGrpSpPr>
-        <p:cNvPr id="1" name="Shape 161"/>
+        <p:cNvPr id="1" name="Shape 194"/>
         <p:cNvGrpSpPr/>
         <p:nvPr/>
       </p:nvGrpSpPr>
@@ -2349,7 +2345,7 @@
       </p:grpSpPr>
       <p:sp>
         <p:nvSpPr>
-          <p:cNvPr id="162" name="Google Shape;162;g40806a2254_2_39:notes"/>
+          <p:cNvPr id="195" name="Google Shape;195;g40806a2254_2_116:notes"/>
           <p:cNvSpPr txBox="1">
             <a:spLocks noGrp="1"/>
           </p:cNvSpPr>
@@ -2387,7 +2383,7 @@
       </p:sp>
       <p:sp>
         <p:nvSpPr>
-          <p:cNvPr id="163" name="Google Shape;163;g40806a2254_2_39:notes"/>
+          <p:cNvPr id="196" name="Google Shape;196;g40806a2254_2_116:notes"/>
           <p:cNvSpPr>
             <a:spLocks noGrp="1" noRot="1" noChangeAspect="1"/>
           </p:cNvSpPr>
@@ -2439,7 +2435,7 @@
   <p:cSld>
     <p:spTree>
       <p:nvGrpSpPr>
-        <p:cNvPr id="1" name="Shape 167"/>
+        <p:cNvPr id="1" name="Shape 200"/>
         <p:cNvGrpSpPr/>
         <p:nvPr/>
       </p:nvGrpSpPr>
@@ -2453,7 +2449,7 @@
       </p:grpSpPr>
       <p:sp>
         <p:nvSpPr>
-          <p:cNvPr id="168" name="Google Shape;168;g40806a2254_2_46:notes"/>
+          <p:cNvPr id="201" name="Google Shape;201;g40806a2254_2_19:notes"/>
           <p:cNvSpPr txBox="1">
             <a:spLocks noGrp="1"/>
           </p:cNvSpPr>
@@ -2491,7 +2487,7 @@
       </p:sp>
       <p:sp>
         <p:nvSpPr>
-          <p:cNvPr id="169" name="Google Shape;169;g40806a2254_2_46:notes"/>
+          <p:cNvPr id="202" name="Google Shape;202;g40806a2254_2_19:notes"/>
           <p:cNvSpPr>
             <a:spLocks noGrp="1" noRot="1" noChangeAspect="1"/>
           </p:cNvSpPr>
@@ -2543,7 +2539,7 @@
   <p:cSld>
     <p:spTree>
       <p:nvGrpSpPr>
-        <p:cNvPr id="1" name="Shape 194"/>
+        <p:cNvPr id="1" name="Shape 206"/>
         <p:cNvGrpSpPr/>
         <p:nvPr/>
       </p:nvGrpSpPr>
@@ -2557,7 +2553,7 @@
       </p:grpSpPr>
       <p:sp>
         <p:nvSpPr>
-          <p:cNvPr id="195" name="Google Shape;195;g40806a2254_2_116:notes"/>
+          <p:cNvPr id="207" name="Google Shape;207;p8:notes"/>
           <p:cNvSpPr txBox="1">
             <a:spLocks noGrp="1"/>
           </p:cNvSpPr>
@@ -2589,13 +2585,68 @@
               </a:spcAft>
               <a:buNone/>
             </a:pPr>
-            <a:endParaRPr/>
+            <a:r>
+              <a:rPr lang="ko-KR" altLang="en-US" dirty="0"/>
+              <a:t>배경을 어떻게 할 것인지</a:t>
+            </a:r>
+            <a:r>
+              <a:rPr lang="en-US" altLang="ko-KR" dirty="0"/>
+              <a:t>? - </a:t>
+            </a:r>
+            <a:r>
+              <a:rPr lang="ko-KR" altLang="en-US" dirty="0" err="1"/>
+              <a:t>큐브맵</a:t>
+            </a:r>
+            <a:endParaRPr lang="en-US" altLang="ko-KR" dirty="0"/>
+          </a:p>
+          <a:p>
+            <a:pPr marL="0" lvl="0" indent="0" algn="l" rtl="0">
+              <a:spcBef>
+                <a:spcPts val="0"/>
+              </a:spcBef>
+              <a:spcAft>
+                <a:spcPts val="0"/>
+              </a:spcAft>
+              <a:buNone/>
+            </a:pPr>
+            <a:r>
+              <a:rPr lang="ko-KR" altLang="en-US" dirty="0"/>
+              <a:t>건물을 공격해서 없애면 파편이 되는 오브젝트가 남는 것인가</a:t>
+            </a:r>
+            <a:r>
+              <a:rPr lang="en-US" altLang="ko-KR" dirty="0"/>
+              <a:t>? </a:t>
+            </a:r>
+            <a:r>
+              <a:rPr lang="ko-KR" altLang="en-US" dirty="0"/>
+              <a:t>그 파편도 충돌하는 것인가</a:t>
+            </a:r>
+            <a:r>
+              <a:rPr lang="en-US" altLang="ko-KR" dirty="0"/>
+              <a:t>?</a:t>
+            </a:r>
+          </a:p>
+          <a:p>
+            <a:pPr marL="0" lvl="0" indent="0" algn="l" rtl="0">
+              <a:spcBef>
+                <a:spcPts val="0"/>
+              </a:spcBef>
+              <a:spcAft>
+                <a:spcPts val="0"/>
+              </a:spcAft>
+              <a:buNone/>
+            </a:pPr>
+            <a:r>
+              <a:rPr lang="ko-KR" altLang="en-US" dirty="0"/>
+              <a:t>파편이 생긴다면 그 건물 파편을 어떻게 구현할 것인지</a:t>
+            </a:r>
+            <a:endParaRPr lang="en-US" altLang="ko-KR" dirty="0"/>
           </a:p>
         </p:txBody>
       </p:sp>
       <p:sp>
         <p:nvSpPr>
-          <p:cNvPr id="196" name="Google Shape;196;g40806a2254_2_116:notes"/>
+          <p:cNvPr id="208" name="Google Shape;208;p8:notes"/>
           <p:cNvSpPr>
             <a:spLocks noGrp="1" noRot="1" noChangeAspect="1"/>
           </p:cNvSpPr>
@@ -2647,7 +2698,7 @@
   <p:cSld>
     <p:spTree>
       <p:nvGrpSpPr>
-        <p:cNvPr id="1" name="Shape 200"/>
+        <p:cNvPr id="1" name="Shape 214"/>
         <p:cNvGrpSpPr/>
         <p:nvPr/>
       </p:nvGrpSpPr>
@@ -2661,7 +2712,7 @@
       </p:grpSpPr>
       <p:sp>
         <p:nvSpPr>
-          <p:cNvPr id="201" name="Google Shape;201;g40806a2254_2_19:notes"/>
+          <p:cNvPr id="215" name="Google Shape;215;g40806a2254_2_10:notes"/>
           <p:cNvSpPr txBox="1">
             <a:spLocks noGrp="1"/>
           </p:cNvSpPr>
@@ -2693,13 +2744,29 @@
               </a:spcAft>
               <a:buNone/>
             </a:pPr>
-            <a:endParaRPr/>
+            <a:r>
+              <a:rPr lang="ko-KR" altLang="en-US" dirty="0"/>
+              <a:t>예상 질문</a:t>
+            </a:r>
+            <a:endParaRPr lang="en-US" altLang="ko-KR" dirty="0"/>
+          </a:p>
+          <a:p>
+            <a:pPr marL="0" lvl="0" indent="0" algn="l" rtl="0">
+              <a:spcBef>
+                <a:spcPts val="0"/>
+              </a:spcBef>
+              <a:spcAft>
+                <a:spcPts val="0"/>
+              </a:spcAft>
+              <a:buNone/>
+            </a:pPr>
+            <a:endParaRPr dirty="0"/>
           </a:p>
         </p:txBody>
       </p:sp>
       <p:sp>
         <p:nvSpPr>
-          <p:cNvPr id="202" name="Google Shape;202;g40806a2254_2_19:notes"/>
+          <p:cNvPr id="216" name="Google Shape;216;g40806a2254_2_10:notes"/>
           <p:cNvSpPr>
             <a:spLocks noGrp="1" noRot="1" noChangeAspect="1"/>
           </p:cNvSpPr>
@@ -2751,7 +2818,7 @@
   <p:cSld>
     <p:spTree>
       <p:nvGrpSpPr>
-        <p:cNvPr id="1" name="Shape 206"/>
+        <p:cNvPr id="1" name="Shape 222"/>
         <p:cNvGrpSpPr/>
         <p:nvPr/>
       </p:nvGrpSpPr>
@@ -2765,7 +2832,7 @@
       </p:grpSpPr>
       <p:sp>
         <p:nvSpPr>
-          <p:cNvPr id="207" name="Google Shape;207;p8:notes"/>
+          <p:cNvPr id="223" name="Google Shape;223;p9:notes"/>
           <p:cNvSpPr txBox="1">
             <a:spLocks noGrp="1"/>
           </p:cNvSpPr>
@@ -2797,68 +2864,13 @@
               </a:spcAft>
               <a:buNone/>
             </a:pPr>
-            <a:r>
-              <a:rPr lang="ko-KR" altLang="en-US" dirty="0"/>
-              <a:t>배경을 어떻게 할 것인지</a:t>
-            </a:r>
-            <a:r>
-              <a:rPr lang="en-US" altLang="ko-KR" dirty="0"/>
-              <a:t>? - </a:t>
-            </a:r>
-            <a:r>
-              <a:rPr lang="ko-KR" altLang="en-US" dirty="0" err="1"/>
-              <a:t>큐브맵</a:t>
-            </a:r>
-            <a:endParaRPr lang="en-US" altLang="ko-KR" dirty="0"/>
-          </a:p>
-          <a:p>
-            <a:pPr marL="0" lvl="0" indent="0" algn="l" rtl="0">
-              <a:spcBef>
-                <a:spcPts val="0"/>
-              </a:spcBef>
-              <a:spcAft>
-                <a:spcPts val="0"/>
-              </a:spcAft>
-              <a:buNone/>
-            </a:pPr>
-            <a:r>
-              <a:rPr lang="ko-KR" altLang="en-US" dirty="0"/>
-              <a:t>건물을 공격해서 없애면 파편이 되는 오브젝트가 남는 것인가</a:t>
-            </a:r>
-            <a:r>
-              <a:rPr lang="en-US" altLang="ko-KR" dirty="0"/>
-              <a:t>? </a:t>
-            </a:r>
-            <a:r>
-              <a:rPr lang="ko-KR" altLang="en-US" dirty="0"/>
-              <a:t>그 파편도 충돌하는 것인가</a:t>
-            </a:r>
-            <a:r>
-              <a:rPr lang="en-US" altLang="ko-KR" dirty="0"/>
-              <a:t>?</a:t>
-            </a:r>
-          </a:p>
-          <a:p>
-            <a:pPr marL="0" lvl="0" indent="0" algn="l" rtl="0">
-              <a:spcBef>
-                <a:spcPts val="0"/>
-              </a:spcBef>
-              <a:spcAft>
-                <a:spcPts val="0"/>
-              </a:spcAft>
-              <a:buNone/>
-            </a:pPr>
-            <a:r>
-              <a:rPr lang="ko-KR" altLang="en-US" dirty="0"/>
-              <a:t>파편이 생긴다면 그 건물 파편을 어떻게 구현할 것인지</a:t>
-            </a:r>
-            <a:endParaRPr lang="en-US" altLang="ko-KR" dirty="0"/>
+            <a:endParaRPr/>
           </a:p>
         </p:txBody>
       </p:sp>
       <p:sp>
         <p:nvSpPr>
-          <p:cNvPr id="208" name="Google Shape;208;p8:notes"/>
+          <p:cNvPr id="224" name="Google Shape;224;p9:notes"/>
           <p:cNvSpPr>
             <a:spLocks noGrp="1" noRot="1" noChangeAspect="1"/>
           </p:cNvSpPr>
@@ -2910,7 +2922,7 @@
   <p:cSld>
     <p:spTree>
       <p:nvGrpSpPr>
-        <p:cNvPr id="1" name="Shape 214"/>
+        <p:cNvPr id="1" name="Shape 243"/>
         <p:cNvGrpSpPr/>
         <p:nvPr/>
       </p:nvGrpSpPr>
@@ -2924,7 +2936,7 @@
       </p:grpSpPr>
       <p:sp>
         <p:nvSpPr>
-          <p:cNvPr id="215" name="Google Shape;215;g40806a2254_2_10:notes"/>
+          <p:cNvPr id="244" name="Google Shape;244;g40806a2254_2_88:notes"/>
           <p:cNvSpPr txBox="1">
             <a:spLocks noGrp="1"/>
           </p:cNvSpPr>
@@ -2956,29 +2968,13 @@
               </a:spcAft>
               <a:buNone/>
             </a:pPr>
-            <a:r>
-              <a:rPr lang="ko-KR" altLang="en-US" dirty="0"/>
-              <a:t>예상 질문</a:t>
-            </a:r>
-            <a:endParaRPr lang="en-US" altLang="ko-KR" dirty="0"/>
-          </a:p>
-          <a:p>
-            <a:pPr marL="0" lvl="0" indent="0" algn="l" rtl="0">
-              <a:spcBef>
-                <a:spcPts val="0"/>
-              </a:spcBef>
-              <a:spcAft>
-                <a:spcPts val="0"/>
-              </a:spcAft>
-              <a:buNone/>
-            </a:pPr>
-            <a:endParaRPr dirty="0"/>
+            <a:endParaRPr/>
           </a:p>
         </p:txBody>
       </p:sp>
       <p:sp>
         <p:nvSpPr>
-          <p:cNvPr id="216" name="Google Shape;216;g40806a2254_2_10:notes"/>
+          <p:cNvPr id="245" name="Google Shape;245;g40806a2254_2_88:notes"/>
           <p:cNvSpPr>
             <a:spLocks noGrp="1" noRot="1" noChangeAspect="1"/>
           </p:cNvSpPr>
@@ -3030,7 +3026,7 @@
   <p:cSld>
     <p:spTree>
       <p:nvGrpSpPr>
-        <p:cNvPr id="1" name="Shape 222"/>
+        <p:cNvPr id="1" name="Shape 268"/>
         <p:cNvGrpSpPr/>
         <p:nvPr/>
       </p:nvGrpSpPr>
@@ -3044,7 +3040,7 @@
       </p:grpSpPr>
       <p:sp>
         <p:nvSpPr>
-          <p:cNvPr id="223" name="Google Shape;223;p9:notes"/>
+          <p:cNvPr id="269" name="Google Shape;269;p10:notes"/>
           <p:cNvSpPr txBox="1">
             <a:spLocks noGrp="1"/>
           </p:cNvSpPr>
@@ -3082,7 +3078,7 @@
       </p:sp>
       <p:sp>
         <p:nvSpPr>
-          <p:cNvPr id="224" name="Google Shape;224;p9:notes"/>
+          <p:cNvPr id="270" name="Google Shape;270;p10:notes"/>
           <p:cNvSpPr>
             <a:spLocks noGrp="1" noRot="1" noChangeAspect="1"/>
           </p:cNvSpPr>
@@ -3134,7 +3130,7 @@
   <p:cSld>
     <p:spTree>
       <p:nvGrpSpPr>
-        <p:cNvPr id="1" name="Shape 243"/>
+        <p:cNvPr id="1" name="Shape 274"/>
         <p:cNvGrpSpPr/>
         <p:nvPr/>
       </p:nvGrpSpPr>
@@ -3148,7 +3144,7 @@
       </p:grpSpPr>
       <p:sp>
         <p:nvSpPr>
-          <p:cNvPr id="244" name="Google Shape;244;g40806a2254_2_88:notes"/>
+          <p:cNvPr id="275" name="Google Shape;275;p11:notes"/>
           <p:cNvSpPr txBox="1">
             <a:spLocks noGrp="1"/>
           </p:cNvSpPr>
@@ -3186,7 +3182,7 @@
       </p:sp>
       <p:sp>
         <p:nvSpPr>
-          <p:cNvPr id="245" name="Google Shape;245;g40806a2254_2_88:notes"/>
+          <p:cNvPr id="276" name="Google Shape;276;p11:notes"/>
           <p:cNvSpPr>
             <a:spLocks noGrp="1" noRot="1" noChangeAspect="1"/>
           </p:cNvSpPr>
@@ -3238,7 +3234,7 @@
   <p:cSld>
     <p:spTree>
       <p:nvGrpSpPr>
-        <p:cNvPr id="1" name="Shape 268"/>
+        <p:cNvPr id="1" name="Shape 280"/>
         <p:cNvGrpSpPr/>
         <p:nvPr/>
       </p:nvGrpSpPr>
@@ -3252,7 +3248,7 @@
       </p:grpSpPr>
       <p:sp>
         <p:nvSpPr>
-          <p:cNvPr id="269" name="Google Shape;269;p10:notes"/>
+          <p:cNvPr id="281" name="Google Shape;281;p12:notes"/>
           <p:cNvSpPr txBox="1">
             <a:spLocks noGrp="1"/>
           </p:cNvSpPr>
@@ -3290,7 +3286,7 @@
       </p:sp>
       <p:sp>
         <p:nvSpPr>
-          <p:cNvPr id="270" name="Google Shape;270;p10:notes"/>
+          <p:cNvPr id="282" name="Google Shape;282;p12:notes"/>
           <p:cNvSpPr>
             <a:spLocks noGrp="1" noRot="1" noChangeAspect="1"/>
           </p:cNvSpPr>
@@ -3446,214 +3442,6 @@
   <p:cSld>
     <p:spTree>
       <p:nvGrpSpPr>
-        <p:cNvPr id="1" name="Shape 274"/>
-        <p:cNvGrpSpPr/>
-        <p:nvPr/>
-      </p:nvGrpSpPr>
-      <p:grpSpPr>
-        <a:xfrm>
-          <a:off x="0" y="0"/>
-          <a:ext cx="0" cy="0"/>
-          <a:chOff x="0" y="0"/>
-          <a:chExt cx="0" cy="0"/>
-        </a:xfrm>
-      </p:grpSpPr>
-      <p:sp>
-        <p:nvSpPr>
-          <p:cNvPr id="275" name="Google Shape;275;p11:notes"/>
-          <p:cNvSpPr txBox="1">
-            <a:spLocks noGrp="1"/>
-          </p:cNvSpPr>
-          <p:nvPr>
-            <p:ph type="body" idx="1"/>
-          </p:nvPr>
-        </p:nvSpPr>
-        <p:spPr>
-          <a:xfrm>
-            <a:off x="685800" y="4343400"/>
-            <a:ext cx="5486400" cy="4114800"/>
-          </a:xfrm>
-          <a:prstGeom prst="rect">
-            <a:avLst/>
-          </a:prstGeom>
-        </p:spPr>
-        <p:txBody>
-          <a:bodyPr spcFirstLastPara="1" wrap="square" lIns="91425" tIns="91425" rIns="91425" bIns="91425" anchor="t" anchorCtr="0">
-            <a:noAutofit/>
-          </a:bodyPr>
-          <a:lstStyle/>
-          <a:p>
-            <a:pPr marL="0" lvl="0" indent="0" algn="l" rtl="0">
-              <a:spcBef>
-                <a:spcPts val="0"/>
-              </a:spcBef>
-              <a:spcAft>
-                <a:spcPts val="0"/>
-              </a:spcAft>
-              <a:buNone/>
-            </a:pPr>
-            <a:endParaRPr/>
-          </a:p>
-        </p:txBody>
-      </p:sp>
-      <p:sp>
-        <p:nvSpPr>
-          <p:cNvPr id="276" name="Google Shape;276;p11:notes"/>
-          <p:cNvSpPr>
-            <a:spLocks noGrp="1" noRot="1" noChangeAspect="1"/>
-          </p:cNvSpPr>
-          <p:nvPr>
-            <p:ph type="sldImg" idx="2"/>
-          </p:nvPr>
-        </p:nvSpPr>
-        <p:spPr>
-          <a:xfrm>
-            <a:off x="381000" y="685800"/>
-            <a:ext cx="6096000" cy="3429000"/>
-          </a:xfrm>
-          <a:custGeom>
-            <a:avLst/>
-            <a:gdLst/>
-            <a:ahLst/>
-            <a:cxnLst/>
-            <a:rect l="l" t="t" r="r" b="b"/>
-            <a:pathLst>
-              <a:path w="120000" h="120000" extrusionOk="0">
-                <a:moveTo>
-                  <a:pt x="0" y="0"/>
-                </a:moveTo>
-                <a:lnTo>
-                  <a:pt x="120000" y="0"/>
-                </a:lnTo>
-                <a:lnTo>
-                  <a:pt x="120000" y="120000"/>
-                </a:lnTo>
-                <a:lnTo>
-                  <a:pt x="0" y="120000"/>
-                </a:lnTo>
-                <a:close/>
-              </a:path>
-            </a:pathLst>
-          </a:custGeom>
-        </p:spPr>
-      </p:sp>
-    </p:spTree>
-  </p:cSld>
-  <p:clrMapOvr>
-    <a:masterClrMapping/>
-  </p:clrMapOvr>
-</p:notes>
-</file>
-
-<file path=ppt/notesSlides/notesSlide21.xml><?xml version="1.0" encoding="utf-8"?>
-<p:notes xmlns:a="http://schemas.openxmlformats.org/drawingml/2006/main" xmlns:r="http://schemas.openxmlformats.org/officeDocument/2006/relationships" xmlns:p="http://schemas.openxmlformats.org/presentationml/2006/main" showMasterSp="0" showMasterPhAnim="0">
-  <p:cSld>
-    <p:spTree>
-      <p:nvGrpSpPr>
-        <p:cNvPr id="1" name="Shape 280"/>
-        <p:cNvGrpSpPr/>
-        <p:nvPr/>
-      </p:nvGrpSpPr>
-      <p:grpSpPr>
-        <a:xfrm>
-          <a:off x="0" y="0"/>
-          <a:ext cx="0" cy="0"/>
-          <a:chOff x="0" y="0"/>
-          <a:chExt cx="0" cy="0"/>
-        </a:xfrm>
-      </p:grpSpPr>
-      <p:sp>
-        <p:nvSpPr>
-          <p:cNvPr id="281" name="Google Shape;281;p12:notes"/>
-          <p:cNvSpPr txBox="1">
-            <a:spLocks noGrp="1"/>
-          </p:cNvSpPr>
-          <p:nvPr>
-            <p:ph type="body" idx="1"/>
-          </p:nvPr>
-        </p:nvSpPr>
-        <p:spPr>
-          <a:xfrm>
-            <a:off x="685800" y="4343400"/>
-            <a:ext cx="5486400" cy="4114800"/>
-          </a:xfrm>
-          <a:prstGeom prst="rect">
-            <a:avLst/>
-          </a:prstGeom>
-        </p:spPr>
-        <p:txBody>
-          <a:bodyPr spcFirstLastPara="1" wrap="square" lIns="91425" tIns="91425" rIns="91425" bIns="91425" anchor="t" anchorCtr="0">
-            <a:noAutofit/>
-          </a:bodyPr>
-          <a:lstStyle/>
-          <a:p>
-            <a:pPr marL="0" lvl="0" indent="0" algn="l" rtl="0">
-              <a:spcBef>
-                <a:spcPts val="0"/>
-              </a:spcBef>
-              <a:spcAft>
-                <a:spcPts val="0"/>
-              </a:spcAft>
-              <a:buNone/>
-            </a:pPr>
-            <a:endParaRPr/>
-          </a:p>
-        </p:txBody>
-      </p:sp>
-      <p:sp>
-        <p:nvSpPr>
-          <p:cNvPr id="282" name="Google Shape;282;p12:notes"/>
-          <p:cNvSpPr>
-            <a:spLocks noGrp="1" noRot="1" noChangeAspect="1"/>
-          </p:cNvSpPr>
-          <p:nvPr>
-            <p:ph type="sldImg" idx="2"/>
-          </p:nvPr>
-        </p:nvSpPr>
-        <p:spPr>
-          <a:xfrm>
-            <a:off x="381000" y="685800"/>
-            <a:ext cx="6096000" cy="3429000"/>
-          </a:xfrm>
-          <a:custGeom>
-            <a:avLst/>
-            <a:gdLst/>
-            <a:ahLst/>
-            <a:cxnLst/>
-            <a:rect l="l" t="t" r="r" b="b"/>
-            <a:pathLst>
-              <a:path w="120000" h="120000" extrusionOk="0">
-                <a:moveTo>
-                  <a:pt x="0" y="0"/>
-                </a:moveTo>
-                <a:lnTo>
-                  <a:pt x="120000" y="0"/>
-                </a:lnTo>
-                <a:lnTo>
-                  <a:pt x="120000" y="120000"/>
-                </a:lnTo>
-                <a:lnTo>
-                  <a:pt x="0" y="120000"/>
-                </a:lnTo>
-                <a:close/>
-              </a:path>
-            </a:pathLst>
-          </a:custGeom>
-        </p:spPr>
-      </p:sp>
-    </p:spTree>
-  </p:cSld>
-  <p:clrMapOvr>
-    <a:masterClrMapping/>
-  </p:clrMapOvr>
-</p:notes>
-</file>
-
-<file path=ppt/notesSlides/notesSlide22.xml><?xml version="1.0" encoding="utf-8"?>
-<p:notes xmlns:a="http://schemas.openxmlformats.org/drawingml/2006/main" xmlns:r="http://schemas.openxmlformats.org/officeDocument/2006/relationships" xmlns:p="http://schemas.openxmlformats.org/presentationml/2006/main" showMasterSp="0" showMasterPhAnim="0">
-  <p:cSld>
-    <p:spTree>
-      <p:nvGrpSpPr>
         <p:cNvPr id="1" name="Shape 286"/>
         <p:cNvGrpSpPr/>
         <p:nvPr/>
@@ -3966,7 +3754,7 @@
   <p:cSld>
     <p:spTree>
       <p:nvGrpSpPr>
-        <p:cNvPr id="1" name="Shape 139"/>
+        <p:cNvPr id="1" name="Shape 146"/>
         <p:cNvGrpSpPr/>
         <p:nvPr/>
       </p:nvGrpSpPr>
@@ -3980,7 +3768,7 @@
       </p:grpSpPr>
       <p:sp>
         <p:nvSpPr>
-          <p:cNvPr id="140" name="Google Shape;140;p4:notes"/>
+          <p:cNvPr id="147" name="Google Shape;147;p5:notes"/>
           <p:cNvSpPr txBox="1">
             <a:spLocks noGrp="1"/>
           </p:cNvSpPr>
@@ -4012,63 +3800,13 @@
               </a:spcAft>
               <a:buNone/>
             </a:pPr>
-            <a:r>
-              <a:rPr lang="ko-KR" altLang="en-US" dirty="0"/>
-              <a:t>예상 질문</a:t>
-            </a:r>
-            <a:r>
-              <a:rPr lang="en-US" altLang="ko-KR" dirty="0"/>
-              <a:t>: </a:t>
-            </a:r>
-          </a:p>
-          <a:p>
-            <a:pPr marL="0" lvl="0" indent="0" algn="l" rtl="0">
-              <a:spcBef>
-                <a:spcPts val="0"/>
-              </a:spcBef>
-              <a:spcAft>
-                <a:spcPts val="0"/>
-              </a:spcAft>
-              <a:buNone/>
-            </a:pPr>
-            <a:r>
-              <a:rPr lang="ko-KR" altLang="en-US" dirty="0"/>
-              <a:t>온라인이라는 것은 로그인을 한다는 뜻인가요</a:t>
-            </a:r>
-            <a:r>
-              <a:rPr lang="en-US" altLang="ko-KR" dirty="0"/>
-              <a:t>?</a:t>
-            </a:r>
-          </a:p>
-          <a:p>
-            <a:pPr marL="0" lvl="0" indent="0" algn="l" rtl="0">
-              <a:spcBef>
-                <a:spcPts val="0"/>
-              </a:spcBef>
-              <a:spcAft>
-                <a:spcPts val="0"/>
-              </a:spcAft>
-              <a:buNone/>
-            </a:pPr>
-            <a:r>
-              <a:rPr lang="ko-KR" altLang="en-US" dirty="0"/>
-              <a:t>넓은 공간이라는 게 어느 </a:t>
-            </a:r>
-            <a:r>
-              <a:rPr lang="ko-KR" altLang="en-US" dirty="0" err="1"/>
-              <a:t>정도죠</a:t>
-            </a:r>
-            <a:r>
-              <a:rPr lang="en-US" altLang="ko-KR" dirty="0"/>
-              <a:t>?</a:t>
-            </a:r>
-            <a:endParaRPr dirty="0"/>
+            <a:endParaRPr/>
           </a:p>
         </p:txBody>
       </p:sp>
       <p:sp>
         <p:nvSpPr>
-          <p:cNvPr id="141" name="Google Shape;141;p4:notes"/>
+          <p:cNvPr id="148" name="Google Shape;148;p5:notes"/>
           <p:cNvSpPr>
             <a:spLocks noGrp="1" noRot="1" noChangeAspect="1"/>
           </p:cNvSpPr>
@@ -4120,7 +3858,7 @@
   <p:cSld>
     <p:spTree>
       <p:nvGrpSpPr>
-        <p:cNvPr id="1" name="Shape 146"/>
+        <p:cNvPr id="1" name="Shape 173"/>
         <p:cNvGrpSpPr/>
         <p:nvPr/>
       </p:nvGrpSpPr>
@@ -4134,7 +3872,7 @@
       </p:grpSpPr>
       <p:sp>
         <p:nvSpPr>
-          <p:cNvPr id="147" name="Google Shape;147;p5:notes"/>
+          <p:cNvPr id="174" name="Google Shape;174;g40806a2254_2_57:notes"/>
           <p:cNvSpPr txBox="1">
             <a:spLocks noGrp="1"/>
           </p:cNvSpPr>
@@ -4166,13 +3904,37 @@
               </a:spcAft>
               <a:buNone/>
             </a:pPr>
-            <a:endParaRPr/>
+            <a:r>
+              <a:rPr lang="ko-KR" altLang="en-US" dirty="0"/>
+              <a:t>예상질문</a:t>
+            </a:r>
+            <a:endParaRPr lang="en-US" altLang="ko-KR" dirty="0"/>
+          </a:p>
+          <a:p>
+            <a:pPr marL="0" lvl="0" indent="0" algn="l" rtl="0">
+              <a:spcBef>
+                <a:spcPts val="0"/>
+              </a:spcBef>
+              <a:spcAft>
+                <a:spcPts val="0"/>
+              </a:spcAft>
+              <a:buNone/>
+            </a:pPr>
+            <a:r>
+              <a:rPr lang="ko-KR" altLang="en-US" dirty="0"/>
+              <a:t>무기를 바꿀 때 무기를 들고 있는 모습의 모델로 바꾸는지 무기의 모델만 바뀌는지</a:t>
+            </a:r>
+            <a:r>
+              <a:rPr lang="en-US" altLang="ko-KR" dirty="0"/>
+              <a:t>?</a:t>
+            </a:r>
+            <a:endParaRPr dirty="0"/>
           </a:p>
         </p:txBody>
       </p:sp>
       <p:sp>
         <p:nvSpPr>
-          <p:cNvPr id="148" name="Google Shape;148;p5:notes"/>
+          <p:cNvPr id="175" name="Google Shape;175;g40806a2254_2_57:notes"/>
           <p:cNvSpPr>
             <a:spLocks noGrp="1" noRot="1" noChangeAspect="1"/>
           </p:cNvSpPr>
@@ -4224,7 +3986,7 @@
   <p:cSld>
     <p:spTree>
       <p:nvGrpSpPr>
-        <p:cNvPr id="1" name="Shape 173"/>
+        <p:cNvPr id="1" name="Shape 182"/>
         <p:cNvGrpSpPr/>
         <p:nvPr/>
       </p:nvGrpSpPr>
@@ -4238,7 +4000,7 @@
       </p:grpSpPr>
       <p:sp>
         <p:nvSpPr>
-          <p:cNvPr id="174" name="Google Shape;174;g40806a2254_2_57:notes"/>
+          <p:cNvPr id="183" name="Google Shape;183;g40806a2254_2_132:notes"/>
           <p:cNvSpPr txBox="1">
             <a:spLocks noGrp="1"/>
           </p:cNvSpPr>
@@ -4270,37 +4032,13 @@
               </a:spcAft>
               <a:buNone/>
             </a:pPr>
-            <a:r>
-              <a:rPr lang="ko-KR" altLang="en-US" dirty="0"/>
-              <a:t>예상질문</a:t>
-            </a:r>
-            <a:endParaRPr lang="en-US" altLang="ko-KR" dirty="0"/>
-          </a:p>
-          <a:p>
-            <a:pPr marL="0" lvl="0" indent="0" algn="l" rtl="0">
-              <a:spcBef>
-                <a:spcPts val="0"/>
-              </a:spcBef>
-              <a:spcAft>
-                <a:spcPts val="0"/>
-              </a:spcAft>
-              <a:buNone/>
-            </a:pPr>
-            <a:r>
-              <a:rPr lang="ko-KR" altLang="en-US" dirty="0"/>
-              <a:t>무기를 바꿀 때 무기를 들고 있는 모습의 모델로 바꾸는지 무기의 모델만 바뀌는지</a:t>
-            </a:r>
-            <a:r>
-              <a:rPr lang="en-US" altLang="ko-KR" dirty="0"/>
-              <a:t>?</a:t>
-            </a:r>
-            <a:endParaRPr dirty="0"/>
+            <a:endParaRPr/>
           </a:p>
         </p:txBody>
       </p:sp>
       <p:sp>
         <p:nvSpPr>
-          <p:cNvPr id="175" name="Google Shape;175;g40806a2254_2_57:notes"/>
+          <p:cNvPr id="184" name="Google Shape;184;g40806a2254_2_132:notes"/>
           <p:cNvSpPr>
             <a:spLocks noGrp="1" noRot="1" noChangeAspect="1"/>
           </p:cNvSpPr>
@@ -4352,7 +4090,7 @@
   <p:cSld>
     <p:spTree>
       <p:nvGrpSpPr>
-        <p:cNvPr id="1" name="Shape 182"/>
+        <p:cNvPr id="1" name="Shape 154"/>
         <p:cNvGrpSpPr/>
         <p:nvPr/>
       </p:nvGrpSpPr>
@@ -4366,7 +4104,7 @@
       </p:grpSpPr>
       <p:sp>
         <p:nvSpPr>
-          <p:cNvPr id="183" name="Google Shape;183;g40806a2254_2_132:notes"/>
+          <p:cNvPr id="155" name="Google Shape;155;g40806a2254_2_1:notes"/>
           <p:cNvSpPr txBox="1">
             <a:spLocks noGrp="1"/>
           </p:cNvSpPr>
@@ -4404,7 +4142,7 @@
       </p:sp>
       <p:sp>
         <p:nvSpPr>
-          <p:cNvPr id="184" name="Google Shape;184;g40806a2254_2_132:notes"/>
+          <p:cNvPr id="156" name="Google Shape;156;g40806a2254_2_1:notes"/>
           <p:cNvSpPr>
             <a:spLocks noGrp="1" noRot="1" noChangeAspect="1"/>
           </p:cNvSpPr>
@@ -4456,7 +4194,7 @@
   <p:cSld>
     <p:spTree>
       <p:nvGrpSpPr>
-        <p:cNvPr id="1" name="Shape 188"/>
+        <p:cNvPr id="1" name="Shape 161"/>
         <p:cNvGrpSpPr/>
         <p:nvPr/>
       </p:nvGrpSpPr>
@@ -4470,7 +4208,7 @@
       </p:grpSpPr>
       <p:sp>
         <p:nvSpPr>
-          <p:cNvPr id="189" name="Google Shape;189;g40806a2254_2_137:notes"/>
+          <p:cNvPr id="162" name="Google Shape;162;g40806a2254_2_39:notes"/>
           <p:cNvSpPr txBox="1">
             <a:spLocks noGrp="1"/>
           </p:cNvSpPr>
@@ -4502,25 +4240,13 @@
               </a:spcAft>
               <a:buNone/>
             </a:pPr>
-            <a:r>
-              <a:rPr lang="ko-KR" altLang="en-US" dirty="0"/>
-              <a:t>상대가 멀리 있을 때 자동 조준을 사용하면 평생 못 맞힘</a:t>
-            </a:r>
-            <a:r>
-              <a:rPr lang="en-US" altLang="ko-KR" dirty="0"/>
-              <a:t>. -&gt; </a:t>
-            </a:r>
-            <a:r>
-              <a:rPr lang="ko-KR" altLang="en-US" dirty="0"/>
-              <a:t>자동 조준 기능을 끄고 켤 수 있어야 함</a:t>
-            </a:r>
-            <a:endParaRPr dirty="0"/>
+            <a:endParaRPr/>
           </a:p>
         </p:txBody>
       </p:sp>
       <p:sp>
         <p:nvSpPr>
-          <p:cNvPr id="190" name="Google Shape;190;g40806a2254_2_137:notes"/>
+          <p:cNvPr id="163" name="Google Shape;163;g40806a2254_2_39:notes"/>
           <p:cNvSpPr>
             <a:spLocks noGrp="1" noRot="1" noChangeAspect="1"/>
           </p:cNvSpPr>
@@ -4662,7 +4388,7 @@
           <a:effectLst/>
           <a:extLst>
             <a:ext uri="{91240B29-F687-4f45-9708-019B960494DF}">
-              <a14:hiddenLine xmlns="" xmlns:a14="http://schemas.microsoft.com/office/drawing/2010/main" w="9525">
+              <a14:hiddenLine xmlns:a14="http://schemas.microsoft.com/office/drawing/2010/main" xmlns="" w="9525">
                 <a:solidFill>
                   <a:srgbClr val="000000"/>
                 </a:solidFill>
@@ -4854,7 +4580,7 @@
           <a:p>
             <a:fld id="{15DD6BF9-BA48-4886-872B-235049FCC2DF}" type="datetimeFigureOut">
               <a:rPr lang="ko-KR" altLang="en-US" smtClean="0"/>
-              <a:t>2018-12-09</a:t>
+              <a:t>2018-12-10</a:t>
             </a:fld>
             <a:endParaRPr lang="ko-KR" altLang="en-US"/>
           </a:p>
@@ -5172,7 +4898,7 @@
           <a:p>
             <a:fld id="{15DD6BF9-BA48-4886-872B-235049FCC2DF}" type="datetimeFigureOut">
               <a:rPr lang="ko-KR" altLang="en-US" smtClean="0"/>
-              <a:t>2018-12-09</a:t>
+              <a:t>2018-12-10</a:t>
             </a:fld>
             <a:endParaRPr lang="ko-KR" altLang="en-US"/>
           </a:p>
@@ -5660,7 +5386,7 @@
           <a:p>
             <a:fld id="{15DD6BF9-BA48-4886-872B-235049FCC2DF}" type="datetimeFigureOut">
               <a:rPr lang="ko-KR" altLang="en-US" smtClean="0"/>
-              <a:t>2018-12-09</a:t>
+              <a:t>2018-12-10</a:t>
             </a:fld>
             <a:endParaRPr lang="ko-KR" altLang="en-US"/>
           </a:p>
@@ -6029,7 +5755,7 @@
           <a:p>
             <a:fld id="{15DD6BF9-BA48-4886-872B-235049FCC2DF}" type="datetimeFigureOut">
               <a:rPr lang="ko-KR" altLang="en-US" smtClean="0"/>
-              <a:t>2018-12-09</a:t>
+              <a:t>2018-12-10</a:t>
             </a:fld>
             <a:endParaRPr lang="ko-KR" altLang="en-US"/>
           </a:p>
@@ -6184,7 +5910,7 @@
           <a:ln/>
           <a:extLst>
             <a:ext uri="{91240B29-F687-4f45-9708-019B960494DF}">
-              <a14:hiddenLine xmlns="" xmlns:a14="http://schemas.microsoft.com/office/drawing/2010/main" w="9525">
+              <a14:hiddenLine xmlns:a14="http://schemas.microsoft.com/office/drawing/2010/main" xmlns="" w="9525">
                 <a:solidFill>
                   <a:srgbClr val="000000"/>
                 </a:solidFill>
@@ -6302,7 +6028,7 @@
           <a:p>
             <a:fld id="{15DD6BF9-BA48-4886-872B-235049FCC2DF}" type="datetimeFigureOut">
               <a:rPr lang="ko-KR" altLang="en-US" smtClean="0"/>
-              <a:t>2018-12-09</a:t>
+              <a:t>2018-12-10</a:t>
             </a:fld>
             <a:endParaRPr lang="ko-KR" altLang="en-US"/>
           </a:p>
@@ -6459,7 +6185,7 @@
           <a:ln/>
           <a:extLst>
             <a:ext uri="{91240B29-F687-4f45-9708-019B960494DF}">
-              <a14:hiddenLine xmlns="" xmlns:a14="http://schemas.microsoft.com/office/drawing/2010/main" w="9525">
+              <a14:hiddenLine xmlns:a14="http://schemas.microsoft.com/office/drawing/2010/main" xmlns="" w="9525">
                 <a:solidFill>
                   <a:srgbClr val="000000"/>
                 </a:solidFill>
@@ -6587,7 +6313,7 @@
           <a:p>
             <a:fld id="{15DD6BF9-BA48-4886-872B-235049FCC2DF}" type="datetimeFigureOut">
               <a:rPr lang="ko-KR" altLang="en-US" smtClean="0"/>
-              <a:t>2018-12-09</a:t>
+              <a:t>2018-12-10</a:t>
             </a:fld>
             <a:endParaRPr lang="ko-KR" altLang="en-US"/>
           </a:p>
@@ -6742,7 +6468,7 @@
           <a:ln/>
           <a:extLst>
             <a:ext uri="{91240B29-F687-4f45-9708-019B960494DF}">
-              <a14:hiddenLine xmlns="" xmlns:a14="http://schemas.microsoft.com/office/drawing/2010/main" w="9525">
+              <a14:hiddenLine xmlns:a14="http://schemas.microsoft.com/office/drawing/2010/main" xmlns="" w="9525">
                 <a:solidFill>
                   <a:srgbClr val="000000"/>
                 </a:solidFill>
@@ -6870,7 +6596,7 @@
           <a:p>
             <a:fld id="{15DD6BF9-BA48-4886-872B-235049FCC2DF}" type="datetimeFigureOut">
               <a:rPr lang="ko-KR" altLang="en-US" smtClean="0"/>
-              <a:t>2018-12-09</a:t>
+              <a:t>2018-12-10</a:t>
             </a:fld>
             <a:endParaRPr lang="ko-KR" altLang="en-US"/>
           </a:p>
@@ -7218,7 +6944,7 @@
           <a:p>
             <a:fld id="{15DD6BF9-BA48-4886-872B-235049FCC2DF}" type="datetimeFigureOut">
               <a:rPr lang="ko-KR" altLang="en-US" smtClean="0"/>
-              <a:t>2018-12-09</a:t>
+              <a:t>2018-12-10</a:t>
             </a:fld>
             <a:endParaRPr lang="ko-KR" altLang="en-US"/>
           </a:p>
@@ -7373,7 +7099,7 @@
           <a:ln/>
           <a:extLst>
             <a:ext uri="{91240B29-F687-4f45-9708-019B960494DF}">
-              <a14:hiddenLine xmlns="" xmlns:a14="http://schemas.microsoft.com/office/drawing/2010/main" w="9525">
+              <a14:hiddenLine xmlns:a14="http://schemas.microsoft.com/office/drawing/2010/main" xmlns="" w="9525">
                 <a:solidFill>
                   <a:srgbClr val="000000"/>
                 </a:solidFill>
@@ -7557,7 +7283,7 @@
           <a:p>
             <a:fld id="{15DD6BF9-BA48-4886-872B-235049FCC2DF}" type="datetimeFigureOut">
               <a:rPr lang="ko-KR" altLang="en-US" smtClean="0"/>
-              <a:t>2018-12-09</a:t>
+              <a:t>2018-12-10</a:t>
             </a:fld>
             <a:endParaRPr lang="ko-KR" altLang="en-US"/>
           </a:p>
@@ -7712,7 +7438,7 @@
           <a:ln/>
           <a:extLst>
             <a:ext uri="{91240B29-F687-4f45-9708-019B960494DF}">
-              <a14:hiddenLine xmlns="" xmlns:a14="http://schemas.microsoft.com/office/drawing/2010/main" w="9525">
+              <a14:hiddenLine xmlns:a14="http://schemas.microsoft.com/office/drawing/2010/main" xmlns="" w="9525">
                 <a:solidFill>
                   <a:srgbClr val="000000"/>
                 </a:solidFill>
@@ -8034,7 +7760,7 @@
           <a:p>
             <a:fld id="{15DD6BF9-BA48-4886-872B-235049FCC2DF}" type="datetimeFigureOut">
               <a:rPr lang="ko-KR" altLang="en-US" smtClean="0"/>
-              <a:t>2018-12-09</a:t>
+              <a:t>2018-12-10</a:t>
             </a:fld>
             <a:endParaRPr lang="ko-KR" altLang="en-US"/>
           </a:p>
@@ -8189,7 +7915,7 @@
           <a:ln/>
           <a:extLst>
             <a:ext uri="{91240B29-F687-4f45-9708-019B960494DF}">
-              <a14:hiddenLine xmlns="" xmlns:a14="http://schemas.microsoft.com/office/drawing/2010/main" w="9525">
+              <a14:hiddenLine xmlns:a14="http://schemas.microsoft.com/office/drawing/2010/main" xmlns="" w="9525">
                 <a:solidFill>
                   <a:srgbClr val="000000"/>
                 </a:solidFill>
@@ -8255,7 +7981,7 @@
           <a:p>
             <a:fld id="{15DD6BF9-BA48-4886-872B-235049FCC2DF}" type="datetimeFigureOut">
               <a:rPr lang="ko-KR" altLang="en-US" smtClean="0"/>
-              <a:t>2018-12-09</a:t>
+              <a:t>2018-12-10</a:t>
             </a:fld>
             <a:endParaRPr lang="ko-KR" altLang="en-US"/>
           </a:p>
@@ -8350,7 +8076,7 @@
           <a:p>
             <a:fld id="{15DD6BF9-BA48-4886-872B-235049FCC2DF}" type="datetimeFigureOut">
               <a:rPr lang="ko-KR" altLang="en-US" smtClean="0"/>
-              <a:t>2018-12-09</a:t>
+              <a:t>2018-12-10</a:t>
             </a:fld>
             <a:endParaRPr lang="ko-KR" altLang="en-US"/>
           </a:p>
@@ -8618,7 +8344,7 @@
           <a:ln/>
           <a:extLst>
             <a:ext uri="{91240B29-F687-4f45-9708-019B960494DF}">
-              <a14:hiddenLine xmlns="" xmlns:a14="http://schemas.microsoft.com/office/drawing/2010/main" w="9525">
+              <a14:hiddenLine xmlns:a14="http://schemas.microsoft.com/office/drawing/2010/main" xmlns="" w="9525">
                 <a:solidFill>
                   <a:srgbClr val="000000"/>
                 </a:solidFill>
@@ -8817,7 +8543,7 @@
           <a:p>
             <a:fld id="{15DD6BF9-BA48-4886-872B-235049FCC2DF}" type="datetimeFigureOut">
               <a:rPr lang="ko-KR" altLang="en-US" smtClean="0"/>
-              <a:t>2018-12-09</a:t>
+              <a:t>2018-12-10</a:t>
             </a:fld>
             <a:endParaRPr lang="ko-KR" altLang="en-US"/>
           </a:p>
@@ -9130,7 +8856,7 @@
           <a:p>
             <a:fld id="{15DD6BF9-BA48-4886-872B-235049FCC2DF}" type="datetimeFigureOut">
               <a:rPr lang="ko-KR" altLang="en-US" smtClean="0"/>
-              <a:t>2018-12-09</a:t>
+              <a:t>2018-12-10</a:t>
             </a:fld>
             <a:endParaRPr lang="ko-KR" altLang="en-US"/>
           </a:p>
@@ -9400,7 +9126,7 @@
           <a:p>
             <a:fld id="{15DD6BF9-BA48-4886-872B-235049FCC2DF}" type="datetimeFigureOut">
               <a:rPr lang="ko-KR" altLang="en-US" smtClean="0"/>
-              <a:t>2018-12-09</a:t>
+              <a:t>2018-12-10</a:t>
             </a:fld>
             <a:endParaRPr lang="ko-KR" altLang="en-US"/>
           </a:p>
@@ -10104,1078 +9830,6 @@
   <p:cSld>
     <p:spTree>
       <p:nvGrpSpPr>
-        <p:cNvPr id="1" name="Shape 157"/>
-        <p:cNvGrpSpPr/>
-        <p:nvPr/>
-      </p:nvGrpSpPr>
-      <p:grpSpPr>
-        <a:xfrm>
-          <a:off x="0" y="0"/>
-          <a:ext cx="0" cy="0"/>
-          <a:chOff x="0" y="0"/>
-          <a:chExt cx="0" cy="0"/>
-        </a:xfrm>
-      </p:grpSpPr>
-      <p:sp>
-        <p:nvSpPr>
-          <p:cNvPr id="159" name="Google Shape;159;p22"/>
-          <p:cNvSpPr txBox="1">
-            <a:spLocks noGrp="1"/>
-          </p:cNvSpPr>
-          <p:nvPr>
-            <p:ph idx="1"/>
-          </p:nvPr>
-        </p:nvSpPr>
-        <p:spPr>
-          <a:xfrm>
-            <a:off x="818712" y="3429000"/>
-            <a:ext cx="10554600" cy="2429886"/>
-          </a:xfrm>
-          <a:prstGeom prst="rect">
-            <a:avLst/>
-          </a:prstGeom>
-          <a:noFill/>
-          <a:ln>
-            <a:noFill/>
-          </a:ln>
-          <a:effectLst>
-            <a:outerShdw blurRad="50800">
-              <a:srgbClr val="000000">
-                <a:alpha val="40000"/>
-              </a:srgbClr>
-            </a:outerShdw>
-          </a:effectLst>
-        </p:spPr>
-        <p:txBody>
-          <a:bodyPr spcFirstLastPara="1" wrap="square" lIns="91425" tIns="45700" rIns="91425" bIns="45700" anchor="ctr" anchorCtr="0">
-            <a:noAutofit/>
-          </a:bodyPr>
-          <a:lstStyle/>
-          <a:p>
-            <a:pPr>
-              <a:lnSpc>
-                <a:spcPct val="150000"/>
-              </a:lnSpc>
-              <a:spcBef>
-                <a:spcPts val="0"/>
-              </a:spcBef>
-              <a:spcAft>
-                <a:spcPts val="0"/>
-              </a:spcAft>
-              <a:buSzPct val="88000"/>
-            </a:pPr>
-            <a:r>
-              <a:rPr lang="ko-KR" sz="1700" dirty="0">
-                <a:solidFill>
-                  <a:srgbClr val="FFFFFF"/>
-                </a:solidFill>
-                <a:latin typeface="+mn-ea"/>
-                <a:ea typeface="+mn-ea"/>
-              </a:rPr>
-              <a:t>체력, 방어력, </a:t>
-            </a:r>
-            <a:r>
-              <a:rPr lang="ko-KR" altLang="en-US" sz="1700" dirty="0">
-                <a:solidFill>
-                  <a:srgbClr val="FFFFFF"/>
-                </a:solidFill>
-                <a:latin typeface="+mn-ea"/>
-              </a:rPr>
-              <a:t>이동속도</a:t>
-            </a:r>
-            <a:r>
-              <a:rPr lang="ko-KR" sz="1700" dirty="0">
-                <a:solidFill>
-                  <a:srgbClr val="FFFFFF"/>
-                </a:solidFill>
-                <a:latin typeface="+mn-ea"/>
-                <a:ea typeface="+mn-ea"/>
-              </a:rPr>
-              <a:t>가 높</a:t>
-            </a:r>
-            <a:r>
-              <a:rPr lang="ko-KR" altLang="en-US" sz="1700" dirty="0">
-                <a:solidFill>
-                  <a:srgbClr val="FFFFFF"/>
-                </a:solidFill>
-                <a:latin typeface="+mn-ea"/>
-              </a:rPr>
-              <a:t>은 근접 전투 특화 타입</a:t>
-            </a:r>
-            <a:endParaRPr lang="en-US" altLang="ko-KR" sz="1700" dirty="0">
-              <a:solidFill>
-                <a:srgbClr val="FFFFFF"/>
-              </a:solidFill>
-              <a:latin typeface="+mn-ea"/>
-              <a:ea typeface="+mn-ea"/>
-            </a:endParaRPr>
-          </a:p>
-          <a:p>
-            <a:pPr>
-              <a:lnSpc>
-                <a:spcPct val="150000"/>
-              </a:lnSpc>
-              <a:spcBef>
-                <a:spcPts val="0"/>
-              </a:spcBef>
-              <a:spcAft>
-                <a:spcPts val="0"/>
-              </a:spcAft>
-              <a:buSzPct val="88000"/>
-            </a:pPr>
-            <a:r>
-              <a:rPr lang="ko-KR" altLang="en-US" sz="1700" dirty="0">
-                <a:solidFill>
-                  <a:srgbClr val="FFFFFF"/>
-                </a:solidFill>
-                <a:latin typeface="+mn-ea"/>
-                <a:ea typeface="+mn-ea"/>
-              </a:rPr>
-              <a:t>수평 </a:t>
-            </a:r>
-            <a:r>
-              <a:rPr lang="ko-KR" altLang="en-US" sz="1700" dirty="0">
-                <a:solidFill>
-                  <a:srgbClr val="FFFFFF"/>
-                </a:solidFill>
-                <a:latin typeface="+mn-ea"/>
-              </a:rPr>
-              <a:t>이동시 </a:t>
-            </a:r>
-            <a:r>
-              <a:rPr lang="ko-KR" sz="1700" dirty="0">
-                <a:solidFill>
-                  <a:srgbClr val="FFFFFF"/>
-                </a:solidFill>
-                <a:latin typeface="+mn-ea"/>
-                <a:ea typeface="+mn-ea"/>
-              </a:rPr>
-              <a:t>부스터를 </a:t>
-            </a:r>
-            <a:r>
-              <a:rPr lang="ko-KR" altLang="en-US" sz="1700" dirty="0">
-                <a:solidFill>
-                  <a:srgbClr val="FFFFFF"/>
-                </a:solidFill>
-                <a:latin typeface="+mn-ea"/>
-                <a:ea typeface="+mn-ea"/>
-              </a:rPr>
-              <a:t>소모하는 양이 적다</a:t>
-            </a:r>
-            <a:endParaRPr lang="en-US" altLang="ko-KR" sz="1700" dirty="0">
-              <a:solidFill>
-                <a:srgbClr val="FFFFFF"/>
-              </a:solidFill>
-              <a:latin typeface="+mn-ea"/>
-              <a:ea typeface="+mn-ea"/>
-            </a:endParaRPr>
-          </a:p>
-          <a:p>
-            <a:pPr>
-              <a:lnSpc>
-                <a:spcPct val="150000"/>
-              </a:lnSpc>
-              <a:spcBef>
-                <a:spcPts val="0"/>
-              </a:spcBef>
-              <a:spcAft>
-                <a:spcPts val="0"/>
-              </a:spcAft>
-              <a:buSzPct val="88000"/>
-            </a:pPr>
-            <a:r>
-              <a:rPr lang="ko-KR" altLang="en-US" sz="1700" dirty="0">
-                <a:solidFill>
-                  <a:srgbClr val="FFFFFF"/>
-                </a:solidFill>
-                <a:latin typeface="+mn-ea"/>
-                <a:ea typeface="+mn-ea"/>
-              </a:rPr>
-              <a:t>시야가 좁고 </a:t>
-            </a:r>
-            <a:r>
-              <a:rPr lang="ko-KR" sz="1700" dirty="0">
-                <a:solidFill>
-                  <a:srgbClr val="FFFFFF"/>
-                </a:solidFill>
-                <a:latin typeface="+mn-ea"/>
-                <a:ea typeface="+mn-ea"/>
-              </a:rPr>
-              <a:t>자동</a:t>
-            </a:r>
-            <a:r>
-              <a:rPr lang="en-US" altLang="ko-KR" sz="1700" dirty="0">
-                <a:solidFill>
-                  <a:srgbClr val="FFFFFF"/>
-                </a:solidFill>
-                <a:latin typeface="+mn-ea"/>
-                <a:ea typeface="+mn-ea"/>
-              </a:rPr>
-              <a:t> </a:t>
-            </a:r>
-            <a:r>
-              <a:rPr lang="ko-KR" sz="1700" dirty="0">
-                <a:solidFill>
-                  <a:srgbClr val="FFFFFF"/>
-                </a:solidFill>
-                <a:latin typeface="+mn-ea"/>
-                <a:ea typeface="+mn-ea"/>
-              </a:rPr>
-              <a:t>조준</a:t>
-            </a:r>
-            <a:r>
-              <a:rPr lang="ko-KR" altLang="en-US" sz="1700" dirty="0">
-                <a:solidFill>
-                  <a:srgbClr val="FFFFFF"/>
-                </a:solidFill>
-                <a:latin typeface="+mn-ea"/>
-                <a:ea typeface="+mn-ea"/>
-              </a:rPr>
-              <a:t>이 되는</a:t>
-            </a:r>
-            <a:r>
-              <a:rPr lang="ko-KR" sz="1700" dirty="0">
-                <a:solidFill>
-                  <a:srgbClr val="FFFFFF"/>
-                </a:solidFill>
-                <a:latin typeface="+mn-ea"/>
-                <a:ea typeface="+mn-ea"/>
-              </a:rPr>
-              <a:t> 거리가 짧</a:t>
-            </a:r>
-            <a:r>
-              <a:rPr lang="ko-KR" altLang="en-US" sz="1700" dirty="0">
-                <a:solidFill>
-                  <a:srgbClr val="FFFFFF"/>
-                </a:solidFill>
-                <a:latin typeface="+mn-ea"/>
-                <a:ea typeface="+mn-ea"/>
-              </a:rPr>
-              <a:t>다</a:t>
-            </a:r>
-            <a:endParaRPr sz="1700" dirty="0">
-              <a:solidFill>
-                <a:srgbClr val="FFFFFF"/>
-              </a:solidFill>
-              <a:latin typeface="+mn-ea"/>
-              <a:ea typeface="+mn-ea"/>
-            </a:endParaRPr>
-          </a:p>
-        </p:txBody>
-      </p:sp>
-      <p:sp>
-        <p:nvSpPr>
-          <p:cNvPr id="7" name="Google Shape;150;p21">
-            <a:extLst>
-              <a:ext uri="{FF2B5EF4-FFF2-40B4-BE49-F238E27FC236}">
-                <a16:creationId xmlns:a16="http://schemas.microsoft.com/office/drawing/2014/main" id="{E511CBAA-507F-4CC5-99DC-5B07EAD3C166}"/>
-              </a:ext>
-            </a:extLst>
-          </p:cNvPr>
-          <p:cNvSpPr txBox="1">
-            <a:spLocks noGrp="1"/>
-          </p:cNvSpPr>
-          <p:nvPr>
-            <p:ph type="title"/>
-          </p:nvPr>
-        </p:nvSpPr>
-        <p:spPr>
-          <a:xfrm>
-            <a:off x="810000" y="447188"/>
-            <a:ext cx="10571998" cy="970450"/>
-          </a:xfrm>
-          <a:prstGeom prst="rect">
-            <a:avLst/>
-          </a:prstGeom>
-          <a:noFill/>
-          <a:ln>
-            <a:noFill/>
-          </a:ln>
-          <a:effectLst>
-            <a:outerShdw blurRad="50800">
-              <a:srgbClr val="000000">
-                <a:alpha val="60000"/>
-              </a:srgbClr>
-            </a:outerShdw>
-          </a:effectLst>
-        </p:spPr>
-        <p:txBody>
-          <a:bodyPr spcFirstLastPara="1" wrap="square" lIns="91425" tIns="45700" rIns="91425" bIns="45700" anchor="b" anchorCtr="0">
-            <a:noAutofit/>
-          </a:bodyPr>
-          <a:lstStyle/>
-          <a:p>
-            <a:pPr marL="0" marR="0" lvl="0" indent="0" algn="l" rtl="0">
-              <a:spcBef>
-                <a:spcPts val="0"/>
-              </a:spcBef>
-              <a:spcAft>
-                <a:spcPts val="0"/>
-              </a:spcAft>
-              <a:buClr>
-                <a:srgbClr val="FEFEFE"/>
-              </a:buClr>
-              <a:buSzPts val="4000"/>
-              <a:buFont typeface="Century Gothic"/>
-              <a:buNone/>
-            </a:pPr>
-            <a:r>
-              <a:rPr lang="ko-KR" sz="4000" b="1" i="0" u="none" strike="noStrike" cap="none" dirty="0">
-                <a:solidFill>
-                  <a:srgbClr val="FEFEFE"/>
-                </a:solidFill>
-                <a:latin typeface="+mn-ea"/>
-                <a:ea typeface="+mn-ea"/>
-                <a:cs typeface="Century Gothic"/>
-                <a:sym typeface="Century Gothic"/>
-              </a:rPr>
-              <a:t>게임 컨셉</a:t>
-            </a:r>
-            <a:endParaRPr dirty="0">
-              <a:latin typeface="+mn-ea"/>
-              <a:ea typeface="+mn-ea"/>
-            </a:endParaRPr>
-          </a:p>
-        </p:txBody>
-      </p:sp>
-      <p:sp>
-        <p:nvSpPr>
-          <p:cNvPr id="4" name="TextBox 3">
-            <a:extLst>
-              <a:ext uri="{FF2B5EF4-FFF2-40B4-BE49-F238E27FC236}">
-                <a16:creationId xmlns:a16="http://schemas.microsoft.com/office/drawing/2014/main" id="{D9FC5E08-F399-49DE-AB64-E50DD6FA0FC3}"/>
-              </a:ext>
-            </a:extLst>
-          </p:cNvPr>
-          <p:cNvSpPr txBox="1"/>
-          <p:nvPr/>
-        </p:nvSpPr>
-        <p:spPr>
-          <a:xfrm>
-            <a:off x="818700" y="2460412"/>
-            <a:ext cx="2646878" cy="553998"/>
-          </a:xfrm>
-          <a:prstGeom prst="rect">
-            <a:avLst/>
-          </a:prstGeom>
-          <a:solidFill>
-            <a:schemeClr val="accent3">
-              <a:lumMod val="75000"/>
-            </a:schemeClr>
-          </a:solidFill>
-          <a:ln>
-            <a:noFill/>
-          </a:ln>
-          <a:effectLst>
-            <a:glow rad="228600">
-              <a:schemeClr val="accent4">
-                <a:lumMod val="75000"/>
-                <a:alpha val="40000"/>
-              </a:schemeClr>
-            </a:glow>
-            <a:outerShdw blurRad="44450" dist="27940" dir="5400000" algn="ctr">
-              <a:srgbClr val="000000">
-                <a:alpha val="32000"/>
-              </a:srgbClr>
-            </a:outerShdw>
-          </a:effectLst>
-        </p:spPr>
-        <p:txBody>
-          <a:bodyPr wrap="none" rtlCol="0">
-            <a:spAutoFit/>
-          </a:bodyPr>
-          <a:lstStyle/>
-          <a:p>
-            <a:r>
-              <a:rPr lang="ko-KR" altLang="en-US" sz="3000" dirty="0">
-                <a:latin typeface="휴먼엑스포" panose="02030504000101010101" pitchFamily="18" charset="-127"/>
-                <a:ea typeface="휴먼엑스포" panose="02030504000101010101" pitchFamily="18" charset="-127"/>
-              </a:rPr>
-              <a:t>근거리 캐릭터</a:t>
-            </a:r>
-          </a:p>
-        </p:txBody>
-      </p:sp>
-      <p:sp>
-        <p:nvSpPr>
-          <p:cNvPr id="12" name="Google Shape;150;p21">
-            <a:extLst>
-              <a:ext uri="{FF2B5EF4-FFF2-40B4-BE49-F238E27FC236}">
-                <a16:creationId xmlns:a16="http://schemas.microsoft.com/office/drawing/2014/main" id="{5872F836-7497-4E86-A152-ED0D24C8795F}"/>
-              </a:ext>
-            </a:extLst>
-          </p:cNvPr>
-          <p:cNvSpPr txBox="1">
-            <a:spLocks/>
-          </p:cNvSpPr>
-          <p:nvPr/>
-        </p:nvSpPr>
-        <p:spPr>
-          <a:xfrm>
-            <a:off x="818712" y="1299292"/>
-            <a:ext cx="10571998" cy="552014"/>
-          </a:xfrm>
-          <a:prstGeom prst="rect">
-            <a:avLst/>
-          </a:prstGeom>
-          <a:noFill/>
-          <a:ln>
-            <a:noFill/>
-          </a:ln>
-          <a:effectLst>
-            <a:outerShdw blurRad="50800">
-              <a:srgbClr val="000000">
-                <a:alpha val="60000"/>
-              </a:srgbClr>
-            </a:outerShdw>
-          </a:effectLst>
-        </p:spPr>
-        <p:txBody>
-          <a:bodyPr spcFirstLastPara="1" vert="horz" wrap="square" lIns="91425" tIns="45700" rIns="91425" bIns="45700" rtlCol="0" anchor="b" anchorCtr="0">
-            <a:noAutofit/>
-          </a:bodyPr>
-          <a:lstStyle>
-            <a:lvl1pPr algn="l" defTabSz="457200" rtl="0" eaLnBrk="1" latinLnBrk="1" hangingPunct="1">
-              <a:spcBef>
-                <a:spcPct val="0"/>
-              </a:spcBef>
-              <a:buNone/>
-              <a:defRPr sz="4000" b="1" kern="1200">
-                <a:solidFill>
-                  <a:srgbClr val="FEFEFE"/>
-                </a:solidFill>
-                <a:latin typeface="+mj-lt"/>
-                <a:ea typeface="+mj-ea"/>
-                <a:cs typeface="+mj-cs"/>
-              </a:defRPr>
-            </a:lvl1pPr>
-            <a:lvl2pPr eaLnBrk="1" latinLnBrk="1" hangingPunct="1">
-              <a:defRPr>
-                <a:solidFill>
-                  <a:schemeClr val="tx2"/>
-                </a:solidFill>
-              </a:defRPr>
-            </a:lvl2pPr>
-            <a:lvl3pPr eaLnBrk="1" latinLnBrk="1" hangingPunct="1">
-              <a:defRPr>
-                <a:solidFill>
-                  <a:schemeClr val="tx2"/>
-                </a:solidFill>
-              </a:defRPr>
-            </a:lvl3pPr>
-            <a:lvl4pPr eaLnBrk="1" latinLnBrk="1" hangingPunct="1">
-              <a:defRPr>
-                <a:solidFill>
-                  <a:schemeClr val="tx2"/>
-                </a:solidFill>
-              </a:defRPr>
-            </a:lvl4pPr>
-            <a:lvl5pPr eaLnBrk="1" latinLnBrk="1" hangingPunct="1">
-              <a:defRPr>
-                <a:solidFill>
-                  <a:schemeClr val="tx2"/>
-                </a:solidFill>
-              </a:defRPr>
-            </a:lvl5pPr>
-            <a:lvl6pPr eaLnBrk="1" latinLnBrk="1" hangingPunct="1">
-              <a:defRPr>
-                <a:solidFill>
-                  <a:schemeClr val="tx2"/>
-                </a:solidFill>
-              </a:defRPr>
-            </a:lvl6pPr>
-            <a:lvl7pPr eaLnBrk="1" latinLnBrk="1" hangingPunct="1">
-              <a:defRPr>
-                <a:solidFill>
-                  <a:schemeClr val="tx2"/>
-                </a:solidFill>
-              </a:defRPr>
-            </a:lvl7pPr>
-            <a:lvl8pPr eaLnBrk="1" latinLnBrk="1" hangingPunct="1">
-              <a:defRPr>
-                <a:solidFill>
-                  <a:schemeClr val="tx2"/>
-                </a:solidFill>
-              </a:defRPr>
-            </a:lvl8pPr>
-            <a:lvl9pPr eaLnBrk="1" latinLnBrk="1" hangingPunct="1">
-              <a:defRPr>
-                <a:solidFill>
-                  <a:schemeClr val="tx2"/>
-                </a:solidFill>
-              </a:defRPr>
-            </a:lvl9pPr>
-          </a:lstStyle>
-          <a:p>
-            <a:pPr>
-              <a:spcBef>
-                <a:spcPts val="0"/>
-              </a:spcBef>
-              <a:buClr>
-                <a:srgbClr val="FEFEFE"/>
-              </a:buClr>
-              <a:buSzPts val="4000"/>
-              <a:buFont typeface="Century Gothic"/>
-              <a:buNone/>
-            </a:pPr>
-            <a:r>
-              <a:rPr lang="en-US" altLang="ko-KR" sz="2500" dirty="0">
-                <a:latin typeface="+mn-ea"/>
-                <a:ea typeface="+mn-ea"/>
-                <a:cs typeface="Century Gothic"/>
-                <a:sym typeface="Century Gothic"/>
-              </a:rPr>
-              <a:t>[</a:t>
-            </a:r>
-            <a:r>
-              <a:rPr lang="ko-KR" altLang="en-US" sz="2500" dirty="0">
-                <a:latin typeface="+mn-ea"/>
-                <a:ea typeface="+mn-ea"/>
-                <a:cs typeface="Century Gothic"/>
-                <a:sym typeface="Century Gothic"/>
-              </a:rPr>
-              <a:t>상성 시스템</a:t>
-            </a:r>
-            <a:r>
-              <a:rPr lang="en-US" altLang="ko-KR" sz="2500" dirty="0">
-                <a:latin typeface="+mn-ea"/>
-                <a:ea typeface="+mn-ea"/>
-                <a:cs typeface="Century Gothic"/>
-                <a:sym typeface="Century Gothic"/>
-              </a:rPr>
-              <a:t>]</a:t>
-            </a:r>
-            <a:endParaRPr lang="ko-KR" altLang="en-US" sz="2500" dirty="0">
-              <a:latin typeface="+mn-ea"/>
-              <a:ea typeface="+mn-ea"/>
-            </a:endParaRPr>
-          </a:p>
-        </p:txBody>
-      </p:sp>
-      <p:sp>
-        <p:nvSpPr>
-          <p:cNvPr id="6" name="TextBox 5">
-            <a:extLst>
-              <a:ext uri="{FF2B5EF4-FFF2-40B4-BE49-F238E27FC236}">
-                <a16:creationId xmlns:a16="http://schemas.microsoft.com/office/drawing/2014/main" id="{CD196359-A408-45BE-A732-9FF6F5D3ACF9}"/>
-              </a:ext>
-            </a:extLst>
-          </p:cNvPr>
-          <p:cNvSpPr txBox="1"/>
-          <p:nvPr/>
-        </p:nvSpPr>
-        <p:spPr>
-          <a:xfrm>
-            <a:off x="7735613" y="3859924"/>
-            <a:ext cx="2961413" cy="646331"/>
-          </a:xfrm>
-          <a:prstGeom prst="rect">
-            <a:avLst/>
-          </a:prstGeom>
-          <a:noFill/>
-        </p:spPr>
-        <p:txBody>
-          <a:bodyPr wrap="square" rtlCol="0">
-            <a:spAutoFit/>
-          </a:bodyPr>
-          <a:lstStyle/>
-          <a:p>
-            <a:r>
-              <a:rPr lang="ko-KR" altLang="en-US" dirty="0"/>
-              <a:t>여기에 모델링 사진 </a:t>
-            </a:r>
-            <a:endParaRPr lang="en-US" altLang="ko-KR" dirty="0"/>
-          </a:p>
-          <a:p>
-            <a:r>
-              <a:rPr lang="en-US" altLang="ko-KR" dirty="0"/>
-              <a:t>(</a:t>
-            </a:r>
-            <a:r>
-              <a:rPr lang="ko-KR" altLang="en-US" dirty="0"/>
-              <a:t>없으면 이 대화상자 삭제</a:t>
-            </a:r>
-            <a:r>
-              <a:rPr lang="en-US" altLang="ko-KR" dirty="0"/>
-              <a:t>)</a:t>
-            </a:r>
-            <a:endParaRPr lang="ko-KR" altLang="en-US" dirty="0"/>
-          </a:p>
-        </p:txBody>
-      </p:sp>
-    </p:spTree>
-  </p:cSld>
-  <p:clrMapOvr>
-    <a:masterClrMapping/>
-  </p:clrMapOvr>
-</p:sld>
-</file>
-
-<file path=ppt/slides/slide11.xml><?xml version="1.0" encoding="utf-8"?>
-<p:sld xmlns:a="http://schemas.openxmlformats.org/drawingml/2006/main" xmlns:r="http://schemas.openxmlformats.org/officeDocument/2006/relationships" xmlns:p="http://schemas.openxmlformats.org/presentationml/2006/main">
-  <p:cSld>
-    <p:spTree>
-      <p:nvGrpSpPr>
-        <p:cNvPr id="1" name="Shape 164"/>
-        <p:cNvGrpSpPr/>
-        <p:nvPr/>
-      </p:nvGrpSpPr>
-      <p:grpSpPr>
-        <a:xfrm>
-          <a:off x="0" y="0"/>
-          <a:ext cx="0" cy="0"/>
-          <a:chOff x="0" y="0"/>
-          <a:chExt cx="0" cy="0"/>
-        </a:xfrm>
-      </p:grpSpPr>
-      <p:sp>
-        <p:nvSpPr>
-          <p:cNvPr id="166" name="Google Shape;166;p23"/>
-          <p:cNvSpPr txBox="1">
-            <a:spLocks noGrp="1"/>
-          </p:cNvSpPr>
-          <p:nvPr>
-            <p:ph idx="1"/>
-          </p:nvPr>
-        </p:nvSpPr>
-        <p:spPr>
-          <a:xfrm>
-            <a:off x="818712" y="3428999"/>
-            <a:ext cx="10554600" cy="2429887"/>
-          </a:xfrm>
-          <a:prstGeom prst="rect">
-            <a:avLst/>
-          </a:prstGeom>
-          <a:noFill/>
-          <a:ln>
-            <a:noFill/>
-          </a:ln>
-          <a:effectLst>
-            <a:outerShdw blurRad="50800">
-              <a:srgbClr val="000000">
-                <a:alpha val="40000"/>
-              </a:srgbClr>
-            </a:outerShdw>
-          </a:effectLst>
-        </p:spPr>
-        <p:txBody>
-          <a:bodyPr spcFirstLastPara="1" wrap="square" lIns="91425" tIns="45700" rIns="91425" bIns="45700" anchor="ctr" anchorCtr="0">
-            <a:noAutofit/>
-          </a:bodyPr>
-          <a:lstStyle/>
-          <a:p>
-            <a:pPr marL="304800" indent="-285750">
-              <a:lnSpc>
-                <a:spcPct val="150000"/>
-              </a:lnSpc>
-              <a:spcBef>
-                <a:spcPts val="0"/>
-              </a:spcBef>
-              <a:spcAft>
-                <a:spcPts val="0"/>
-              </a:spcAft>
-              <a:buSzPts val="1500"/>
-            </a:pPr>
-            <a:r>
-              <a:rPr lang="ko-KR" sz="1700" dirty="0">
-                <a:solidFill>
-                  <a:srgbClr val="FFFFFF"/>
-                </a:solidFill>
-                <a:latin typeface="+mn-ea"/>
-                <a:ea typeface="+mn-ea"/>
-              </a:rPr>
-              <a:t>전체적으로 밸런스 잡힌 성능</a:t>
-            </a:r>
-            <a:endParaRPr lang="en-US" altLang="ko-KR" sz="1700" dirty="0">
-              <a:solidFill>
-                <a:srgbClr val="FFFFFF"/>
-              </a:solidFill>
-              <a:latin typeface="+mn-ea"/>
-              <a:ea typeface="+mn-ea"/>
-            </a:endParaRPr>
-          </a:p>
-          <a:p>
-            <a:pPr marL="304800" indent="-285750">
-              <a:lnSpc>
-                <a:spcPct val="150000"/>
-              </a:lnSpc>
-              <a:spcBef>
-                <a:spcPts val="0"/>
-              </a:spcBef>
-              <a:spcAft>
-                <a:spcPts val="0"/>
-              </a:spcAft>
-              <a:buSzPts val="1500"/>
-            </a:pPr>
-            <a:r>
-              <a:rPr lang="ko-KR" altLang="en-US" sz="1700" dirty="0">
-                <a:solidFill>
-                  <a:srgbClr val="FFFFFF"/>
-                </a:solidFill>
-                <a:latin typeface="+mn-ea"/>
-              </a:rPr>
-              <a:t>모든 능력치가 중간에 있는 표준 캐릭터</a:t>
-            </a:r>
-            <a:endParaRPr sz="1700" dirty="0">
-              <a:solidFill>
-                <a:srgbClr val="FFFFFF"/>
-              </a:solidFill>
-              <a:latin typeface="+mn-ea"/>
-              <a:ea typeface="+mn-ea"/>
-            </a:endParaRPr>
-          </a:p>
-        </p:txBody>
-      </p:sp>
-      <p:sp>
-        <p:nvSpPr>
-          <p:cNvPr id="6" name="Google Shape;150;p21">
-            <a:extLst>
-              <a:ext uri="{FF2B5EF4-FFF2-40B4-BE49-F238E27FC236}">
-                <a16:creationId xmlns:a16="http://schemas.microsoft.com/office/drawing/2014/main" id="{B4D45506-10D1-44F0-9B6C-49ADC3049793}"/>
-              </a:ext>
-            </a:extLst>
-          </p:cNvPr>
-          <p:cNvSpPr txBox="1">
-            <a:spLocks noGrp="1"/>
-          </p:cNvSpPr>
-          <p:nvPr>
-            <p:ph type="title"/>
-          </p:nvPr>
-        </p:nvSpPr>
-        <p:spPr>
-          <a:xfrm>
-            <a:off x="810000" y="447188"/>
-            <a:ext cx="10571998" cy="970450"/>
-          </a:xfrm>
-          <a:prstGeom prst="rect">
-            <a:avLst/>
-          </a:prstGeom>
-          <a:noFill/>
-          <a:ln>
-            <a:noFill/>
-          </a:ln>
-          <a:effectLst>
-            <a:outerShdw blurRad="50800">
-              <a:srgbClr val="000000">
-                <a:alpha val="60000"/>
-              </a:srgbClr>
-            </a:outerShdw>
-          </a:effectLst>
-        </p:spPr>
-        <p:txBody>
-          <a:bodyPr spcFirstLastPara="1" wrap="square" lIns="91425" tIns="45700" rIns="91425" bIns="45700" anchor="b" anchorCtr="0">
-            <a:noAutofit/>
-          </a:bodyPr>
-          <a:lstStyle/>
-          <a:p>
-            <a:pPr marL="0" marR="0" lvl="0" indent="0" algn="l" rtl="0">
-              <a:spcBef>
-                <a:spcPts val="0"/>
-              </a:spcBef>
-              <a:spcAft>
-                <a:spcPts val="0"/>
-              </a:spcAft>
-              <a:buClr>
-                <a:srgbClr val="FEFEFE"/>
-              </a:buClr>
-              <a:buSzPts val="4000"/>
-              <a:buFont typeface="Century Gothic"/>
-              <a:buNone/>
-            </a:pPr>
-            <a:r>
-              <a:rPr lang="ko-KR" sz="4000" b="1" i="0" u="none" strike="noStrike" cap="none" dirty="0">
-                <a:solidFill>
-                  <a:srgbClr val="FEFEFE"/>
-                </a:solidFill>
-                <a:latin typeface="+mn-ea"/>
-                <a:ea typeface="+mn-ea"/>
-                <a:cs typeface="Century Gothic"/>
-                <a:sym typeface="Century Gothic"/>
-              </a:rPr>
-              <a:t>게임 컨셉</a:t>
-            </a:r>
-            <a:endParaRPr dirty="0">
-              <a:latin typeface="+mn-ea"/>
-              <a:ea typeface="+mn-ea"/>
-            </a:endParaRPr>
-          </a:p>
-        </p:txBody>
-      </p:sp>
-      <p:sp>
-        <p:nvSpPr>
-          <p:cNvPr id="7" name="Google Shape;150;p21">
-            <a:extLst>
-              <a:ext uri="{FF2B5EF4-FFF2-40B4-BE49-F238E27FC236}">
-                <a16:creationId xmlns:a16="http://schemas.microsoft.com/office/drawing/2014/main" id="{B72491F5-7D1D-4D56-B5FC-0B88B35C6A06}"/>
-              </a:ext>
-            </a:extLst>
-          </p:cNvPr>
-          <p:cNvSpPr txBox="1">
-            <a:spLocks/>
-          </p:cNvSpPr>
-          <p:nvPr/>
-        </p:nvSpPr>
-        <p:spPr>
-          <a:xfrm>
-            <a:off x="818712" y="1299292"/>
-            <a:ext cx="10571998" cy="552014"/>
-          </a:xfrm>
-          <a:prstGeom prst="rect">
-            <a:avLst/>
-          </a:prstGeom>
-          <a:noFill/>
-          <a:ln>
-            <a:noFill/>
-          </a:ln>
-          <a:effectLst>
-            <a:outerShdw blurRad="50800">
-              <a:srgbClr val="000000">
-                <a:alpha val="60000"/>
-              </a:srgbClr>
-            </a:outerShdw>
-          </a:effectLst>
-        </p:spPr>
-        <p:txBody>
-          <a:bodyPr spcFirstLastPara="1" vert="horz" wrap="square" lIns="91425" tIns="45700" rIns="91425" bIns="45700" rtlCol="0" anchor="b" anchorCtr="0">
-            <a:noAutofit/>
-          </a:bodyPr>
-          <a:lstStyle>
-            <a:lvl1pPr algn="l" defTabSz="457200" rtl="0" eaLnBrk="1" latinLnBrk="1" hangingPunct="1">
-              <a:spcBef>
-                <a:spcPct val="0"/>
-              </a:spcBef>
-              <a:buNone/>
-              <a:defRPr sz="4000" b="1" kern="1200">
-                <a:solidFill>
-                  <a:srgbClr val="FEFEFE"/>
-                </a:solidFill>
-                <a:latin typeface="+mj-lt"/>
-                <a:ea typeface="+mj-ea"/>
-                <a:cs typeface="+mj-cs"/>
-              </a:defRPr>
-            </a:lvl1pPr>
-            <a:lvl2pPr eaLnBrk="1" latinLnBrk="1" hangingPunct="1">
-              <a:defRPr>
-                <a:solidFill>
-                  <a:schemeClr val="tx2"/>
-                </a:solidFill>
-              </a:defRPr>
-            </a:lvl2pPr>
-            <a:lvl3pPr eaLnBrk="1" latinLnBrk="1" hangingPunct="1">
-              <a:defRPr>
-                <a:solidFill>
-                  <a:schemeClr val="tx2"/>
-                </a:solidFill>
-              </a:defRPr>
-            </a:lvl3pPr>
-            <a:lvl4pPr eaLnBrk="1" latinLnBrk="1" hangingPunct="1">
-              <a:defRPr>
-                <a:solidFill>
-                  <a:schemeClr val="tx2"/>
-                </a:solidFill>
-              </a:defRPr>
-            </a:lvl4pPr>
-            <a:lvl5pPr eaLnBrk="1" latinLnBrk="1" hangingPunct="1">
-              <a:defRPr>
-                <a:solidFill>
-                  <a:schemeClr val="tx2"/>
-                </a:solidFill>
-              </a:defRPr>
-            </a:lvl5pPr>
-            <a:lvl6pPr eaLnBrk="1" latinLnBrk="1" hangingPunct="1">
-              <a:defRPr>
-                <a:solidFill>
-                  <a:schemeClr val="tx2"/>
-                </a:solidFill>
-              </a:defRPr>
-            </a:lvl6pPr>
-            <a:lvl7pPr eaLnBrk="1" latinLnBrk="1" hangingPunct="1">
-              <a:defRPr>
-                <a:solidFill>
-                  <a:schemeClr val="tx2"/>
-                </a:solidFill>
-              </a:defRPr>
-            </a:lvl7pPr>
-            <a:lvl8pPr eaLnBrk="1" latinLnBrk="1" hangingPunct="1">
-              <a:defRPr>
-                <a:solidFill>
-                  <a:schemeClr val="tx2"/>
-                </a:solidFill>
-              </a:defRPr>
-            </a:lvl8pPr>
-            <a:lvl9pPr eaLnBrk="1" latinLnBrk="1" hangingPunct="1">
-              <a:defRPr>
-                <a:solidFill>
-                  <a:schemeClr val="tx2"/>
-                </a:solidFill>
-              </a:defRPr>
-            </a:lvl9pPr>
-          </a:lstStyle>
-          <a:p>
-            <a:pPr>
-              <a:spcBef>
-                <a:spcPts val="0"/>
-              </a:spcBef>
-              <a:buClr>
-                <a:srgbClr val="FEFEFE"/>
-              </a:buClr>
-              <a:buSzPts val="4000"/>
-              <a:buFont typeface="Century Gothic"/>
-              <a:buNone/>
-            </a:pPr>
-            <a:r>
-              <a:rPr lang="en-US" altLang="ko-KR" sz="2500" dirty="0">
-                <a:latin typeface="+mn-ea"/>
-                <a:ea typeface="+mn-ea"/>
-                <a:cs typeface="Century Gothic"/>
-                <a:sym typeface="Century Gothic"/>
-              </a:rPr>
-              <a:t>[</a:t>
-            </a:r>
-            <a:r>
-              <a:rPr lang="ko-KR" altLang="en-US" sz="2500" dirty="0">
-                <a:latin typeface="+mn-ea"/>
-                <a:ea typeface="+mn-ea"/>
-                <a:cs typeface="Century Gothic"/>
-                <a:sym typeface="Century Gothic"/>
-              </a:rPr>
-              <a:t>상성 시스템</a:t>
-            </a:r>
-            <a:r>
-              <a:rPr lang="en-US" altLang="ko-KR" sz="2500" dirty="0">
-                <a:latin typeface="+mn-ea"/>
-                <a:ea typeface="+mn-ea"/>
-                <a:cs typeface="Century Gothic"/>
-                <a:sym typeface="Century Gothic"/>
-              </a:rPr>
-              <a:t>]</a:t>
-            </a:r>
-            <a:endParaRPr lang="ko-KR" altLang="en-US" sz="2500" dirty="0">
-              <a:latin typeface="+mn-ea"/>
-              <a:ea typeface="+mn-ea"/>
-            </a:endParaRPr>
-          </a:p>
-        </p:txBody>
-      </p:sp>
-      <p:sp>
-        <p:nvSpPr>
-          <p:cNvPr id="9" name="TextBox 8">
-            <a:extLst>
-              <a:ext uri="{FF2B5EF4-FFF2-40B4-BE49-F238E27FC236}">
-                <a16:creationId xmlns:a16="http://schemas.microsoft.com/office/drawing/2014/main" id="{5CBF2EC5-F280-4C97-B18F-1538EE237891}"/>
-              </a:ext>
-            </a:extLst>
-          </p:cNvPr>
-          <p:cNvSpPr txBox="1"/>
-          <p:nvPr/>
-        </p:nvSpPr>
-        <p:spPr>
-          <a:xfrm>
-            <a:off x="818700" y="2460412"/>
-            <a:ext cx="2646878" cy="553998"/>
-          </a:xfrm>
-          <a:prstGeom prst="rect">
-            <a:avLst/>
-          </a:prstGeom>
-          <a:solidFill>
-            <a:srgbClr val="0070C0"/>
-          </a:solidFill>
-          <a:ln>
-            <a:noFill/>
-          </a:ln>
-          <a:effectLst>
-            <a:glow rad="228600">
-              <a:srgbClr val="0070C0">
-                <a:alpha val="40000"/>
-              </a:srgbClr>
-            </a:glow>
-            <a:outerShdw blurRad="44450" dist="27940" dir="5400000" algn="ctr">
-              <a:srgbClr val="000000">
-                <a:alpha val="32000"/>
-              </a:srgbClr>
-            </a:outerShdw>
-          </a:effectLst>
-        </p:spPr>
-        <p:txBody>
-          <a:bodyPr wrap="none" rtlCol="0">
-            <a:spAutoFit/>
-          </a:bodyPr>
-          <a:lstStyle/>
-          <a:p>
-            <a:r>
-              <a:rPr lang="ko-KR" altLang="en-US" sz="3000" dirty="0">
-                <a:latin typeface="휴먼엑스포" panose="02030504000101010101" pitchFamily="18" charset="-127"/>
-                <a:ea typeface="휴먼엑스포" panose="02030504000101010101" pitchFamily="18" charset="-127"/>
-              </a:rPr>
-              <a:t>중거리 캐릭터</a:t>
-            </a:r>
-          </a:p>
-        </p:txBody>
-      </p:sp>
-      <p:sp>
-        <p:nvSpPr>
-          <p:cNvPr id="11" name="TextBox 10">
-            <a:extLst>
-              <a:ext uri="{FF2B5EF4-FFF2-40B4-BE49-F238E27FC236}">
-                <a16:creationId xmlns:a16="http://schemas.microsoft.com/office/drawing/2014/main" id="{F817D604-1060-4548-BA58-D5E4DAFEA66D}"/>
-              </a:ext>
-            </a:extLst>
-          </p:cNvPr>
-          <p:cNvSpPr txBox="1"/>
-          <p:nvPr/>
-        </p:nvSpPr>
-        <p:spPr>
-          <a:xfrm>
-            <a:off x="7735613" y="3859924"/>
-            <a:ext cx="2961413" cy="646331"/>
-          </a:xfrm>
-          <a:prstGeom prst="rect">
-            <a:avLst/>
-          </a:prstGeom>
-          <a:noFill/>
-        </p:spPr>
-        <p:txBody>
-          <a:bodyPr wrap="square" rtlCol="0">
-            <a:spAutoFit/>
-          </a:bodyPr>
-          <a:lstStyle/>
-          <a:p>
-            <a:r>
-              <a:rPr lang="ko-KR" altLang="en-US" dirty="0"/>
-              <a:t>여기에 모델링 사진 </a:t>
-            </a:r>
-            <a:endParaRPr lang="en-US" altLang="ko-KR" dirty="0"/>
-          </a:p>
-          <a:p>
-            <a:r>
-              <a:rPr lang="en-US" altLang="ko-KR" dirty="0"/>
-              <a:t>(</a:t>
-            </a:r>
-            <a:r>
-              <a:rPr lang="ko-KR" altLang="en-US" dirty="0"/>
-              <a:t>없으면 이 대화상자 삭제</a:t>
-            </a:r>
-            <a:r>
-              <a:rPr lang="en-US" altLang="ko-KR" dirty="0"/>
-              <a:t>)</a:t>
-            </a:r>
-            <a:endParaRPr lang="ko-KR" altLang="en-US" dirty="0"/>
-          </a:p>
-        </p:txBody>
-      </p:sp>
-    </p:spTree>
-  </p:cSld>
-  <p:clrMapOvr>
-    <a:masterClrMapping/>
-  </p:clrMapOvr>
-</p:sld>
-</file>
-
-<file path=ppt/slides/slide12.xml><?xml version="1.0" encoding="utf-8"?>
-<p:sld xmlns:a="http://schemas.openxmlformats.org/drawingml/2006/main" xmlns:r="http://schemas.openxmlformats.org/officeDocument/2006/relationships" xmlns:p="http://schemas.openxmlformats.org/presentationml/2006/main">
-  <p:cSld>
-    <p:spTree>
-      <p:nvGrpSpPr>
         <p:cNvPr id="1" name="Shape 170"/>
         <p:cNvGrpSpPr/>
         <p:nvPr/>
@@ -11742,6 +10396,36 @@
           </a:p>
         </p:txBody>
       </p:sp>
+      <p:pic>
+        <p:nvPicPr>
+          <p:cNvPr id="3" name="그림 2"/>
+          <p:cNvPicPr>
+            <a:picLocks noChangeAspect="1"/>
+          </p:cNvPicPr>
+          <p:nvPr/>
+        </p:nvPicPr>
+        <p:blipFill>
+          <a:blip r:embed="rId3">
+            <a:extLst>
+              <a:ext uri="{28A0092B-C50C-407E-A947-70E740481C1C}">
+                <a14:useLocalDpi xmlns:a14="http://schemas.microsoft.com/office/drawing/2010/main" val="0"/>
+              </a:ext>
+            </a:extLst>
+          </a:blip>
+          <a:stretch>
+            <a:fillRect/>
+          </a:stretch>
+        </p:blipFill>
+        <p:spPr>
+          <a:xfrm>
+            <a:off x="6293311" y="875489"/>
+            <a:ext cx="5503803" cy="5503803"/>
+          </a:xfrm>
+          <a:prstGeom prst="rect">
+            <a:avLst/>
+          </a:prstGeom>
+        </p:spPr>
+      </p:pic>
     </p:spTree>
   </p:cSld>
   <p:clrMapOvr>
@@ -11750,7 +10434,7 @@
 </p:sld>
 </file>
 
-<file path=ppt/slides/slide13.xml><?xml version="1.0" encoding="utf-8"?>
+<file path=ppt/slides/slide11.xml><?xml version="1.0" encoding="utf-8"?>
 <p:sld xmlns:a="http://schemas.openxmlformats.org/drawingml/2006/main" xmlns:r="http://schemas.openxmlformats.org/officeDocument/2006/relationships" xmlns:p="http://schemas.openxmlformats.org/presentationml/2006/main">
   <p:cSld>
     <p:spTree>
@@ -12383,7 +11067,7 @@
 </p:sld>
 </file>
 
-<file path=ppt/slides/slide14.xml><?xml version="1.0" encoding="utf-8"?>
+<file path=ppt/slides/slide12.xml><?xml version="1.0" encoding="utf-8"?>
 <p:sld xmlns:a="http://schemas.openxmlformats.org/drawingml/2006/main" xmlns:r="http://schemas.openxmlformats.org/officeDocument/2006/relationships" xmlns:p="http://schemas.openxmlformats.org/presentationml/2006/main">
   <p:cSld>
     <p:spTree>
@@ -13217,7 +11901,7 @@
 </p:sld>
 </file>
 
-<file path=ppt/slides/slide15.xml><?xml version="1.0" encoding="utf-8"?>
+<file path=ppt/slides/slide13.xml><?xml version="1.0" encoding="utf-8"?>
 <p:sld xmlns:a="http://schemas.openxmlformats.org/drawingml/2006/main" xmlns:r="http://schemas.openxmlformats.org/officeDocument/2006/relationships" xmlns:p="http://schemas.openxmlformats.org/presentationml/2006/main">
   <p:cSld>
     <p:spTree>
@@ -13569,7 +12253,7 @@
           <p:nvPr/>
         </p:nvPicPr>
         <p:blipFill>
-          <a:blip r:embed="rId3">
+          <a:blip r:embed="rId3" cstate="hqprint">
             <a:extLst>
               <a:ext uri="{28A0092B-C50C-407E-A947-70E740481C1C}">
                 <a14:useLocalDpi xmlns:a14="http://schemas.microsoft.com/office/drawing/2010/main" val="0"/>
@@ -13759,7 +12443,7 @@
 </p:sld>
 </file>
 
-<file path=ppt/slides/slide16.xml><?xml version="1.0" encoding="utf-8"?>
+<file path=ppt/slides/slide14.xml><?xml version="1.0" encoding="utf-8"?>
 <p:sld xmlns:a="http://schemas.openxmlformats.org/drawingml/2006/main" xmlns:r="http://schemas.openxmlformats.org/officeDocument/2006/relationships" xmlns:p="http://schemas.openxmlformats.org/presentationml/2006/main">
   <p:cSld>
     <p:spTree>
@@ -14227,7 +12911,7 @@
           <p:nvPr/>
         </p:nvPicPr>
         <p:blipFill>
-          <a:blip r:embed="rId3">
+          <a:blip r:embed="rId3" cstate="hqprint">
             <a:extLst>
               <a:ext uri="{28A0092B-C50C-407E-A947-70E740481C1C}">
                 <a14:useLocalDpi xmlns:a14="http://schemas.microsoft.com/office/drawing/2010/main" val="0"/>
@@ -14417,7 +13101,7 @@
 </p:sld>
 </file>
 
-<file path=ppt/slides/slide17.xml><?xml version="1.0" encoding="utf-8"?>
+<file path=ppt/slides/slide15.xml><?xml version="1.0" encoding="utf-8"?>
 <p:sld xmlns:a="http://schemas.openxmlformats.org/drawingml/2006/main" xmlns:r="http://schemas.openxmlformats.org/officeDocument/2006/relationships" xmlns:p="http://schemas.openxmlformats.org/presentationml/2006/main">
   <p:cSld>
     <p:spTree>
@@ -14687,7 +13371,7 @@
 </p:sld>
 </file>
 
-<file path=ppt/slides/slide18.xml><?xml version="1.0" encoding="utf-8"?>
+<file path=ppt/slides/slide16.xml><?xml version="1.0" encoding="utf-8"?>
 <p:sld xmlns:a="http://schemas.openxmlformats.org/drawingml/2006/main" xmlns:r="http://schemas.openxmlformats.org/officeDocument/2006/relationships" xmlns:p="http://schemas.openxmlformats.org/presentationml/2006/main">
   <p:cSld>
     <p:spTree>
@@ -15437,7 +14121,7 @@
 </p:sld>
 </file>
 
-<file path=ppt/slides/slide19.xml><?xml version="1.0" encoding="utf-8"?>
+<file path=ppt/slides/slide17.xml><?xml version="1.0" encoding="utf-8"?>
 <p:sld xmlns:a="http://schemas.openxmlformats.org/drawingml/2006/main" xmlns:r="http://schemas.openxmlformats.org/officeDocument/2006/relationships" xmlns:p="http://schemas.openxmlformats.org/presentationml/2006/main">
   <p:cSld>
     <p:spTree>
@@ -16294,6 +14978,297 @@
 </p:sld>
 </file>
 
+<file path=ppt/slides/slide18.xml><?xml version="1.0" encoding="utf-8"?>
+<p:sld xmlns:a="http://schemas.openxmlformats.org/drawingml/2006/main" xmlns:r="http://schemas.openxmlformats.org/officeDocument/2006/relationships" xmlns:p="http://schemas.openxmlformats.org/presentationml/2006/main">
+  <p:cSld>
+    <p:spTree>
+      <p:nvGrpSpPr>
+        <p:cNvPr id="1" name=""/>
+        <p:cNvGrpSpPr/>
+        <p:nvPr/>
+      </p:nvGrpSpPr>
+      <p:grpSpPr>
+        <a:xfrm>
+          <a:off x="0" y="0"/>
+          <a:ext cx="0" cy="0"/>
+          <a:chOff x="0" y="0"/>
+          <a:chExt cx="0" cy="0"/>
+        </a:xfrm>
+      </p:grpSpPr>
+      <p:sp>
+        <p:nvSpPr>
+          <p:cNvPr id="2" name="제목 1">
+            <a:extLst>
+              <a:ext uri="{FF2B5EF4-FFF2-40B4-BE49-F238E27FC236}">
+                <a16:creationId xmlns:a16="http://schemas.microsoft.com/office/drawing/2014/main" id="{A3535D95-C430-4AA5-9776-9A8F5B27BA13}"/>
+              </a:ext>
+            </a:extLst>
+          </p:cNvPr>
+          <p:cNvSpPr>
+            <a:spLocks noGrp="1"/>
+          </p:cNvSpPr>
+          <p:nvPr>
+            <p:ph type="title"/>
+          </p:nvPr>
+        </p:nvSpPr>
+        <p:spPr/>
+        <p:txBody>
+          <a:bodyPr/>
+          <a:lstStyle/>
+          <a:p>
+            <a:r>
+              <a:rPr lang="ko-KR" altLang="en-US" dirty="0"/>
+              <a:t>중점 연구 과제</a:t>
+            </a:r>
+          </a:p>
+        </p:txBody>
+      </p:sp>
+      <p:sp>
+        <p:nvSpPr>
+          <p:cNvPr id="3" name="내용 개체 틀 2">
+            <a:extLst>
+              <a:ext uri="{FF2B5EF4-FFF2-40B4-BE49-F238E27FC236}">
+                <a16:creationId xmlns:a16="http://schemas.microsoft.com/office/drawing/2014/main" id="{FE07282D-70E7-43DB-821F-1BEFB71814C2}"/>
+              </a:ext>
+            </a:extLst>
+          </p:cNvPr>
+          <p:cNvSpPr>
+            <a:spLocks noGrp="1"/>
+          </p:cNvSpPr>
+          <p:nvPr>
+            <p:ph idx="1"/>
+          </p:nvPr>
+        </p:nvSpPr>
+        <p:spPr/>
+        <p:txBody>
+          <a:bodyPr/>
+          <a:lstStyle/>
+          <a:p>
+            <a:r>
+              <a:rPr lang="ko-KR" altLang="en-US" dirty="0" smtClean="0"/>
+              <a:t>화려한 </a:t>
+            </a:r>
+            <a:r>
+              <a:rPr lang="ko-KR" altLang="en-US" dirty="0" err="1"/>
+              <a:t>파티클</a:t>
+            </a:r>
+            <a:r>
+              <a:rPr lang="ko-KR" altLang="en-US" dirty="0"/>
+              <a:t> </a:t>
+            </a:r>
+            <a:r>
+              <a:rPr lang="ko-KR" altLang="en-US" dirty="0" smtClean="0"/>
+              <a:t>효과</a:t>
+            </a:r>
+            <a:endParaRPr lang="en-US" altLang="ko-KR" dirty="0" smtClean="0"/>
+          </a:p>
+          <a:p>
+            <a:r>
+              <a:rPr lang="ko-KR" altLang="en-US" dirty="0" smtClean="0"/>
+              <a:t>환경 </a:t>
+            </a:r>
+            <a:r>
+              <a:rPr lang="ko-KR" altLang="en-US" dirty="0"/>
+              <a:t>매핑을 사용한 금속 질감 </a:t>
+            </a:r>
+            <a:r>
+              <a:rPr lang="ko-KR" altLang="en-US" dirty="0" smtClean="0"/>
+              <a:t>표현</a:t>
+            </a:r>
+            <a:endParaRPr lang="en-US" altLang="ko-KR" dirty="0" smtClean="0"/>
+          </a:p>
+          <a:p>
+            <a:r>
+              <a:rPr lang="ko-KR" altLang="en-US" dirty="0" err="1" smtClean="0"/>
+              <a:t>노멀</a:t>
+            </a:r>
+            <a:r>
+              <a:rPr lang="ko-KR" altLang="en-US" dirty="0" smtClean="0"/>
+              <a:t> 매핑을 </a:t>
+            </a:r>
+            <a:r>
+              <a:rPr lang="ko-KR" altLang="en-US" dirty="0"/>
+              <a:t>사용한 디테일 </a:t>
+            </a:r>
+            <a:r>
+              <a:rPr lang="ko-KR" altLang="en-US" dirty="0" smtClean="0"/>
+              <a:t>표현</a:t>
+            </a:r>
+            <a:endParaRPr lang="en-US" altLang="ko-KR" dirty="0"/>
+          </a:p>
+        </p:txBody>
+      </p:sp>
+    </p:spTree>
+    <p:extLst>
+      <p:ext uri="{BB962C8B-B14F-4D97-AF65-F5344CB8AC3E}">
+        <p14:creationId xmlns:p14="http://schemas.microsoft.com/office/powerpoint/2010/main" val="480094586"/>
+      </p:ext>
+    </p:extLst>
+  </p:cSld>
+  <p:clrMapOvr>
+    <a:masterClrMapping/>
+  </p:clrMapOvr>
+</p:sld>
+</file>
+
+<file path=ppt/slides/slide19.xml><?xml version="1.0" encoding="utf-8"?>
+<p:sld xmlns:a="http://schemas.openxmlformats.org/drawingml/2006/main" xmlns:r="http://schemas.openxmlformats.org/officeDocument/2006/relationships" xmlns:p="http://schemas.openxmlformats.org/presentationml/2006/main">
+  <p:cSld>
+    <p:spTree>
+      <p:nvGrpSpPr>
+        <p:cNvPr id="1" name="Shape 271"/>
+        <p:cNvGrpSpPr/>
+        <p:nvPr/>
+      </p:nvGrpSpPr>
+      <p:grpSpPr>
+        <a:xfrm>
+          <a:off x="0" y="0"/>
+          <a:ext cx="0" cy="0"/>
+          <a:chOff x="0" y="0"/>
+          <a:chExt cx="0" cy="0"/>
+        </a:xfrm>
+      </p:grpSpPr>
+      <p:sp>
+        <p:nvSpPr>
+          <p:cNvPr id="272" name="Google Shape;272;p34"/>
+          <p:cNvSpPr txBox="1">
+            <a:spLocks noGrp="1"/>
+          </p:cNvSpPr>
+          <p:nvPr>
+            <p:ph type="title"/>
+          </p:nvPr>
+        </p:nvSpPr>
+        <p:spPr>
+          <a:xfrm>
+            <a:off x="810000" y="447188"/>
+            <a:ext cx="10571998" cy="970450"/>
+          </a:xfrm>
+          <a:prstGeom prst="rect">
+            <a:avLst/>
+          </a:prstGeom>
+          <a:noFill/>
+          <a:ln>
+            <a:noFill/>
+          </a:ln>
+          <a:effectLst>
+            <a:outerShdw blurRad="50800">
+              <a:srgbClr val="000000">
+                <a:alpha val="60000"/>
+              </a:srgbClr>
+            </a:outerShdw>
+          </a:effectLst>
+        </p:spPr>
+        <p:txBody>
+          <a:bodyPr spcFirstLastPara="1" wrap="square" lIns="91425" tIns="45700" rIns="91425" bIns="45700" anchor="b" anchorCtr="0">
+            <a:noAutofit/>
+          </a:bodyPr>
+          <a:lstStyle/>
+          <a:p>
+            <a:pPr marL="0" marR="0" lvl="0" indent="0" algn="l" rtl="0">
+              <a:spcBef>
+                <a:spcPts val="0"/>
+              </a:spcBef>
+              <a:spcAft>
+                <a:spcPts val="0"/>
+              </a:spcAft>
+              <a:buClr>
+                <a:srgbClr val="FEFEFE"/>
+              </a:buClr>
+              <a:buSzPts val="4000"/>
+              <a:buFont typeface="Century Gothic"/>
+              <a:buNone/>
+            </a:pPr>
+            <a:r>
+              <a:rPr lang="ko-KR" sz="4000" b="1" i="0" u="none" strike="noStrike" cap="none">
+                <a:solidFill>
+                  <a:srgbClr val="FEFEFE"/>
+                </a:solidFill>
+                <a:latin typeface="+mn-ea"/>
+                <a:ea typeface="+mn-ea"/>
+                <a:cs typeface="Century Gothic"/>
+                <a:sym typeface="Century Gothic"/>
+              </a:rPr>
+              <a:t>클라이언트 개발 내용</a:t>
+            </a:r>
+            <a:endParaRPr>
+              <a:latin typeface="+mn-ea"/>
+              <a:ea typeface="+mn-ea"/>
+            </a:endParaRPr>
+          </a:p>
+        </p:txBody>
+      </p:sp>
+      <p:sp>
+        <p:nvSpPr>
+          <p:cNvPr id="273" name="Google Shape;273;p34"/>
+          <p:cNvSpPr txBox="1">
+            <a:spLocks noGrp="1"/>
+          </p:cNvSpPr>
+          <p:nvPr>
+            <p:ph idx="1"/>
+          </p:nvPr>
+        </p:nvSpPr>
+        <p:spPr>
+          <a:xfrm>
+            <a:off x="818712" y="2222287"/>
+            <a:ext cx="10554574" cy="3636511"/>
+          </a:xfrm>
+          <a:prstGeom prst="rect">
+            <a:avLst/>
+          </a:prstGeom>
+          <a:noFill/>
+          <a:ln>
+            <a:noFill/>
+          </a:ln>
+          <a:effectLst>
+            <a:outerShdw blurRad="50800">
+              <a:srgbClr val="000000">
+                <a:alpha val="40000"/>
+              </a:srgbClr>
+            </a:outerShdw>
+          </a:effectLst>
+        </p:spPr>
+        <p:txBody>
+          <a:bodyPr spcFirstLastPara="1" wrap="square" lIns="91425" tIns="45700" rIns="91425" bIns="45700" anchor="ctr" anchorCtr="0">
+            <a:noAutofit/>
+          </a:bodyPr>
+          <a:lstStyle/>
+          <a:p>
+            <a:pPr>
+              <a:spcBef>
+                <a:spcPts val="0"/>
+              </a:spcBef>
+              <a:spcAft>
+                <a:spcPts val="0"/>
+              </a:spcAft>
+              <a:buSzPts val="1800"/>
+            </a:pPr>
+            <a:r>
+              <a:rPr lang="ko-KR" dirty="0">
+                <a:latin typeface="+mn-ea"/>
+                <a:ea typeface="+mn-ea"/>
+              </a:rPr>
+              <a:t>차후 추가</a:t>
+            </a:r>
+            <a:endParaRPr sz="1800" b="0" i="0" u="none" strike="noStrike" cap="none" dirty="0">
+              <a:solidFill>
+                <a:schemeClr val="lt1"/>
+              </a:solidFill>
+              <a:latin typeface="+mn-ea"/>
+              <a:ea typeface="+mn-ea"/>
+              <a:cs typeface="Century Gothic"/>
+              <a:sym typeface="Century Gothic"/>
+            </a:endParaRPr>
+          </a:p>
+        </p:txBody>
+      </p:sp>
+    </p:spTree>
+  </p:cSld>
+  <p:clrMapOvr>
+    <a:masterClrMapping/>
+  </p:clrMapOvr>
+</p:sld>
+</file>
+
 <file path=ppt/slides/slide2.xml><?xml version="1.0" encoding="utf-8"?>
 <p:sld xmlns:a="http://schemas.openxmlformats.org/drawingml/2006/main" xmlns:r="http://schemas.openxmlformats.org/officeDocument/2006/relationships" xmlns:p="http://schemas.openxmlformats.org/presentationml/2006/main">
   <p:cSld>
@@ -16814,7 +15789,7 @@
   <p:cSld>
     <p:spTree>
       <p:nvGrpSpPr>
-        <p:cNvPr id="1" name=""/>
+        <p:cNvPr id="1" name="Shape 277"/>
         <p:cNvGrpSpPr/>
         <p:nvPr/>
       </p:nvGrpSpPr>
@@ -16828,93 +15803,7 @@
       </p:grpSpPr>
       <p:sp>
         <p:nvSpPr>
-          <p:cNvPr id="2" name="제목 1">
-            <a:extLst>
-              <a:ext uri="{FF2B5EF4-FFF2-40B4-BE49-F238E27FC236}">
-                <a16:creationId xmlns:a16="http://schemas.microsoft.com/office/drawing/2014/main" id="{A3535D95-C430-4AA5-9776-9A8F5B27BA13}"/>
-              </a:ext>
-            </a:extLst>
-          </p:cNvPr>
-          <p:cNvSpPr>
-            <a:spLocks noGrp="1"/>
-          </p:cNvSpPr>
-          <p:nvPr>
-            <p:ph type="title"/>
-          </p:nvPr>
-        </p:nvSpPr>
-        <p:spPr/>
-        <p:txBody>
-          <a:bodyPr/>
-          <a:lstStyle/>
-          <a:p>
-            <a:r>
-              <a:rPr lang="ko-KR" altLang="en-US" dirty="0"/>
-              <a:t>중점 연구 과제</a:t>
-            </a:r>
-          </a:p>
-        </p:txBody>
-      </p:sp>
-      <p:sp>
-        <p:nvSpPr>
-          <p:cNvPr id="3" name="내용 개체 틀 2">
-            <a:extLst>
-              <a:ext uri="{FF2B5EF4-FFF2-40B4-BE49-F238E27FC236}">
-                <a16:creationId xmlns:a16="http://schemas.microsoft.com/office/drawing/2014/main" id="{FE07282D-70E7-43DB-821F-1BEFB71814C2}"/>
-              </a:ext>
-            </a:extLst>
-          </p:cNvPr>
-          <p:cNvSpPr>
-            <a:spLocks noGrp="1"/>
-          </p:cNvSpPr>
-          <p:nvPr>
-            <p:ph idx="1"/>
-          </p:nvPr>
-        </p:nvSpPr>
-        <p:spPr/>
-        <p:txBody>
-          <a:bodyPr/>
-          <a:lstStyle/>
-          <a:p>
-            <a:r>
-              <a:rPr lang="ko-KR" altLang="en-US" dirty="0"/>
-              <a:t>차후 추가</a:t>
-            </a:r>
-          </a:p>
-        </p:txBody>
-      </p:sp>
-    </p:spTree>
-    <p:extLst>
-      <p:ext uri="{BB962C8B-B14F-4D97-AF65-F5344CB8AC3E}">
-        <p14:creationId xmlns:p14="http://schemas.microsoft.com/office/powerpoint/2010/main" val="480094586"/>
-      </p:ext>
-    </p:extLst>
-  </p:cSld>
-  <p:clrMapOvr>
-    <a:masterClrMapping/>
-  </p:clrMapOvr>
-</p:sld>
-</file>
-
-<file path=ppt/slides/slide21.xml><?xml version="1.0" encoding="utf-8"?>
-<p:sld xmlns:a="http://schemas.openxmlformats.org/drawingml/2006/main" xmlns:r="http://schemas.openxmlformats.org/officeDocument/2006/relationships" xmlns:p="http://schemas.openxmlformats.org/presentationml/2006/main">
-  <p:cSld>
-    <p:spTree>
-      <p:nvGrpSpPr>
-        <p:cNvPr id="1" name="Shape 271"/>
-        <p:cNvGrpSpPr/>
-        <p:nvPr/>
-      </p:nvGrpSpPr>
-      <p:grpSpPr>
-        <a:xfrm>
-          <a:off x="0" y="0"/>
-          <a:ext cx="0" cy="0"/>
-          <a:chOff x="0" y="0"/>
-          <a:chExt cx="0" cy="0"/>
-        </a:xfrm>
-      </p:grpSpPr>
-      <p:sp>
-        <p:nvSpPr>
-          <p:cNvPr id="272" name="Google Shape;272;p34"/>
+          <p:cNvPr id="278" name="Google Shape;278;p35"/>
           <p:cNvSpPr txBox="1">
             <a:spLocks noGrp="1"/>
           </p:cNvSpPr>
@@ -16972,7 +15861,7 @@
                 <a:cs typeface="Century Gothic"/>
                 <a:sym typeface="Century Gothic"/>
               </a:rPr>
-              <a:t>클라이언트 개발 내용</a:t>
+              <a:t>서버 개발 내용</a:t>
             </a:r>
             <a:endParaRPr>
               <a:latin typeface="+mn-ea"/>
@@ -16983,7 +15872,7 @@
       </p:sp>
       <p:sp>
         <p:nvSpPr>
-          <p:cNvPr id="273" name="Google Shape;273;p34"/>
+          <p:cNvPr id="279" name="Google Shape;279;p35"/>
           <p:cNvSpPr txBox="1">
             <a:spLocks noGrp="1"/>
           </p:cNvSpPr>
@@ -17053,12 +15942,12 @@
 </p:sld>
 </file>
 
-<file path=ppt/slides/slide22.xml><?xml version="1.0" encoding="utf-8"?>
+<file path=ppt/slides/slide21.xml><?xml version="1.0" encoding="utf-8"?>
 <p:sld xmlns:a="http://schemas.openxmlformats.org/drawingml/2006/main" xmlns:r="http://schemas.openxmlformats.org/officeDocument/2006/relationships" xmlns:p="http://schemas.openxmlformats.org/presentationml/2006/main">
   <p:cSld>
     <p:spTree>
       <p:nvGrpSpPr>
-        <p:cNvPr id="1" name="Shape 277"/>
+        <p:cNvPr id="1" name="Shape 283"/>
         <p:cNvGrpSpPr/>
         <p:nvPr/>
       </p:nvGrpSpPr>
@@ -17072,7 +15961,7 @@
       </p:grpSpPr>
       <p:sp>
         <p:nvSpPr>
-          <p:cNvPr id="278" name="Google Shape;278;p35"/>
+          <p:cNvPr id="284" name="Google Shape;284;p36"/>
           <p:cNvSpPr txBox="1">
             <a:spLocks noGrp="1"/>
           </p:cNvSpPr>
@@ -17130,7 +16019,7 @@
                 <a:cs typeface="Century Gothic"/>
                 <a:sym typeface="Century Gothic"/>
               </a:rPr>
-              <a:t>서버 개발 내용</a:t>
+              <a:t>역할 분담</a:t>
             </a:r>
             <a:endParaRPr>
               <a:latin typeface="+mn-ea"/>
@@ -17141,7 +16030,7 @@
       </p:sp>
       <p:sp>
         <p:nvSpPr>
-          <p:cNvPr id="279" name="Google Shape;279;p35"/>
+          <p:cNvPr id="285" name="Google Shape;285;p36"/>
           <p:cNvSpPr txBox="1">
             <a:spLocks noGrp="1"/>
           </p:cNvSpPr>
@@ -17211,165 +16100,7 @@
 </p:sld>
 </file>
 
-<file path=ppt/slides/slide23.xml><?xml version="1.0" encoding="utf-8"?>
-<p:sld xmlns:a="http://schemas.openxmlformats.org/drawingml/2006/main" xmlns:r="http://schemas.openxmlformats.org/officeDocument/2006/relationships" xmlns:p="http://schemas.openxmlformats.org/presentationml/2006/main">
-  <p:cSld>
-    <p:spTree>
-      <p:nvGrpSpPr>
-        <p:cNvPr id="1" name="Shape 283"/>
-        <p:cNvGrpSpPr/>
-        <p:nvPr/>
-      </p:nvGrpSpPr>
-      <p:grpSpPr>
-        <a:xfrm>
-          <a:off x="0" y="0"/>
-          <a:ext cx="0" cy="0"/>
-          <a:chOff x="0" y="0"/>
-          <a:chExt cx="0" cy="0"/>
-        </a:xfrm>
-      </p:grpSpPr>
-      <p:sp>
-        <p:nvSpPr>
-          <p:cNvPr id="284" name="Google Shape;284;p36"/>
-          <p:cNvSpPr txBox="1">
-            <a:spLocks noGrp="1"/>
-          </p:cNvSpPr>
-          <p:nvPr>
-            <p:ph type="title"/>
-          </p:nvPr>
-        </p:nvSpPr>
-        <p:spPr>
-          <a:xfrm>
-            <a:off x="810000" y="447188"/>
-            <a:ext cx="10571998" cy="970450"/>
-          </a:xfrm>
-          <a:prstGeom prst="rect">
-            <a:avLst/>
-          </a:prstGeom>
-          <a:noFill/>
-          <a:ln>
-            <a:noFill/>
-          </a:ln>
-          <a:effectLst>
-            <a:outerShdw blurRad="50800">
-              <a:srgbClr val="000000">
-                <a:alpha val="60000"/>
-              </a:srgbClr>
-            </a:outerShdw>
-          </a:effectLst>
-        </p:spPr>
-        <p:txBody>
-          <a:bodyPr spcFirstLastPara="1" wrap="square" lIns="91425" tIns="45700" rIns="91425" bIns="45700" anchor="b" anchorCtr="0">
-            <a:noAutofit/>
-          </a:bodyPr>
-          <a:lstStyle/>
-          <a:p>
-            <a:pPr marL="0" marR="0" lvl="0" indent="0" algn="l" rtl="0">
-              <a:spcBef>
-                <a:spcPts val="0"/>
-              </a:spcBef>
-              <a:spcAft>
-                <a:spcPts val="0"/>
-              </a:spcAft>
-              <a:buClr>
-                <a:srgbClr val="FEFEFE"/>
-              </a:buClr>
-              <a:buSzPts val="4000"/>
-              <a:buFont typeface="Century Gothic"/>
-              <a:buNone/>
-            </a:pPr>
-            <a:r>
-              <a:rPr lang="ko-KR" sz="4000" b="1" i="0" u="none" strike="noStrike" cap="none">
-                <a:solidFill>
-                  <a:srgbClr val="FEFEFE"/>
-                </a:solidFill>
-                <a:latin typeface="+mn-ea"/>
-                <a:ea typeface="+mn-ea"/>
-                <a:cs typeface="Century Gothic"/>
-                <a:sym typeface="Century Gothic"/>
-              </a:rPr>
-              <a:t>역할 분담</a:t>
-            </a:r>
-            <a:endParaRPr>
-              <a:latin typeface="+mn-ea"/>
-              <a:ea typeface="+mn-ea"/>
-            </a:endParaRPr>
-          </a:p>
-        </p:txBody>
-      </p:sp>
-      <p:sp>
-        <p:nvSpPr>
-          <p:cNvPr id="285" name="Google Shape;285;p36"/>
-          <p:cNvSpPr txBox="1">
-            <a:spLocks noGrp="1"/>
-          </p:cNvSpPr>
-          <p:nvPr>
-            <p:ph idx="1"/>
-          </p:nvPr>
-        </p:nvSpPr>
-        <p:spPr>
-          <a:xfrm>
-            <a:off x="818712" y="2222287"/>
-            <a:ext cx="10554574" cy="3636511"/>
-          </a:xfrm>
-          <a:prstGeom prst="rect">
-            <a:avLst/>
-          </a:prstGeom>
-          <a:noFill/>
-          <a:ln>
-            <a:noFill/>
-          </a:ln>
-          <a:effectLst>
-            <a:outerShdw blurRad="50800">
-              <a:srgbClr val="000000">
-                <a:alpha val="40000"/>
-              </a:srgbClr>
-            </a:outerShdw>
-          </a:effectLst>
-        </p:spPr>
-        <p:txBody>
-          <a:bodyPr spcFirstLastPara="1" wrap="square" lIns="91425" tIns="45700" rIns="91425" bIns="45700" anchor="ctr" anchorCtr="0">
-            <a:noAutofit/>
-          </a:bodyPr>
-          <a:lstStyle/>
-          <a:p>
-            <a:pPr>
-              <a:spcBef>
-                <a:spcPts val="0"/>
-              </a:spcBef>
-              <a:spcAft>
-                <a:spcPts val="0"/>
-              </a:spcAft>
-              <a:buSzPts val="1800"/>
-            </a:pPr>
-            <a:r>
-              <a:rPr lang="ko-KR" dirty="0">
-                <a:latin typeface="+mn-ea"/>
-                <a:ea typeface="+mn-ea"/>
-              </a:rPr>
-              <a:t>차후 추가</a:t>
-            </a:r>
-            <a:endParaRPr sz="1800" b="0" i="0" u="none" strike="noStrike" cap="none" dirty="0">
-              <a:solidFill>
-                <a:schemeClr val="lt1"/>
-              </a:solidFill>
-              <a:latin typeface="+mn-ea"/>
-              <a:ea typeface="+mn-ea"/>
-              <a:cs typeface="Century Gothic"/>
-              <a:sym typeface="Century Gothic"/>
-            </a:endParaRPr>
-          </a:p>
-        </p:txBody>
-      </p:sp>
-    </p:spTree>
-  </p:cSld>
-  <p:clrMapOvr>
-    <a:masterClrMapping/>
-  </p:clrMapOvr>
-</p:sld>
-</file>
-
-<file path=ppt/slides/slide24.xml><?xml version="1.0" encoding="utf-8"?>
+<file path=ppt/slides/slide22.xml><?xml version="1.0" encoding="utf-8"?>
 <p:sld xmlns:a="http://schemas.openxmlformats.org/drawingml/2006/main" xmlns:r="http://schemas.openxmlformats.org/officeDocument/2006/relationships" xmlns:p="http://schemas.openxmlformats.org/presentationml/2006/main">
   <p:cSld>
     <p:spTree>
@@ -17560,7 +16291,7 @@
                 <a16:creationId xmlns:a16="http://schemas.microsoft.com/office/drawing/2014/main" id="{089A69AF-D57B-49B4-886C-D4A5DC194421}"/>
               </a:ext>
               <a:ext uri="{C183D7F6-B498-43B3-948B-1728B52AA6E4}">
-                <adec:decorative xmlns:adec="http://schemas.microsoft.com/office/drawing/2017/decorative" val="1"/>
+                <adec:decorative xmlns:adec="http://schemas.microsoft.com/office/drawing/2017/decorative" xmlns="" val="1"/>
               </a:ext>
             </a:extLst>
           </p:cNvPr>
@@ -17620,7 +16351,7 @@
                 <a16:creationId xmlns:a16="http://schemas.microsoft.com/office/drawing/2014/main" id="{CABDC08D-6093-4397-92D4-54D00E2BB1C2}"/>
               </a:ext>
               <a:ext uri="{C183D7F6-B498-43B3-948B-1728B52AA6E4}">
-                <adec:decorative xmlns:adec="http://schemas.microsoft.com/office/drawing/2017/decorative" val="1"/>
+                <adec:decorative xmlns:adec="http://schemas.microsoft.com/office/drawing/2017/decorative" xmlns="" val="1"/>
               </a:ext>
             </a:extLst>
           </p:cNvPr>
@@ -17825,7 +16556,7 @@
           <a:effectLst/>
           <a:extLst>
             <a:ext uri="{91240B29-F687-4f45-9708-019B960494DF}">
-              <a14:hiddenLine xmlns="" xmlns:a16="http://schemas.microsoft.com/office/drawing/2014/main" xmlns:p14="http://schemas.microsoft.com/office/powerpoint/2010/main" xmlns:a14="http://schemas.microsoft.com/office/drawing/2010/main" w="9525">
+              <a14:hiddenLine xmlns:a14="http://schemas.microsoft.com/office/drawing/2010/main" xmlns:p14="http://schemas.microsoft.com/office/powerpoint/2010/main" xmlns:a16="http://schemas.microsoft.com/office/drawing/2014/main" xmlns="" w="9525">
                 <a:solidFill>
                   <a:srgbClr val="000000"/>
                 </a:solidFill>
@@ -18686,367 +17417,6 @@
   <p:cSld>
     <p:spTree>
       <p:nvGrpSpPr>
-        <p:cNvPr id="1" name="Shape 142"/>
-        <p:cNvGrpSpPr/>
-        <p:nvPr/>
-      </p:nvGrpSpPr>
-      <p:grpSpPr>
-        <a:xfrm>
-          <a:off x="0" y="0"/>
-          <a:ext cx="0" cy="0"/>
-          <a:chOff x="0" y="0"/>
-          <a:chExt cx="0" cy="0"/>
-        </a:xfrm>
-      </p:grpSpPr>
-      <p:sp>
-        <p:nvSpPr>
-          <p:cNvPr id="143" name="Google Shape;143;p20"/>
-          <p:cNvSpPr txBox="1">
-            <a:spLocks noGrp="1"/>
-          </p:cNvSpPr>
-          <p:nvPr>
-            <p:ph type="title"/>
-          </p:nvPr>
-        </p:nvSpPr>
-        <p:spPr>
-          <a:xfrm>
-            <a:off x="810000" y="447188"/>
-            <a:ext cx="10571998" cy="970450"/>
-          </a:xfrm>
-          <a:prstGeom prst="rect">
-            <a:avLst/>
-          </a:prstGeom>
-          <a:noFill/>
-          <a:ln>
-            <a:noFill/>
-          </a:ln>
-          <a:effectLst>
-            <a:outerShdw blurRad="50800">
-              <a:srgbClr val="000000">
-                <a:alpha val="60000"/>
-              </a:srgbClr>
-            </a:outerShdw>
-          </a:effectLst>
-        </p:spPr>
-        <p:txBody>
-          <a:bodyPr spcFirstLastPara="1" wrap="square" lIns="91425" tIns="45700" rIns="91425" bIns="45700" anchor="b" anchorCtr="0">
-            <a:noAutofit/>
-          </a:bodyPr>
-          <a:lstStyle/>
-          <a:p>
-            <a:pPr marL="0" marR="0" lvl="0" indent="0" algn="l" rtl="0">
-              <a:spcBef>
-                <a:spcPts val="0"/>
-              </a:spcBef>
-              <a:spcAft>
-                <a:spcPts val="0"/>
-              </a:spcAft>
-              <a:buClr>
-                <a:srgbClr val="FEFEFE"/>
-              </a:buClr>
-              <a:buSzPts val="4000"/>
-              <a:buFont typeface="Century Gothic"/>
-              <a:buNone/>
-            </a:pPr>
-            <a:r>
-              <a:rPr lang="ko-KR" sz="4000" b="1" i="0" u="none" strike="noStrike" cap="none">
-                <a:solidFill>
-                  <a:srgbClr val="FEFEFE"/>
-                </a:solidFill>
-                <a:latin typeface="+mn-ea"/>
-                <a:ea typeface="+mn-ea"/>
-                <a:cs typeface="Century Gothic"/>
-                <a:sym typeface="Century Gothic"/>
-              </a:rPr>
-              <a:t>게임 컨셉</a:t>
-            </a:r>
-            <a:endParaRPr>
-              <a:latin typeface="+mn-ea"/>
-              <a:ea typeface="+mn-ea"/>
-            </a:endParaRPr>
-          </a:p>
-        </p:txBody>
-      </p:sp>
-      <p:sp>
-        <p:nvSpPr>
-          <p:cNvPr id="144" name="Google Shape;144;p20"/>
-          <p:cNvSpPr txBox="1">
-            <a:spLocks noGrp="1"/>
-          </p:cNvSpPr>
-          <p:nvPr>
-            <p:ph idx="1"/>
-          </p:nvPr>
-        </p:nvSpPr>
-        <p:spPr>
-          <a:xfrm>
-            <a:off x="818712" y="2222287"/>
-            <a:ext cx="10554574" cy="3636511"/>
-          </a:xfrm>
-          <a:prstGeom prst="rect">
-            <a:avLst/>
-          </a:prstGeom>
-          <a:noFill/>
-          <a:ln>
-            <a:noFill/>
-          </a:ln>
-          <a:effectLst>
-            <a:outerShdw blurRad="50800">
-              <a:srgbClr val="000000">
-                <a:alpha val="40000"/>
-              </a:srgbClr>
-            </a:outerShdw>
-          </a:effectLst>
-        </p:spPr>
-        <p:txBody>
-          <a:bodyPr spcFirstLastPara="1" wrap="square" lIns="91425" tIns="45700" rIns="91425" bIns="45700" anchor="t" anchorCtr="0">
-            <a:noAutofit/>
-          </a:bodyPr>
-          <a:lstStyle/>
-          <a:p>
-            <a:pPr>
-              <a:spcBef>
-                <a:spcPts val="0"/>
-              </a:spcBef>
-              <a:spcAft>
-                <a:spcPts val="0"/>
-              </a:spcAft>
-              <a:buSzPts val="1800"/>
-            </a:pPr>
-            <a:r>
-              <a:rPr lang="ko-KR" altLang="en-US" sz="1800" b="0" i="0" u="none" strike="noStrike" cap="none" dirty="0">
-                <a:solidFill>
-                  <a:schemeClr val="lt1"/>
-                </a:solidFill>
-                <a:latin typeface="+mn-ea"/>
-                <a:ea typeface="+mn-ea"/>
-                <a:cs typeface="Century Gothic"/>
-                <a:sym typeface="Century Gothic"/>
-              </a:rPr>
-              <a:t>넓은 </a:t>
-            </a:r>
-            <a:r>
-              <a:rPr lang="ko-KR" sz="1800" b="0" i="0" u="none" strike="noStrike" cap="none" dirty="0">
-                <a:solidFill>
-                  <a:schemeClr val="lt1"/>
-                </a:solidFill>
-                <a:latin typeface="+mn-ea"/>
-                <a:ea typeface="+mn-ea"/>
-                <a:cs typeface="Century Gothic"/>
-                <a:sym typeface="Century Gothic"/>
-              </a:rPr>
-              <a:t>공간 내에서 자유롭게 비행하며 온라인으로 만난 상대와 한판 승부!</a:t>
-            </a:r>
-            <a:endParaRPr sz="1800" b="0" i="0" u="none" strike="noStrike" cap="none" dirty="0">
-              <a:solidFill>
-                <a:schemeClr val="lt1"/>
-              </a:solidFill>
-              <a:latin typeface="+mn-ea"/>
-              <a:ea typeface="+mn-ea"/>
-              <a:cs typeface="Century Gothic"/>
-              <a:sym typeface="Century Gothic"/>
-            </a:endParaRPr>
-          </a:p>
-        </p:txBody>
-      </p:sp>
-      <p:pic>
-        <p:nvPicPr>
-          <p:cNvPr id="145" name="Google Shape;145;p20"/>
-          <p:cNvPicPr preferRelativeResize="0"/>
-          <p:nvPr/>
-        </p:nvPicPr>
-        <p:blipFill>
-          <a:blip r:embed="rId3">
-            <a:alphaModFix/>
-          </a:blip>
-          <a:stretch>
-            <a:fillRect/>
-          </a:stretch>
-        </p:blipFill>
-        <p:spPr>
-          <a:xfrm>
-            <a:off x="3769925" y="2726564"/>
-            <a:ext cx="5122075" cy="3871325"/>
-          </a:xfrm>
-          <a:prstGeom prst="rect">
-            <a:avLst/>
-          </a:prstGeom>
-          <a:noFill/>
-          <a:ln w="38100">
-            <a:solidFill>
-              <a:schemeClr val="accent1"/>
-            </a:solidFill>
-          </a:ln>
-        </p:spPr>
-      </p:pic>
-      <p:sp>
-        <p:nvSpPr>
-          <p:cNvPr id="6" name="Google Shape;150;p21">
-            <a:extLst>
-              <a:ext uri="{FF2B5EF4-FFF2-40B4-BE49-F238E27FC236}">
-                <a16:creationId xmlns:a16="http://schemas.microsoft.com/office/drawing/2014/main" id="{DA17C4D8-3087-4875-B12B-E5C8514ABCE9}"/>
-              </a:ext>
-            </a:extLst>
-          </p:cNvPr>
-          <p:cNvSpPr txBox="1">
-            <a:spLocks/>
-          </p:cNvSpPr>
-          <p:nvPr/>
-        </p:nvSpPr>
-        <p:spPr>
-          <a:xfrm>
-            <a:off x="818712" y="1299292"/>
-            <a:ext cx="10571998" cy="552014"/>
-          </a:xfrm>
-          <a:prstGeom prst="rect">
-            <a:avLst/>
-          </a:prstGeom>
-          <a:noFill/>
-          <a:ln>
-            <a:noFill/>
-          </a:ln>
-          <a:effectLst>
-            <a:outerShdw blurRad="50800">
-              <a:srgbClr val="000000">
-                <a:alpha val="60000"/>
-              </a:srgbClr>
-            </a:outerShdw>
-          </a:effectLst>
-        </p:spPr>
-        <p:txBody>
-          <a:bodyPr spcFirstLastPara="1" vert="horz" wrap="square" lIns="91425" tIns="45700" rIns="91425" bIns="45700" rtlCol="0" anchor="b" anchorCtr="0">
-            <a:noAutofit/>
-          </a:bodyPr>
-          <a:lstStyle>
-            <a:lvl1pPr algn="l" defTabSz="457200" rtl="0" eaLnBrk="1" latinLnBrk="1" hangingPunct="1">
-              <a:spcBef>
-                <a:spcPct val="0"/>
-              </a:spcBef>
-              <a:buNone/>
-              <a:defRPr sz="4000" b="1" kern="1200">
-                <a:solidFill>
-                  <a:srgbClr val="FEFEFE"/>
-                </a:solidFill>
-                <a:latin typeface="+mj-lt"/>
-                <a:ea typeface="+mj-ea"/>
-                <a:cs typeface="+mj-cs"/>
-              </a:defRPr>
-            </a:lvl1pPr>
-            <a:lvl2pPr eaLnBrk="1" latinLnBrk="1" hangingPunct="1">
-              <a:defRPr>
-                <a:solidFill>
-                  <a:schemeClr val="tx2"/>
-                </a:solidFill>
-              </a:defRPr>
-            </a:lvl2pPr>
-            <a:lvl3pPr eaLnBrk="1" latinLnBrk="1" hangingPunct="1">
-              <a:defRPr>
-                <a:solidFill>
-                  <a:schemeClr val="tx2"/>
-                </a:solidFill>
-              </a:defRPr>
-            </a:lvl3pPr>
-            <a:lvl4pPr eaLnBrk="1" latinLnBrk="1" hangingPunct="1">
-              <a:defRPr>
-                <a:solidFill>
-                  <a:schemeClr val="tx2"/>
-                </a:solidFill>
-              </a:defRPr>
-            </a:lvl4pPr>
-            <a:lvl5pPr eaLnBrk="1" latinLnBrk="1" hangingPunct="1">
-              <a:defRPr>
-                <a:solidFill>
-                  <a:schemeClr val="tx2"/>
-                </a:solidFill>
-              </a:defRPr>
-            </a:lvl5pPr>
-            <a:lvl6pPr eaLnBrk="1" latinLnBrk="1" hangingPunct="1">
-              <a:defRPr>
-                <a:solidFill>
-                  <a:schemeClr val="tx2"/>
-                </a:solidFill>
-              </a:defRPr>
-            </a:lvl6pPr>
-            <a:lvl7pPr eaLnBrk="1" latinLnBrk="1" hangingPunct="1">
-              <a:defRPr>
-                <a:solidFill>
-                  <a:schemeClr val="tx2"/>
-                </a:solidFill>
-              </a:defRPr>
-            </a:lvl7pPr>
-            <a:lvl8pPr eaLnBrk="1" latinLnBrk="1" hangingPunct="1">
-              <a:defRPr>
-                <a:solidFill>
-                  <a:schemeClr val="tx2"/>
-                </a:solidFill>
-              </a:defRPr>
-            </a:lvl8pPr>
-            <a:lvl9pPr eaLnBrk="1" latinLnBrk="1" hangingPunct="1">
-              <a:defRPr>
-                <a:solidFill>
-                  <a:schemeClr val="tx2"/>
-                </a:solidFill>
-              </a:defRPr>
-            </a:lvl9pPr>
-          </a:lstStyle>
-          <a:p>
-            <a:pPr>
-              <a:spcBef>
-                <a:spcPts val="0"/>
-              </a:spcBef>
-              <a:buClr>
-                <a:srgbClr val="FEFEFE"/>
-              </a:buClr>
-              <a:buSzPts val="4000"/>
-              <a:buFont typeface="Century Gothic"/>
-              <a:buNone/>
-            </a:pPr>
-            <a:r>
-              <a:rPr lang="en-US" altLang="ko-KR" sz="2500" dirty="0">
-                <a:latin typeface="+mn-ea"/>
-                <a:ea typeface="+mn-ea"/>
-                <a:cs typeface="Century Gothic"/>
-                <a:sym typeface="Century Gothic"/>
-              </a:rPr>
-              <a:t>[</a:t>
-            </a:r>
-            <a:r>
-              <a:rPr lang="ko-KR" altLang="en-US" sz="2500" dirty="0">
-                <a:latin typeface="+mn-ea"/>
-                <a:ea typeface="+mn-ea"/>
-                <a:cs typeface="Century Gothic"/>
-                <a:sym typeface="Century Gothic"/>
-              </a:rPr>
-              <a:t>장르</a:t>
-            </a:r>
-            <a:r>
-              <a:rPr lang="en-US" altLang="ko-KR" sz="2500" dirty="0">
-                <a:latin typeface="+mn-ea"/>
-                <a:ea typeface="+mn-ea"/>
-                <a:cs typeface="Century Gothic"/>
-                <a:sym typeface="Century Gothic"/>
-              </a:rPr>
-              <a:t>]</a:t>
-            </a:r>
-            <a:endParaRPr lang="ko-KR" altLang="en-US" sz="2500" dirty="0">
-              <a:latin typeface="+mn-ea"/>
-              <a:ea typeface="+mn-ea"/>
-            </a:endParaRPr>
-          </a:p>
-        </p:txBody>
-      </p:sp>
-    </p:spTree>
-  </p:cSld>
-  <p:clrMapOvr>
-    <a:masterClrMapping/>
-  </p:clrMapOvr>
-</p:sld>
-</file>
-
-<file path=ppt/slides/slide6.xml><?xml version="1.0" encoding="utf-8"?>
-<p:sld xmlns:a="http://schemas.openxmlformats.org/drawingml/2006/main" xmlns:r="http://schemas.openxmlformats.org/officeDocument/2006/relationships" xmlns:p="http://schemas.openxmlformats.org/presentationml/2006/main">
-  <p:cSld>
-    <p:spTree>
-      <p:nvGrpSpPr>
         <p:cNvPr id="1" name="Shape 149"/>
         <p:cNvGrpSpPr/>
         <p:nvPr/>
@@ -19526,7 +17896,7 @@
 </p:sld>
 </file>
 
-<file path=ppt/slides/slide7.xml><?xml version="1.0" encoding="utf-8"?>
+<file path=ppt/slides/slide6.xml><?xml version="1.0" encoding="utf-8"?>
 <p:sld xmlns:a="http://schemas.openxmlformats.org/drawingml/2006/main" xmlns:r="http://schemas.openxmlformats.org/officeDocument/2006/relationships" xmlns:p="http://schemas.openxmlformats.org/presentationml/2006/main">
   <p:cSld>
     <p:spTree>
@@ -20022,7 +18392,7 @@
 </p:sld>
 </file>
 
-<file path=ppt/slides/slide8.xml><?xml version="1.0" encoding="utf-8"?>
+<file path=ppt/slides/slide7.xml><?xml version="1.0" encoding="utf-8"?>
 <p:sld xmlns:a="http://schemas.openxmlformats.org/drawingml/2006/main" xmlns:r="http://schemas.openxmlformats.org/officeDocument/2006/relationships" xmlns:p="http://schemas.openxmlformats.org/presentationml/2006/main">
   <p:cSld>
     <p:spTree>
@@ -20200,6 +18570,36 @@
           </a:p>
         </p:txBody>
       </p:sp>
+      <p:pic>
+        <p:nvPicPr>
+          <p:cNvPr id="6" name="Google Shape;145;p20"/>
+          <p:cNvPicPr preferRelativeResize="0"/>
+          <p:nvPr/>
+        </p:nvPicPr>
+        <p:blipFill>
+          <a:blip r:embed="rId3">
+            <a:alphaModFix/>
+          </a:blip>
+          <a:stretch>
+            <a:fillRect/>
+          </a:stretch>
+        </p:blipFill>
+        <p:spPr>
+          <a:xfrm>
+            <a:off x="3769925" y="2726564"/>
+            <a:ext cx="5122075" cy="3871325"/>
+          </a:xfrm>
+          <a:prstGeom prst="rect">
+            <a:avLst/>
+          </a:prstGeom>
+          <a:noFill/>
+          <a:ln w="38100">
+            <a:solidFill>
+              <a:schemeClr val="accent1"/>
+            </a:solidFill>
+          </a:ln>
+        </p:spPr>
+      </p:pic>
     </p:spTree>
   </p:cSld>
   <p:clrMapOvr>
@@ -20208,12 +18608,12 @@
 </p:sld>
 </file>
 
-<file path=ppt/slides/slide9.xml><?xml version="1.0" encoding="utf-8"?>
+<file path=ppt/slides/slide8.xml><?xml version="1.0" encoding="utf-8"?>
 <p:sld xmlns:a="http://schemas.openxmlformats.org/drawingml/2006/main" xmlns:r="http://schemas.openxmlformats.org/officeDocument/2006/relationships" xmlns:p="http://schemas.openxmlformats.org/presentationml/2006/main">
   <p:cSld>
     <p:spTree>
       <p:nvGrpSpPr>
-        <p:cNvPr id="1" name="Shape 191"/>
+        <p:cNvPr id="1" name="Shape 157"/>
         <p:cNvGrpSpPr/>
         <p:nvPr/>
       </p:nvGrpSpPr>
@@ -20227,7 +18627,260 @@
       </p:grpSpPr>
       <p:sp>
         <p:nvSpPr>
-          <p:cNvPr id="192" name="Google Shape;192;p27"/>
+          <p:cNvPr id="159" name="Google Shape;159;p22"/>
+          <p:cNvSpPr txBox="1">
+            <a:spLocks noGrp="1"/>
+          </p:cNvSpPr>
+          <p:nvPr>
+            <p:ph idx="1"/>
+          </p:nvPr>
+        </p:nvSpPr>
+        <p:spPr>
+          <a:xfrm>
+            <a:off x="818712" y="3429000"/>
+            <a:ext cx="10554600" cy="2429886"/>
+          </a:xfrm>
+          <a:prstGeom prst="rect">
+            <a:avLst/>
+          </a:prstGeom>
+          <a:noFill/>
+          <a:ln>
+            <a:noFill/>
+          </a:ln>
+          <a:effectLst>
+            <a:outerShdw blurRad="50800">
+              <a:srgbClr val="000000">
+                <a:alpha val="40000"/>
+              </a:srgbClr>
+            </a:outerShdw>
+          </a:effectLst>
+        </p:spPr>
+        <p:txBody>
+          <a:bodyPr spcFirstLastPara="1" wrap="square" lIns="91425" tIns="45700" rIns="91425" bIns="45700" anchor="ctr" anchorCtr="0">
+            <a:noAutofit/>
+          </a:bodyPr>
+          <a:lstStyle/>
+          <a:p>
+            <a:pPr>
+              <a:lnSpc>
+                <a:spcPct val="150000"/>
+              </a:lnSpc>
+              <a:spcBef>
+                <a:spcPts val="0"/>
+              </a:spcBef>
+              <a:spcAft>
+                <a:spcPts val="0"/>
+              </a:spcAft>
+              <a:buSzPct val="88000"/>
+            </a:pPr>
+            <a:r>
+              <a:rPr lang="ko-KR" sz="1700" dirty="0">
+                <a:solidFill>
+                  <a:srgbClr val="FFFFFF"/>
+                </a:solidFill>
+                <a:latin typeface="+mn-ea"/>
+                <a:ea typeface="+mn-ea"/>
+              </a:rPr>
+              <a:t>체력, 방어력, </a:t>
+            </a:r>
+            <a:r>
+              <a:rPr lang="ko-KR" altLang="en-US" sz="1700" dirty="0">
+                <a:solidFill>
+                  <a:srgbClr val="FFFFFF"/>
+                </a:solidFill>
+                <a:latin typeface="+mn-ea"/>
+              </a:rPr>
+              <a:t>이동속도</a:t>
+            </a:r>
+            <a:r>
+              <a:rPr lang="ko-KR" sz="1700" dirty="0">
+                <a:solidFill>
+                  <a:srgbClr val="FFFFFF"/>
+                </a:solidFill>
+                <a:latin typeface="+mn-ea"/>
+                <a:ea typeface="+mn-ea"/>
+              </a:rPr>
+              <a:t>가 높</a:t>
+            </a:r>
+            <a:r>
+              <a:rPr lang="ko-KR" altLang="en-US" sz="1700" dirty="0">
+                <a:solidFill>
+                  <a:srgbClr val="FFFFFF"/>
+                </a:solidFill>
+                <a:latin typeface="+mn-ea"/>
+              </a:rPr>
+              <a:t>은 근접 전투 특화 타입</a:t>
+            </a:r>
+            <a:endParaRPr lang="en-US" altLang="ko-KR" sz="1700" dirty="0">
+              <a:solidFill>
+                <a:srgbClr val="FFFFFF"/>
+              </a:solidFill>
+              <a:latin typeface="+mn-ea"/>
+              <a:ea typeface="+mn-ea"/>
+            </a:endParaRPr>
+          </a:p>
+          <a:p>
+            <a:pPr>
+              <a:lnSpc>
+                <a:spcPct val="150000"/>
+              </a:lnSpc>
+              <a:spcBef>
+                <a:spcPts val="0"/>
+              </a:spcBef>
+              <a:spcAft>
+                <a:spcPts val="0"/>
+              </a:spcAft>
+              <a:buSzPct val="88000"/>
+            </a:pPr>
+            <a:r>
+              <a:rPr lang="ko-KR" altLang="en-US" sz="1700" dirty="0">
+                <a:solidFill>
+                  <a:srgbClr val="FFFFFF"/>
+                </a:solidFill>
+                <a:latin typeface="+mn-ea"/>
+                <a:ea typeface="+mn-ea"/>
+              </a:rPr>
+              <a:t>수평 </a:t>
+            </a:r>
+            <a:r>
+              <a:rPr lang="ko-KR" altLang="en-US" sz="1700" dirty="0">
+                <a:solidFill>
+                  <a:srgbClr val="FFFFFF"/>
+                </a:solidFill>
+                <a:latin typeface="+mn-ea"/>
+              </a:rPr>
+              <a:t>이동시 </a:t>
+            </a:r>
+            <a:r>
+              <a:rPr lang="ko-KR" sz="1700" dirty="0">
+                <a:solidFill>
+                  <a:srgbClr val="FFFFFF"/>
+                </a:solidFill>
+                <a:latin typeface="+mn-ea"/>
+                <a:ea typeface="+mn-ea"/>
+              </a:rPr>
+              <a:t>부스터를 </a:t>
+            </a:r>
+            <a:r>
+              <a:rPr lang="ko-KR" altLang="en-US" sz="1700" dirty="0">
+                <a:solidFill>
+                  <a:srgbClr val="FFFFFF"/>
+                </a:solidFill>
+                <a:latin typeface="+mn-ea"/>
+                <a:ea typeface="+mn-ea"/>
+              </a:rPr>
+              <a:t>소모하는 양이 적다</a:t>
+            </a:r>
+            <a:endParaRPr lang="en-US" altLang="ko-KR" sz="1700" dirty="0">
+              <a:solidFill>
+                <a:srgbClr val="FFFFFF"/>
+              </a:solidFill>
+              <a:latin typeface="+mn-ea"/>
+              <a:ea typeface="+mn-ea"/>
+            </a:endParaRPr>
+          </a:p>
+          <a:p>
+            <a:pPr>
+              <a:lnSpc>
+                <a:spcPct val="150000"/>
+              </a:lnSpc>
+              <a:spcBef>
+                <a:spcPts val="0"/>
+              </a:spcBef>
+              <a:spcAft>
+                <a:spcPts val="0"/>
+              </a:spcAft>
+              <a:buSzPct val="88000"/>
+            </a:pPr>
+            <a:r>
+              <a:rPr lang="ko-KR" altLang="en-US" sz="1700" dirty="0">
+                <a:solidFill>
+                  <a:srgbClr val="FFFFFF"/>
+                </a:solidFill>
+                <a:latin typeface="+mn-ea"/>
+                <a:ea typeface="+mn-ea"/>
+              </a:rPr>
+              <a:t>시야가 좁고 </a:t>
+            </a:r>
+            <a:r>
+              <a:rPr lang="ko-KR" sz="1700" dirty="0">
+                <a:solidFill>
+                  <a:srgbClr val="FFFFFF"/>
+                </a:solidFill>
+                <a:latin typeface="+mn-ea"/>
+                <a:ea typeface="+mn-ea"/>
+              </a:rPr>
+              <a:t>자동</a:t>
+            </a:r>
+            <a:r>
+              <a:rPr lang="en-US" altLang="ko-KR" sz="1700" dirty="0">
+                <a:solidFill>
+                  <a:srgbClr val="FFFFFF"/>
+                </a:solidFill>
+                <a:latin typeface="+mn-ea"/>
+                <a:ea typeface="+mn-ea"/>
+              </a:rPr>
+              <a:t> </a:t>
+            </a:r>
+            <a:r>
+              <a:rPr lang="ko-KR" sz="1700" dirty="0">
+                <a:solidFill>
+                  <a:srgbClr val="FFFFFF"/>
+                </a:solidFill>
+                <a:latin typeface="+mn-ea"/>
+                <a:ea typeface="+mn-ea"/>
+              </a:rPr>
+              <a:t>조준</a:t>
+            </a:r>
+            <a:r>
+              <a:rPr lang="ko-KR" altLang="en-US" sz="1700" dirty="0">
+                <a:solidFill>
+                  <a:srgbClr val="FFFFFF"/>
+                </a:solidFill>
+                <a:latin typeface="+mn-ea"/>
+                <a:ea typeface="+mn-ea"/>
+              </a:rPr>
+              <a:t>이 되는</a:t>
+            </a:r>
+            <a:r>
+              <a:rPr lang="ko-KR" sz="1700" dirty="0">
+                <a:solidFill>
+                  <a:srgbClr val="FFFFFF"/>
+                </a:solidFill>
+                <a:latin typeface="+mn-ea"/>
+                <a:ea typeface="+mn-ea"/>
+              </a:rPr>
+              <a:t> 거리가 짧</a:t>
+            </a:r>
+            <a:r>
+              <a:rPr lang="ko-KR" altLang="en-US" sz="1700" dirty="0">
+                <a:solidFill>
+                  <a:srgbClr val="FFFFFF"/>
+                </a:solidFill>
+                <a:latin typeface="+mn-ea"/>
+                <a:ea typeface="+mn-ea"/>
+              </a:rPr>
+              <a:t>다</a:t>
+            </a:r>
+            <a:endParaRPr sz="1700" dirty="0">
+              <a:solidFill>
+                <a:srgbClr val="FFFFFF"/>
+              </a:solidFill>
+              <a:latin typeface="+mn-ea"/>
+              <a:ea typeface="+mn-ea"/>
+            </a:endParaRPr>
+          </a:p>
+        </p:txBody>
+      </p:sp>
+      <p:sp>
+        <p:nvSpPr>
+          <p:cNvPr id="7" name="Google Shape;150;p21">
+            <a:extLst>
+              <a:ext uri="{FF2B5EF4-FFF2-40B4-BE49-F238E27FC236}">
+                <a16:creationId xmlns:a16="http://schemas.microsoft.com/office/drawing/2014/main" id="{E511CBAA-507F-4CC5-99DC-5B07EAD3C166}"/>
+              </a:ext>
+            </a:extLst>
+          </p:cNvPr>
           <p:cNvSpPr txBox="1">
             <a:spLocks noGrp="1"/>
           </p:cNvSpPr>
@@ -20238,7 +18891,7 @@
         <p:spPr>
           <a:xfrm>
             <a:off x="810000" y="447188"/>
-            <a:ext cx="10572000" cy="970500"/>
+            <a:ext cx="10571998" cy="970450"/>
           </a:xfrm>
           <a:prstGeom prst="rect">
             <a:avLst/>
@@ -20261,7 +18914,209 @@
           </a:bodyPr>
           <a:lstStyle/>
           <a:p>
-            <a:pPr lvl="0">
+            <a:pPr marL="0" marR="0" lvl="0" indent="0" algn="l" rtl="0">
+              <a:spcBef>
+                <a:spcPts val="0"/>
+              </a:spcBef>
+              <a:spcAft>
+                <a:spcPts val="0"/>
+              </a:spcAft>
+              <a:buClr>
+                <a:srgbClr val="FEFEFE"/>
+              </a:buClr>
+              <a:buSzPts val="4000"/>
+              <a:buFont typeface="Century Gothic"/>
+              <a:buNone/>
+            </a:pPr>
+            <a:r>
+              <a:rPr lang="ko-KR" sz="4000" b="1" i="0" u="none" strike="noStrike" cap="none" dirty="0">
+                <a:solidFill>
+                  <a:srgbClr val="FEFEFE"/>
+                </a:solidFill>
+                <a:latin typeface="+mn-ea"/>
+                <a:ea typeface="+mn-ea"/>
+                <a:cs typeface="Century Gothic"/>
+                <a:sym typeface="Century Gothic"/>
+              </a:rPr>
+              <a:t>게임 컨셉</a:t>
+            </a:r>
+            <a:endParaRPr dirty="0">
+              <a:latin typeface="+mn-ea"/>
+              <a:ea typeface="+mn-ea"/>
+            </a:endParaRPr>
+          </a:p>
+        </p:txBody>
+      </p:sp>
+      <p:sp>
+        <p:nvSpPr>
+          <p:cNvPr id="4" name="TextBox 3">
+            <a:extLst>
+              <a:ext uri="{FF2B5EF4-FFF2-40B4-BE49-F238E27FC236}">
+                <a16:creationId xmlns:a16="http://schemas.microsoft.com/office/drawing/2014/main" id="{D9FC5E08-F399-49DE-AB64-E50DD6FA0FC3}"/>
+              </a:ext>
+            </a:extLst>
+          </p:cNvPr>
+          <p:cNvSpPr txBox="1"/>
+          <p:nvPr/>
+        </p:nvSpPr>
+        <p:spPr>
+          <a:xfrm>
+            <a:off x="818700" y="2460412"/>
+            <a:ext cx="2646878" cy="553998"/>
+          </a:xfrm>
+          <a:prstGeom prst="rect">
+            <a:avLst/>
+          </a:prstGeom>
+          <a:solidFill>
+            <a:schemeClr val="accent3">
+              <a:lumMod val="75000"/>
+            </a:schemeClr>
+          </a:solidFill>
+          <a:ln>
+            <a:noFill/>
+          </a:ln>
+          <a:effectLst>
+            <a:glow rad="228600">
+              <a:schemeClr val="accent4">
+                <a:lumMod val="75000"/>
+                <a:alpha val="40000"/>
+              </a:schemeClr>
+            </a:glow>
+            <a:outerShdw blurRad="44450" dist="27940" dir="5400000" algn="ctr">
+              <a:srgbClr val="000000">
+                <a:alpha val="32000"/>
+              </a:srgbClr>
+            </a:outerShdw>
+          </a:effectLst>
+        </p:spPr>
+        <p:txBody>
+          <a:bodyPr wrap="none" rtlCol="0">
+            <a:spAutoFit/>
+          </a:bodyPr>
+          <a:lstStyle/>
+          <a:p>
+            <a:r>
+              <a:rPr lang="ko-KR" altLang="en-US" sz="3000" dirty="0">
+                <a:latin typeface="휴먼엑스포" panose="02030504000101010101" pitchFamily="18" charset="-127"/>
+                <a:ea typeface="휴먼엑스포" panose="02030504000101010101" pitchFamily="18" charset="-127"/>
+              </a:rPr>
+              <a:t>근거리 캐릭터</a:t>
+            </a:r>
+          </a:p>
+        </p:txBody>
+      </p:sp>
+      <p:sp>
+        <p:nvSpPr>
+          <p:cNvPr id="12" name="Google Shape;150;p21">
+            <a:extLst>
+              <a:ext uri="{FF2B5EF4-FFF2-40B4-BE49-F238E27FC236}">
+                <a16:creationId xmlns:a16="http://schemas.microsoft.com/office/drawing/2014/main" id="{5872F836-7497-4E86-A152-ED0D24C8795F}"/>
+              </a:ext>
+            </a:extLst>
+          </p:cNvPr>
+          <p:cNvSpPr txBox="1">
+            <a:spLocks/>
+          </p:cNvSpPr>
+          <p:nvPr/>
+        </p:nvSpPr>
+        <p:spPr>
+          <a:xfrm>
+            <a:off x="818712" y="1299292"/>
+            <a:ext cx="10571998" cy="552014"/>
+          </a:xfrm>
+          <a:prstGeom prst="rect">
+            <a:avLst/>
+          </a:prstGeom>
+          <a:noFill/>
+          <a:ln>
+            <a:noFill/>
+          </a:ln>
+          <a:effectLst>
+            <a:outerShdw blurRad="50800">
+              <a:srgbClr val="000000">
+                <a:alpha val="60000"/>
+              </a:srgbClr>
+            </a:outerShdw>
+          </a:effectLst>
+        </p:spPr>
+        <p:txBody>
+          <a:bodyPr spcFirstLastPara="1" vert="horz" wrap="square" lIns="91425" tIns="45700" rIns="91425" bIns="45700" rtlCol="0" anchor="b" anchorCtr="0">
+            <a:noAutofit/>
+          </a:bodyPr>
+          <a:lstStyle>
+            <a:lvl1pPr algn="l" defTabSz="457200" rtl="0" eaLnBrk="1" latinLnBrk="1" hangingPunct="1">
+              <a:spcBef>
+                <a:spcPct val="0"/>
+              </a:spcBef>
+              <a:buNone/>
+              <a:defRPr sz="4000" b="1" kern="1200">
+                <a:solidFill>
+                  <a:srgbClr val="FEFEFE"/>
+                </a:solidFill>
+                <a:latin typeface="+mj-lt"/>
+                <a:ea typeface="+mj-ea"/>
+                <a:cs typeface="+mj-cs"/>
+              </a:defRPr>
+            </a:lvl1pPr>
+            <a:lvl2pPr eaLnBrk="1" latinLnBrk="1" hangingPunct="1">
+              <a:defRPr>
+                <a:solidFill>
+                  <a:schemeClr val="tx2"/>
+                </a:solidFill>
+              </a:defRPr>
+            </a:lvl2pPr>
+            <a:lvl3pPr eaLnBrk="1" latinLnBrk="1" hangingPunct="1">
+              <a:defRPr>
+                <a:solidFill>
+                  <a:schemeClr val="tx2"/>
+                </a:solidFill>
+              </a:defRPr>
+            </a:lvl3pPr>
+            <a:lvl4pPr eaLnBrk="1" latinLnBrk="1" hangingPunct="1">
+              <a:defRPr>
+                <a:solidFill>
+                  <a:schemeClr val="tx2"/>
+                </a:solidFill>
+              </a:defRPr>
+            </a:lvl4pPr>
+            <a:lvl5pPr eaLnBrk="1" latinLnBrk="1" hangingPunct="1">
+              <a:defRPr>
+                <a:solidFill>
+                  <a:schemeClr val="tx2"/>
+                </a:solidFill>
+              </a:defRPr>
+            </a:lvl5pPr>
+            <a:lvl6pPr eaLnBrk="1" latinLnBrk="1" hangingPunct="1">
+              <a:defRPr>
+                <a:solidFill>
+                  <a:schemeClr val="tx2"/>
+                </a:solidFill>
+              </a:defRPr>
+            </a:lvl6pPr>
+            <a:lvl7pPr eaLnBrk="1" latinLnBrk="1" hangingPunct="1">
+              <a:defRPr>
+                <a:solidFill>
+                  <a:schemeClr val="tx2"/>
+                </a:solidFill>
+              </a:defRPr>
+            </a:lvl7pPr>
+            <a:lvl8pPr eaLnBrk="1" latinLnBrk="1" hangingPunct="1">
+              <a:defRPr>
+                <a:solidFill>
+                  <a:schemeClr val="tx2"/>
+                </a:solidFill>
+              </a:defRPr>
+            </a:lvl8pPr>
+            <a:lvl9pPr eaLnBrk="1" latinLnBrk="1" hangingPunct="1">
+              <a:defRPr>
+                <a:solidFill>
+                  <a:schemeClr val="tx2"/>
+                </a:solidFill>
+              </a:defRPr>
+            </a:lvl9pPr>
+          </a:lstStyle>
+          <a:p>
+            <a:pPr>
               <a:spcBef>
                 <a:spcPts val="0"/>
               </a:spcBef>
@@ -20269,16 +19124,37 @@
                 <a:srgbClr val="FEFEFE"/>
               </a:buClr>
               <a:buSzPts val="4000"/>
+              <a:buFont typeface="Century Gothic"/>
+              <a:buNone/>
             </a:pPr>
             <a:r>
-              <a:rPr lang="ko-KR" altLang="ko-KR" dirty="0">
-                <a:latin typeface="+mn-ea"/>
+              <a:rPr lang="en-US" altLang="ko-KR" sz="2500" dirty="0">
+                <a:latin typeface="+mn-ea"/>
+                <a:ea typeface="+mn-ea"/>
                 <a:cs typeface="Century Gothic"/>
                 <a:sym typeface="Century Gothic"/>
               </a:rPr>
-              <a:t>게임 컨셉</a:t>
-            </a:r>
-            <a:endParaRPr dirty="0">
+              <a:t>[</a:t>
+            </a:r>
+            <a:r>
+              <a:rPr lang="ko-KR" altLang="en-US" sz="2500" dirty="0">
+                <a:latin typeface="+mn-ea"/>
+                <a:ea typeface="+mn-ea"/>
+                <a:cs typeface="Century Gothic"/>
+                <a:sym typeface="Century Gothic"/>
+              </a:rPr>
+              <a:t>상성 시스템</a:t>
+            </a:r>
+            <a:r>
+              <a:rPr lang="en-US" altLang="ko-KR" sz="2500" dirty="0">
+                <a:latin typeface="+mn-ea"/>
+                <a:ea typeface="+mn-ea"/>
+                <a:cs typeface="Century Gothic"/>
+                <a:sym typeface="Century Gothic"/>
+              </a:rPr>
+              <a:t>]</a:t>
+            </a:r>
+            <a:endParaRPr lang="ko-KR" altLang="en-US" sz="2500" dirty="0">
               <a:latin typeface="+mn-ea"/>
               <a:ea typeface="+mn-ea"/>
             </a:endParaRPr>
@@ -20287,7 +19163,113 @@
       </p:sp>
       <p:sp>
         <p:nvSpPr>
-          <p:cNvPr id="193" name="Google Shape;193;p27"/>
+          <p:cNvPr id="6" name="TextBox 5">
+            <a:extLst>
+              <a:ext uri="{FF2B5EF4-FFF2-40B4-BE49-F238E27FC236}">
+                <a16:creationId xmlns:a16="http://schemas.microsoft.com/office/drawing/2014/main" id="{CD196359-A408-45BE-A732-9FF6F5D3ACF9}"/>
+              </a:ext>
+            </a:extLst>
+          </p:cNvPr>
+          <p:cNvSpPr txBox="1"/>
+          <p:nvPr/>
+        </p:nvSpPr>
+        <p:spPr>
+          <a:xfrm>
+            <a:off x="7735613" y="3859924"/>
+            <a:ext cx="2961413" cy="646331"/>
+          </a:xfrm>
+          <a:prstGeom prst="rect">
+            <a:avLst/>
+          </a:prstGeom>
+          <a:noFill/>
+        </p:spPr>
+        <p:txBody>
+          <a:bodyPr wrap="square" rtlCol="0">
+            <a:spAutoFit/>
+          </a:bodyPr>
+          <a:lstStyle/>
+          <a:p>
+            <a:r>
+              <a:rPr lang="ko-KR" altLang="en-US" dirty="0"/>
+              <a:t>여기에 모델링 사진 </a:t>
+            </a:r>
+            <a:endParaRPr lang="en-US" altLang="ko-KR" dirty="0"/>
+          </a:p>
+          <a:p>
+            <a:r>
+              <a:rPr lang="en-US" altLang="ko-KR" dirty="0"/>
+              <a:t>(</a:t>
+            </a:r>
+            <a:r>
+              <a:rPr lang="ko-KR" altLang="en-US" dirty="0"/>
+              <a:t>없으면 이 대화상자 삭제</a:t>
+            </a:r>
+            <a:r>
+              <a:rPr lang="en-US" altLang="ko-KR" dirty="0"/>
+              <a:t>)</a:t>
+            </a:r>
+            <a:endParaRPr lang="ko-KR" altLang="en-US" dirty="0"/>
+          </a:p>
+        </p:txBody>
+      </p:sp>
+      <p:pic>
+        <p:nvPicPr>
+          <p:cNvPr id="2" name="그림 1"/>
+          <p:cNvPicPr>
+            <a:picLocks noChangeAspect="1"/>
+          </p:cNvPicPr>
+          <p:nvPr/>
+        </p:nvPicPr>
+        <p:blipFill>
+          <a:blip r:embed="rId3" cstate="print">
+            <a:extLst>
+              <a:ext uri="{28A0092B-C50C-407E-A947-70E740481C1C}">
+                <a14:useLocalDpi xmlns:a14="http://schemas.microsoft.com/office/drawing/2010/main" val="0"/>
+              </a:ext>
+            </a:extLst>
+          </a:blip>
+          <a:stretch>
+            <a:fillRect/>
+          </a:stretch>
+        </p:blipFill>
+        <p:spPr>
+          <a:xfrm>
+            <a:off x="7735612" y="164947"/>
+            <a:ext cx="3752754" cy="6451727"/>
+          </a:xfrm>
+          <a:prstGeom prst="rect">
+            <a:avLst/>
+          </a:prstGeom>
+        </p:spPr>
+      </p:pic>
+    </p:spTree>
+  </p:cSld>
+  <p:clrMapOvr>
+    <a:masterClrMapping/>
+  </p:clrMapOvr>
+</p:sld>
+</file>
+
+<file path=ppt/slides/slide9.xml><?xml version="1.0" encoding="utf-8"?>
+<p:sld xmlns:a="http://schemas.openxmlformats.org/drawingml/2006/main" xmlns:r="http://schemas.openxmlformats.org/officeDocument/2006/relationships" xmlns:p="http://schemas.openxmlformats.org/presentationml/2006/main">
+  <p:cSld>
+    <p:spTree>
+      <p:nvGrpSpPr>
+        <p:cNvPr id="1" name="Shape 164"/>
+        <p:cNvGrpSpPr/>
+        <p:nvPr/>
+      </p:nvGrpSpPr>
+      <p:grpSpPr>
+        <a:xfrm>
+          <a:off x="0" y="0"/>
+          <a:ext cx="0" cy="0"/>
+          <a:chOff x="0" y="0"/>
+          <a:chExt cx="0" cy="0"/>
+        </a:xfrm>
+      </p:grpSpPr>
+      <p:sp>
+        <p:nvSpPr>
+          <p:cNvPr id="166" name="Google Shape;166;p23"/>
           <p:cNvSpPr txBox="1">
             <a:spLocks noGrp="1"/>
           </p:cNvSpPr>
@@ -20297,8 +19279,8 @@
         </p:nvSpPr>
         <p:spPr>
           <a:xfrm>
-            <a:off x="818712" y="2222287"/>
-            <a:ext cx="10554600" cy="3636600"/>
+            <a:off x="818712" y="3428999"/>
+            <a:ext cx="10554600" cy="2429887"/>
           </a:xfrm>
           <a:prstGeom prst="rect">
             <a:avLst/>
@@ -20316,26 +19298,140 @@
           </a:effectLst>
         </p:spPr>
         <p:txBody>
-          <a:bodyPr spcFirstLastPara="1" wrap="square" lIns="91425" tIns="45700" rIns="91425" bIns="45700" anchor="t" anchorCtr="0">
+          <a:bodyPr spcFirstLastPara="1" wrap="square" lIns="91425" tIns="45700" rIns="91425" bIns="45700" anchor="ctr" anchorCtr="0">
             <a:noAutofit/>
           </a:bodyPr>
           <a:lstStyle/>
           <a:p>
-            <a:pPr>
+            <a:pPr marL="304800" indent="-285750">
+              <a:lnSpc>
+                <a:spcPct val="150000"/>
+              </a:lnSpc>
               <a:spcBef>
                 <a:spcPts val="0"/>
               </a:spcBef>
               <a:spcAft>
                 <a:spcPts val="0"/>
               </a:spcAft>
-              <a:buSzPts val="1800"/>
+              <a:buSzPts val="1500"/>
             </a:pPr>
             <a:r>
-              <a:rPr lang="ko-KR" dirty="0">
+              <a:rPr lang="ko-KR" sz="1700" dirty="0">
+                <a:solidFill>
+                  <a:srgbClr val="FFFFFF"/>
+                </a:solidFill>
                 <a:latin typeface="+mn-ea"/>
                 <a:ea typeface="+mn-ea"/>
               </a:rPr>
-              <a:t>일정 거리 이내에 들어온 적에게 자동 조준 한다</a:t>
+              <a:t>전체적으로 밸런스 잡힌 성능</a:t>
+            </a:r>
+            <a:endParaRPr lang="en-US" altLang="ko-KR" sz="1700" dirty="0">
+              <a:solidFill>
+                <a:srgbClr val="FFFFFF"/>
+              </a:solidFill>
+              <a:latin typeface="+mn-ea"/>
+              <a:ea typeface="+mn-ea"/>
+            </a:endParaRPr>
+          </a:p>
+          <a:p>
+            <a:pPr marL="304800" indent="-285750">
+              <a:lnSpc>
+                <a:spcPct val="150000"/>
+              </a:lnSpc>
+              <a:spcBef>
+                <a:spcPts val="0"/>
+              </a:spcBef>
+              <a:spcAft>
+                <a:spcPts val="0"/>
+              </a:spcAft>
+              <a:buSzPts val="1500"/>
+            </a:pPr>
+            <a:r>
+              <a:rPr lang="ko-KR" altLang="en-US" sz="1700" dirty="0">
+                <a:solidFill>
+                  <a:srgbClr val="FFFFFF"/>
+                </a:solidFill>
+                <a:latin typeface="+mn-ea"/>
+              </a:rPr>
+              <a:t>모든 능력치가 중간에 있는 표준 캐릭터</a:t>
+            </a:r>
+            <a:endParaRPr sz="1700" dirty="0">
+              <a:solidFill>
+                <a:srgbClr val="FFFFFF"/>
+              </a:solidFill>
+              <a:latin typeface="+mn-ea"/>
+              <a:ea typeface="+mn-ea"/>
+            </a:endParaRPr>
+          </a:p>
+        </p:txBody>
+      </p:sp>
+      <p:sp>
+        <p:nvSpPr>
+          <p:cNvPr id="6" name="Google Shape;150;p21">
+            <a:extLst>
+              <a:ext uri="{FF2B5EF4-FFF2-40B4-BE49-F238E27FC236}">
+                <a16:creationId xmlns:a16="http://schemas.microsoft.com/office/drawing/2014/main" id="{B4D45506-10D1-44F0-9B6C-49ADC3049793}"/>
+              </a:ext>
+            </a:extLst>
+          </p:cNvPr>
+          <p:cNvSpPr txBox="1">
+            <a:spLocks noGrp="1"/>
+          </p:cNvSpPr>
+          <p:nvPr>
+            <p:ph type="title"/>
+          </p:nvPr>
+        </p:nvSpPr>
+        <p:spPr>
+          <a:xfrm>
+            <a:off x="810000" y="447188"/>
+            <a:ext cx="10571998" cy="970450"/>
+          </a:xfrm>
+          <a:prstGeom prst="rect">
+            <a:avLst/>
+          </a:prstGeom>
+          <a:noFill/>
+          <a:ln>
+            <a:noFill/>
+          </a:ln>
+          <a:effectLst>
+            <a:outerShdw blurRad="50800">
+              <a:srgbClr val="000000">
+                <a:alpha val="60000"/>
+              </a:srgbClr>
+            </a:outerShdw>
+          </a:effectLst>
+        </p:spPr>
+        <p:txBody>
+          <a:bodyPr spcFirstLastPara="1" wrap="square" lIns="91425" tIns="45700" rIns="91425" bIns="45700" anchor="b" anchorCtr="0">
+            <a:noAutofit/>
+          </a:bodyPr>
+          <a:lstStyle/>
+          <a:p>
+            <a:pPr marL="0" marR="0" lvl="0" indent="0" algn="l" rtl="0">
+              <a:spcBef>
+                <a:spcPts val="0"/>
+              </a:spcBef>
+              <a:spcAft>
+                <a:spcPts val="0"/>
+              </a:spcAft>
+              <a:buClr>
+                <a:srgbClr val="FEFEFE"/>
+              </a:buClr>
+              <a:buSzPts val="4000"/>
+              <a:buFont typeface="Century Gothic"/>
+              <a:buNone/>
+            </a:pPr>
+            <a:r>
+              <a:rPr lang="ko-KR" sz="4000" b="1" i="0" u="none" strike="noStrike" cap="none" dirty="0">
+                <a:solidFill>
+                  <a:srgbClr val="FEFEFE"/>
+                </a:solidFill>
+                <a:latin typeface="+mn-ea"/>
+                <a:ea typeface="+mn-ea"/>
+                <a:cs typeface="Century Gothic"/>
+                <a:sym typeface="Century Gothic"/>
+              </a:rPr>
+              <a:t>게임 컨셉</a:t>
             </a:r>
             <a:endParaRPr dirty="0">
               <a:latin typeface="+mn-ea"/>
@@ -20346,10 +19442,166 @@
       </p:sp>
       <p:sp>
         <p:nvSpPr>
-          <p:cNvPr id="5" name="TextBox 4">
+          <p:cNvPr id="7" name="Google Shape;150;p21">
             <a:extLst>
               <a:ext uri="{FF2B5EF4-FFF2-40B4-BE49-F238E27FC236}">
-                <a16:creationId xmlns:a16="http://schemas.microsoft.com/office/drawing/2014/main" id="{10230BD8-ADB1-4142-BE23-106D59DBED2E}"/>
+                <a16:creationId xmlns:a16="http://schemas.microsoft.com/office/drawing/2014/main" id="{B72491F5-7D1D-4D56-B5FC-0B88B35C6A06}"/>
+              </a:ext>
+            </a:extLst>
+          </p:cNvPr>
+          <p:cNvSpPr txBox="1">
+            <a:spLocks/>
+          </p:cNvSpPr>
+          <p:nvPr/>
+        </p:nvSpPr>
+        <p:spPr>
+          <a:xfrm>
+            <a:off x="818712" y="1299292"/>
+            <a:ext cx="10571998" cy="552014"/>
+          </a:xfrm>
+          <a:prstGeom prst="rect">
+            <a:avLst/>
+          </a:prstGeom>
+          <a:noFill/>
+          <a:ln>
+            <a:noFill/>
+          </a:ln>
+          <a:effectLst>
+            <a:outerShdw blurRad="50800">
+              <a:srgbClr val="000000">
+                <a:alpha val="60000"/>
+              </a:srgbClr>
+            </a:outerShdw>
+          </a:effectLst>
+        </p:spPr>
+        <p:txBody>
+          <a:bodyPr spcFirstLastPara="1" vert="horz" wrap="square" lIns="91425" tIns="45700" rIns="91425" bIns="45700" rtlCol="0" anchor="b" anchorCtr="0">
+            <a:noAutofit/>
+          </a:bodyPr>
+          <a:lstStyle>
+            <a:lvl1pPr algn="l" defTabSz="457200" rtl="0" eaLnBrk="1" latinLnBrk="1" hangingPunct="1">
+              <a:spcBef>
+                <a:spcPct val="0"/>
+              </a:spcBef>
+              <a:buNone/>
+              <a:defRPr sz="4000" b="1" kern="1200">
+                <a:solidFill>
+                  <a:srgbClr val="FEFEFE"/>
+                </a:solidFill>
+                <a:latin typeface="+mj-lt"/>
+                <a:ea typeface="+mj-ea"/>
+                <a:cs typeface="+mj-cs"/>
+              </a:defRPr>
+            </a:lvl1pPr>
+            <a:lvl2pPr eaLnBrk="1" latinLnBrk="1" hangingPunct="1">
+              <a:defRPr>
+                <a:solidFill>
+                  <a:schemeClr val="tx2"/>
+                </a:solidFill>
+              </a:defRPr>
+            </a:lvl2pPr>
+            <a:lvl3pPr eaLnBrk="1" latinLnBrk="1" hangingPunct="1">
+              <a:defRPr>
+                <a:solidFill>
+                  <a:schemeClr val="tx2"/>
+                </a:solidFill>
+              </a:defRPr>
+            </a:lvl3pPr>
+            <a:lvl4pPr eaLnBrk="1" latinLnBrk="1" hangingPunct="1">
+              <a:defRPr>
+                <a:solidFill>
+                  <a:schemeClr val="tx2"/>
+                </a:solidFill>
+              </a:defRPr>
+            </a:lvl4pPr>
+            <a:lvl5pPr eaLnBrk="1" latinLnBrk="1" hangingPunct="1">
+              <a:defRPr>
+                <a:solidFill>
+                  <a:schemeClr val="tx2"/>
+                </a:solidFill>
+              </a:defRPr>
+            </a:lvl5pPr>
+            <a:lvl6pPr eaLnBrk="1" latinLnBrk="1" hangingPunct="1">
+              <a:defRPr>
+                <a:solidFill>
+                  <a:schemeClr val="tx2"/>
+                </a:solidFill>
+              </a:defRPr>
+            </a:lvl6pPr>
+            <a:lvl7pPr eaLnBrk="1" latinLnBrk="1" hangingPunct="1">
+              <a:defRPr>
+                <a:solidFill>
+                  <a:schemeClr val="tx2"/>
+                </a:solidFill>
+              </a:defRPr>
+            </a:lvl7pPr>
+            <a:lvl8pPr eaLnBrk="1" latinLnBrk="1" hangingPunct="1">
+              <a:defRPr>
+                <a:solidFill>
+                  <a:schemeClr val="tx2"/>
+                </a:solidFill>
+              </a:defRPr>
+            </a:lvl8pPr>
+            <a:lvl9pPr eaLnBrk="1" latinLnBrk="1" hangingPunct="1">
+              <a:defRPr>
+                <a:solidFill>
+                  <a:schemeClr val="tx2"/>
+                </a:solidFill>
+              </a:defRPr>
+            </a:lvl9pPr>
+          </a:lstStyle>
+          <a:p>
+            <a:pPr>
+              <a:spcBef>
+                <a:spcPts val="0"/>
+              </a:spcBef>
+              <a:buClr>
+                <a:srgbClr val="FEFEFE"/>
+              </a:buClr>
+              <a:buSzPts val="4000"/>
+              <a:buFont typeface="Century Gothic"/>
+              <a:buNone/>
+            </a:pPr>
+            <a:r>
+              <a:rPr lang="en-US" altLang="ko-KR" sz="2500" dirty="0">
+                <a:latin typeface="+mn-ea"/>
+                <a:ea typeface="+mn-ea"/>
+                <a:cs typeface="Century Gothic"/>
+                <a:sym typeface="Century Gothic"/>
+              </a:rPr>
+              <a:t>[</a:t>
+            </a:r>
+            <a:r>
+              <a:rPr lang="ko-KR" altLang="en-US" sz="2500" dirty="0">
+                <a:latin typeface="+mn-ea"/>
+                <a:ea typeface="+mn-ea"/>
+                <a:cs typeface="Century Gothic"/>
+                <a:sym typeface="Century Gothic"/>
+              </a:rPr>
+              <a:t>상성 시스템</a:t>
+            </a:r>
+            <a:r>
+              <a:rPr lang="en-US" altLang="ko-KR" sz="2500" dirty="0">
+                <a:latin typeface="+mn-ea"/>
+                <a:ea typeface="+mn-ea"/>
+                <a:cs typeface="Century Gothic"/>
+                <a:sym typeface="Century Gothic"/>
+              </a:rPr>
+              <a:t>]</a:t>
+            </a:r>
+            <a:endParaRPr lang="ko-KR" altLang="en-US" sz="2500" dirty="0">
+              <a:latin typeface="+mn-ea"/>
+              <a:ea typeface="+mn-ea"/>
+            </a:endParaRPr>
+          </a:p>
+        </p:txBody>
+      </p:sp>
+      <p:sp>
+        <p:nvSpPr>
+          <p:cNvPr id="9" name="TextBox 8">
+            <a:extLst>
+              <a:ext uri="{FF2B5EF4-FFF2-40B4-BE49-F238E27FC236}">
+                <a16:creationId xmlns:a16="http://schemas.microsoft.com/office/drawing/2014/main" id="{5CBF2EC5-F280-4C97-B18F-1538EE237891}"/>
               </a:ext>
             </a:extLst>
           </p:cNvPr>
@@ -20358,8 +19610,63 @@
         </p:nvSpPr>
         <p:spPr>
           <a:xfrm>
-            <a:off x="4615293" y="3796862"/>
-            <a:ext cx="2961413" cy="369332"/>
+            <a:off x="818700" y="2460412"/>
+            <a:ext cx="2646878" cy="553998"/>
+          </a:xfrm>
+          <a:prstGeom prst="rect">
+            <a:avLst/>
+          </a:prstGeom>
+          <a:solidFill>
+            <a:srgbClr val="0070C0"/>
+          </a:solidFill>
+          <a:ln>
+            <a:noFill/>
+          </a:ln>
+          <a:effectLst>
+            <a:glow rad="228600">
+              <a:srgbClr val="0070C0">
+                <a:alpha val="40000"/>
+              </a:srgbClr>
+            </a:glow>
+            <a:outerShdw blurRad="44450" dist="27940" dir="5400000" algn="ctr">
+              <a:srgbClr val="000000">
+                <a:alpha val="32000"/>
+              </a:srgbClr>
+            </a:outerShdw>
+          </a:effectLst>
+        </p:spPr>
+        <p:txBody>
+          <a:bodyPr wrap="none" rtlCol="0">
+            <a:spAutoFit/>
+          </a:bodyPr>
+          <a:lstStyle/>
+          <a:p>
+            <a:r>
+              <a:rPr lang="ko-KR" altLang="en-US" sz="3000" dirty="0">
+                <a:latin typeface="휴먼엑스포" panose="02030504000101010101" pitchFamily="18" charset="-127"/>
+                <a:ea typeface="휴먼엑스포" panose="02030504000101010101" pitchFamily="18" charset="-127"/>
+              </a:rPr>
+              <a:t>중거리 캐릭터</a:t>
+            </a:r>
+          </a:p>
+        </p:txBody>
+      </p:sp>
+      <p:sp>
+        <p:nvSpPr>
+          <p:cNvPr id="11" name="TextBox 10">
+            <a:extLst>
+              <a:ext uri="{FF2B5EF4-FFF2-40B4-BE49-F238E27FC236}">
+                <a16:creationId xmlns:a16="http://schemas.microsoft.com/office/drawing/2014/main" id="{F817D604-1060-4548-BA58-D5E4DAFEA66D}"/>
+              </a:ext>
+            </a:extLst>
+          </p:cNvPr>
+          <p:cNvSpPr txBox="1"/>
+          <p:nvPr/>
+        </p:nvSpPr>
+        <p:spPr>
+          <a:xfrm>
+            <a:off x="7735613" y="3859924"/>
+            <a:ext cx="2961413" cy="646331"/>
           </a:xfrm>
           <a:prstGeom prst="rect">
             <a:avLst/>
@@ -20374,11 +19681,57 @@
           <a:p>
             <a:r>
               <a:rPr lang="ko-KR" altLang="en-US" dirty="0"/>
-              <a:t>여기에 예시 사진</a:t>
-            </a:r>
+              <a:t>여기에 모델링 사진 </a:t>
+            </a:r>
+            <a:endParaRPr lang="en-US" altLang="ko-KR" dirty="0"/>
+          </a:p>
+          <a:p>
+            <a:r>
+              <a:rPr lang="en-US" altLang="ko-KR" dirty="0"/>
+              <a:t>(</a:t>
+            </a:r>
+            <a:r>
+              <a:rPr lang="ko-KR" altLang="en-US" dirty="0"/>
+              <a:t>없으면 이 대화상자 삭제</a:t>
+            </a:r>
+            <a:r>
+              <a:rPr lang="en-US" altLang="ko-KR" dirty="0"/>
+              <a:t>)</a:t>
+            </a:r>
+            <a:endParaRPr lang="ko-KR" altLang="en-US" dirty="0"/>
           </a:p>
         </p:txBody>
       </p:sp>
+      <p:pic>
+        <p:nvPicPr>
+          <p:cNvPr id="4" name="그림 3"/>
+          <p:cNvPicPr>
+            <a:picLocks noChangeAspect="1"/>
+          </p:cNvPicPr>
+          <p:nvPr/>
+        </p:nvPicPr>
+        <p:blipFill>
+          <a:blip r:embed="rId3">
+            <a:extLst>
+              <a:ext uri="{28A0092B-C50C-407E-A947-70E740481C1C}">
+                <a14:useLocalDpi xmlns:a14="http://schemas.microsoft.com/office/drawing/2010/main" val="0"/>
+              </a:ext>
+            </a:extLst>
+          </a:blip>
+          <a:stretch>
+            <a:fillRect/>
+          </a:stretch>
+        </p:blipFill>
+        <p:spPr>
+          <a:xfrm>
+            <a:off x="7582663" y="241332"/>
+            <a:ext cx="3604146" cy="6375334"/>
+          </a:xfrm>
+          <a:prstGeom prst="rect">
+            <a:avLst/>
+          </a:prstGeom>
+        </p:spPr>
+      </p:pic>
     </p:spTree>
   </p:cSld>
   <p:clrMapOvr>

--- a/design/알약전사_발표ppt.pptx
+++ b/design/알약전사_발표ppt.pptx
@@ -5,7 +5,7 @@
     <p:sldMasterId id="2147483660" r:id="rId1"/>
   </p:sldMasterIdLst>
   <p:notesMasterIdLst>
-    <p:notesMasterId r:id="rId21"/>
+    <p:notesMasterId r:id="rId22"/>
   </p:notesMasterIdLst>
   <p:sldIdLst>
     <p:sldId id="258" r:id="rId2"/>
@@ -22,11 +22,12 @@
     <p:sldId id="271" r:id="rId13"/>
     <p:sldId id="280" r:id="rId14"/>
     <p:sldId id="272" r:id="rId15"/>
-    <p:sldId id="273" r:id="rId16"/>
-    <p:sldId id="274" r:id="rId17"/>
-    <p:sldId id="279" r:id="rId18"/>
-    <p:sldId id="277" r:id="rId19"/>
-    <p:sldId id="278" r:id="rId20"/>
+    <p:sldId id="282" r:id="rId16"/>
+    <p:sldId id="273" r:id="rId17"/>
+    <p:sldId id="274" r:id="rId18"/>
+    <p:sldId id="281" r:id="rId19"/>
+    <p:sldId id="277" r:id="rId20"/>
+    <p:sldId id="278" r:id="rId21"/>
   </p:sldIdLst>
   <p:sldSz cx="12192000" cy="6858000"/>
   <p:notesSz cx="6858000" cy="9144000"/>
@@ -156,13 +157,14 @@
             <p14:sldId id="271"/>
             <p14:sldId id="280"/>
             <p14:sldId id="272"/>
+            <p14:sldId id="282"/>
             <p14:sldId id="273"/>
             <p14:sldId id="274"/>
           </p14:sldIdLst>
         </p14:section>
-        <p14:section name="개발 내용" id="{E37DB16D-FE8F-4FDD-8A57-7B9207AF7C8F}">
+        <p14:section name="연구 과제" id="{E37DB16D-FE8F-4FDD-8A57-7B9207AF7C8F}">
           <p14:sldIdLst>
-            <p14:sldId id="279"/>
+            <p14:sldId id="281"/>
           </p14:sldIdLst>
         </p14:section>
         <p14:section name="개발 계획" id="{9E065DBF-C078-4BDA-A753-3B59B2EAD5F9}">
@@ -188,2027 +190,6 @@
 </p1510:revInfo>
 </file>
 
-<file path=ppt/changesInfos/changesInfo1.xml><?xml version="1.0" encoding="utf-8"?>
-<pc:chgInfo xmlns:a="http://schemas.openxmlformats.org/drawingml/2006/main" xmlns:r="http://schemas.openxmlformats.org/officeDocument/2006/relationships" xmlns:ac="http://schemas.microsoft.com/office/drawing/2013/main/command" xmlns:pc="http://schemas.microsoft.com/office/powerpoint/2013/main/command">
-  <pc:docChgLst>
-    <pc:chgData name="도균 윤" userId="8a3b07cad855ff48" providerId="LiveId" clId="{886040D6-1D68-4BF4-B6AF-014E5E60BCF9}"/>
-    <pc:docChg chg="undo redo custSel mod addSld delSld modSld sldOrd modMainMaster delSection modSection">
-      <pc:chgData name="도균 윤" userId="8a3b07cad855ff48" providerId="LiveId" clId="{886040D6-1D68-4BF4-B6AF-014E5E60BCF9}" dt="2018-12-10T18:50:12.345" v="4687" actId="113"/>
-      <pc:docMkLst>
-        <pc:docMk/>
-      </pc:docMkLst>
-      <pc:sldChg chg="delSp modSp add del">
-        <pc:chgData name="도균 윤" userId="8a3b07cad855ff48" providerId="LiveId" clId="{886040D6-1D68-4BF4-B6AF-014E5E60BCF9}" dt="2018-12-10T18:43:26.041" v="4467" actId="2696"/>
-        <pc:sldMkLst>
-          <pc:docMk/>
-          <pc:sldMk cId="0" sldId="257"/>
-        </pc:sldMkLst>
-        <pc:spChg chg="del">
-          <ac:chgData name="도균 윤" userId="8a3b07cad855ff48" providerId="LiveId" clId="{886040D6-1D68-4BF4-B6AF-014E5E60BCF9}" dt="2018-12-08T17:17:42.531" v="1432"/>
-          <ac:spMkLst>
-            <pc:docMk/>
-            <pc:sldMk cId="0" sldId="257"/>
-            <ac:spMk id="2" creationId="{E893B17A-9619-4A5F-8087-D85FF6130963}"/>
-          </ac:spMkLst>
-        </pc:spChg>
-        <pc:spChg chg="mod">
-          <ac:chgData name="도균 윤" userId="8a3b07cad855ff48" providerId="LiveId" clId="{886040D6-1D68-4BF4-B6AF-014E5E60BCF9}" dt="2018-12-10T18:43:04.427" v="4464" actId="20577"/>
-          <ac:spMkLst>
-            <pc:docMk/>
-            <pc:sldMk cId="0" sldId="257"/>
-            <ac:spMk id="116" creationId="{00000000-0000-0000-0000-000000000000}"/>
-          </ac:spMkLst>
-        </pc:spChg>
-      </pc:sldChg>
-      <pc:sldChg chg="addSp delSp modSp add">
-        <pc:chgData name="도균 윤" userId="8a3b07cad855ff48" providerId="LiveId" clId="{886040D6-1D68-4BF4-B6AF-014E5E60BCF9}" dt="2018-12-10T18:47:00.649" v="4600"/>
-        <pc:sldMkLst>
-          <pc:docMk/>
-          <pc:sldMk cId="0" sldId="258"/>
-        </pc:sldMkLst>
-        <pc:spChg chg="add">
-          <ac:chgData name="도균 윤" userId="8a3b07cad855ff48" providerId="LiveId" clId="{886040D6-1D68-4BF4-B6AF-014E5E60BCF9}" dt="2018-12-10T18:47:00.649" v="4600"/>
-          <ac:spMkLst>
-            <pc:docMk/>
-            <pc:sldMk cId="0" sldId="258"/>
-            <ac:spMk id="2" creationId="{C8B142DF-55C8-4B91-8FAE-49F9BC69F35A}"/>
-          </ac:spMkLst>
-        </pc:spChg>
-        <pc:spChg chg="add del mod">
-          <ac:chgData name="도균 윤" userId="8a3b07cad855ff48" providerId="LiveId" clId="{886040D6-1D68-4BF4-B6AF-014E5E60BCF9}" dt="2018-12-08T17:14:21.727" v="1417" actId="478"/>
-          <ac:spMkLst>
-            <pc:docMk/>
-            <pc:sldMk cId="0" sldId="258"/>
-            <ac:spMk id="2" creationId="{FF798159-D2B2-413C-AD06-7BFC694BD7E4}"/>
-          </ac:spMkLst>
-        </pc:spChg>
-        <pc:spChg chg="add del mod">
-          <ac:chgData name="도균 윤" userId="8a3b07cad855ff48" providerId="LiveId" clId="{886040D6-1D68-4BF4-B6AF-014E5E60BCF9}" dt="2018-12-08T17:14:56.986" v="1422" actId="478"/>
-          <ac:spMkLst>
-            <pc:docMk/>
-            <pc:sldMk cId="0" sldId="258"/>
-            <ac:spMk id="3" creationId="{3BB40ADD-47D2-4386-8D21-4791DC8E2155}"/>
-          </ac:spMkLst>
-        </pc:spChg>
-        <pc:spChg chg="del">
-          <ac:chgData name="도균 윤" userId="8a3b07cad855ff48" providerId="LiveId" clId="{886040D6-1D68-4BF4-B6AF-014E5E60BCF9}" dt="2018-12-08T17:17:42.531" v="1432"/>
-          <ac:spMkLst>
-            <pc:docMk/>
-            <pc:sldMk cId="0" sldId="258"/>
-            <ac:spMk id="4" creationId="{9BC8E232-5CEF-4C13-A941-DDD41AAB7CBF}"/>
-          </ac:spMkLst>
-        </pc:spChg>
-        <pc:spChg chg="mod">
-          <ac:chgData name="도균 윤" userId="8a3b07cad855ff48" providerId="LiveId" clId="{886040D6-1D68-4BF4-B6AF-014E5E60BCF9}" dt="2018-12-08T17:15:15.309" v="1424" actId="20577"/>
-          <ac:spMkLst>
-            <pc:docMk/>
-            <pc:sldMk cId="0" sldId="258"/>
-            <ac:spMk id="121" creationId="{00000000-0000-0000-0000-000000000000}"/>
-          </ac:spMkLst>
-        </pc:spChg>
-        <pc:spChg chg="mod">
-          <ac:chgData name="도균 윤" userId="8a3b07cad855ff48" providerId="LiveId" clId="{886040D6-1D68-4BF4-B6AF-014E5E60BCF9}" dt="2018-12-08T17:17:01.391" v="1431" actId="2711"/>
-          <ac:spMkLst>
-            <pc:docMk/>
-            <pc:sldMk cId="0" sldId="258"/>
-            <ac:spMk id="122" creationId="{00000000-0000-0000-0000-000000000000}"/>
-          </ac:spMkLst>
-        </pc:spChg>
-        <pc:spChg chg="mod">
-          <ac:chgData name="도균 윤" userId="8a3b07cad855ff48" providerId="LiveId" clId="{886040D6-1D68-4BF4-B6AF-014E5E60BCF9}" dt="2018-12-08T17:15:46.967" v="1428" actId="20577"/>
-          <ac:spMkLst>
-            <pc:docMk/>
-            <pc:sldMk cId="0" sldId="258"/>
-            <ac:spMk id="123" creationId="{00000000-0000-0000-0000-000000000000}"/>
-          </ac:spMkLst>
-        </pc:spChg>
-      </pc:sldChg>
-      <pc:sldChg chg="addSp delSp modSp add mod setBg delDesignElem">
-        <pc:chgData name="도균 윤" userId="8a3b07cad855ff48" providerId="LiveId" clId="{886040D6-1D68-4BF4-B6AF-014E5E60BCF9}" dt="2018-12-10T18:47:00.649" v="4600"/>
-        <pc:sldMkLst>
-          <pc:docMk/>
-          <pc:sldMk cId="0" sldId="259"/>
-        </pc:sldMkLst>
-        <pc:spChg chg="add del mod">
-          <ac:chgData name="도균 윤" userId="8a3b07cad855ff48" providerId="LiveId" clId="{886040D6-1D68-4BF4-B6AF-014E5E60BCF9}" dt="2018-12-08T15:49:06.809" v="15" actId="478"/>
-          <ac:spMkLst>
-            <pc:docMk/>
-            <pc:sldMk cId="0" sldId="259"/>
-            <ac:spMk id="2" creationId="{1FC23396-A34E-41C8-87E2-3306F43DCACA}"/>
-          </ac:spMkLst>
-        </pc:spChg>
-        <pc:spChg chg="add">
-          <ac:chgData name="도균 윤" userId="8a3b07cad855ff48" providerId="LiveId" clId="{886040D6-1D68-4BF4-B6AF-014E5E60BCF9}" dt="2018-12-10T18:47:00.649" v="4600"/>
-          <ac:spMkLst>
-            <pc:docMk/>
-            <pc:sldMk cId="0" sldId="259"/>
-            <ac:spMk id="2" creationId="{B57024E6-F472-41E9-A839-C7DB717E5E82}"/>
-          </ac:spMkLst>
-        </pc:spChg>
-        <pc:spChg chg="del">
-          <ac:chgData name="도균 윤" userId="8a3b07cad855ff48" providerId="LiveId" clId="{886040D6-1D68-4BF4-B6AF-014E5E60BCF9}" dt="2018-12-08T17:17:42.531" v="1432"/>
-          <ac:spMkLst>
-            <pc:docMk/>
-            <pc:sldMk cId="0" sldId="259"/>
-            <ac:spMk id="3" creationId="{53354872-1767-4E79-8706-DD85B35243FD}"/>
-          </ac:spMkLst>
-        </pc:spChg>
-        <pc:spChg chg="add del mod">
-          <ac:chgData name="도균 윤" userId="8a3b07cad855ff48" providerId="LiveId" clId="{886040D6-1D68-4BF4-B6AF-014E5E60BCF9}" dt="2018-12-08T15:51:07.971" v="223" actId="478"/>
-          <ac:spMkLst>
-            <pc:docMk/>
-            <pc:sldMk cId="0" sldId="259"/>
-            <ac:spMk id="5" creationId="{57EA13CE-D10E-4BAE-88DB-D49EDA9B261B}"/>
-          </ac:spMkLst>
-        </pc:spChg>
-        <pc:spChg chg="add del">
-          <ac:chgData name="도균 윤" userId="8a3b07cad855ff48" providerId="LiveId" clId="{886040D6-1D68-4BF4-B6AF-014E5E60BCF9}" dt="2018-12-08T15:54:02.722" v="268"/>
-          <ac:spMkLst>
-            <pc:docMk/>
-            <pc:sldMk cId="0" sldId="259"/>
-            <ac:spMk id="70" creationId="{089A69AF-D57B-49B4-886C-D4A5DC194421}"/>
-          </ac:spMkLst>
-        </pc:spChg>
-        <pc:spChg chg="add del">
-          <ac:chgData name="도균 윤" userId="8a3b07cad855ff48" providerId="LiveId" clId="{886040D6-1D68-4BF4-B6AF-014E5E60BCF9}" dt="2018-12-08T15:54:02.722" v="268"/>
-          <ac:spMkLst>
-            <pc:docMk/>
-            <pc:sldMk cId="0" sldId="259"/>
-            <ac:spMk id="72" creationId="{CABDC08D-6093-4397-92D4-54D00E2BB1C2}"/>
-          </ac:spMkLst>
-        </pc:spChg>
-        <pc:spChg chg="mod">
-          <ac:chgData name="도균 윤" userId="8a3b07cad855ff48" providerId="LiveId" clId="{886040D6-1D68-4BF4-B6AF-014E5E60BCF9}" dt="2018-12-08T16:48:46.129" v="963" actId="255"/>
-          <ac:spMkLst>
-            <pc:docMk/>
-            <pc:sldMk cId="0" sldId="259"/>
-            <ac:spMk id="128" creationId="{00000000-0000-0000-0000-000000000000}"/>
-          </ac:spMkLst>
-        </pc:spChg>
-        <pc:spChg chg="mod">
-          <ac:chgData name="도균 윤" userId="8a3b07cad855ff48" providerId="LiveId" clId="{886040D6-1D68-4BF4-B6AF-014E5E60BCF9}" dt="2018-12-10T18:46:10.155" v="4595" actId="20577"/>
-          <ac:spMkLst>
-            <pc:docMk/>
-            <pc:sldMk cId="0" sldId="259"/>
-            <ac:spMk id="129" creationId="{00000000-0000-0000-0000-000000000000}"/>
-          </ac:spMkLst>
-        </pc:spChg>
-        <pc:spChg chg="del mod">
-          <ac:chgData name="도균 윤" userId="8a3b07cad855ff48" providerId="LiveId" clId="{886040D6-1D68-4BF4-B6AF-014E5E60BCF9}" dt="2018-12-08T15:51:06.662" v="222" actId="478"/>
-          <ac:spMkLst>
-            <pc:docMk/>
-            <pc:sldMk cId="0" sldId="259"/>
-            <ac:spMk id="130" creationId="{00000000-0000-0000-0000-000000000000}"/>
-          </ac:spMkLst>
-        </pc:spChg>
-      </pc:sldChg>
-      <pc:sldChg chg="addSp delSp modSp add">
-        <pc:chgData name="도균 윤" userId="8a3b07cad855ff48" providerId="LiveId" clId="{886040D6-1D68-4BF4-B6AF-014E5E60BCF9}" dt="2018-12-10T18:47:00.649" v="4600"/>
-        <pc:sldMkLst>
-          <pc:docMk/>
-          <pc:sldMk cId="0" sldId="260"/>
-        </pc:sldMkLst>
-        <pc:spChg chg="del">
-          <ac:chgData name="도균 윤" userId="8a3b07cad855ff48" providerId="LiveId" clId="{886040D6-1D68-4BF4-B6AF-014E5E60BCF9}" dt="2018-12-08T17:17:42.531" v="1432"/>
-          <ac:spMkLst>
-            <pc:docMk/>
-            <pc:sldMk cId="0" sldId="260"/>
-            <ac:spMk id="2" creationId="{8A5CB3E7-0230-424D-BB32-939659B09CAA}"/>
-          </ac:spMkLst>
-        </pc:spChg>
-        <pc:spChg chg="add del">
-          <ac:chgData name="도균 윤" userId="8a3b07cad855ff48" providerId="LiveId" clId="{886040D6-1D68-4BF4-B6AF-014E5E60BCF9}" dt="2018-12-08T16:02:06.225" v="345"/>
-          <ac:spMkLst>
-            <pc:docMk/>
-            <pc:sldMk cId="0" sldId="260"/>
-            <ac:spMk id="6" creationId="{1565623C-1A42-4E40-94C1-B6936CCB88BA}"/>
-          </ac:spMkLst>
-        </pc:spChg>
-        <pc:spChg chg="add mod">
-          <ac:chgData name="도균 윤" userId="8a3b07cad855ff48" providerId="LiveId" clId="{886040D6-1D68-4BF4-B6AF-014E5E60BCF9}" dt="2018-12-08T16:02:26.548" v="359"/>
-          <ac:spMkLst>
-            <pc:docMk/>
-            <pc:sldMk cId="0" sldId="260"/>
-            <ac:spMk id="7" creationId="{762FD908-F87D-4F47-BC41-22319CC843FF}"/>
-          </ac:spMkLst>
-        </pc:spChg>
-        <pc:spChg chg="add">
-          <ac:chgData name="도균 윤" userId="8a3b07cad855ff48" providerId="LiveId" clId="{886040D6-1D68-4BF4-B6AF-014E5E60BCF9}" dt="2018-12-10T18:47:00.649" v="4600"/>
-          <ac:spMkLst>
-            <pc:docMk/>
-            <pc:sldMk cId="0" sldId="260"/>
-            <ac:spMk id="9" creationId="{156CC66B-154A-404C-8CAD-06D0A47E9A9A}"/>
-          </ac:spMkLst>
-        </pc:spChg>
-        <pc:spChg chg="mod">
-          <ac:chgData name="도균 윤" userId="8a3b07cad855ff48" providerId="LiveId" clId="{886040D6-1D68-4BF4-B6AF-014E5E60BCF9}" dt="2018-12-08T16:47:48.067" v="961" actId="12"/>
-          <ac:spMkLst>
-            <pc:docMk/>
-            <pc:sldMk cId="0" sldId="260"/>
-            <ac:spMk id="136" creationId="{00000000-0000-0000-0000-000000000000}"/>
-          </ac:spMkLst>
-        </pc:spChg>
-        <pc:picChg chg="add mod">
-          <ac:chgData name="도균 윤" userId="8a3b07cad855ff48" providerId="LiveId" clId="{886040D6-1D68-4BF4-B6AF-014E5E60BCF9}" dt="2018-12-10T17:56:52.997" v="4047" actId="1582"/>
-          <ac:picMkLst>
-            <pc:docMk/>
-            <pc:sldMk cId="0" sldId="260"/>
-            <ac:picMk id="3" creationId="{4FF3A105-78EF-452C-9B23-0F44E1C8BCB8}"/>
-          </ac:picMkLst>
-        </pc:picChg>
-        <pc:picChg chg="add del mod">
-          <ac:chgData name="도균 윤" userId="8a3b07cad855ff48" providerId="LiveId" clId="{886040D6-1D68-4BF4-B6AF-014E5E60BCF9}" dt="2018-12-10T17:50:03.739" v="4002" actId="478"/>
-          <ac:picMkLst>
-            <pc:docMk/>
-            <pc:sldMk cId="0" sldId="260"/>
-            <ac:picMk id="5" creationId="{796FF11F-7AB5-43FE-B7E7-254ACF1B1071}"/>
-          </ac:picMkLst>
-        </pc:picChg>
-        <pc:picChg chg="add mod">
-          <ac:chgData name="도균 윤" userId="8a3b07cad855ff48" providerId="LiveId" clId="{886040D6-1D68-4BF4-B6AF-014E5E60BCF9}" dt="2018-12-10T17:56:43.375" v="4045" actId="1582"/>
-          <ac:picMkLst>
-            <pc:docMk/>
-            <pc:sldMk cId="0" sldId="260"/>
-            <ac:picMk id="8" creationId="{5AD1737B-191C-4158-A683-29DF418FB5BB}"/>
-          </ac:picMkLst>
-        </pc:picChg>
-        <pc:picChg chg="del mod">
-          <ac:chgData name="도균 윤" userId="8a3b07cad855ff48" providerId="LiveId" clId="{886040D6-1D68-4BF4-B6AF-014E5E60BCF9}" dt="2018-12-10T17:46:49.209" v="3995" actId="478"/>
-          <ac:picMkLst>
-            <pc:docMk/>
-            <pc:sldMk cId="0" sldId="260"/>
-            <ac:picMk id="137" creationId="{00000000-0000-0000-0000-000000000000}"/>
-          </ac:picMkLst>
-        </pc:picChg>
-        <pc:picChg chg="add del mod">
-          <ac:chgData name="도균 윤" userId="8a3b07cad855ff48" providerId="LiveId" clId="{886040D6-1D68-4BF4-B6AF-014E5E60BCF9}" dt="2018-12-10T17:50:18.685" v="4008"/>
-          <ac:picMkLst>
-            <pc:docMk/>
-            <pc:sldMk cId="0" sldId="260"/>
-            <ac:picMk id="138" creationId="{00000000-0000-0000-0000-000000000000}"/>
-          </ac:picMkLst>
-        </pc:picChg>
-      </pc:sldChg>
-      <pc:sldChg chg="addSp delSp modSp add del modNotesTx">
-        <pc:chgData name="도균 윤" userId="8a3b07cad855ff48" providerId="LiveId" clId="{886040D6-1D68-4BF4-B6AF-014E5E60BCF9}" dt="2018-12-10T17:43:57.755" v="3994" actId="2696"/>
-        <pc:sldMkLst>
-          <pc:docMk/>
-          <pc:sldMk cId="0" sldId="261"/>
-        </pc:sldMkLst>
-        <pc:spChg chg="del">
-          <ac:chgData name="도균 윤" userId="8a3b07cad855ff48" providerId="LiveId" clId="{886040D6-1D68-4BF4-B6AF-014E5E60BCF9}" dt="2018-12-08T17:17:42.531" v="1432"/>
-          <ac:spMkLst>
-            <pc:docMk/>
-            <pc:sldMk cId="0" sldId="261"/>
-            <ac:spMk id="2" creationId="{CE6C5342-E6C4-4B8D-8144-4F05E49F3D99}"/>
-          </ac:spMkLst>
-        </pc:spChg>
-        <pc:spChg chg="add del">
-          <ac:chgData name="도균 윤" userId="8a3b07cad855ff48" providerId="LiveId" clId="{886040D6-1D68-4BF4-B6AF-014E5E60BCF9}" dt="2018-12-08T16:02:11.911" v="346" actId="478"/>
-          <ac:spMkLst>
-            <pc:docMk/>
-            <pc:sldMk cId="0" sldId="261"/>
-            <ac:spMk id="5" creationId="{88F06974-EFE5-4BEE-B1A3-ED6717747D14}"/>
-          </ac:spMkLst>
-        </pc:spChg>
-        <pc:spChg chg="add mod">
-          <ac:chgData name="도균 윤" userId="8a3b07cad855ff48" providerId="LiveId" clId="{886040D6-1D68-4BF4-B6AF-014E5E60BCF9}" dt="2018-12-08T16:02:35.221" v="376"/>
-          <ac:spMkLst>
-            <pc:docMk/>
-            <pc:sldMk cId="0" sldId="261"/>
-            <ac:spMk id="6" creationId="{DA17C4D8-3087-4875-B12B-E5C8514ABCE9}"/>
-          </ac:spMkLst>
-        </pc:spChg>
-        <pc:spChg chg="mod">
-          <ac:chgData name="도균 윤" userId="8a3b07cad855ff48" providerId="LiveId" clId="{886040D6-1D68-4BF4-B6AF-014E5E60BCF9}" dt="2018-12-08T16:47:44.547" v="959" actId="12"/>
-          <ac:spMkLst>
-            <pc:docMk/>
-            <pc:sldMk cId="0" sldId="261"/>
-            <ac:spMk id="144" creationId="{00000000-0000-0000-0000-000000000000}"/>
-          </ac:spMkLst>
-        </pc:spChg>
-        <pc:picChg chg="mod">
-          <ac:chgData name="도균 윤" userId="8a3b07cad855ff48" providerId="LiveId" clId="{886040D6-1D68-4BF4-B6AF-014E5E60BCF9}" dt="2018-12-08T16:24:14.719" v="616" actId="1582"/>
-          <ac:picMkLst>
-            <pc:docMk/>
-            <pc:sldMk cId="0" sldId="261"/>
-            <ac:picMk id="145" creationId="{00000000-0000-0000-0000-000000000000}"/>
-          </ac:picMkLst>
-        </pc:picChg>
-      </pc:sldChg>
-      <pc:sldChg chg="addSp delSp modSp add">
-        <pc:chgData name="도균 윤" userId="8a3b07cad855ff48" providerId="LiveId" clId="{886040D6-1D68-4BF4-B6AF-014E5E60BCF9}" dt="2018-12-10T18:47:00.649" v="4600"/>
-        <pc:sldMkLst>
-          <pc:docMk/>
-          <pc:sldMk cId="0" sldId="262"/>
-        </pc:sldMkLst>
-        <pc:spChg chg="add mod">
-          <ac:chgData name="도균 윤" userId="8a3b07cad855ff48" providerId="LiveId" clId="{886040D6-1D68-4BF4-B6AF-014E5E60BCF9}" dt="2018-12-10T18:40:39.250" v="4456" actId="692"/>
-          <ac:spMkLst>
-            <pc:docMk/>
-            <pc:sldMk cId="0" sldId="262"/>
-            <ac:spMk id="2" creationId="{7783C5AB-5E33-4C6D-A58F-F52C6286951F}"/>
-          </ac:spMkLst>
-        </pc:spChg>
-        <pc:spChg chg="add">
-          <ac:chgData name="도균 윤" userId="8a3b07cad855ff48" providerId="LiveId" clId="{886040D6-1D68-4BF4-B6AF-014E5E60BCF9}" dt="2018-12-10T18:47:00.649" v="4600"/>
-          <ac:spMkLst>
-            <pc:docMk/>
-            <pc:sldMk cId="0" sldId="262"/>
-            <ac:spMk id="3" creationId="{07B75E6B-58F5-409C-AFC2-728288521549}"/>
-          </ac:spMkLst>
-        </pc:spChg>
-        <pc:spChg chg="del">
-          <ac:chgData name="도균 윤" userId="8a3b07cad855ff48" providerId="LiveId" clId="{886040D6-1D68-4BF4-B6AF-014E5E60BCF9}" dt="2018-12-08T17:17:42.531" v="1432"/>
-          <ac:spMkLst>
-            <pc:docMk/>
-            <pc:sldMk cId="0" sldId="262"/>
-            <ac:spMk id="3" creationId="{2120716D-50B0-430C-B622-DDF129CCDD63}"/>
-          </ac:spMkLst>
-        </pc:spChg>
-        <pc:spChg chg="add mod">
-          <ac:chgData name="도균 윤" userId="8a3b07cad855ff48" providerId="LiveId" clId="{886040D6-1D68-4BF4-B6AF-014E5E60BCF9}" dt="2018-12-08T16:01:05.999" v="322" actId="255"/>
-          <ac:spMkLst>
-            <pc:docMk/>
-            <pc:sldMk cId="0" sldId="262"/>
-            <ac:spMk id="6" creationId="{8DC0C48E-1C81-4F79-8EE2-9FD613DF000B}"/>
-          </ac:spMkLst>
-        </pc:spChg>
-        <pc:spChg chg="add mod">
-          <ac:chgData name="도균 윤" userId="8a3b07cad855ff48" providerId="LiveId" clId="{886040D6-1D68-4BF4-B6AF-014E5E60BCF9}" dt="2018-12-08T17:03:38.249" v="1344" actId="208"/>
-          <ac:spMkLst>
-            <pc:docMk/>
-            <pc:sldMk cId="0" sldId="262"/>
-            <ac:spMk id="8" creationId="{C76B2159-83AC-4FC3-800B-2D81BF883054}"/>
-          </ac:spMkLst>
-        </pc:spChg>
-        <pc:spChg chg="mod">
-          <ac:chgData name="도균 윤" userId="8a3b07cad855ff48" providerId="LiveId" clId="{886040D6-1D68-4BF4-B6AF-014E5E60BCF9}" dt="2018-12-08T16:47:41.852" v="957" actId="12"/>
-          <ac:spMkLst>
-            <pc:docMk/>
-            <pc:sldMk cId="0" sldId="262"/>
-            <ac:spMk id="151" creationId="{00000000-0000-0000-0000-000000000000}"/>
-          </ac:spMkLst>
-        </pc:spChg>
-        <pc:spChg chg="del mod">
-          <ac:chgData name="도균 윤" userId="8a3b07cad855ff48" providerId="LiveId" clId="{886040D6-1D68-4BF4-B6AF-014E5E60BCF9}" dt="2018-12-08T16:27:27.653" v="819" actId="478"/>
-          <ac:spMkLst>
-            <pc:docMk/>
-            <pc:sldMk cId="0" sldId="262"/>
-            <ac:spMk id="152" creationId="{00000000-0000-0000-0000-000000000000}"/>
-          </ac:spMkLst>
-        </pc:spChg>
-        <pc:picChg chg="mod">
-          <ac:chgData name="도균 윤" userId="8a3b07cad855ff48" providerId="LiveId" clId="{886040D6-1D68-4BF4-B6AF-014E5E60BCF9}" dt="2018-12-08T16:28:52.908" v="836" actId="1582"/>
-          <ac:picMkLst>
-            <pc:docMk/>
-            <pc:sldMk cId="0" sldId="262"/>
-            <ac:picMk id="153" creationId="{00000000-0000-0000-0000-000000000000}"/>
-          </ac:picMkLst>
-        </pc:picChg>
-      </pc:sldChg>
-      <pc:sldChg chg="addSp delSp modSp add ord">
-        <pc:chgData name="도균 윤" userId="8a3b07cad855ff48" providerId="LiveId" clId="{886040D6-1D68-4BF4-B6AF-014E5E60BCF9}" dt="2018-12-10T18:47:00.649" v="4600"/>
-        <pc:sldMkLst>
-          <pc:docMk/>
-          <pc:sldMk cId="0" sldId="263"/>
-        </pc:sldMkLst>
-        <pc:spChg chg="add">
-          <ac:chgData name="도균 윤" userId="8a3b07cad855ff48" providerId="LiveId" clId="{886040D6-1D68-4BF4-B6AF-014E5E60BCF9}" dt="2018-12-10T18:47:00.649" v="4600"/>
-          <ac:spMkLst>
-            <pc:docMk/>
-            <pc:sldMk cId="0" sldId="263"/>
-            <ac:spMk id="2" creationId="{C1135FB4-BAEF-4E62-93AA-9D4B0C1758C1}"/>
-          </ac:spMkLst>
-        </pc:spChg>
-        <pc:spChg chg="add del mod">
-          <ac:chgData name="도균 윤" userId="8a3b07cad855ff48" providerId="LiveId" clId="{886040D6-1D68-4BF4-B6AF-014E5E60BCF9}" dt="2018-12-08T16:01:22.716" v="324" actId="478"/>
-          <ac:spMkLst>
-            <pc:docMk/>
-            <pc:sldMk cId="0" sldId="263"/>
-            <ac:spMk id="3" creationId="{ADC9FF4B-AEEC-4378-818C-C629072E8190}"/>
-          </ac:spMkLst>
-        </pc:spChg>
-        <pc:spChg chg="add mod">
-          <ac:chgData name="도균 윤" userId="8a3b07cad855ff48" providerId="LiveId" clId="{886040D6-1D68-4BF4-B6AF-014E5E60BCF9}" dt="2018-12-10T18:41:01.197" v="4458" actId="14861"/>
-          <ac:spMkLst>
-            <pc:docMk/>
-            <pc:sldMk cId="0" sldId="263"/>
-            <ac:spMk id="4" creationId="{D9FC5E08-F399-49DE-AB64-E50DD6FA0FC3}"/>
-          </ac:spMkLst>
-        </pc:spChg>
-        <pc:spChg chg="del">
-          <ac:chgData name="도균 윤" userId="8a3b07cad855ff48" providerId="LiveId" clId="{886040D6-1D68-4BF4-B6AF-014E5E60BCF9}" dt="2018-12-08T17:17:42.531" v="1432"/>
-          <ac:spMkLst>
-            <pc:docMk/>
-            <pc:sldMk cId="0" sldId="263"/>
-            <ac:spMk id="5" creationId="{91FD9EAE-C56C-4478-BD27-41238888AD3C}"/>
-          </ac:spMkLst>
-        </pc:spChg>
-        <pc:spChg chg="add mod">
-          <ac:chgData name="도균 윤" userId="8a3b07cad855ff48" providerId="LiveId" clId="{886040D6-1D68-4BF4-B6AF-014E5E60BCF9}" dt="2018-12-09T13:17:07.824" v="2891" actId="1076"/>
-          <ac:spMkLst>
-            <pc:docMk/>
-            <pc:sldMk cId="0" sldId="263"/>
-            <ac:spMk id="6" creationId="{CD196359-A408-45BE-A732-9FF6F5D3ACF9}"/>
-          </ac:spMkLst>
-        </pc:spChg>
-        <pc:spChg chg="add">
-          <ac:chgData name="도균 윤" userId="8a3b07cad855ff48" providerId="LiveId" clId="{886040D6-1D68-4BF4-B6AF-014E5E60BCF9}" dt="2018-12-08T16:01:23.275" v="325"/>
-          <ac:spMkLst>
-            <pc:docMk/>
-            <pc:sldMk cId="0" sldId="263"/>
-            <ac:spMk id="7" creationId="{E511CBAA-507F-4CC5-99DC-5B07EAD3C166}"/>
-          </ac:spMkLst>
-        </pc:spChg>
-        <pc:spChg chg="add del mod">
-          <ac:chgData name="도균 윤" userId="8a3b07cad855ff48" providerId="LiveId" clId="{886040D6-1D68-4BF4-B6AF-014E5E60BCF9}" dt="2018-12-08T17:07:09.864" v="1383" actId="478"/>
-          <ac:spMkLst>
-            <pc:docMk/>
-            <pc:sldMk cId="0" sldId="263"/>
-            <ac:spMk id="8" creationId="{4E5D7194-97A5-46A6-AB09-9BCD316CE0CA}"/>
-          </ac:spMkLst>
-        </pc:spChg>
-        <pc:spChg chg="add del mod">
-          <ac:chgData name="도균 윤" userId="8a3b07cad855ff48" providerId="LiveId" clId="{886040D6-1D68-4BF4-B6AF-014E5E60BCF9}" dt="2018-12-08T16:47:24.849" v="951"/>
-          <ac:spMkLst>
-            <pc:docMk/>
-            <pc:sldMk cId="0" sldId="263"/>
-            <ac:spMk id="10" creationId="{ABCAF03D-F51D-49FD-8D87-71378DC90D5A}"/>
-          </ac:spMkLst>
-        </pc:spChg>
-        <pc:spChg chg="add del">
-          <ac:chgData name="도균 윤" userId="8a3b07cad855ff48" providerId="LiveId" clId="{886040D6-1D68-4BF4-B6AF-014E5E60BCF9}" dt="2018-12-08T16:46:55.108" v="940"/>
-          <ac:spMkLst>
-            <pc:docMk/>
-            <pc:sldMk cId="0" sldId="263"/>
-            <ac:spMk id="11" creationId="{8185C7C6-AD07-48F8-B301-2FD598F94FD1}"/>
-          </ac:spMkLst>
-        </pc:spChg>
-        <pc:spChg chg="add">
-          <ac:chgData name="도균 윤" userId="8a3b07cad855ff48" providerId="LiveId" clId="{886040D6-1D68-4BF4-B6AF-014E5E60BCF9}" dt="2018-12-08T17:07:13.623" v="1384"/>
-          <ac:spMkLst>
-            <pc:docMk/>
-            <pc:sldMk cId="0" sldId="263"/>
-            <ac:spMk id="12" creationId="{5872F836-7497-4E86-A152-ED0D24C8795F}"/>
-          </ac:spMkLst>
-        </pc:spChg>
-        <pc:spChg chg="del">
-          <ac:chgData name="도균 윤" userId="8a3b07cad855ff48" providerId="LiveId" clId="{886040D6-1D68-4BF4-B6AF-014E5E60BCF9}" dt="2018-12-08T16:01:20.244" v="323" actId="478"/>
-          <ac:spMkLst>
-            <pc:docMk/>
-            <pc:sldMk cId="0" sldId="263"/>
-            <ac:spMk id="158" creationId="{00000000-0000-0000-0000-000000000000}"/>
-          </ac:spMkLst>
-        </pc:spChg>
-        <pc:spChg chg="mod">
-          <ac:chgData name="도균 윤" userId="8a3b07cad855ff48" providerId="LiveId" clId="{886040D6-1D68-4BF4-B6AF-014E5E60BCF9}" dt="2018-12-09T14:41:32.999" v="3798"/>
-          <ac:spMkLst>
-            <pc:docMk/>
-            <pc:sldMk cId="0" sldId="263"/>
-            <ac:spMk id="159" creationId="{00000000-0000-0000-0000-000000000000}"/>
-          </ac:spMkLst>
-        </pc:spChg>
-        <pc:spChg chg="del mod">
-          <ac:chgData name="도균 윤" userId="8a3b07cad855ff48" providerId="LiveId" clId="{886040D6-1D68-4BF4-B6AF-014E5E60BCF9}" dt="2018-12-08T17:07:24.006" v="1387" actId="478"/>
-          <ac:spMkLst>
-            <pc:docMk/>
-            <pc:sldMk cId="0" sldId="263"/>
-            <ac:spMk id="160" creationId="{00000000-0000-0000-0000-000000000000}"/>
-          </ac:spMkLst>
-        </pc:spChg>
-      </pc:sldChg>
-      <pc:sldChg chg="addSp delSp modSp add ord">
-        <pc:chgData name="도균 윤" userId="8a3b07cad855ff48" providerId="LiveId" clId="{886040D6-1D68-4BF4-B6AF-014E5E60BCF9}" dt="2018-12-10T18:47:00.649" v="4600"/>
-        <pc:sldMkLst>
-          <pc:docMk/>
-          <pc:sldMk cId="0" sldId="264"/>
-        </pc:sldMkLst>
-        <pc:spChg chg="add">
-          <ac:chgData name="도균 윤" userId="8a3b07cad855ff48" providerId="LiveId" clId="{886040D6-1D68-4BF4-B6AF-014E5E60BCF9}" dt="2018-12-10T18:47:00.649" v="4600"/>
-          <ac:spMkLst>
-            <pc:docMk/>
-            <pc:sldMk cId="0" sldId="264"/>
-            <ac:spMk id="2" creationId="{246666DE-B1F1-44CA-979C-369747219BFE}"/>
-          </ac:spMkLst>
-        </pc:spChg>
-        <pc:spChg chg="add del mod">
-          <ac:chgData name="도균 윤" userId="8a3b07cad855ff48" providerId="LiveId" clId="{886040D6-1D68-4BF4-B6AF-014E5E60BCF9}" dt="2018-12-08T16:01:28.604" v="327" actId="478"/>
-          <ac:spMkLst>
-            <pc:docMk/>
-            <pc:sldMk cId="0" sldId="264"/>
-            <ac:spMk id="3" creationId="{529911F9-E4A6-4AEA-AF21-85D2819BC3D4}"/>
-          </ac:spMkLst>
-        </pc:spChg>
-        <pc:spChg chg="del">
-          <ac:chgData name="도균 윤" userId="8a3b07cad855ff48" providerId="LiveId" clId="{886040D6-1D68-4BF4-B6AF-014E5E60BCF9}" dt="2018-12-08T17:17:42.531" v="1432"/>
-          <ac:spMkLst>
-            <pc:docMk/>
-            <pc:sldMk cId="0" sldId="264"/>
-            <ac:spMk id="4" creationId="{A2FF09B9-1C90-4FA6-9273-A3BD59E940F8}"/>
-          </ac:spMkLst>
-        </pc:spChg>
-        <pc:spChg chg="add">
-          <ac:chgData name="도균 윤" userId="8a3b07cad855ff48" providerId="LiveId" clId="{886040D6-1D68-4BF4-B6AF-014E5E60BCF9}" dt="2018-12-08T16:01:29.738" v="328"/>
-          <ac:spMkLst>
-            <pc:docMk/>
-            <pc:sldMk cId="0" sldId="264"/>
-            <ac:spMk id="6" creationId="{B4D45506-10D1-44F0-9B6C-49ADC3049793}"/>
-          </ac:spMkLst>
-        </pc:spChg>
-        <pc:spChg chg="add">
-          <ac:chgData name="도균 윤" userId="8a3b07cad855ff48" providerId="LiveId" clId="{886040D6-1D68-4BF4-B6AF-014E5E60BCF9}" dt="2018-12-08T16:01:29.738" v="328"/>
-          <ac:spMkLst>
-            <pc:docMk/>
-            <pc:sldMk cId="0" sldId="264"/>
-            <ac:spMk id="7" creationId="{B72491F5-7D1D-4D56-B5FC-0B88B35C6A06}"/>
-          </ac:spMkLst>
-        </pc:spChg>
-        <pc:spChg chg="add del mod">
-          <ac:chgData name="도균 윤" userId="8a3b07cad855ff48" providerId="LiveId" clId="{886040D6-1D68-4BF4-B6AF-014E5E60BCF9}" dt="2018-12-08T16:43:17.304" v="903" actId="478"/>
-          <ac:spMkLst>
-            <pc:docMk/>
-            <pc:sldMk cId="0" sldId="264"/>
-            <ac:spMk id="8" creationId="{F4BDBEC3-07F6-4078-A635-E0E3AFD36DC3}"/>
-          </ac:spMkLst>
-        </pc:spChg>
-        <pc:spChg chg="add mod">
-          <ac:chgData name="도균 윤" userId="8a3b07cad855ff48" providerId="LiveId" clId="{886040D6-1D68-4BF4-B6AF-014E5E60BCF9}" dt="2018-12-09T13:19:54.950" v="3121" actId="1036"/>
-          <ac:spMkLst>
-            <pc:docMk/>
-            <pc:sldMk cId="0" sldId="264"/>
-            <ac:spMk id="9" creationId="{5CBF2EC5-F280-4C97-B18F-1538EE237891}"/>
-          </ac:spMkLst>
-        </pc:spChg>
-        <pc:spChg chg="add">
-          <ac:chgData name="도균 윤" userId="8a3b07cad855ff48" providerId="LiveId" clId="{886040D6-1D68-4BF4-B6AF-014E5E60BCF9}" dt="2018-12-09T13:17:15.171" v="2893"/>
-          <ac:spMkLst>
-            <pc:docMk/>
-            <pc:sldMk cId="0" sldId="264"/>
-            <ac:spMk id="11" creationId="{F817D604-1060-4548-BA58-D5E4DAFEA66D}"/>
-          </ac:spMkLst>
-        </pc:spChg>
-        <pc:spChg chg="del">
-          <ac:chgData name="도균 윤" userId="8a3b07cad855ff48" providerId="LiveId" clId="{886040D6-1D68-4BF4-B6AF-014E5E60BCF9}" dt="2018-12-08T16:01:27.474" v="326" actId="478"/>
-          <ac:spMkLst>
-            <pc:docMk/>
-            <pc:sldMk cId="0" sldId="264"/>
-            <ac:spMk id="165" creationId="{00000000-0000-0000-0000-000000000000}"/>
-          </ac:spMkLst>
-        </pc:spChg>
-        <pc:spChg chg="mod">
-          <ac:chgData name="도균 윤" userId="8a3b07cad855ff48" providerId="LiveId" clId="{886040D6-1D68-4BF4-B6AF-014E5E60BCF9}" dt="2018-12-09T13:19:43.282" v="3109"/>
-          <ac:spMkLst>
-            <pc:docMk/>
-            <pc:sldMk cId="0" sldId="264"/>
-            <ac:spMk id="166" creationId="{00000000-0000-0000-0000-000000000000}"/>
-          </ac:spMkLst>
-        </pc:spChg>
-      </pc:sldChg>
-      <pc:sldChg chg="addSp delSp modSp add ord">
-        <pc:chgData name="도균 윤" userId="8a3b07cad855ff48" providerId="LiveId" clId="{886040D6-1D68-4BF4-B6AF-014E5E60BCF9}" dt="2018-12-10T18:47:00.649" v="4600"/>
-        <pc:sldMkLst>
-          <pc:docMk/>
-          <pc:sldMk cId="0" sldId="265"/>
-        </pc:sldMkLst>
-        <pc:spChg chg="add">
-          <ac:chgData name="도균 윤" userId="8a3b07cad855ff48" providerId="LiveId" clId="{886040D6-1D68-4BF4-B6AF-014E5E60BCF9}" dt="2018-12-10T18:47:00.649" v="4600"/>
-          <ac:spMkLst>
-            <pc:docMk/>
-            <pc:sldMk cId="0" sldId="265"/>
-            <ac:spMk id="2" creationId="{87B9EBDD-EB5F-4926-9C99-A4D52E55DD91}"/>
-          </ac:spMkLst>
-        </pc:spChg>
-        <pc:spChg chg="add del mod">
-          <ac:chgData name="도균 윤" userId="8a3b07cad855ff48" providerId="LiveId" clId="{886040D6-1D68-4BF4-B6AF-014E5E60BCF9}" dt="2018-12-08T16:01:36.382" v="330" actId="478"/>
-          <ac:spMkLst>
-            <pc:docMk/>
-            <pc:sldMk cId="0" sldId="265"/>
-            <ac:spMk id="3" creationId="{3A627906-17AF-4B96-9180-9AE5648ACE1A}"/>
-          </ac:spMkLst>
-        </pc:spChg>
-        <pc:spChg chg="del">
-          <ac:chgData name="도균 윤" userId="8a3b07cad855ff48" providerId="LiveId" clId="{886040D6-1D68-4BF4-B6AF-014E5E60BCF9}" dt="2018-12-08T17:17:42.531" v="1432"/>
-          <ac:spMkLst>
-            <pc:docMk/>
-            <pc:sldMk cId="0" sldId="265"/>
-            <ac:spMk id="4" creationId="{0D19934D-B86C-4BBA-8D7E-BD8CE9B69429}"/>
-          </ac:spMkLst>
-        </pc:spChg>
-        <pc:spChg chg="add">
-          <ac:chgData name="도균 윤" userId="8a3b07cad855ff48" providerId="LiveId" clId="{886040D6-1D68-4BF4-B6AF-014E5E60BCF9}" dt="2018-12-08T16:01:37.287" v="331"/>
-          <ac:spMkLst>
-            <pc:docMk/>
-            <pc:sldMk cId="0" sldId="265"/>
-            <ac:spMk id="6" creationId="{59139AFA-0125-458A-9CC0-61A932BE1F2B}"/>
-          </ac:spMkLst>
-        </pc:spChg>
-        <pc:spChg chg="add">
-          <ac:chgData name="도균 윤" userId="8a3b07cad855ff48" providerId="LiveId" clId="{886040D6-1D68-4BF4-B6AF-014E5E60BCF9}" dt="2018-12-08T16:01:37.287" v="331"/>
-          <ac:spMkLst>
-            <pc:docMk/>
-            <pc:sldMk cId="0" sldId="265"/>
-            <ac:spMk id="7" creationId="{38EBC181-681C-402C-A616-4426BA3559B1}"/>
-          </ac:spMkLst>
-        </pc:spChg>
-        <pc:spChg chg="add del mod">
-          <ac:chgData name="도균 윤" userId="8a3b07cad855ff48" providerId="LiveId" clId="{886040D6-1D68-4BF4-B6AF-014E5E60BCF9}" dt="2018-12-08T16:43:24.765" v="910" actId="478"/>
-          <ac:spMkLst>
-            <pc:docMk/>
-            <pc:sldMk cId="0" sldId="265"/>
-            <ac:spMk id="8" creationId="{E2B6A817-9B56-4C3E-9DB8-93E8F2722012}"/>
-          </ac:spMkLst>
-        </pc:spChg>
-        <pc:spChg chg="add mod">
-          <ac:chgData name="도균 윤" userId="8a3b07cad855ff48" providerId="LiveId" clId="{886040D6-1D68-4BF4-B6AF-014E5E60BCF9}" dt="2018-12-09T13:19:58.014" v="3127" actId="1036"/>
-          <ac:spMkLst>
-            <pc:docMk/>
-            <pc:sldMk cId="0" sldId="265"/>
-            <ac:spMk id="9" creationId="{CE3D346F-C297-44F7-8D85-94EF57EC9B36}"/>
-          </ac:spMkLst>
-        </pc:spChg>
-        <pc:spChg chg="add">
-          <ac:chgData name="도균 윤" userId="8a3b07cad855ff48" providerId="LiveId" clId="{886040D6-1D68-4BF4-B6AF-014E5E60BCF9}" dt="2018-12-09T13:17:13.980" v="2892"/>
-          <ac:spMkLst>
-            <pc:docMk/>
-            <pc:sldMk cId="0" sldId="265"/>
-            <ac:spMk id="11" creationId="{B7C4144D-48B1-454D-AC8C-154E611EE9E4}"/>
-          </ac:spMkLst>
-        </pc:spChg>
-        <pc:spChg chg="del">
-          <ac:chgData name="도균 윤" userId="8a3b07cad855ff48" providerId="LiveId" clId="{886040D6-1D68-4BF4-B6AF-014E5E60BCF9}" dt="2018-12-08T16:01:35.456" v="329" actId="478"/>
-          <ac:spMkLst>
-            <pc:docMk/>
-            <pc:sldMk cId="0" sldId="265"/>
-            <ac:spMk id="171" creationId="{00000000-0000-0000-0000-000000000000}"/>
-          </ac:spMkLst>
-        </pc:spChg>
-        <pc:spChg chg="mod">
-          <ac:chgData name="도균 윤" userId="8a3b07cad855ff48" providerId="LiveId" clId="{886040D6-1D68-4BF4-B6AF-014E5E60BCF9}" dt="2018-12-09T13:19:06.595" v="3046"/>
-          <ac:spMkLst>
-            <pc:docMk/>
-            <pc:sldMk cId="0" sldId="265"/>
-            <ac:spMk id="172" creationId="{00000000-0000-0000-0000-000000000000}"/>
-          </ac:spMkLst>
-        </pc:spChg>
-      </pc:sldChg>
-      <pc:sldChg chg="addSp delSp modSp add modNotesTx">
-        <pc:chgData name="도균 윤" userId="8a3b07cad855ff48" providerId="LiveId" clId="{886040D6-1D68-4BF4-B6AF-014E5E60BCF9}" dt="2018-12-10T18:47:00.649" v="4600"/>
-        <pc:sldMkLst>
-          <pc:docMk/>
-          <pc:sldMk cId="0" sldId="266"/>
-        </pc:sldMkLst>
-        <pc:spChg chg="add">
-          <ac:chgData name="도균 윤" userId="8a3b07cad855ff48" providerId="LiveId" clId="{886040D6-1D68-4BF4-B6AF-014E5E60BCF9}" dt="2018-12-10T18:47:00.649" v="4600"/>
-          <ac:spMkLst>
-            <pc:docMk/>
-            <pc:sldMk cId="0" sldId="266"/>
-            <ac:spMk id="2" creationId="{B32F4885-1A8B-4727-80AA-585F1FBEE6B4}"/>
-          </ac:spMkLst>
-        </pc:spChg>
-        <pc:spChg chg="add del mod">
-          <ac:chgData name="도균 윤" userId="8a3b07cad855ff48" providerId="LiveId" clId="{886040D6-1D68-4BF4-B6AF-014E5E60BCF9}" dt="2018-12-08T16:01:42.235" v="333" actId="478"/>
-          <ac:spMkLst>
-            <pc:docMk/>
-            <pc:sldMk cId="0" sldId="266"/>
-            <ac:spMk id="3" creationId="{06552F80-477A-4662-97FD-DECE85CDEA52}"/>
-          </ac:spMkLst>
-        </pc:spChg>
-        <pc:spChg chg="del">
-          <ac:chgData name="도균 윤" userId="8a3b07cad855ff48" providerId="LiveId" clId="{886040D6-1D68-4BF4-B6AF-014E5E60BCF9}" dt="2018-12-08T17:17:42.531" v="1432"/>
-          <ac:spMkLst>
-            <pc:docMk/>
-            <pc:sldMk cId="0" sldId="266"/>
-            <ac:spMk id="4" creationId="{87DBF76E-4F56-4F98-A0D0-87A5F2EFCB35}"/>
-          </ac:spMkLst>
-        </pc:spChg>
-        <pc:spChg chg="add">
-          <ac:chgData name="도균 윤" userId="8a3b07cad855ff48" providerId="LiveId" clId="{886040D6-1D68-4BF4-B6AF-014E5E60BCF9}" dt="2018-12-08T16:01:43.090" v="334"/>
-          <ac:spMkLst>
-            <pc:docMk/>
-            <pc:sldMk cId="0" sldId="266"/>
-            <ac:spMk id="9" creationId="{8B46AF1E-4172-4E11-9693-5FF9FC1F1E5F}"/>
-          </ac:spMkLst>
-        </pc:spChg>
-        <pc:spChg chg="add mod">
-          <ac:chgData name="도균 윤" userId="8a3b07cad855ff48" providerId="LiveId" clId="{886040D6-1D68-4BF4-B6AF-014E5E60BCF9}" dt="2018-12-08T16:01:55.308" v="342"/>
-          <ac:spMkLst>
-            <pc:docMk/>
-            <pc:sldMk cId="0" sldId="266"/>
-            <ac:spMk id="10" creationId="{2904A6AB-4F93-4A6C-87AA-099F95C902A6}"/>
-          </ac:spMkLst>
-        </pc:spChg>
-        <pc:spChg chg="del">
-          <ac:chgData name="도균 윤" userId="8a3b07cad855ff48" providerId="LiveId" clId="{886040D6-1D68-4BF4-B6AF-014E5E60BCF9}" dt="2018-12-08T16:01:41.340" v="332" actId="478"/>
-          <ac:spMkLst>
-            <pc:docMk/>
-            <pc:sldMk cId="0" sldId="266"/>
-            <ac:spMk id="177" creationId="{00000000-0000-0000-0000-000000000000}"/>
-          </ac:spMkLst>
-        </pc:spChg>
-        <pc:spChg chg="mod">
-          <ac:chgData name="도균 윤" userId="8a3b07cad855ff48" providerId="LiveId" clId="{886040D6-1D68-4BF4-B6AF-014E5E60BCF9}" dt="2018-12-09T10:56:08.575" v="2108"/>
-          <ac:spMkLst>
-            <pc:docMk/>
-            <pc:sldMk cId="0" sldId="266"/>
-            <ac:spMk id="178" creationId="{00000000-0000-0000-0000-000000000000}"/>
-          </ac:spMkLst>
-        </pc:spChg>
-        <pc:picChg chg="mod">
-          <ac:chgData name="도균 윤" userId="8a3b07cad855ff48" providerId="LiveId" clId="{886040D6-1D68-4BF4-B6AF-014E5E60BCF9}" dt="2018-12-08T17:05:11.001" v="1368" actId="1076"/>
-          <ac:picMkLst>
-            <pc:docMk/>
-            <pc:sldMk cId="0" sldId="266"/>
-            <ac:picMk id="179" creationId="{00000000-0000-0000-0000-000000000000}"/>
-          </ac:picMkLst>
-        </pc:picChg>
-        <pc:picChg chg="mod">
-          <ac:chgData name="도균 윤" userId="8a3b07cad855ff48" providerId="LiveId" clId="{886040D6-1D68-4BF4-B6AF-014E5E60BCF9}" dt="2018-12-08T17:05:12.794" v="1369" actId="1076"/>
-          <ac:picMkLst>
-            <pc:docMk/>
-            <pc:sldMk cId="0" sldId="266"/>
-            <ac:picMk id="180" creationId="{00000000-0000-0000-0000-000000000000}"/>
-          </ac:picMkLst>
-        </pc:picChg>
-        <pc:picChg chg="mod">
-          <ac:chgData name="도균 윤" userId="8a3b07cad855ff48" providerId="LiveId" clId="{886040D6-1D68-4BF4-B6AF-014E5E60BCF9}" dt="2018-12-08T17:05:15.050" v="1370" actId="1076"/>
-          <ac:picMkLst>
-            <pc:docMk/>
-            <pc:sldMk cId="0" sldId="266"/>
-            <ac:picMk id="181" creationId="{00000000-0000-0000-0000-000000000000}"/>
-          </ac:picMkLst>
-        </pc:picChg>
-      </pc:sldChg>
-      <pc:sldChg chg="addSp delSp modSp add">
-        <pc:chgData name="도균 윤" userId="8a3b07cad855ff48" providerId="LiveId" clId="{886040D6-1D68-4BF4-B6AF-014E5E60BCF9}" dt="2018-12-10T18:47:00.649" v="4600"/>
-        <pc:sldMkLst>
-          <pc:docMk/>
-          <pc:sldMk cId="0" sldId="267"/>
-        </pc:sldMkLst>
-        <pc:spChg chg="del">
-          <ac:chgData name="도균 윤" userId="8a3b07cad855ff48" providerId="LiveId" clId="{886040D6-1D68-4BF4-B6AF-014E5E60BCF9}" dt="2018-12-08T17:17:42.531" v="1432"/>
-          <ac:spMkLst>
-            <pc:docMk/>
-            <pc:sldMk cId="0" sldId="267"/>
-            <ac:spMk id="2" creationId="{8E8F660B-4132-49B2-A2BE-91ABAED84B77}"/>
-          </ac:spMkLst>
-        </pc:spChg>
-        <pc:spChg chg="add mod">
-          <ac:chgData name="도균 윤" userId="8a3b07cad855ff48" providerId="LiveId" clId="{886040D6-1D68-4BF4-B6AF-014E5E60BCF9}" dt="2018-12-10T17:51:35.532" v="4035" actId="1582"/>
-          <ac:spMkLst>
-            <pc:docMk/>
-            <pc:sldMk cId="0" sldId="267"/>
-            <ac:spMk id="2" creationId="{C7D0C2DB-2F67-4EC6-BCBC-0DF90FCFF16E}"/>
-          </ac:spMkLst>
-        </pc:spChg>
-        <pc:spChg chg="add del mod">
-          <ac:chgData name="도균 윤" userId="8a3b07cad855ff48" providerId="LiveId" clId="{886040D6-1D68-4BF4-B6AF-014E5E60BCF9}" dt="2018-12-10T17:50:50.014" v="4018" actId="478"/>
-          <ac:spMkLst>
-            <pc:docMk/>
-            <pc:sldMk cId="0" sldId="267"/>
-            <ac:spMk id="5" creationId="{9BD455FF-EC70-435A-9F50-F5F108A00E0D}"/>
-          </ac:spMkLst>
-        </pc:spChg>
-        <pc:spChg chg="add mod">
-          <ac:chgData name="도균 윤" userId="8a3b07cad855ff48" providerId="LiveId" clId="{886040D6-1D68-4BF4-B6AF-014E5E60BCF9}" dt="2018-12-10T17:51:08.149" v="4029"/>
-          <ac:spMkLst>
-            <pc:docMk/>
-            <pc:sldMk cId="0" sldId="267"/>
-            <ac:spMk id="8" creationId="{56631065-C555-4775-A283-F5068BB32965}"/>
-          </ac:spMkLst>
-        </pc:spChg>
-        <pc:spChg chg="add">
-          <ac:chgData name="도균 윤" userId="8a3b07cad855ff48" providerId="LiveId" clId="{886040D6-1D68-4BF4-B6AF-014E5E60BCF9}" dt="2018-12-10T18:47:00.649" v="4600"/>
-          <ac:spMkLst>
-            <pc:docMk/>
-            <pc:sldMk cId="0" sldId="267"/>
-            <ac:spMk id="9" creationId="{A8C30456-601F-479D-A68D-FBCB67D8115E}"/>
-          </ac:spMkLst>
-        </pc:spChg>
-        <pc:spChg chg="mod">
-          <ac:chgData name="도균 윤" userId="8a3b07cad855ff48" providerId="LiveId" clId="{886040D6-1D68-4BF4-B6AF-014E5E60BCF9}" dt="2018-12-08T16:04:06.751" v="448"/>
-          <ac:spMkLst>
-            <pc:docMk/>
-            <pc:sldMk cId="0" sldId="267"/>
-            <ac:spMk id="186" creationId="{00000000-0000-0000-0000-000000000000}"/>
-          </ac:spMkLst>
-        </pc:spChg>
-        <pc:spChg chg="mod">
-          <ac:chgData name="도균 윤" userId="8a3b07cad855ff48" providerId="LiveId" clId="{886040D6-1D68-4BF4-B6AF-014E5E60BCF9}" dt="2018-12-10T17:50:53.121" v="4019" actId="242"/>
-          <ac:spMkLst>
-            <pc:docMk/>
-            <pc:sldMk cId="0" sldId="267"/>
-            <ac:spMk id="187" creationId="{00000000-0000-0000-0000-000000000000}"/>
-          </ac:spMkLst>
-        </pc:spChg>
-        <pc:picChg chg="add del">
-          <ac:chgData name="도균 윤" userId="8a3b07cad855ff48" providerId="LiveId" clId="{886040D6-1D68-4BF4-B6AF-014E5E60BCF9}" dt="2018-12-10T17:50:21.263" v="4009" actId="478"/>
-          <ac:picMkLst>
-            <pc:docMk/>
-            <pc:sldMk cId="0" sldId="267"/>
-            <ac:picMk id="6" creationId="{26081EE9-B809-4BC1-9C2F-60CE218276F0}"/>
-          </ac:picMkLst>
-        </pc:picChg>
-        <pc:picChg chg="add mod">
-          <ac:chgData name="도균 윤" userId="8a3b07cad855ff48" providerId="LiveId" clId="{886040D6-1D68-4BF4-B6AF-014E5E60BCF9}" dt="2018-12-10T17:51:18.096" v="4031" actId="1076"/>
-          <ac:picMkLst>
-            <pc:docMk/>
-            <pc:sldMk cId="0" sldId="267"/>
-            <ac:picMk id="7" creationId="{9BD69C8C-F14A-444F-8FAA-FE6EB15525DD}"/>
-          </ac:picMkLst>
-        </pc:picChg>
-        <pc:cxnChg chg="add mod">
-          <ac:chgData name="도균 윤" userId="8a3b07cad855ff48" providerId="LiveId" clId="{886040D6-1D68-4BF4-B6AF-014E5E60BCF9}" dt="2018-12-10T17:51:48.932" v="4038" actId="1582"/>
-          <ac:cxnSpMkLst>
-            <pc:docMk/>
-            <pc:sldMk cId="0" sldId="267"/>
-            <ac:cxnSpMk id="4" creationId="{77CADBF7-4C05-4A8A-95E3-51D6A14A10BB}"/>
-          </ac:cxnSpMkLst>
-        </pc:cxnChg>
-      </pc:sldChg>
-      <pc:sldChg chg="addSp delSp modSp add del modNotesTx">
-        <pc:chgData name="도균 윤" userId="8a3b07cad855ff48" providerId="LiveId" clId="{886040D6-1D68-4BF4-B6AF-014E5E60BCF9}" dt="2018-12-10T17:59:01.686" v="4048" actId="2696"/>
-        <pc:sldMkLst>
-          <pc:docMk/>
-          <pc:sldMk cId="0" sldId="268"/>
-        </pc:sldMkLst>
-        <pc:spChg chg="del">
-          <ac:chgData name="도균 윤" userId="8a3b07cad855ff48" providerId="LiveId" clId="{886040D6-1D68-4BF4-B6AF-014E5E60BCF9}" dt="2018-12-08T17:17:42.531" v="1432"/>
-          <ac:spMkLst>
-            <pc:docMk/>
-            <pc:sldMk cId="0" sldId="268"/>
-            <ac:spMk id="2" creationId="{0E03BC19-471D-4578-96DA-A8FA41B80F7C}"/>
-          </ac:spMkLst>
-        </pc:spChg>
-        <pc:spChg chg="add">
-          <ac:chgData name="도균 윤" userId="8a3b07cad855ff48" providerId="LiveId" clId="{886040D6-1D68-4BF4-B6AF-014E5E60BCF9}" dt="2018-12-09T14:42:23.530" v="3823"/>
-          <ac:spMkLst>
-            <pc:docMk/>
-            <pc:sldMk cId="0" sldId="268"/>
-            <ac:spMk id="5" creationId="{10230BD8-ADB1-4142-BE23-106D59DBED2E}"/>
-          </ac:spMkLst>
-        </pc:spChg>
-        <pc:spChg chg="mod">
-          <ac:chgData name="도균 윤" userId="8a3b07cad855ff48" providerId="LiveId" clId="{886040D6-1D68-4BF4-B6AF-014E5E60BCF9}" dt="2018-12-08T16:04:08.828" v="449"/>
-          <ac:spMkLst>
-            <pc:docMk/>
-            <pc:sldMk cId="0" sldId="268"/>
-            <ac:spMk id="192" creationId="{00000000-0000-0000-0000-000000000000}"/>
-          </ac:spMkLst>
-        </pc:spChg>
-        <pc:spChg chg="mod">
-          <ac:chgData name="도균 윤" userId="8a3b07cad855ff48" providerId="LiveId" clId="{886040D6-1D68-4BF4-B6AF-014E5E60BCF9}" dt="2018-12-08T16:50:28.187" v="1111" actId="12"/>
-          <ac:spMkLst>
-            <pc:docMk/>
-            <pc:sldMk cId="0" sldId="268"/>
-            <ac:spMk id="193" creationId="{00000000-0000-0000-0000-000000000000}"/>
-          </ac:spMkLst>
-        </pc:spChg>
-      </pc:sldChg>
-      <pc:sldChg chg="addSp delSp modSp add modNotesTx">
-        <pc:chgData name="도균 윤" userId="8a3b07cad855ff48" providerId="LiveId" clId="{886040D6-1D68-4BF4-B6AF-014E5E60BCF9}" dt="2018-12-10T18:49:02.844" v="4675" actId="20577"/>
-        <pc:sldMkLst>
-          <pc:docMk/>
-          <pc:sldMk cId="0" sldId="269"/>
-        </pc:sldMkLst>
-        <pc:spChg chg="add">
-          <ac:chgData name="도균 윤" userId="8a3b07cad855ff48" providerId="LiveId" clId="{886040D6-1D68-4BF4-B6AF-014E5E60BCF9}" dt="2018-12-10T18:47:00.649" v="4600"/>
-          <ac:spMkLst>
-            <pc:docMk/>
-            <pc:sldMk cId="0" sldId="269"/>
-            <ac:spMk id="2" creationId="{1A7F3F04-0E19-4691-B3FA-76F184877A7A}"/>
-          </ac:spMkLst>
-        </pc:spChg>
-        <pc:spChg chg="del">
-          <ac:chgData name="도균 윤" userId="8a3b07cad855ff48" providerId="LiveId" clId="{886040D6-1D68-4BF4-B6AF-014E5E60BCF9}" dt="2018-12-08T17:17:42.531" v="1432"/>
-          <ac:spMkLst>
-            <pc:docMk/>
-            <pc:sldMk cId="0" sldId="269"/>
-            <ac:spMk id="2" creationId="{63E30B42-B70D-403E-B1B0-15F2819EAB8F}"/>
-          </ac:spMkLst>
-        </pc:spChg>
-        <pc:spChg chg="add mod">
-          <ac:chgData name="도균 윤" userId="8a3b07cad855ff48" providerId="LiveId" clId="{886040D6-1D68-4BF4-B6AF-014E5E60BCF9}" dt="2018-12-08T16:03:54.088" v="447" actId="20577"/>
-          <ac:spMkLst>
-            <pc:docMk/>
-            <pc:sldMk cId="0" sldId="269"/>
-            <ac:spMk id="4" creationId="{60FB582D-E6FF-421E-893D-D9CA3A47AEE4}"/>
-          </ac:spMkLst>
-        </pc:spChg>
-        <pc:spChg chg="mod">
-          <ac:chgData name="도균 윤" userId="8a3b07cad855ff48" providerId="LiveId" clId="{886040D6-1D68-4BF4-B6AF-014E5E60BCF9}" dt="2018-12-08T16:04:10.890" v="450"/>
-          <ac:spMkLst>
-            <pc:docMk/>
-            <pc:sldMk cId="0" sldId="269"/>
-            <ac:spMk id="198" creationId="{00000000-0000-0000-0000-000000000000}"/>
-          </ac:spMkLst>
-        </pc:spChg>
-        <pc:spChg chg="mod">
-          <ac:chgData name="도균 윤" userId="8a3b07cad855ff48" providerId="LiveId" clId="{886040D6-1D68-4BF4-B6AF-014E5E60BCF9}" dt="2018-12-09T13:37:15.912" v="3752" actId="2711"/>
-          <ac:spMkLst>
-            <pc:docMk/>
-            <pc:sldMk cId="0" sldId="269"/>
-            <ac:spMk id="199" creationId="{00000000-0000-0000-0000-000000000000}"/>
-          </ac:spMkLst>
-        </pc:spChg>
-        <pc:picChg chg="add del mod">
-          <ac:chgData name="도균 윤" userId="8a3b07cad855ff48" providerId="LiveId" clId="{886040D6-1D68-4BF4-B6AF-014E5E60BCF9}" dt="2018-12-09T13:31:04.634" v="3429" actId="478"/>
-          <ac:picMkLst>
-            <pc:docMk/>
-            <pc:sldMk cId="0" sldId="269"/>
-            <ac:picMk id="5" creationId="{C011B906-AAA0-475D-8FF2-B02D85F980AB}"/>
-          </ac:picMkLst>
-        </pc:picChg>
-        <pc:picChg chg="add mod ord">
-          <ac:chgData name="도균 윤" userId="8a3b07cad855ff48" providerId="LiveId" clId="{886040D6-1D68-4BF4-B6AF-014E5E60BCF9}" dt="2018-12-10T17:59:15.685" v="4050" actId="166"/>
-          <ac:picMkLst>
-            <pc:docMk/>
-            <pc:sldMk cId="0" sldId="269"/>
-            <ac:picMk id="7" creationId="{F6D1800F-C82A-4DFE-95D8-8A839E1BB847}"/>
-          </ac:picMkLst>
-        </pc:picChg>
-        <pc:picChg chg="add mod">
-          <ac:chgData name="도균 윤" userId="8a3b07cad855ff48" providerId="LiveId" clId="{886040D6-1D68-4BF4-B6AF-014E5E60BCF9}" dt="2018-12-09T13:31:44.943" v="3450" actId="1582"/>
-          <ac:picMkLst>
-            <pc:docMk/>
-            <pc:sldMk cId="0" sldId="269"/>
-            <ac:picMk id="9" creationId="{8C7FC7CA-180B-4B5E-8FF5-90131B9E24BA}"/>
-          </ac:picMkLst>
-        </pc:picChg>
-      </pc:sldChg>
-      <pc:sldChg chg="addSp delSp modSp add">
-        <pc:chgData name="도균 윤" userId="8a3b07cad855ff48" providerId="LiveId" clId="{886040D6-1D68-4BF4-B6AF-014E5E60BCF9}" dt="2018-12-10T18:49:38.336" v="4686"/>
-        <pc:sldMkLst>
-          <pc:docMk/>
-          <pc:sldMk cId="0" sldId="270"/>
-        </pc:sldMkLst>
-        <pc:spChg chg="add">
-          <ac:chgData name="도균 윤" userId="8a3b07cad855ff48" providerId="LiveId" clId="{886040D6-1D68-4BF4-B6AF-014E5E60BCF9}" dt="2018-12-10T18:47:00.649" v="4600"/>
-          <ac:spMkLst>
-            <pc:docMk/>
-            <pc:sldMk cId="0" sldId="270"/>
-            <ac:spMk id="2" creationId="{31EBC60E-08E7-4FC8-8BF8-312DF0654219}"/>
-          </ac:spMkLst>
-        </pc:spChg>
-        <pc:spChg chg="del">
-          <ac:chgData name="도균 윤" userId="8a3b07cad855ff48" providerId="LiveId" clId="{886040D6-1D68-4BF4-B6AF-014E5E60BCF9}" dt="2018-12-08T17:17:42.531" v="1432"/>
-          <ac:spMkLst>
-            <pc:docMk/>
-            <pc:sldMk cId="0" sldId="270"/>
-            <ac:spMk id="2" creationId="{A0C41710-E966-47FE-A289-67F2EB4526BA}"/>
-          </ac:spMkLst>
-        </pc:spChg>
-        <pc:spChg chg="add mod">
-          <ac:chgData name="도균 윤" userId="8a3b07cad855ff48" providerId="LiveId" clId="{886040D6-1D68-4BF4-B6AF-014E5E60BCF9}" dt="2018-12-08T16:03:33.605" v="394"/>
-          <ac:spMkLst>
-            <pc:docMk/>
-            <pc:sldMk cId="0" sldId="270"/>
-            <ac:spMk id="4" creationId="{B5111FAA-93B2-4BDC-8801-6EBED7CC663A}"/>
-          </ac:spMkLst>
-        </pc:spChg>
-        <pc:spChg chg="mod">
-          <ac:chgData name="도균 윤" userId="8a3b07cad855ff48" providerId="LiveId" clId="{886040D6-1D68-4BF4-B6AF-014E5E60BCF9}" dt="2018-12-08T16:04:13.944" v="451"/>
-          <ac:spMkLst>
-            <pc:docMk/>
-            <pc:sldMk cId="0" sldId="270"/>
-            <ac:spMk id="204" creationId="{00000000-0000-0000-0000-000000000000}"/>
-          </ac:spMkLst>
-        </pc:spChg>
-        <pc:spChg chg="mod">
-          <ac:chgData name="도균 윤" userId="8a3b07cad855ff48" providerId="LiveId" clId="{886040D6-1D68-4BF4-B6AF-014E5E60BCF9}" dt="2018-12-10T18:49:38.336" v="4686"/>
-          <ac:spMkLst>
-            <pc:docMk/>
-            <pc:sldMk cId="0" sldId="270"/>
-            <ac:spMk id="205" creationId="{00000000-0000-0000-0000-000000000000}"/>
-          </ac:spMkLst>
-        </pc:spChg>
-        <pc:cxnChg chg="add mod">
-          <ac:chgData name="도균 윤" userId="8a3b07cad855ff48" providerId="LiveId" clId="{886040D6-1D68-4BF4-B6AF-014E5E60BCF9}" dt="2018-12-09T13:36:18.326" v="3745" actId="1036"/>
-          <ac:cxnSpMkLst>
-            <pc:docMk/>
-            <pc:sldMk cId="0" sldId="270"/>
-            <ac:cxnSpMk id="5" creationId="{CB337467-9599-40E3-AF2B-0D8AD1FCB49E}"/>
-          </ac:cxnSpMkLst>
-        </pc:cxnChg>
-      </pc:sldChg>
-      <pc:sldChg chg="addSp delSp modSp add modNotesTx">
-        <pc:chgData name="도균 윤" userId="8a3b07cad855ff48" providerId="LiveId" clId="{886040D6-1D68-4BF4-B6AF-014E5E60BCF9}" dt="2018-12-10T18:47:00.649" v="4600"/>
-        <pc:sldMkLst>
-          <pc:docMk/>
-          <pc:sldMk cId="0" sldId="271"/>
-        </pc:sldMkLst>
-        <pc:spChg chg="del">
-          <ac:chgData name="도균 윤" userId="8a3b07cad855ff48" providerId="LiveId" clId="{886040D6-1D68-4BF4-B6AF-014E5E60BCF9}" dt="2018-12-08T17:17:42.531" v="1432"/>
-          <ac:spMkLst>
-            <pc:docMk/>
-            <pc:sldMk cId="0" sldId="271"/>
-            <ac:spMk id="2" creationId="{4405F524-1FE9-457E-A760-0FE7AD3A4729}"/>
-          </ac:spMkLst>
-        </pc:spChg>
-        <pc:spChg chg="add">
-          <ac:chgData name="도균 윤" userId="8a3b07cad855ff48" providerId="LiveId" clId="{886040D6-1D68-4BF4-B6AF-014E5E60BCF9}" dt="2018-12-10T18:47:00.649" v="4600"/>
-          <ac:spMkLst>
-            <pc:docMk/>
-            <pc:sldMk cId="0" sldId="271"/>
-            <ac:spMk id="2" creationId="{B076CF9C-755D-4308-B739-8ADC3747A213}"/>
-          </ac:spMkLst>
-        </pc:spChg>
-        <pc:spChg chg="add mod">
-          <ac:chgData name="도균 윤" userId="8a3b07cad855ff48" providerId="LiveId" clId="{886040D6-1D68-4BF4-B6AF-014E5E60BCF9}" dt="2018-12-09T13:14:06.742" v="2759"/>
-          <ac:spMkLst>
-            <pc:docMk/>
-            <pc:sldMk cId="0" sldId="271"/>
-            <ac:spMk id="9" creationId="{F6D4835E-9C56-4E65-B179-92412AF60D83}"/>
-          </ac:spMkLst>
-        </pc:spChg>
-        <pc:spChg chg="mod">
-          <ac:chgData name="도균 윤" userId="8a3b07cad855ff48" providerId="LiveId" clId="{886040D6-1D68-4BF4-B6AF-014E5E60BCF9}" dt="2018-12-08T16:07:13.021" v="493"/>
-          <ac:spMkLst>
-            <pc:docMk/>
-            <pc:sldMk cId="0" sldId="271"/>
-            <ac:spMk id="210" creationId="{00000000-0000-0000-0000-000000000000}"/>
-          </ac:spMkLst>
-        </pc:spChg>
-        <pc:spChg chg="mod">
-          <ac:chgData name="도균 윤" userId="8a3b07cad855ff48" providerId="LiveId" clId="{886040D6-1D68-4BF4-B6AF-014E5E60BCF9}" dt="2018-12-10T17:59:27.827" v="4051" actId="113"/>
-          <ac:spMkLst>
-            <pc:docMk/>
-            <pc:sldMk cId="0" sldId="271"/>
-            <ac:spMk id="211" creationId="{00000000-0000-0000-0000-000000000000}"/>
-          </ac:spMkLst>
-        </pc:spChg>
-        <pc:spChg chg="mod">
-          <ac:chgData name="도균 윤" userId="8a3b07cad855ff48" providerId="LiveId" clId="{886040D6-1D68-4BF4-B6AF-014E5E60BCF9}" dt="2018-12-10T16:50:03.339" v="3951" actId="14100"/>
-          <ac:spMkLst>
-            <pc:docMk/>
-            <pc:sldMk cId="0" sldId="271"/>
-            <ac:spMk id="212" creationId="{00000000-0000-0000-0000-000000000000}"/>
-          </ac:spMkLst>
-        </pc:spChg>
-        <pc:picChg chg="add mod">
-          <ac:chgData name="도균 윤" userId="8a3b07cad855ff48" providerId="LiveId" clId="{886040D6-1D68-4BF4-B6AF-014E5E60BCF9}" dt="2018-12-09T10:58:51.988" v="2275" actId="1582"/>
-          <ac:picMkLst>
-            <pc:docMk/>
-            <pc:sldMk cId="0" sldId="271"/>
-            <ac:picMk id="4" creationId="{9B4D273E-2099-4433-9355-C0D0E587E8C7}"/>
-          </ac:picMkLst>
-        </pc:picChg>
-        <pc:picChg chg="del mod">
-          <ac:chgData name="도균 윤" userId="8a3b07cad855ff48" providerId="LiveId" clId="{886040D6-1D68-4BF4-B6AF-014E5E60BCF9}" dt="2018-12-09T10:58:32.174" v="2269" actId="478"/>
-          <ac:picMkLst>
-            <pc:docMk/>
-            <pc:sldMk cId="0" sldId="271"/>
-            <ac:picMk id="213" creationId="{00000000-0000-0000-0000-000000000000}"/>
-          </ac:picMkLst>
-        </pc:picChg>
-      </pc:sldChg>
-      <pc:sldChg chg="addSp delSp modSp add modNotesTx">
-        <pc:chgData name="도균 윤" userId="8a3b07cad855ff48" providerId="LiveId" clId="{886040D6-1D68-4BF4-B6AF-014E5E60BCF9}" dt="2018-12-10T18:47:00.649" v="4600"/>
-        <pc:sldMkLst>
-          <pc:docMk/>
-          <pc:sldMk cId="0" sldId="272"/>
-        </pc:sldMkLst>
-        <pc:spChg chg="del">
-          <ac:chgData name="도균 윤" userId="8a3b07cad855ff48" providerId="LiveId" clId="{886040D6-1D68-4BF4-B6AF-014E5E60BCF9}" dt="2018-12-08T17:17:42.531" v="1432"/>
-          <ac:spMkLst>
-            <pc:docMk/>
-            <pc:sldMk cId="0" sldId="272"/>
-            <ac:spMk id="2" creationId="{7286D79D-682B-4216-A4BE-F2CFAA352A76}"/>
-          </ac:spMkLst>
-        </pc:spChg>
-        <pc:spChg chg="add">
-          <ac:chgData name="도균 윤" userId="8a3b07cad855ff48" providerId="LiveId" clId="{886040D6-1D68-4BF4-B6AF-014E5E60BCF9}" dt="2018-12-10T18:47:00.649" v="4600"/>
-          <ac:spMkLst>
-            <pc:docMk/>
-            <pc:sldMk cId="0" sldId="272"/>
-            <ac:spMk id="2" creationId="{A5F708A1-E742-4E7A-98D6-9DF0FF7F3E3D}"/>
-          </ac:spMkLst>
-        </pc:spChg>
-        <pc:spChg chg="add">
-          <ac:chgData name="도균 윤" userId="8a3b07cad855ff48" providerId="LiveId" clId="{886040D6-1D68-4BF4-B6AF-014E5E60BCF9}" dt="2018-12-09T13:14:09.200" v="2760"/>
-          <ac:spMkLst>
-            <pc:docMk/>
-            <pc:sldMk cId="0" sldId="272"/>
-            <ac:spMk id="9" creationId="{9FA32C0E-9393-4DE3-BAD0-5960D170137F}"/>
-          </ac:spMkLst>
-        </pc:spChg>
-        <pc:spChg chg="mod">
-          <ac:chgData name="도균 윤" userId="8a3b07cad855ff48" providerId="LiveId" clId="{886040D6-1D68-4BF4-B6AF-014E5E60BCF9}" dt="2018-12-08T16:04:21.311" v="472"/>
-          <ac:spMkLst>
-            <pc:docMk/>
-            <pc:sldMk cId="0" sldId="272"/>
-            <ac:spMk id="218" creationId="{00000000-0000-0000-0000-000000000000}"/>
-          </ac:spMkLst>
-        </pc:spChg>
-        <pc:spChg chg="mod">
-          <ac:chgData name="도균 윤" userId="8a3b07cad855ff48" providerId="LiveId" clId="{886040D6-1D68-4BF4-B6AF-014E5E60BCF9}" dt="2018-12-10T17:59:33.955" v="4052" actId="113"/>
-          <ac:spMkLst>
-            <pc:docMk/>
-            <pc:sldMk cId="0" sldId="272"/>
-            <ac:spMk id="219" creationId="{00000000-0000-0000-0000-000000000000}"/>
-          </ac:spMkLst>
-        </pc:spChg>
-        <pc:spChg chg="mod">
-          <ac:chgData name="도균 윤" userId="8a3b07cad855ff48" providerId="LiveId" clId="{886040D6-1D68-4BF4-B6AF-014E5E60BCF9}" dt="2018-12-10T18:01:21.705" v="4083"/>
-          <ac:spMkLst>
-            <pc:docMk/>
-            <pc:sldMk cId="0" sldId="272"/>
-            <ac:spMk id="220" creationId="{00000000-0000-0000-0000-000000000000}"/>
-          </ac:spMkLst>
-        </pc:spChg>
-        <pc:picChg chg="add mod">
-          <ac:chgData name="도균 윤" userId="8a3b07cad855ff48" providerId="LiveId" clId="{886040D6-1D68-4BF4-B6AF-014E5E60BCF9}" dt="2018-12-09T11:00:45.134" v="2289" actId="14100"/>
-          <ac:picMkLst>
-            <pc:docMk/>
-            <pc:sldMk cId="0" sldId="272"/>
-            <ac:picMk id="4" creationId="{00306515-6AAF-4E7D-8405-53D682357FDE}"/>
-          </ac:picMkLst>
-        </pc:picChg>
-        <pc:picChg chg="del mod">
-          <ac:chgData name="도균 윤" userId="8a3b07cad855ff48" providerId="LiveId" clId="{886040D6-1D68-4BF4-B6AF-014E5E60BCF9}" dt="2018-12-09T11:00:13.871" v="2280" actId="478"/>
-          <ac:picMkLst>
-            <pc:docMk/>
-            <pc:sldMk cId="0" sldId="272"/>
-            <ac:picMk id="221" creationId="{00000000-0000-0000-0000-000000000000}"/>
-          </ac:picMkLst>
-        </pc:picChg>
-      </pc:sldChg>
-      <pc:sldChg chg="addSp delSp modSp add">
-        <pc:chgData name="도균 윤" userId="8a3b07cad855ff48" providerId="LiveId" clId="{886040D6-1D68-4BF4-B6AF-014E5E60BCF9}" dt="2018-12-10T18:47:00.649" v="4600"/>
-        <pc:sldMkLst>
-          <pc:docMk/>
-          <pc:sldMk cId="0" sldId="273"/>
-        </pc:sldMkLst>
-        <pc:spChg chg="add">
-          <ac:chgData name="도균 윤" userId="8a3b07cad855ff48" providerId="LiveId" clId="{886040D6-1D68-4BF4-B6AF-014E5E60BCF9}" dt="2018-12-10T18:47:00.649" v="4600"/>
-          <ac:spMkLst>
-            <pc:docMk/>
-            <pc:sldMk cId="0" sldId="273"/>
-            <ac:spMk id="2" creationId="{B8F3033A-3020-4EDF-BD89-EC2CC3B7A8E3}"/>
-          </ac:spMkLst>
-        </pc:spChg>
-        <pc:spChg chg="del">
-          <ac:chgData name="도균 윤" userId="8a3b07cad855ff48" providerId="LiveId" clId="{886040D6-1D68-4BF4-B6AF-014E5E60BCF9}" dt="2018-12-08T17:17:42.531" v="1432"/>
-          <ac:spMkLst>
-            <pc:docMk/>
-            <pc:sldMk cId="0" sldId="273"/>
-            <ac:spMk id="10" creationId="{5C2E9C73-8C13-45D4-B931-734E147CDEF9}"/>
-          </ac:spMkLst>
-        </pc:spChg>
-        <pc:spChg chg="add">
-          <ac:chgData name="도균 윤" userId="8a3b07cad855ff48" providerId="LiveId" clId="{886040D6-1D68-4BF4-B6AF-014E5E60BCF9}" dt="2018-12-08T16:20:57.269" v="571"/>
-          <ac:spMkLst>
-            <pc:docMk/>
-            <pc:sldMk cId="0" sldId="273"/>
-            <ac:spMk id="23" creationId="{51933535-DE47-40E9-898E-A9D58179DAFA}"/>
-          </ac:spMkLst>
-        </pc:spChg>
-        <pc:spChg chg="mod">
-          <ac:chgData name="도균 윤" userId="8a3b07cad855ff48" providerId="LiveId" clId="{886040D6-1D68-4BF4-B6AF-014E5E60BCF9}" dt="2018-12-08T16:04:32.110" v="484" actId="20577"/>
-          <ac:spMkLst>
-            <pc:docMk/>
-            <pc:sldMk cId="0" sldId="273"/>
-            <ac:spMk id="227" creationId="{00000000-0000-0000-0000-000000000000}"/>
-          </ac:spMkLst>
-        </pc:spChg>
-        <pc:spChg chg="del">
-          <ac:chgData name="도균 윤" userId="8a3b07cad855ff48" providerId="LiveId" clId="{886040D6-1D68-4BF4-B6AF-014E5E60BCF9}" dt="2018-12-08T16:20:56.862" v="570" actId="478"/>
-          <ac:spMkLst>
-            <pc:docMk/>
-            <pc:sldMk cId="0" sldId="273"/>
-            <ac:spMk id="228" creationId="{00000000-0000-0000-0000-000000000000}"/>
-          </ac:spMkLst>
-        </pc:spChg>
-        <pc:spChg chg="mod">
-          <ac:chgData name="도균 윤" userId="8a3b07cad855ff48" providerId="LiveId" clId="{886040D6-1D68-4BF4-B6AF-014E5E60BCF9}" dt="2018-12-08T17:00:10.025" v="1300" actId="1076"/>
-          <ac:spMkLst>
-            <pc:docMk/>
-            <pc:sldMk cId="0" sldId="273"/>
-            <ac:spMk id="229" creationId="{00000000-0000-0000-0000-000000000000}"/>
-          </ac:spMkLst>
-        </pc:spChg>
-        <pc:spChg chg="mod">
-          <ac:chgData name="도균 윤" userId="8a3b07cad855ff48" providerId="LiveId" clId="{886040D6-1D68-4BF4-B6AF-014E5E60BCF9}" dt="2018-12-08T17:00:12.458" v="1301" actId="1076"/>
-          <ac:spMkLst>
-            <pc:docMk/>
-            <pc:sldMk cId="0" sldId="273"/>
-            <ac:spMk id="230" creationId="{00000000-0000-0000-0000-000000000000}"/>
-          </ac:spMkLst>
-        </pc:spChg>
-        <pc:spChg chg="del">
-          <ac:chgData name="도균 윤" userId="8a3b07cad855ff48" providerId="LiveId" clId="{886040D6-1D68-4BF4-B6AF-014E5E60BCF9}" dt="2018-12-08T16:18:15.438" v="522" actId="478"/>
-          <ac:spMkLst>
-            <pc:docMk/>
-            <pc:sldMk cId="0" sldId="273"/>
-            <ac:spMk id="231" creationId="{00000000-0000-0000-0000-000000000000}"/>
-          </ac:spMkLst>
-        </pc:spChg>
-        <pc:spChg chg="del">
-          <ac:chgData name="도균 윤" userId="8a3b07cad855ff48" providerId="LiveId" clId="{886040D6-1D68-4BF4-B6AF-014E5E60BCF9}" dt="2018-12-08T16:18:19.395" v="524" actId="478"/>
-          <ac:spMkLst>
-            <pc:docMk/>
-            <pc:sldMk cId="0" sldId="273"/>
-            <ac:spMk id="232" creationId="{00000000-0000-0000-0000-000000000000}"/>
-          </ac:spMkLst>
-        </pc:spChg>
-        <pc:spChg chg="del">
-          <ac:chgData name="도균 윤" userId="8a3b07cad855ff48" providerId="LiveId" clId="{886040D6-1D68-4BF4-B6AF-014E5E60BCF9}" dt="2018-12-08T16:18:17.226" v="523" actId="478"/>
-          <ac:spMkLst>
-            <pc:docMk/>
-            <pc:sldMk cId="0" sldId="273"/>
-            <ac:spMk id="233" creationId="{00000000-0000-0000-0000-000000000000}"/>
-          </ac:spMkLst>
-        </pc:spChg>
-        <pc:spChg chg="mod">
-          <ac:chgData name="도균 윤" userId="8a3b07cad855ff48" providerId="LiveId" clId="{886040D6-1D68-4BF4-B6AF-014E5E60BCF9}" dt="2018-12-08T17:00:04.194" v="1299" actId="1076"/>
-          <ac:spMkLst>
-            <pc:docMk/>
-            <pc:sldMk cId="0" sldId="273"/>
-            <ac:spMk id="234" creationId="{00000000-0000-0000-0000-000000000000}"/>
-          </ac:spMkLst>
-        </pc:spChg>
-        <pc:spChg chg="mod">
-          <ac:chgData name="도균 윤" userId="8a3b07cad855ff48" providerId="LiveId" clId="{886040D6-1D68-4BF4-B6AF-014E5E60BCF9}" dt="2018-12-08T16:17:54.573" v="519" actId="1582"/>
-          <ac:spMkLst>
-            <pc:docMk/>
-            <pc:sldMk cId="0" sldId="273"/>
-            <ac:spMk id="236" creationId="{00000000-0000-0000-0000-000000000000}"/>
-          </ac:spMkLst>
-        </pc:spChg>
-        <pc:spChg chg="mod">
-          <ac:chgData name="도균 윤" userId="8a3b07cad855ff48" providerId="LiveId" clId="{886040D6-1D68-4BF4-B6AF-014E5E60BCF9}" dt="2018-12-08T16:18:29.587" v="526" actId="1582"/>
-          <ac:spMkLst>
-            <pc:docMk/>
-            <pc:sldMk cId="0" sldId="273"/>
-            <ac:spMk id="237" creationId="{00000000-0000-0000-0000-000000000000}"/>
-          </ac:spMkLst>
-        </pc:spChg>
-        <pc:spChg chg="mod">
-          <ac:chgData name="도균 윤" userId="8a3b07cad855ff48" providerId="LiveId" clId="{886040D6-1D68-4BF4-B6AF-014E5E60BCF9}" dt="2018-12-08T16:18:04.266" v="520" actId="1582"/>
-          <ac:spMkLst>
-            <pc:docMk/>
-            <pc:sldMk cId="0" sldId="273"/>
-            <ac:spMk id="240" creationId="{00000000-0000-0000-0000-000000000000}"/>
-          </ac:spMkLst>
-        </pc:spChg>
-        <pc:picChg chg="add del">
-          <ac:chgData name="도균 윤" userId="8a3b07cad855ff48" providerId="LiveId" clId="{886040D6-1D68-4BF4-B6AF-014E5E60BCF9}" dt="2018-12-08T16:14:37.126" v="503"/>
-          <ac:picMkLst>
-            <pc:docMk/>
-            <pc:sldMk cId="0" sldId="273"/>
-            <ac:picMk id="2" creationId="{341221B1-847F-4DE3-A03F-5E5E1CEE7595}"/>
-          </ac:picMkLst>
-        </pc:picChg>
-        <pc:picChg chg="add mod ord">
-          <ac:chgData name="도균 윤" userId="8a3b07cad855ff48" providerId="LiveId" clId="{886040D6-1D68-4BF4-B6AF-014E5E60BCF9}" dt="2018-12-08T16:54:37.103" v="1200" actId="1582"/>
-          <ac:picMkLst>
-            <pc:docMk/>
-            <pc:sldMk cId="0" sldId="273"/>
-            <ac:picMk id="3" creationId="{21D6454C-ABFE-4C88-992A-F59A23B66E2B}"/>
-          </ac:picMkLst>
-        </pc:picChg>
-        <pc:picChg chg="add">
-          <ac:chgData name="도균 윤" userId="8a3b07cad855ff48" providerId="LiveId" clId="{886040D6-1D68-4BF4-B6AF-014E5E60BCF9}" dt="2018-12-08T16:14:33.149" v="501"/>
-          <ac:picMkLst>
-            <pc:docMk/>
-            <pc:sldMk cId="0" sldId="273"/>
-            <ac:picMk id="19" creationId="{F65B0E81-D931-47C0-B0D8-AF3F37646A9F}"/>
-          </ac:picMkLst>
-        </pc:picChg>
-        <pc:picChg chg="add del">
-          <ac:chgData name="도균 윤" userId="8a3b07cad855ff48" providerId="LiveId" clId="{886040D6-1D68-4BF4-B6AF-014E5E60BCF9}" dt="2018-12-08T16:16:49.468" v="505" actId="478"/>
-          <ac:picMkLst>
-            <pc:docMk/>
-            <pc:sldMk cId="0" sldId="273"/>
-            <ac:picMk id="226" creationId="{00000000-0000-0000-0000-000000000000}"/>
-          </ac:picMkLst>
-        </pc:picChg>
-        <pc:picChg chg="del">
-          <ac:chgData name="도균 윤" userId="8a3b07cad855ff48" providerId="LiveId" clId="{886040D6-1D68-4BF4-B6AF-014E5E60BCF9}" dt="2018-12-08T16:17:06.471" v="510" actId="478"/>
-          <ac:picMkLst>
-            <pc:docMk/>
-            <pc:sldMk cId="0" sldId="273"/>
-            <ac:picMk id="242" creationId="{00000000-0000-0000-0000-000000000000}"/>
-          </ac:picMkLst>
-        </pc:picChg>
-        <pc:cxnChg chg="mod">
-          <ac:chgData name="도균 윤" userId="8a3b07cad855ff48" providerId="LiveId" clId="{886040D6-1D68-4BF4-B6AF-014E5E60BCF9}" dt="2018-12-08T16:58:52.458" v="1231" actId="1076"/>
-          <ac:cxnSpMkLst>
-            <pc:docMk/>
-            <pc:sldMk cId="0" sldId="273"/>
-            <ac:cxnSpMk id="235" creationId="{00000000-0000-0000-0000-000000000000}"/>
-          </ac:cxnSpMkLst>
-        </pc:cxnChg>
-        <pc:cxnChg chg="mod">
-          <ac:chgData name="도균 윤" userId="8a3b07cad855ff48" providerId="LiveId" clId="{886040D6-1D68-4BF4-B6AF-014E5E60BCF9}" dt="2018-12-08T16:54:08.971" v="1191" actId="14100"/>
-          <ac:cxnSpMkLst>
-            <pc:docMk/>
-            <pc:sldMk cId="0" sldId="273"/>
-            <ac:cxnSpMk id="238" creationId="{00000000-0000-0000-0000-000000000000}"/>
-          </ac:cxnSpMkLst>
-        </pc:cxnChg>
-        <pc:cxnChg chg="mod">
-          <ac:chgData name="도균 윤" userId="8a3b07cad855ff48" providerId="LiveId" clId="{886040D6-1D68-4BF4-B6AF-014E5E60BCF9}" dt="2018-12-08T16:53:51.730" v="1188" actId="14100"/>
-          <ac:cxnSpMkLst>
-            <pc:docMk/>
-            <pc:sldMk cId="0" sldId="273"/>
-            <ac:cxnSpMk id="239" creationId="{00000000-0000-0000-0000-000000000000}"/>
-          </ac:cxnSpMkLst>
-        </pc:cxnChg>
-        <pc:cxnChg chg="mod">
-          <ac:chgData name="도균 윤" userId="8a3b07cad855ff48" providerId="LiveId" clId="{886040D6-1D68-4BF4-B6AF-014E5E60BCF9}" dt="2018-12-08T16:53:48.338" v="1187" actId="14100"/>
-          <ac:cxnSpMkLst>
-            <pc:docMk/>
-            <pc:sldMk cId="0" sldId="273"/>
-            <ac:cxnSpMk id="241" creationId="{00000000-0000-0000-0000-000000000000}"/>
-          </ac:cxnSpMkLst>
-        </pc:cxnChg>
-      </pc:sldChg>
-      <pc:sldChg chg="addSp delSp modSp add">
-        <pc:chgData name="도균 윤" userId="8a3b07cad855ff48" providerId="LiveId" clId="{886040D6-1D68-4BF4-B6AF-014E5E60BCF9}" dt="2018-12-10T18:47:00.649" v="4600"/>
-        <pc:sldMkLst>
-          <pc:docMk/>
-          <pc:sldMk cId="0" sldId="274"/>
-        </pc:sldMkLst>
-        <pc:spChg chg="add">
-          <ac:chgData name="도균 윤" userId="8a3b07cad855ff48" providerId="LiveId" clId="{886040D6-1D68-4BF4-B6AF-014E5E60BCF9}" dt="2018-12-10T18:47:00.649" v="4600"/>
-          <ac:spMkLst>
-            <pc:docMk/>
-            <pc:sldMk cId="0" sldId="274"/>
-            <ac:spMk id="2" creationId="{DDF45B99-5E15-4F31-8B86-02448EEE57A9}"/>
-          </ac:spMkLst>
-        </pc:spChg>
-        <pc:spChg chg="del">
-          <ac:chgData name="도균 윤" userId="8a3b07cad855ff48" providerId="LiveId" clId="{886040D6-1D68-4BF4-B6AF-014E5E60BCF9}" dt="2018-12-08T17:17:42.531" v="1432"/>
-          <ac:spMkLst>
-            <pc:docMk/>
-            <pc:sldMk cId="0" sldId="274"/>
-            <ac:spMk id="17" creationId="{D5083EA6-3E1B-43F6-AAF9-CFA9342DE2C9}"/>
-          </ac:spMkLst>
-        </pc:spChg>
-        <pc:spChg chg="mod">
-          <ac:chgData name="도균 윤" userId="8a3b07cad855ff48" providerId="LiveId" clId="{886040D6-1D68-4BF4-B6AF-014E5E60BCF9}" dt="2018-12-08T16:04:36.758" v="485"/>
-          <ac:spMkLst>
-            <pc:docMk/>
-            <pc:sldMk cId="0" sldId="274"/>
-            <ac:spMk id="247" creationId="{00000000-0000-0000-0000-000000000000}"/>
-          </ac:spMkLst>
-        </pc:spChg>
-        <pc:spChg chg="del">
-          <ac:chgData name="도균 윤" userId="8a3b07cad855ff48" providerId="LiveId" clId="{886040D6-1D68-4BF4-B6AF-014E5E60BCF9}" dt="2018-12-08T16:18:58.445" v="530" actId="478"/>
-          <ac:spMkLst>
-            <pc:docMk/>
-            <pc:sldMk cId="0" sldId="274"/>
-            <ac:spMk id="248" creationId="{00000000-0000-0000-0000-000000000000}"/>
-          </ac:spMkLst>
-        </pc:spChg>
-        <pc:spChg chg="mod">
-          <ac:chgData name="도균 윤" userId="8a3b07cad855ff48" providerId="LiveId" clId="{886040D6-1D68-4BF4-B6AF-014E5E60BCF9}" dt="2018-12-08T16:20:49.844" v="569" actId="14100"/>
-          <ac:spMkLst>
-            <pc:docMk/>
-            <pc:sldMk cId="0" sldId="274"/>
-            <ac:spMk id="250" creationId="{00000000-0000-0000-0000-000000000000}"/>
-          </ac:spMkLst>
-        </pc:spChg>
-        <pc:spChg chg="del">
-          <ac:chgData name="도균 윤" userId="8a3b07cad855ff48" providerId="LiveId" clId="{886040D6-1D68-4BF4-B6AF-014E5E60BCF9}" dt="2018-12-08T16:19:06.327" v="535" actId="478"/>
-          <ac:spMkLst>
-            <pc:docMk/>
-            <pc:sldMk cId="0" sldId="274"/>
-            <ac:spMk id="251" creationId="{00000000-0000-0000-0000-000000000000}"/>
-          </ac:spMkLst>
-        </pc:spChg>
-        <pc:spChg chg="del">
-          <ac:chgData name="도균 윤" userId="8a3b07cad855ff48" providerId="LiveId" clId="{886040D6-1D68-4BF4-B6AF-014E5E60BCF9}" dt="2018-12-08T16:19:05.070" v="534" actId="478"/>
-          <ac:spMkLst>
-            <pc:docMk/>
-            <pc:sldMk cId="0" sldId="274"/>
-            <ac:spMk id="252" creationId="{00000000-0000-0000-0000-000000000000}"/>
-          </ac:spMkLst>
-        </pc:spChg>
-        <pc:spChg chg="del">
-          <ac:chgData name="도균 윤" userId="8a3b07cad855ff48" providerId="LiveId" clId="{886040D6-1D68-4BF4-B6AF-014E5E60BCF9}" dt="2018-12-08T16:19:04.328" v="533" actId="478"/>
-          <ac:spMkLst>
-            <pc:docMk/>
-            <pc:sldMk cId="0" sldId="274"/>
-            <ac:spMk id="253" creationId="{00000000-0000-0000-0000-000000000000}"/>
-          </ac:spMkLst>
-        </pc:spChg>
-        <pc:spChg chg="mod">
-          <ac:chgData name="도균 윤" userId="8a3b07cad855ff48" providerId="LiveId" clId="{886040D6-1D68-4BF4-B6AF-014E5E60BCF9}" dt="2018-12-08T16:20:04.917" v="566" actId="1582"/>
-          <ac:spMkLst>
-            <pc:docMk/>
-            <pc:sldMk cId="0" sldId="274"/>
-            <ac:spMk id="254" creationId="{00000000-0000-0000-0000-000000000000}"/>
-          </ac:spMkLst>
-        </pc:spChg>
-        <pc:spChg chg="mod">
-          <ac:chgData name="도균 윤" userId="8a3b07cad855ff48" providerId="LiveId" clId="{886040D6-1D68-4BF4-B6AF-014E5E60BCF9}" dt="2018-12-09T14:34:33.236" v="3793" actId="1036"/>
-          <ac:spMkLst>
-            <pc:docMk/>
-            <pc:sldMk cId="0" sldId="274"/>
-            <ac:spMk id="256" creationId="{00000000-0000-0000-0000-000000000000}"/>
-          </ac:spMkLst>
-        </pc:spChg>
-        <pc:spChg chg="mod">
-          <ac:chgData name="도균 윤" userId="8a3b07cad855ff48" providerId="LiveId" clId="{886040D6-1D68-4BF4-B6AF-014E5E60BCF9}" dt="2018-12-08T16:22:52.266" v="606" actId="1582"/>
-          <ac:spMkLst>
-            <pc:docMk/>
-            <pc:sldMk cId="0" sldId="274"/>
-            <ac:spMk id="257" creationId="{00000000-0000-0000-0000-000000000000}"/>
-          </ac:spMkLst>
-        </pc:spChg>
-        <pc:spChg chg="mod">
-          <ac:chgData name="도균 윤" userId="8a3b07cad855ff48" providerId="LiveId" clId="{886040D6-1D68-4BF4-B6AF-014E5E60BCF9}" dt="2018-12-09T14:34:24.537" v="3791" actId="113"/>
-          <ac:spMkLst>
-            <pc:docMk/>
-            <pc:sldMk cId="0" sldId="274"/>
-            <ac:spMk id="261" creationId="{00000000-0000-0000-0000-000000000000}"/>
-          </ac:spMkLst>
-        </pc:spChg>
-        <pc:spChg chg="mod">
-          <ac:chgData name="도균 윤" userId="8a3b07cad855ff48" providerId="LiveId" clId="{886040D6-1D68-4BF4-B6AF-014E5E60BCF9}" dt="2018-12-08T16:21:11.985" v="572" actId="1582"/>
-          <ac:spMkLst>
-            <pc:docMk/>
-            <pc:sldMk cId="0" sldId="274"/>
-            <ac:spMk id="266" creationId="{00000000-0000-0000-0000-000000000000}"/>
-          </ac:spMkLst>
-        </pc:spChg>
-        <pc:spChg chg="mod">
-          <ac:chgData name="도균 윤" userId="8a3b07cad855ff48" providerId="LiveId" clId="{886040D6-1D68-4BF4-B6AF-014E5E60BCF9}" dt="2018-12-09T14:34:21.057" v="3790" actId="113"/>
-          <ac:spMkLst>
-            <pc:docMk/>
-            <pc:sldMk cId="0" sldId="274"/>
-            <ac:spMk id="267" creationId="{00000000-0000-0000-0000-000000000000}"/>
-          </ac:spMkLst>
-        </pc:spChg>
-        <pc:picChg chg="add del">
-          <ac:chgData name="도균 윤" userId="8a3b07cad855ff48" providerId="LiveId" clId="{886040D6-1D68-4BF4-B6AF-014E5E60BCF9}" dt="2018-12-08T16:18:55.037" v="529"/>
-          <ac:picMkLst>
-            <pc:docMk/>
-            <pc:sldMk cId="0" sldId="274"/>
-            <ac:picMk id="23" creationId="{47E19945-64E5-4262-B697-D1B24D939B11}"/>
-          </ac:picMkLst>
-        </pc:picChg>
-        <pc:picChg chg="add mod ord">
-          <ac:chgData name="도균 윤" userId="8a3b07cad855ff48" providerId="LiveId" clId="{886040D6-1D68-4BF4-B6AF-014E5E60BCF9}" dt="2018-12-08T16:54:42.516" v="1202" actId="1582"/>
-          <ac:picMkLst>
-            <pc:docMk/>
-            <pc:sldMk cId="0" sldId="274"/>
-            <ac:picMk id="24" creationId="{50929C1F-5BBD-45CB-AC93-28E131924A67}"/>
-          </ac:picMkLst>
-        </pc:picChg>
-        <pc:picChg chg="del">
-          <ac:chgData name="도균 윤" userId="8a3b07cad855ff48" providerId="LiveId" clId="{886040D6-1D68-4BF4-B6AF-014E5E60BCF9}" dt="2018-12-08T16:18:52.043" v="527" actId="478"/>
-          <ac:picMkLst>
-            <pc:docMk/>
-            <pc:sldMk cId="0" sldId="274"/>
-            <ac:picMk id="249" creationId="{00000000-0000-0000-0000-000000000000}"/>
-          </ac:picMkLst>
-        </pc:picChg>
-        <pc:picChg chg="del mod">
-          <ac:chgData name="도균 윤" userId="8a3b07cad855ff48" providerId="LiveId" clId="{886040D6-1D68-4BF4-B6AF-014E5E60BCF9}" dt="2018-12-08T16:55:08.744" v="1204" actId="478"/>
-          <ac:picMkLst>
-            <pc:docMk/>
-            <pc:sldMk cId="0" sldId="274"/>
-            <ac:picMk id="262" creationId="{00000000-0000-0000-0000-000000000000}"/>
-          </ac:picMkLst>
-        </pc:picChg>
-        <pc:cxnChg chg="mod">
-          <ac:chgData name="도균 윤" userId="8a3b07cad855ff48" providerId="LiveId" clId="{886040D6-1D68-4BF4-B6AF-014E5E60BCF9}" dt="2018-12-08T17:00:28.018" v="1303" actId="14100"/>
-          <ac:cxnSpMkLst>
-            <pc:docMk/>
-            <pc:sldMk cId="0" sldId="274"/>
-            <ac:cxnSpMk id="255" creationId="{00000000-0000-0000-0000-000000000000}"/>
-          </ac:cxnSpMkLst>
-        </pc:cxnChg>
-        <pc:cxnChg chg="mod">
-          <ac:chgData name="도균 윤" userId="8a3b07cad855ff48" providerId="LiveId" clId="{886040D6-1D68-4BF4-B6AF-014E5E60BCF9}" dt="2018-12-08T17:00:50.785" v="1314" actId="14100"/>
-          <ac:cxnSpMkLst>
-            <pc:docMk/>
-            <pc:sldMk cId="0" sldId="274"/>
-            <ac:cxnSpMk id="258" creationId="{00000000-0000-0000-0000-000000000000}"/>
-          </ac:cxnSpMkLst>
-        </pc:cxnChg>
-        <pc:cxnChg chg="mod">
-          <ac:chgData name="도균 윤" userId="8a3b07cad855ff48" providerId="LiveId" clId="{886040D6-1D68-4BF4-B6AF-014E5E60BCF9}" dt="2018-12-08T17:01:22.993" v="1315" actId="14100"/>
-          <ac:cxnSpMkLst>
-            <pc:docMk/>
-            <pc:sldMk cId="0" sldId="274"/>
-            <ac:cxnSpMk id="259" creationId="{00000000-0000-0000-0000-000000000000}"/>
-          </ac:cxnSpMkLst>
-        </pc:cxnChg>
-        <pc:cxnChg chg="mod">
-          <ac:chgData name="도균 윤" userId="8a3b07cad855ff48" providerId="LiveId" clId="{886040D6-1D68-4BF4-B6AF-014E5E60BCF9}" dt="2018-12-08T17:02:24.786" v="1337" actId="14100"/>
-          <ac:cxnSpMkLst>
-            <pc:docMk/>
-            <pc:sldMk cId="0" sldId="274"/>
-            <ac:cxnSpMk id="260" creationId="{00000000-0000-0000-0000-000000000000}"/>
-          </ac:cxnSpMkLst>
-        </pc:cxnChg>
-        <pc:cxnChg chg="mod">
-          <ac:chgData name="도균 윤" userId="8a3b07cad855ff48" providerId="LiveId" clId="{886040D6-1D68-4BF4-B6AF-014E5E60BCF9}" dt="2018-12-08T16:55:18.810" v="1205" actId="14100"/>
-          <ac:cxnSpMkLst>
-            <pc:docMk/>
-            <pc:sldMk cId="0" sldId="274"/>
-            <ac:cxnSpMk id="263" creationId="{00000000-0000-0000-0000-000000000000}"/>
-          </ac:cxnSpMkLst>
-        </pc:cxnChg>
-        <pc:cxnChg chg="mod">
-          <ac:chgData name="도균 윤" userId="8a3b07cad855ff48" providerId="LiveId" clId="{886040D6-1D68-4BF4-B6AF-014E5E60BCF9}" dt="2018-12-08T16:21:31.029" v="576" actId="1582"/>
-          <ac:cxnSpMkLst>
-            <pc:docMk/>
-            <pc:sldMk cId="0" sldId="274"/>
-            <ac:cxnSpMk id="264" creationId="{00000000-0000-0000-0000-000000000000}"/>
-          </ac:cxnSpMkLst>
-        </pc:cxnChg>
-        <pc:cxnChg chg="mod">
-          <ac:chgData name="도균 윤" userId="8a3b07cad855ff48" providerId="LiveId" clId="{886040D6-1D68-4BF4-B6AF-014E5E60BCF9}" dt="2018-12-08T17:02:31.041" v="1338" actId="14100"/>
-          <ac:cxnSpMkLst>
-            <pc:docMk/>
-            <pc:sldMk cId="0" sldId="274"/>
-            <ac:cxnSpMk id="265" creationId="{00000000-0000-0000-0000-000000000000}"/>
-          </ac:cxnSpMkLst>
-        </pc:cxnChg>
-      </pc:sldChg>
-      <pc:sldChg chg="addSp delSp modSp add del">
-        <pc:chgData name="도균 윤" userId="8a3b07cad855ff48" providerId="LiveId" clId="{886040D6-1D68-4BF4-B6AF-014E5E60BCF9}" dt="2018-12-10T18:17:40.558" v="4182" actId="2696"/>
-        <pc:sldMkLst>
-          <pc:docMk/>
-          <pc:sldMk cId="0" sldId="275"/>
-        </pc:sldMkLst>
-        <pc:spChg chg="del">
-          <ac:chgData name="도균 윤" userId="8a3b07cad855ff48" providerId="LiveId" clId="{886040D6-1D68-4BF4-B6AF-014E5E60BCF9}" dt="2018-12-08T17:17:42.531" v="1432"/>
-          <ac:spMkLst>
-            <pc:docMk/>
-            <pc:sldMk cId="0" sldId="275"/>
-            <ac:spMk id="4" creationId="{AEAFA38D-8AA0-4FF4-B9EA-40F880A395E8}"/>
-          </ac:spMkLst>
-        </pc:spChg>
-        <pc:spChg chg="mod">
-          <ac:chgData name="도균 윤" userId="8a3b07cad855ff48" providerId="LiveId" clId="{886040D6-1D68-4BF4-B6AF-014E5E60BCF9}" dt="2018-12-08T16:53:14.483" v="1180" actId="12"/>
-          <ac:spMkLst>
-            <pc:docMk/>
-            <pc:sldMk cId="0" sldId="275"/>
-            <ac:spMk id="273" creationId="{00000000-0000-0000-0000-000000000000}"/>
-          </ac:spMkLst>
-        </pc:spChg>
-        <pc:graphicFrameChg chg="add del mod modGraphic">
-          <ac:chgData name="도균 윤" userId="8a3b07cad855ff48" providerId="LiveId" clId="{886040D6-1D68-4BF4-B6AF-014E5E60BCF9}" dt="2018-12-08T16:05:58.774" v="491" actId="478"/>
-          <ac:graphicFrameMkLst>
-            <pc:docMk/>
-            <pc:sldMk cId="0" sldId="275"/>
-            <ac:graphicFrameMk id="3" creationId="{06EDFFDD-7799-4D7E-BCD6-A8AD454B030F}"/>
-          </ac:graphicFrameMkLst>
-        </pc:graphicFrameChg>
-      </pc:sldChg>
-      <pc:sldChg chg="addSp delSp modSp add del">
-        <pc:chgData name="도균 윤" userId="8a3b07cad855ff48" providerId="LiveId" clId="{886040D6-1D68-4BF4-B6AF-014E5E60BCF9}" dt="2018-12-10T18:17:39.609" v="4181" actId="2696"/>
-        <pc:sldMkLst>
-          <pc:docMk/>
-          <pc:sldMk cId="0" sldId="276"/>
-        </pc:sldMkLst>
-        <pc:spChg chg="del">
-          <ac:chgData name="도균 윤" userId="8a3b07cad855ff48" providerId="LiveId" clId="{886040D6-1D68-4BF4-B6AF-014E5E60BCF9}" dt="2018-12-08T17:17:42.531" v="1432"/>
-          <ac:spMkLst>
-            <pc:docMk/>
-            <pc:sldMk cId="0" sldId="276"/>
-            <ac:spMk id="4" creationId="{88FB87ED-D487-4276-979F-CF1454F1AC45}"/>
-          </ac:spMkLst>
-        </pc:spChg>
-        <pc:spChg chg="mod">
-          <ac:chgData name="도균 윤" userId="8a3b07cad855ff48" providerId="LiveId" clId="{886040D6-1D68-4BF4-B6AF-014E5E60BCF9}" dt="2018-12-08T16:53:16.515" v="1182" actId="12"/>
-          <ac:spMkLst>
-            <pc:docMk/>
-            <pc:sldMk cId="0" sldId="276"/>
-            <ac:spMk id="279" creationId="{00000000-0000-0000-0000-000000000000}"/>
-          </ac:spMkLst>
-        </pc:spChg>
-        <pc:graphicFrameChg chg="add del modGraphic">
-          <ac:chgData name="도균 윤" userId="8a3b07cad855ff48" providerId="LiveId" clId="{886040D6-1D68-4BF4-B6AF-014E5E60BCF9}" dt="2018-12-08T16:06:00.158" v="492" actId="478"/>
-          <ac:graphicFrameMkLst>
-            <pc:docMk/>
-            <pc:sldMk cId="0" sldId="276"/>
-            <ac:graphicFrameMk id="3" creationId="{A2CC0246-B43D-48B1-B401-44E001E91FF0}"/>
-          </ac:graphicFrameMkLst>
-        </pc:graphicFrameChg>
-      </pc:sldChg>
-      <pc:sldChg chg="addSp delSp modSp add">
-        <pc:chgData name="도균 윤" userId="8a3b07cad855ff48" providerId="LiveId" clId="{886040D6-1D68-4BF4-B6AF-014E5E60BCF9}" dt="2018-12-10T18:47:00.649" v="4600"/>
-        <pc:sldMkLst>
-          <pc:docMk/>
-          <pc:sldMk cId="0" sldId="277"/>
-        </pc:sldMkLst>
-        <pc:spChg chg="add mod">
-          <ac:chgData name="도균 윤" userId="8a3b07cad855ff48" providerId="LiveId" clId="{886040D6-1D68-4BF4-B6AF-014E5E60BCF9}" dt="2018-12-10T18:36:06.575" v="4369" actId="1076"/>
-          <ac:spMkLst>
-            <pc:docMk/>
-            <pc:sldMk cId="0" sldId="277"/>
-            <ac:spMk id="2" creationId="{C814B6F9-3D92-435A-B056-C4F751C5B4D2}"/>
-          </ac:spMkLst>
-        </pc:spChg>
-        <pc:spChg chg="del">
-          <ac:chgData name="도균 윤" userId="8a3b07cad855ff48" providerId="LiveId" clId="{886040D6-1D68-4BF4-B6AF-014E5E60BCF9}" dt="2018-12-08T17:17:42.531" v="1432"/>
-          <ac:spMkLst>
-            <pc:docMk/>
-            <pc:sldMk cId="0" sldId="277"/>
-            <ac:spMk id="2" creationId="{F6944D23-A2AC-4167-BD56-FF9BB40143BB}"/>
-          </ac:spMkLst>
-        </pc:spChg>
-        <pc:spChg chg="add mod">
-          <ac:chgData name="도균 윤" userId="8a3b07cad855ff48" providerId="LiveId" clId="{886040D6-1D68-4BF4-B6AF-014E5E60BCF9}" dt="2018-12-10T18:36:34.988" v="4401" actId="20577"/>
-          <ac:spMkLst>
-            <pc:docMk/>
-            <pc:sldMk cId="0" sldId="277"/>
-            <ac:spMk id="3" creationId="{281A6F39-AC35-45CE-A56E-01F2DF6708FD}"/>
-          </ac:spMkLst>
-        </pc:spChg>
-        <pc:spChg chg="add mod">
-          <ac:chgData name="도균 윤" userId="8a3b07cad855ff48" providerId="LiveId" clId="{886040D6-1D68-4BF4-B6AF-014E5E60BCF9}" dt="2018-12-10T18:36:37.098" v="4403" actId="20577"/>
-          <ac:spMkLst>
-            <pc:docMk/>
-            <pc:sldMk cId="0" sldId="277"/>
-            <ac:spMk id="4" creationId="{CDA37466-F8BE-4710-8E5C-151755563ACA}"/>
-          </ac:spMkLst>
-        </pc:spChg>
-        <pc:spChg chg="add mod">
-          <ac:chgData name="도균 윤" userId="8a3b07cad855ff48" providerId="LiveId" clId="{886040D6-1D68-4BF4-B6AF-014E5E60BCF9}" dt="2018-12-10T18:36:08.520" v="4370" actId="1076"/>
-          <ac:spMkLst>
-            <pc:docMk/>
-            <pc:sldMk cId="0" sldId="277"/>
-            <ac:spMk id="5" creationId="{39C838FF-0CE8-40B9-BC12-749C59CD77F9}"/>
-          </ac:spMkLst>
-        </pc:spChg>
-        <pc:spChg chg="add mod">
-          <ac:chgData name="도균 윤" userId="8a3b07cad855ff48" providerId="LiveId" clId="{886040D6-1D68-4BF4-B6AF-014E5E60BCF9}" dt="2018-12-10T18:38:33.591" v="4454" actId="1582"/>
-          <ac:spMkLst>
-            <pc:docMk/>
-            <pc:sldMk cId="0" sldId="277"/>
-            <ac:spMk id="6" creationId="{4672ECCF-5959-4973-AB28-3C7D5E2776E3}"/>
-          </ac:spMkLst>
-        </pc:spChg>
-        <pc:spChg chg="add del mod">
-          <ac:chgData name="도균 윤" userId="8a3b07cad855ff48" providerId="LiveId" clId="{886040D6-1D68-4BF4-B6AF-014E5E60BCF9}" dt="2018-12-10T18:37:26.932" v="4425" actId="11529"/>
-          <ac:spMkLst>
-            <pc:docMk/>
-            <pc:sldMk cId="0" sldId="277"/>
-            <ac:spMk id="7" creationId="{7C0D29F9-91EE-499E-9964-47E06FEC2E87}"/>
-          </ac:spMkLst>
-        </pc:spChg>
-        <pc:spChg chg="add">
-          <ac:chgData name="도균 윤" userId="8a3b07cad855ff48" providerId="LiveId" clId="{886040D6-1D68-4BF4-B6AF-014E5E60BCF9}" dt="2018-12-10T18:47:00.649" v="4600"/>
-          <ac:spMkLst>
-            <pc:docMk/>
-            <pc:sldMk cId="0" sldId="277"/>
-            <ac:spMk id="8" creationId="{76DA9E73-BDE0-4512-9CC8-650E0CA0803F}"/>
-          </ac:spMkLst>
-        </pc:spChg>
-        <pc:spChg chg="add mod">
-          <ac:chgData name="도균 윤" userId="8a3b07cad855ff48" providerId="LiveId" clId="{886040D6-1D68-4BF4-B6AF-014E5E60BCF9}" dt="2018-12-10T18:38:33.591" v="4454" actId="1582"/>
-          <ac:spMkLst>
-            <pc:docMk/>
-            <pc:sldMk cId="0" sldId="277"/>
-            <ac:spMk id="10" creationId="{9EEE7643-8297-43E3-9954-9F2F5EEA63DD}"/>
-          </ac:spMkLst>
-        </pc:spChg>
-        <pc:spChg chg="add mod">
-          <ac:chgData name="도균 윤" userId="8a3b07cad855ff48" providerId="LiveId" clId="{886040D6-1D68-4BF4-B6AF-014E5E60BCF9}" dt="2018-12-10T18:38:33.591" v="4454" actId="1582"/>
-          <ac:spMkLst>
-            <pc:docMk/>
-            <pc:sldMk cId="0" sldId="277"/>
-            <ac:spMk id="11" creationId="{1DA43143-9F69-4EE0-82A3-3EEF77BB539D}"/>
-          </ac:spMkLst>
-        </pc:spChg>
-        <pc:spChg chg="del mod">
-          <ac:chgData name="도균 윤" userId="8a3b07cad855ff48" providerId="LiveId" clId="{886040D6-1D68-4BF4-B6AF-014E5E60BCF9}" dt="2018-12-10T18:33:17.489" v="4342" actId="478"/>
-          <ac:spMkLst>
-            <pc:docMk/>
-            <pc:sldMk cId="0" sldId="277"/>
-            <ac:spMk id="285" creationId="{00000000-0000-0000-0000-000000000000}"/>
-          </ac:spMkLst>
-        </pc:spChg>
-      </pc:sldChg>
-      <pc:sldChg chg="addSp delSp modSp add mod setBg setClrOvrMap">
-        <pc:chgData name="도균 윤" userId="8a3b07cad855ff48" providerId="LiveId" clId="{886040D6-1D68-4BF4-B6AF-014E5E60BCF9}" dt="2018-12-10T18:47:00.649" v="4600"/>
-        <pc:sldMkLst>
-          <pc:docMk/>
-          <pc:sldMk cId="0" sldId="278"/>
-        </pc:sldMkLst>
-        <pc:spChg chg="del">
-          <ac:chgData name="도균 윤" userId="8a3b07cad855ff48" providerId="LiveId" clId="{886040D6-1D68-4BF4-B6AF-014E5E60BCF9}" dt="2018-12-08T17:17:42.531" v="1432"/>
-          <ac:spMkLst>
-            <pc:docMk/>
-            <pc:sldMk cId="0" sldId="278"/>
-            <ac:spMk id="2" creationId="{27F545EB-1987-485D-B0A2-DDEED389DC73}"/>
-          </ac:spMkLst>
-        </pc:spChg>
-        <pc:spChg chg="add del mod">
-          <ac:chgData name="도균 윤" userId="8a3b07cad855ff48" providerId="LiveId" clId="{886040D6-1D68-4BF4-B6AF-014E5E60BCF9}" dt="2018-12-10T17:25:17.463" v="3973" actId="478"/>
-          <ac:spMkLst>
-            <pc:docMk/>
-            <pc:sldMk cId="0" sldId="278"/>
-            <ac:spMk id="5" creationId="{7B9F156A-BFE6-4300-A9AA-75B89E5B4F7D}"/>
-          </ac:spMkLst>
-        </pc:spChg>
-        <pc:spChg chg="add">
-          <ac:chgData name="도균 윤" userId="8a3b07cad855ff48" providerId="LiveId" clId="{886040D6-1D68-4BF4-B6AF-014E5E60BCF9}" dt="2018-12-10T18:47:00.649" v="4600"/>
-          <ac:spMkLst>
-            <pc:docMk/>
-            <pc:sldMk cId="0" sldId="278"/>
-            <ac:spMk id="7" creationId="{75D05A81-D74D-4C76-BA5F-14830C403FFC}"/>
-          </ac:spMkLst>
-        </pc:spChg>
-        <pc:spChg chg="add del">
-          <ac:chgData name="도균 윤" userId="8a3b07cad855ff48" providerId="LiveId" clId="{886040D6-1D68-4BF4-B6AF-014E5E60BCF9}" dt="2018-12-10T17:37:38.344" v="3984" actId="26606"/>
-          <ac:spMkLst>
-            <pc:docMk/>
-            <pc:sldMk cId="0" sldId="278"/>
-            <ac:spMk id="103" creationId="{133F8CB7-795C-4272-9073-64D8CF97F220}"/>
-          </ac:spMkLst>
-        </pc:spChg>
-        <pc:spChg chg="add del">
-          <ac:chgData name="도균 윤" userId="8a3b07cad855ff48" providerId="LiveId" clId="{886040D6-1D68-4BF4-B6AF-014E5E60BCF9}" dt="2018-12-10T17:37:38.344" v="3984" actId="26606"/>
-          <ac:spMkLst>
-            <pc:docMk/>
-            <pc:sldMk cId="0" sldId="278"/>
-            <ac:spMk id="105" creationId="{F611655D-86DD-44E5-9999-B2135809D20A}"/>
-          </ac:spMkLst>
-        </pc:spChg>
-        <pc:spChg chg="add del">
-          <ac:chgData name="도균 윤" userId="8a3b07cad855ff48" providerId="LiveId" clId="{886040D6-1D68-4BF4-B6AF-014E5E60BCF9}" dt="2018-12-10T17:37:38.344" v="3984" actId="26606"/>
-          <ac:spMkLst>
-            <pc:docMk/>
-            <pc:sldMk cId="0" sldId="278"/>
-            <ac:spMk id="107" creationId="{11443580-A880-4C5F-9EB1-FC254EC650C1}"/>
-          </ac:spMkLst>
-        </pc:spChg>
-        <pc:spChg chg="add del">
-          <ac:chgData name="도균 윤" userId="8a3b07cad855ff48" providerId="LiveId" clId="{886040D6-1D68-4BF4-B6AF-014E5E60BCF9}" dt="2018-12-10T17:38:05.653" v="3987" actId="26606"/>
-          <ac:spMkLst>
-            <pc:docMk/>
-            <pc:sldMk cId="0" sldId="278"/>
-            <ac:spMk id="109" creationId="{CC57EF5B-92B7-4D8A-82DE-4665F89A21C0}"/>
-          </ac:spMkLst>
-        </pc:spChg>
-        <pc:spChg chg="mod">
-          <ac:chgData name="도균 윤" userId="8a3b07cad855ff48" providerId="LiveId" clId="{886040D6-1D68-4BF4-B6AF-014E5E60BCF9}" dt="2018-12-10T17:38:11.706" v="3992" actId="26606"/>
-          <ac:spMkLst>
-            <pc:docMk/>
-            <pc:sldMk cId="0" sldId="278"/>
-            <ac:spMk id="290" creationId="{00000000-0000-0000-0000-000000000000}"/>
-          </ac:spMkLst>
-        </pc:spChg>
-        <pc:spChg chg="del mod">
-          <ac:chgData name="도균 윤" userId="8a3b07cad855ff48" providerId="LiveId" clId="{886040D6-1D68-4BF4-B6AF-014E5E60BCF9}" dt="2018-12-10T17:25:15.287" v="3972" actId="478"/>
-          <ac:spMkLst>
-            <pc:docMk/>
-            <pc:sldMk cId="0" sldId="278"/>
-            <ac:spMk id="291" creationId="{00000000-0000-0000-0000-000000000000}"/>
-          </ac:spMkLst>
-        </pc:spChg>
-        <pc:spChg chg="add del">
-          <ac:chgData name="도균 윤" userId="8a3b07cad855ff48" providerId="LiveId" clId="{886040D6-1D68-4BF4-B6AF-014E5E60BCF9}" dt="2018-12-10T17:38:11.706" v="3992" actId="26606"/>
-          <ac:spMkLst>
-            <pc:docMk/>
-            <pc:sldMk cId="0" sldId="278"/>
-            <ac:spMk id="292" creationId="{133F8CB7-795C-4272-9073-64D8CF97F220}"/>
-          </ac:spMkLst>
-        </pc:spChg>
-        <pc:spChg chg="add del">
-          <ac:chgData name="도균 윤" userId="8a3b07cad855ff48" providerId="LiveId" clId="{886040D6-1D68-4BF4-B6AF-014E5E60BCF9}" dt="2018-12-10T17:38:11.706" v="3992" actId="26606"/>
-          <ac:spMkLst>
-            <pc:docMk/>
-            <pc:sldMk cId="0" sldId="278"/>
-            <ac:spMk id="293" creationId="{F611655D-86DD-44E5-9999-B2135809D20A}"/>
-          </ac:spMkLst>
-        </pc:spChg>
-        <pc:spChg chg="add del">
-          <ac:chgData name="도균 윤" userId="8a3b07cad855ff48" providerId="LiveId" clId="{886040D6-1D68-4BF4-B6AF-014E5E60BCF9}" dt="2018-12-10T17:38:11.706" v="3992" actId="26606"/>
-          <ac:spMkLst>
-            <pc:docMk/>
-            <pc:sldMk cId="0" sldId="278"/>
-            <ac:spMk id="294" creationId="{11443580-A880-4C5F-9EB1-FC254EC650C1}"/>
-          </ac:spMkLst>
-        </pc:spChg>
-        <pc:spChg chg="add del">
-          <ac:chgData name="도균 윤" userId="8a3b07cad855ff48" providerId="LiveId" clId="{886040D6-1D68-4BF4-B6AF-014E5E60BCF9}" dt="2018-12-10T17:38:05.653" v="3987" actId="26606"/>
-          <ac:spMkLst>
-            <pc:docMk/>
-            <pc:sldMk cId="0" sldId="278"/>
-            <ac:spMk id="296" creationId="{133F8CB7-795C-4272-9073-64D8CF97F220}"/>
-          </ac:spMkLst>
-        </pc:spChg>
-        <pc:spChg chg="add del">
-          <ac:chgData name="도균 윤" userId="8a3b07cad855ff48" providerId="LiveId" clId="{886040D6-1D68-4BF4-B6AF-014E5E60BCF9}" dt="2018-12-10T17:38:09.500" v="3989" actId="26606"/>
-          <ac:spMkLst>
-            <pc:docMk/>
-            <pc:sldMk cId="0" sldId="278"/>
-            <ac:spMk id="298" creationId="{133F8CB7-795C-4272-9073-64D8CF97F220}"/>
-          </ac:spMkLst>
-        </pc:spChg>
-        <pc:spChg chg="add del">
-          <ac:chgData name="도균 윤" userId="8a3b07cad855ff48" providerId="LiveId" clId="{886040D6-1D68-4BF4-B6AF-014E5E60BCF9}" dt="2018-12-10T17:38:09.500" v="3989" actId="26606"/>
-          <ac:spMkLst>
-            <pc:docMk/>
-            <pc:sldMk cId="0" sldId="278"/>
-            <ac:spMk id="299" creationId="{9610F818-219E-491F-887F-B078103BA2B4}"/>
-          </ac:spMkLst>
-        </pc:spChg>
-        <pc:spChg chg="add del">
-          <ac:chgData name="도균 윤" userId="8a3b07cad855ff48" providerId="LiveId" clId="{886040D6-1D68-4BF4-B6AF-014E5E60BCF9}" dt="2018-12-10T17:38:09.500" v="3989" actId="26606"/>
-          <ac:spMkLst>
-            <pc:docMk/>
-            <pc:sldMk cId="0" sldId="278"/>
-            <ac:spMk id="300" creationId="{5A086AAD-1108-41EB-A7C9-5E22CA942EB2}"/>
-          </ac:spMkLst>
-        </pc:spChg>
-        <pc:spChg chg="add del">
-          <ac:chgData name="도균 윤" userId="8a3b07cad855ff48" providerId="LiveId" clId="{886040D6-1D68-4BF4-B6AF-014E5E60BCF9}" dt="2018-12-10T17:38:10.528" v="3991" actId="26606"/>
-          <ac:spMkLst>
-            <pc:docMk/>
-            <pc:sldMk cId="0" sldId="278"/>
-            <ac:spMk id="302" creationId="{133F8CB7-795C-4272-9073-64D8CF97F220}"/>
-          </ac:spMkLst>
-        </pc:spChg>
-        <pc:spChg chg="add del">
-          <ac:chgData name="도균 윤" userId="8a3b07cad855ff48" providerId="LiveId" clId="{886040D6-1D68-4BF4-B6AF-014E5E60BCF9}" dt="2018-12-10T17:38:10.528" v="3991" actId="26606"/>
-          <ac:spMkLst>
-            <pc:docMk/>
-            <pc:sldMk cId="0" sldId="278"/>
-            <ac:spMk id="303" creationId="{F611655D-86DD-44E5-9999-B2135809D20A}"/>
-          </ac:spMkLst>
-        </pc:spChg>
-        <pc:spChg chg="add del">
-          <ac:chgData name="도균 윤" userId="8a3b07cad855ff48" providerId="LiveId" clId="{886040D6-1D68-4BF4-B6AF-014E5E60BCF9}" dt="2018-12-10T17:38:10.528" v="3991" actId="26606"/>
-          <ac:spMkLst>
-            <pc:docMk/>
-            <pc:sldMk cId="0" sldId="278"/>
-            <ac:spMk id="304" creationId="{11443580-A880-4C5F-9EB1-FC254EC650C1}"/>
-          </ac:spMkLst>
-        </pc:spChg>
-        <pc:grpChg chg="add del">
-          <ac:chgData name="도균 윤" userId="8a3b07cad855ff48" providerId="LiveId" clId="{886040D6-1D68-4BF4-B6AF-014E5E60BCF9}" dt="2018-12-10T17:38:05.653" v="3987" actId="26606"/>
-          <ac:grpSpMkLst>
-            <pc:docMk/>
-            <pc:sldMk cId="0" sldId="278"/>
-            <ac:grpSpMk id="111" creationId="{3A4AC0CC-D5D6-4673-B926-3E826AAA752B}"/>
-          </ac:grpSpMkLst>
-        </pc:grpChg>
-        <pc:graphicFrameChg chg="add del mod modGraphic">
-          <ac:chgData name="도균 윤" userId="8a3b07cad855ff48" providerId="LiveId" clId="{886040D6-1D68-4BF4-B6AF-014E5E60BCF9}" dt="2018-12-10T17:23:04.199" v="3968"/>
-          <ac:graphicFrameMkLst>
-            <pc:docMk/>
-            <pc:sldMk cId="0" sldId="278"/>
-            <ac:graphicFrameMk id="2" creationId="{5BC10D22-4A5B-4BD9-A691-64BE3F3004AA}"/>
-          </ac:graphicFrameMkLst>
-        </pc:graphicFrameChg>
-        <pc:picChg chg="add del mod">
-          <ac:chgData name="도균 윤" userId="8a3b07cad855ff48" providerId="LiveId" clId="{886040D6-1D68-4BF4-B6AF-014E5E60BCF9}" dt="2018-12-10T17:30:12.294" v="3977" actId="478"/>
-          <ac:picMkLst>
-            <pc:docMk/>
-            <pc:sldMk cId="0" sldId="278"/>
-            <ac:picMk id="3" creationId="{96D7DC9F-054A-45E8-B019-DBACDB70EE9B}"/>
-          </ac:picMkLst>
-        </pc:picChg>
-        <pc:picChg chg="add mod">
-          <ac:chgData name="도균 윤" userId="8a3b07cad855ff48" providerId="LiveId" clId="{886040D6-1D68-4BF4-B6AF-014E5E60BCF9}" dt="2018-12-10T17:38:11.706" v="3992" actId="26606"/>
-          <ac:picMkLst>
-            <pc:docMk/>
-            <pc:sldMk cId="0" sldId="278"/>
-            <ac:picMk id="6" creationId="{E18EE494-DEFD-4D97-83CF-5AB1D59D77A6}"/>
-          </ac:picMkLst>
-        </pc:picChg>
-      </pc:sldChg>
-      <pc:sldChg chg="addSp modSp add mod setBg">
-        <pc:chgData name="도균 윤" userId="8a3b07cad855ff48" providerId="LiveId" clId="{886040D6-1D68-4BF4-B6AF-014E5E60BCF9}" dt="2018-12-10T18:47:00.649" v="4600"/>
-        <pc:sldMkLst>
-          <pc:docMk/>
-          <pc:sldMk cId="480094586" sldId="279"/>
-        </pc:sldMkLst>
-        <pc:spChg chg="mod">
-          <ac:chgData name="도균 윤" userId="8a3b07cad855ff48" providerId="LiveId" clId="{886040D6-1D68-4BF4-B6AF-014E5E60BCF9}" dt="2018-12-10T18:15:32.470" v="4159" actId="26606"/>
-          <ac:spMkLst>
-            <pc:docMk/>
-            <pc:sldMk cId="480094586" sldId="279"/>
-            <ac:spMk id="2" creationId="{A3535D95-C430-4AA5-9776-9A8F5B27BA13}"/>
-          </ac:spMkLst>
-        </pc:spChg>
-        <pc:spChg chg="mod">
-          <ac:chgData name="도균 윤" userId="8a3b07cad855ff48" providerId="LiveId" clId="{886040D6-1D68-4BF4-B6AF-014E5E60BCF9}" dt="2018-12-10T18:25:21.401" v="4294"/>
-          <ac:spMkLst>
-            <pc:docMk/>
-            <pc:sldMk cId="480094586" sldId="279"/>
-            <ac:spMk id="3" creationId="{FE07282D-70E7-43DB-821F-1BEFB71814C2}"/>
-          </ac:spMkLst>
-        </pc:spChg>
-        <pc:spChg chg="add">
-          <ac:chgData name="도균 윤" userId="8a3b07cad855ff48" providerId="LiveId" clId="{886040D6-1D68-4BF4-B6AF-014E5E60BCF9}" dt="2018-12-10T18:47:00.649" v="4600"/>
-          <ac:spMkLst>
-            <pc:docMk/>
-            <pc:sldMk cId="480094586" sldId="279"/>
-            <ac:spMk id="7" creationId="{ABABBE1D-E812-472E-ABB7-929312A27EB5}"/>
-          </ac:spMkLst>
-        </pc:spChg>
-        <pc:picChg chg="add mod">
-          <ac:chgData name="도균 윤" userId="8a3b07cad855ff48" providerId="LiveId" clId="{886040D6-1D68-4BF4-B6AF-014E5E60BCF9}" dt="2018-12-10T18:17:24.632" v="4177" actId="1076"/>
-          <ac:picMkLst>
-            <pc:docMk/>
-            <pc:sldMk cId="480094586" sldId="279"/>
-            <ac:picMk id="5" creationId="{F0A56737-B7AE-4206-A72F-288B64F5205C}"/>
-          </ac:picMkLst>
-        </pc:picChg>
-        <pc:picChg chg="add mod">
-          <ac:chgData name="도균 윤" userId="8a3b07cad855ff48" providerId="LiveId" clId="{886040D6-1D68-4BF4-B6AF-014E5E60BCF9}" dt="2018-12-10T18:17:30.281" v="4180" actId="1076"/>
-          <ac:picMkLst>
-            <pc:docMk/>
-            <pc:sldMk cId="480094586" sldId="279"/>
-            <ac:picMk id="6" creationId="{0DFDC646-8F1F-4466-B076-25C7B420AE49}"/>
-          </ac:picMkLst>
-        </pc:picChg>
-      </pc:sldChg>
-      <pc:sldChg chg="addSp modSp add ord">
-        <pc:chgData name="도균 윤" userId="8a3b07cad855ff48" providerId="LiveId" clId="{886040D6-1D68-4BF4-B6AF-014E5E60BCF9}" dt="2018-12-10T18:50:12.345" v="4687" actId="113"/>
-        <pc:sldMkLst>
-          <pc:docMk/>
-          <pc:sldMk cId="1605250584" sldId="280"/>
-        </pc:sldMkLst>
-        <pc:spChg chg="mod">
-          <ac:chgData name="도균 윤" userId="8a3b07cad855ff48" providerId="LiveId" clId="{886040D6-1D68-4BF4-B6AF-014E5E60BCF9}" dt="2018-12-09T13:13:54.670" v="2751"/>
-          <ac:spMkLst>
-            <pc:docMk/>
-            <pc:sldMk cId="1605250584" sldId="280"/>
-            <ac:spMk id="2" creationId="{0D33F9D5-7C95-43E1-B9A1-8D8240B1E9FB}"/>
-          </ac:spMkLst>
-        </pc:spChg>
-        <pc:spChg chg="mod">
-          <ac:chgData name="도균 윤" userId="8a3b07cad855ff48" providerId="LiveId" clId="{886040D6-1D68-4BF4-B6AF-014E5E60BCF9}" dt="2018-12-10T18:50:12.345" v="4687" actId="113"/>
-          <ac:spMkLst>
-            <pc:docMk/>
-            <pc:sldMk cId="1605250584" sldId="280"/>
-            <ac:spMk id="3" creationId="{762FB031-691C-4B71-B7CD-A9CCDFE52970}"/>
-          </ac:spMkLst>
-        </pc:spChg>
-        <pc:spChg chg="add mod">
-          <ac:chgData name="도균 윤" userId="8a3b07cad855ff48" providerId="LiveId" clId="{886040D6-1D68-4BF4-B6AF-014E5E60BCF9}" dt="2018-12-09T13:14:23.995" v="2772"/>
-          <ac:spMkLst>
-            <pc:docMk/>
-            <pc:sldMk cId="1605250584" sldId="280"/>
-            <ac:spMk id="4" creationId="{11169490-8101-4328-9F35-BCC986039D9E}"/>
-          </ac:spMkLst>
-        </pc:spChg>
-        <pc:spChg chg="add">
-          <ac:chgData name="도균 윤" userId="8a3b07cad855ff48" providerId="LiveId" clId="{886040D6-1D68-4BF4-B6AF-014E5E60BCF9}" dt="2018-12-10T18:47:00.649" v="4600"/>
-          <ac:spMkLst>
-            <pc:docMk/>
-            <pc:sldMk cId="1605250584" sldId="280"/>
-            <ac:spMk id="7" creationId="{C67A5F7A-E684-4B1D-A103-1844AF941AED}"/>
-          </ac:spMkLst>
-        </pc:spChg>
-        <pc:picChg chg="add mod">
-          <ac:chgData name="도균 윤" userId="8a3b07cad855ff48" providerId="LiveId" clId="{886040D6-1D68-4BF4-B6AF-014E5E60BCF9}" dt="2018-12-10T16:47:32.667" v="3828" actId="1076"/>
-          <ac:picMkLst>
-            <pc:docMk/>
-            <pc:sldMk cId="1605250584" sldId="280"/>
-            <ac:picMk id="6" creationId="{1DD488CF-8448-4AFF-A74F-5FBD886A91CA}"/>
-          </ac:picMkLst>
-        </pc:picChg>
-      </pc:sldChg>
-      <pc:sldChg chg="add del ord">
-        <pc:chgData name="도균 윤" userId="8a3b07cad855ff48" providerId="LiveId" clId="{886040D6-1D68-4BF4-B6AF-014E5E60BCF9}" dt="2018-12-09T13:38:56.334" v="3755" actId="2696"/>
-        <pc:sldMkLst>
-          <pc:docMk/>
-          <pc:sldMk cId="3510282307" sldId="281"/>
-        </pc:sldMkLst>
-      </pc:sldChg>
-      <pc:sldMasterChg chg="modSldLayout">
-        <pc:chgData name="도균 윤" userId="8a3b07cad855ff48" providerId="LiveId" clId="{886040D6-1D68-4BF4-B6AF-014E5E60BCF9}" dt="2018-12-10T18:47:43.871" v="4603" actId="1076"/>
-        <pc:sldMasterMkLst>
-          <pc:docMk/>
-          <pc:sldMasterMk cId="3732081228" sldId="2147483660"/>
-        </pc:sldMasterMkLst>
-        <pc:sldLayoutChg chg="modSp">
-          <pc:chgData name="도균 윤" userId="8a3b07cad855ff48" providerId="LiveId" clId="{886040D6-1D68-4BF4-B6AF-014E5E60BCF9}" dt="2018-12-10T18:47:43.871" v="4603" actId="1076"/>
-          <pc:sldLayoutMkLst>
-            <pc:docMk/>
-            <pc:sldMasterMk cId="3732081228" sldId="2147483660"/>
-            <pc:sldLayoutMk cId="3573387924" sldId="2147483662"/>
-          </pc:sldLayoutMkLst>
-          <pc:spChg chg="mod">
-            <ac:chgData name="도균 윤" userId="8a3b07cad855ff48" providerId="LiveId" clId="{886040D6-1D68-4BF4-B6AF-014E5E60BCF9}" dt="2018-12-10T18:47:43.871" v="4603" actId="1076"/>
-            <ac:spMkLst>
-              <pc:docMk/>
-              <pc:sldMasterMk cId="3732081228" sldId="2147483660"/>
-              <pc:sldLayoutMk cId="3573387924" sldId="2147483662"/>
-              <ac:spMk id="6" creationId="{00000000-0000-0000-0000-000000000000}"/>
-            </ac:spMkLst>
-          </pc:spChg>
-        </pc:sldLayoutChg>
-      </pc:sldMasterChg>
-    </pc:docChg>
-  </pc:docChgLst>
-</pc:chgInfo>
-</file>
-
 <file path=ppt/notesMasters/notesMaster1.xml><?xml version="1.0" encoding="utf-8"?>
 <p:notesMaster xmlns:a="http://schemas.openxmlformats.org/drawingml/2006/main" xmlns:r="http://schemas.openxmlformats.org/officeDocument/2006/relationships" xmlns:p="http://schemas.openxmlformats.org/presentationml/2006/main">
   <p:cSld>
@@ -2291,7 +272,7 @@
           <a:p>
             <a:fld id="{91E23A69-A730-4BF6-8DEA-FD1E0013C869}" type="datetimeFigureOut">
               <a:rPr lang="ko-KR" altLang="en-US" smtClean="0"/>
-              <a:t>2018-12-11</a:t>
+              <a:t>2018-12-13</a:t>
             </a:fld>
             <a:endParaRPr lang="ko-KR" altLang="en-US"/>
           </a:p>
@@ -3366,6 +1347,117 @@
 </file>
 
 <file path=ppt/notesSlides/notesSlide16.xml><?xml version="1.0" encoding="utf-8"?>
+<p:notes xmlns:a="http://schemas.openxmlformats.org/drawingml/2006/main" xmlns:r="http://schemas.openxmlformats.org/officeDocument/2006/relationships" xmlns:p="http://schemas.openxmlformats.org/presentationml/2006/main">
+  <p:cSld>
+    <p:spTree>
+      <p:nvGrpSpPr>
+        <p:cNvPr id="1" name=""/>
+        <p:cNvGrpSpPr/>
+        <p:nvPr/>
+      </p:nvGrpSpPr>
+      <p:grpSpPr>
+        <a:xfrm>
+          <a:off x="0" y="0"/>
+          <a:ext cx="0" cy="0"/>
+          <a:chOff x="0" y="0"/>
+          <a:chExt cx="0" cy="0"/>
+        </a:xfrm>
+      </p:grpSpPr>
+      <p:sp>
+        <p:nvSpPr>
+          <p:cNvPr id="2" name="슬라이드 이미지 개체 틀 1"/>
+          <p:cNvSpPr>
+            <a:spLocks noGrp="1" noRot="1" noChangeAspect="1"/>
+          </p:cNvSpPr>
+          <p:nvPr>
+            <p:ph type="sldImg"/>
+          </p:nvPr>
+        </p:nvSpPr>
+        <p:spPr/>
+      </p:sp>
+      <p:sp>
+        <p:nvSpPr>
+          <p:cNvPr id="3" name="슬라이드 노트 개체 틀 2"/>
+          <p:cNvSpPr>
+            <a:spLocks noGrp="1"/>
+          </p:cNvSpPr>
+          <p:nvPr>
+            <p:ph type="body" idx="1"/>
+          </p:nvPr>
+        </p:nvSpPr>
+        <p:spPr/>
+        <p:txBody>
+          <a:bodyPr/>
+          <a:lstStyle/>
+          <a:p>
+            <a:r>
+              <a:rPr lang="ko-KR" altLang="en-US" dirty="0"/>
+              <a:t>포스트 프로세싱</a:t>
+            </a:r>
+            <a:r>
+              <a:rPr lang="en-US" altLang="ko-KR" dirty="0"/>
+              <a:t>: </a:t>
+            </a:r>
+            <a:r>
+              <a:rPr lang="ko-KR" altLang="en-US" dirty="0"/>
+              <a:t>모션 </a:t>
+            </a:r>
+            <a:r>
+              <a:rPr lang="ko-KR" altLang="en-US" dirty="0" err="1"/>
+              <a:t>블러</a:t>
+            </a:r>
+            <a:r>
+              <a:rPr lang="en-US" altLang="ko-KR" dirty="0"/>
+              <a:t>, </a:t>
+            </a:r>
+            <a:r>
+              <a:rPr lang="ko-KR" altLang="en-US" dirty="0" err="1"/>
+              <a:t>카툰</a:t>
+            </a:r>
+            <a:r>
+              <a:rPr lang="ko-KR" altLang="en-US" dirty="0"/>
+              <a:t> 렌더링</a:t>
+            </a:r>
+          </a:p>
+        </p:txBody>
+      </p:sp>
+      <p:sp>
+        <p:nvSpPr>
+          <p:cNvPr id="4" name="슬라이드 번호 개체 틀 3"/>
+          <p:cNvSpPr>
+            <a:spLocks noGrp="1"/>
+          </p:cNvSpPr>
+          <p:nvPr>
+            <p:ph type="sldNum" sz="quarter" idx="5"/>
+          </p:nvPr>
+        </p:nvSpPr>
+        <p:spPr/>
+        <p:txBody>
+          <a:bodyPr/>
+          <a:lstStyle/>
+          <a:p>
+            <a:fld id="{3AAE5115-DB4E-4F22-AA29-E723E723D1FD}" type="slidenum">
+              <a:rPr lang="ko-KR" altLang="en-US" smtClean="0"/>
+              <a:t>18</a:t>
+            </a:fld>
+            <a:endParaRPr lang="ko-KR" altLang="en-US"/>
+          </a:p>
+        </p:txBody>
+      </p:sp>
+    </p:spTree>
+    <p:extLst>
+      <p:ext uri="{BB962C8B-B14F-4D97-AF65-F5344CB8AC3E}">
+        <p14:creationId xmlns:p14="http://schemas.microsoft.com/office/powerpoint/2010/main" val="3795629464"/>
+      </p:ext>
+    </p:extLst>
+  </p:cSld>
+  <p:clrMapOvr>
+    <a:masterClrMapping/>
+  </p:clrMapOvr>
+</p:notes>
+</file>
+
+<file path=ppt/notesSlides/notesSlide17.xml><?xml version="1.0" encoding="utf-8"?>
 <p:notes xmlns:a="http://schemas.openxmlformats.org/drawingml/2006/main" xmlns:r="http://schemas.openxmlformats.org/officeDocument/2006/relationships" xmlns:p="http://schemas.openxmlformats.org/presentationml/2006/main" showMasterSp="0" showMasterPhAnim="0">
   <p:cSld>
     <p:spTree>
@@ -3469,7 +1561,7 @@
 </p:notes>
 </file>
 
-<file path=ppt/notesSlides/notesSlide17.xml><?xml version="1.0" encoding="utf-8"?>
+<file path=ppt/notesSlides/notesSlide18.xml><?xml version="1.0" encoding="utf-8"?>
 <p:notes xmlns:a="http://schemas.openxmlformats.org/drawingml/2006/main" xmlns:r="http://schemas.openxmlformats.org/officeDocument/2006/relationships" xmlns:p="http://schemas.openxmlformats.org/presentationml/2006/main" showMasterSp="0" showMasterPhAnim="0">
   <p:cSld>
     <p:spTree>
@@ -3520,7 +1612,7 @@
               </a:spcAft>
               <a:buNone/>
             </a:pPr>
-            <a:endParaRPr/>
+            <a:endParaRPr dirty="0"/>
           </a:p>
         </p:txBody>
       </p:sp>
@@ -3624,7 +1716,7 @@
               </a:spcAft>
               <a:buNone/>
             </a:pPr>
-            <a:endParaRPr/>
+            <a:endParaRPr dirty="0"/>
           </a:p>
         </p:txBody>
       </p:sp>
@@ -4376,7 +2468,7 @@
               </a:spcAft>
               <a:buNone/>
             </a:pPr>
-            <a:endParaRPr/>
+            <a:endParaRPr dirty="0"/>
           </a:p>
         </p:txBody>
       </p:sp>
@@ -4716,7 +2808,7 @@
           <a:p>
             <a:fld id="{EE929141-987B-4E0E-8A1C-0D0C5E34CD8A}" type="datetime1">
               <a:rPr lang="ko-KR" altLang="en-US" smtClean="0"/>
-              <a:t>2018-12-11</a:t>
+              <a:t>2018-12-13</a:t>
             </a:fld>
             <a:endParaRPr lang="ko-KR" altLang="en-US"/>
           </a:p>
@@ -5034,7 +3126,7 @@
           <a:p>
             <a:fld id="{1F9442AD-A711-4F07-AF92-61D330AD20B2}" type="datetime1">
               <a:rPr lang="ko-KR" altLang="en-US" smtClean="0"/>
-              <a:t>2018-12-11</a:t>
+              <a:t>2018-12-13</a:t>
             </a:fld>
             <a:endParaRPr lang="ko-KR" altLang="en-US"/>
           </a:p>
@@ -5522,7 +3614,7 @@
           <a:p>
             <a:fld id="{6F82643C-D9FF-4B24-B73E-D589B63AA460}" type="datetime1">
               <a:rPr lang="ko-KR" altLang="en-US" smtClean="0"/>
-              <a:t>2018-12-11</a:t>
+              <a:t>2018-12-13</a:t>
             </a:fld>
             <a:endParaRPr lang="ko-KR" altLang="en-US"/>
           </a:p>
@@ -5891,7 +3983,7 @@
           <a:p>
             <a:fld id="{DA6D1534-38D3-446E-A87B-41ED7EA6F28B}" type="datetime1">
               <a:rPr lang="ko-KR" altLang="en-US" smtClean="0"/>
-              <a:t>2018-12-11</a:t>
+              <a:t>2018-12-13</a:t>
             </a:fld>
             <a:endParaRPr lang="ko-KR" altLang="en-US"/>
           </a:p>
@@ -6164,7 +4256,7 @@
           <a:p>
             <a:fld id="{E1B5ECCB-99D1-481F-8164-6090A1775B37}" type="datetime1">
               <a:rPr lang="ko-KR" altLang="en-US" smtClean="0"/>
-              <a:t>2018-12-11</a:t>
+              <a:t>2018-12-13</a:t>
             </a:fld>
             <a:endParaRPr lang="ko-KR" altLang="en-US"/>
           </a:p>
@@ -6449,7 +4541,7 @@
           <a:p>
             <a:fld id="{1F36E58F-1A82-4A42-989B-D07B942E1FCE}" type="datetime1">
               <a:rPr lang="ko-KR" altLang="en-US" smtClean="0"/>
-              <a:t>2018-12-11</a:t>
+              <a:t>2018-12-13</a:t>
             </a:fld>
             <a:endParaRPr lang="ko-KR" altLang="en-US"/>
           </a:p>
@@ -6732,7 +4824,7 @@
           <a:p>
             <a:fld id="{C03EDFE7-914D-4046-A60E-33D8623911A0}" type="datetime1">
               <a:rPr lang="ko-KR" altLang="en-US" smtClean="0"/>
-              <a:t>2018-12-11</a:t>
+              <a:t>2018-12-13</a:t>
             </a:fld>
             <a:endParaRPr lang="ko-KR" altLang="en-US"/>
           </a:p>
@@ -7089,7 +5181,7 @@
           <a:p>
             <a:fld id="{AA7BC0C3-320C-461F-925D-4A93EEF6A707}" type="datetime1">
               <a:rPr lang="ko-KR" altLang="en-US" smtClean="0"/>
-              <a:t>2018-12-11</a:t>
+              <a:t>2018-12-13</a:t>
             </a:fld>
             <a:endParaRPr lang="ko-KR" altLang="en-US"/>
           </a:p>
@@ -7428,7 +5520,7 @@
           <a:p>
             <a:fld id="{2FFB0AF4-ECE2-4057-8D3B-8B2263B0CFA0}" type="datetime1">
               <a:rPr lang="ko-KR" altLang="en-US" smtClean="0"/>
-              <a:t>2018-12-11</a:t>
+              <a:t>2018-12-13</a:t>
             </a:fld>
             <a:endParaRPr lang="ko-KR" altLang="en-US"/>
           </a:p>
@@ -7905,7 +5997,7 @@
           <a:p>
             <a:fld id="{D1E5018E-F1AF-4CAA-9DD5-BA77B6C40E95}" type="datetime1">
               <a:rPr lang="ko-KR" altLang="en-US" smtClean="0"/>
-              <a:t>2018-12-11</a:t>
+              <a:t>2018-12-13</a:t>
             </a:fld>
             <a:endParaRPr lang="ko-KR" altLang="en-US"/>
           </a:p>
@@ -8126,7 +6218,7 @@
           <a:p>
             <a:fld id="{2EB65A91-4B35-4702-A24C-ECBC0E47F3C9}" type="datetime1">
               <a:rPr lang="ko-KR" altLang="en-US" smtClean="0"/>
-              <a:t>2018-12-11</a:t>
+              <a:t>2018-12-13</a:t>
             </a:fld>
             <a:endParaRPr lang="ko-KR" altLang="en-US"/>
           </a:p>
@@ -8221,7 +6313,7 @@
           <a:p>
             <a:fld id="{8056736B-4A53-4FA4-8E59-8BB049B3B73C}" type="datetime1">
               <a:rPr lang="ko-KR" altLang="en-US" smtClean="0"/>
-              <a:t>2018-12-11</a:t>
+              <a:t>2018-12-13</a:t>
             </a:fld>
             <a:endParaRPr lang="ko-KR" altLang="en-US"/>
           </a:p>
@@ -8688,7 +6780,7 @@
           <a:p>
             <a:fld id="{C942AD11-C483-4887-8737-CC24028AEEAD}" type="datetime1">
               <a:rPr lang="ko-KR" altLang="en-US" smtClean="0"/>
-              <a:t>2018-12-11</a:t>
+              <a:t>2018-12-13</a:t>
             </a:fld>
             <a:endParaRPr lang="ko-KR" altLang="en-US"/>
           </a:p>
@@ -9001,7 +7093,7 @@
           <a:p>
             <a:fld id="{9CA6E81C-E4EF-482F-BC78-6F664451D9FB}" type="datetime1">
               <a:rPr lang="ko-KR" altLang="en-US" smtClean="0"/>
-              <a:t>2018-12-11</a:t>
+              <a:t>2018-12-13</a:t>
             </a:fld>
             <a:endParaRPr lang="ko-KR" altLang="en-US"/>
           </a:p>
@@ -9271,7 +7363,7 @@
           <a:p>
             <a:fld id="{F706A5A2-9EB7-40B5-A512-DBBE4894DCB4}" type="datetime1">
               <a:rPr lang="ko-KR" altLang="en-US" smtClean="0"/>
-              <a:t>2018-12-11</a:t>
+              <a:t>2018-12-13</a:t>
             </a:fld>
             <a:endParaRPr lang="ko-KR" altLang="en-US"/>
           </a:p>
@@ -13466,6 +11558,207 @@
   <p:cSld>
     <p:spTree>
       <p:nvGrpSpPr>
+        <p:cNvPr id="1" name=""/>
+        <p:cNvGrpSpPr/>
+        <p:nvPr/>
+      </p:nvGrpSpPr>
+      <p:grpSpPr>
+        <a:xfrm>
+          <a:off x="0" y="0"/>
+          <a:ext cx="0" cy="0"/>
+          <a:chOff x="0" y="0"/>
+          <a:chExt cx="0" cy="0"/>
+        </a:xfrm>
+      </p:grpSpPr>
+      <p:sp>
+        <p:nvSpPr>
+          <p:cNvPr id="2" name="제목 1">
+            <a:extLst>
+              <a:ext uri="{FF2B5EF4-FFF2-40B4-BE49-F238E27FC236}">
+                <a16:creationId xmlns:a16="http://schemas.microsoft.com/office/drawing/2014/main" id="{02228755-5461-47D6-820C-7ED3E560277E}"/>
+              </a:ext>
+            </a:extLst>
+          </p:cNvPr>
+          <p:cNvSpPr>
+            <a:spLocks noGrp="1"/>
+          </p:cNvSpPr>
+          <p:nvPr>
+            <p:ph type="title"/>
+          </p:nvPr>
+        </p:nvSpPr>
+        <p:spPr>
+          <a:xfrm>
+            <a:off x="810000" y="447188"/>
+            <a:ext cx="10571998" cy="970450"/>
+          </a:xfrm>
+        </p:spPr>
+        <p:txBody>
+          <a:bodyPr/>
+          <a:lstStyle/>
+          <a:p>
+            <a:r>
+              <a:rPr lang="ko-KR" altLang="en-US" dirty="0"/>
+              <a:t>아이템</a:t>
+            </a:r>
+          </a:p>
+        </p:txBody>
+      </p:sp>
+      <p:sp>
+        <p:nvSpPr>
+          <p:cNvPr id="3" name="내용 개체 틀 2">
+            <a:extLst>
+              <a:ext uri="{FF2B5EF4-FFF2-40B4-BE49-F238E27FC236}">
+                <a16:creationId xmlns:a16="http://schemas.microsoft.com/office/drawing/2014/main" id="{6612F6F2-6C04-4658-B603-B40703436C8F}"/>
+              </a:ext>
+            </a:extLst>
+          </p:cNvPr>
+          <p:cNvSpPr>
+            <a:spLocks noGrp="1"/>
+          </p:cNvSpPr>
+          <p:nvPr>
+            <p:ph idx="1"/>
+          </p:nvPr>
+        </p:nvSpPr>
+        <p:spPr>
+          <a:xfrm>
+            <a:off x="818712" y="2222287"/>
+            <a:ext cx="10554574" cy="3636511"/>
+          </a:xfrm>
+        </p:spPr>
+        <p:txBody>
+          <a:bodyPr/>
+          <a:lstStyle/>
+          <a:p>
+            <a:r>
+              <a:rPr lang="ko-KR" altLang="en-US" dirty="0"/>
+              <a:t>스테이지에 랜덤하게 생성되는 보급품 상자</a:t>
+            </a:r>
+            <a:endParaRPr lang="en-US" altLang="ko-KR" dirty="0"/>
+          </a:p>
+          <a:p>
+            <a:r>
+              <a:rPr lang="ko-KR" altLang="en-US" dirty="0"/>
+              <a:t>상자를 파괴하면 아이템을 습득</a:t>
+            </a:r>
+            <a:endParaRPr lang="en-US" altLang="ko-KR" dirty="0"/>
+          </a:p>
+          <a:p>
+            <a:r>
+              <a:rPr lang="ko-KR" altLang="en-US" dirty="0"/>
+              <a:t>아이템을 사용하는 것으로 이로운 효과를 얻는다</a:t>
+            </a:r>
+          </a:p>
+        </p:txBody>
+      </p:sp>
+      <p:sp>
+        <p:nvSpPr>
+          <p:cNvPr id="4" name="슬라이드 번호 개체 틀 3">
+            <a:extLst>
+              <a:ext uri="{FF2B5EF4-FFF2-40B4-BE49-F238E27FC236}">
+                <a16:creationId xmlns:a16="http://schemas.microsoft.com/office/drawing/2014/main" id="{03BBEB6A-17B7-48DB-8E5F-1AC3A726BA47}"/>
+              </a:ext>
+            </a:extLst>
+          </p:cNvPr>
+          <p:cNvSpPr>
+            <a:spLocks noGrp="1"/>
+          </p:cNvSpPr>
+          <p:nvPr>
+            <p:ph type="sldNum" sz="quarter" idx="12"/>
+          </p:nvPr>
+        </p:nvSpPr>
+        <p:spPr>
+          <a:xfrm>
+            <a:off x="10917124" y="6161187"/>
+            <a:ext cx="1062155" cy="490599"/>
+          </a:xfrm>
+        </p:spPr>
+        <p:txBody>
+          <a:bodyPr/>
+          <a:lstStyle/>
+          <a:p>
+            <a:fld id="{22F905C2-50D5-44AC-866D-A51ECBF004AC}" type="slidenum">
+              <a:rPr lang="ko-KR" altLang="en-US" smtClean="0"/>
+              <a:pPr/>
+              <a:t>15</a:t>
+            </a:fld>
+            <a:r>
+              <a:rPr lang="en-US" altLang="ko-KR"/>
+              <a:t>/19</a:t>
+            </a:r>
+            <a:endParaRPr lang="ko-KR" altLang="en-US" dirty="0"/>
+          </a:p>
+        </p:txBody>
+      </p:sp>
+      <p:pic>
+        <p:nvPicPr>
+          <p:cNvPr id="2050" name="Picture 2" descr="ê´ë ¨ ì´ë¯¸ì§">
+            <a:extLst>
+              <a:ext uri="{FF2B5EF4-FFF2-40B4-BE49-F238E27FC236}">
+                <a16:creationId xmlns:a16="http://schemas.microsoft.com/office/drawing/2014/main" id="{21B0DF84-1D6A-48C9-BED0-01D7F4E08313}"/>
+              </a:ext>
+            </a:extLst>
+          </p:cNvPr>
+          <p:cNvPicPr>
+            <a:picLocks noChangeAspect="1" noChangeArrowheads="1"/>
+          </p:cNvPicPr>
+          <p:nvPr/>
+        </p:nvPicPr>
+        <p:blipFill>
+          <a:blip r:embed="rId2">
+            <a:extLst>
+              <a:ext uri="{28A0092B-C50C-407E-A947-70E740481C1C}">
+                <a14:useLocalDpi xmlns:a14="http://schemas.microsoft.com/office/drawing/2010/main" val="0"/>
+              </a:ext>
+            </a:extLst>
+          </a:blip>
+          <a:srcRect/>
+          <a:stretch>
+            <a:fillRect/>
+          </a:stretch>
+        </p:blipFill>
+        <p:spPr bwMode="auto">
+          <a:xfrm>
+            <a:off x="7363968" y="2373478"/>
+            <a:ext cx="3591460" cy="3591460"/>
+          </a:xfrm>
+          <a:prstGeom prst="rect">
+            <a:avLst/>
+          </a:prstGeom>
+          <a:noFill/>
+          <a:ln w="38100">
+            <a:solidFill>
+              <a:schemeClr val="accent1"/>
+            </a:solidFill>
+          </a:ln>
+          <a:extLst>
+            <a:ext uri="{909E8E84-426E-40DD-AFC4-6F175D3DCCD1}">
+              <a14:hiddenFill xmlns:a14="http://schemas.microsoft.com/office/drawing/2010/main">
+                <a:solidFill>
+                  <a:srgbClr val="FFFFFF"/>
+                </a:solidFill>
+              </a14:hiddenFill>
+            </a:ext>
+          </a:extLst>
+        </p:spPr>
+      </p:pic>
+    </p:spTree>
+    <p:extLst>
+      <p:ext uri="{BB962C8B-B14F-4D97-AF65-F5344CB8AC3E}">
+        <p14:creationId xmlns:p14="http://schemas.microsoft.com/office/powerpoint/2010/main" val="2124381464"/>
+      </p:ext>
+    </p:extLst>
+  </p:cSld>
+  <p:clrMapOvr>
+    <a:masterClrMapping/>
+  </p:clrMapOvr>
+</p:sld>
+</file>
+
+<file path=ppt/slides/slide16.xml><?xml version="1.0" encoding="utf-8"?>
+<p:sld xmlns:a="http://schemas.openxmlformats.org/drawingml/2006/main" xmlns:r="http://schemas.openxmlformats.org/officeDocument/2006/relationships" xmlns:p="http://schemas.openxmlformats.org/presentationml/2006/main">
+  <p:cSld>
+    <p:spTree>
+      <p:nvGrpSpPr>
         <p:cNvPr id="1" name="Shape 225"/>
         <p:cNvGrpSpPr/>
         <p:nvPr/>
@@ -14227,7 +12520,7 @@
             <a:fld id="{22F905C2-50D5-44AC-866D-A51ECBF004AC}" type="slidenum">
               <a:rPr lang="ko-KR" altLang="en-US" smtClean="0"/>
               <a:pPr/>
-              <a:t>15</a:t>
+              <a:t>16</a:t>
             </a:fld>
             <a:r>
               <a:rPr lang="en-US" altLang="ko-KR"/>
@@ -14245,7 +12538,7 @@
 </p:sld>
 </file>
 
-<file path=ppt/slides/slide16.xml><?xml version="1.0" encoding="utf-8"?>
+<file path=ppt/slides/slide17.xml><?xml version="1.0" encoding="utf-8"?>
 <p:sld xmlns:a="http://schemas.openxmlformats.org/drawingml/2006/main" xmlns:r="http://schemas.openxmlformats.org/officeDocument/2006/relationships" xmlns:p="http://schemas.openxmlformats.org/presentationml/2006/main">
   <p:cSld>
     <p:spTree>
@@ -15118,7 +13411,7 @@
             <a:fld id="{22F905C2-50D5-44AC-866D-A51ECBF004AC}" type="slidenum">
               <a:rPr lang="ko-KR" altLang="en-US" smtClean="0"/>
               <a:pPr/>
-              <a:t>16</a:t>
+              <a:t>17</a:t>
             </a:fld>
             <a:r>
               <a:rPr lang="en-US" altLang="ko-KR"/>
@@ -15136,7 +13429,7 @@
 </p:sld>
 </file>
 
-<file path=ppt/slides/slide17.xml><?xml version="1.0" encoding="utf-8"?>
+<file path=ppt/slides/slide18.xml><?xml version="1.0" encoding="utf-8"?>
 <p:sld xmlns:a="http://schemas.openxmlformats.org/drawingml/2006/main" xmlns:r="http://schemas.openxmlformats.org/officeDocument/2006/relationships" xmlns:p="http://schemas.openxmlformats.org/presentationml/2006/main">
   <p:cSld>
     <p:spTree>
@@ -15158,7 +13451,7 @@
           <p:cNvPr id="2" name="제목 1">
             <a:extLst>
               <a:ext uri="{FF2B5EF4-FFF2-40B4-BE49-F238E27FC236}">
-                <a16:creationId xmlns:a16="http://schemas.microsoft.com/office/drawing/2014/main" id="{A3535D95-C430-4AA5-9776-9A8F5B27BA13}"/>
+                <a16:creationId xmlns:a16="http://schemas.microsoft.com/office/drawing/2014/main" id="{E5B78156-B37C-4C98-B696-DDEA8827BEA6}"/>
               </a:ext>
             </a:extLst>
           </p:cNvPr>
@@ -15169,12 +13462,7 @@
             <p:ph type="title"/>
           </p:nvPr>
         </p:nvSpPr>
-        <p:spPr>
-          <a:xfrm>
-            <a:off x="810000" y="447188"/>
-            <a:ext cx="10571998" cy="970450"/>
-          </a:xfrm>
-        </p:spPr>
+        <p:spPr/>
         <p:txBody>
           <a:bodyPr/>
           <a:lstStyle/>
@@ -15191,7 +13479,7 @@
           <p:cNvPr id="3" name="내용 개체 틀 2">
             <a:extLst>
               <a:ext uri="{FF2B5EF4-FFF2-40B4-BE49-F238E27FC236}">
-                <a16:creationId xmlns:a16="http://schemas.microsoft.com/office/drawing/2014/main" id="{FE07282D-70E7-43DB-821F-1BEFB71814C2}"/>
+                <a16:creationId xmlns:a16="http://schemas.microsoft.com/office/drawing/2014/main" id="{074F7F34-11AB-4B89-B68A-B3AA5F2C26D7}"/>
               </a:ext>
             </a:extLst>
           </p:cNvPr>
@@ -15205,7 +13493,7 @@
         <p:spPr>
           <a:xfrm>
             <a:off x="818712" y="2222287"/>
-            <a:ext cx="10554574" cy="3636511"/>
+            <a:ext cx="4509192" cy="3636511"/>
           </a:xfrm>
         </p:spPr>
         <p:txBody>
@@ -15218,30 +13506,22 @@
             </a:r>
             <a:r>
               <a:rPr lang="ko-KR" altLang="en-US" dirty="0"/>
-              <a:t>를 사용한 </a:t>
+              <a:t> 기반 </a:t>
             </a:r>
             <a:r>
               <a:rPr lang="en-US" altLang="ko-KR" dirty="0"/>
-              <a:t>3D </a:t>
+              <a:t>3D</a:t>
             </a:r>
             <a:r>
               <a:rPr lang="ko-KR" altLang="en-US" dirty="0"/>
-              <a:t>클라이언트 구현</a:t>
+              <a:t>게임 개발</a:t>
             </a:r>
             <a:endParaRPr lang="en-US" altLang="ko-KR" dirty="0"/>
           </a:p>
           <a:p>
             <a:r>
               <a:rPr lang="ko-KR" altLang="en-US" dirty="0"/>
-              <a:t>환경 </a:t>
-            </a:r>
-            <a:r>
-              <a:rPr lang="ko-KR" altLang="en-US" dirty="0" smtClean="0"/>
-              <a:t>매핑을 </a:t>
-            </a:r>
-            <a:r>
-              <a:rPr lang="ko-KR" altLang="en-US" dirty="0"/>
-              <a:t>사용한 금속 재질 표현</a:t>
+              <a:t>환경 매핑을 사용한 금속 재질 표현</a:t>
             </a:r>
             <a:endParaRPr lang="en-US" altLang="ko-KR" dirty="0"/>
           </a:p>
@@ -15252,66 +13532,68 @@
             </a:r>
             <a:r>
               <a:rPr lang="ko-KR" altLang="en-US" dirty="0"/>
-              <a:t> 매핑을 사용한 질감의 디테일 </a:t>
-            </a:r>
-            <a:r>
-              <a:rPr lang="ko-KR" altLang="en-US" dirty="0" smtClean="0"/>
-              <a:t>표현</a:t>
+              <a:t> 매핑을 사용한 질감의 디테일 표현</a:t>
             </a:r>
             <a:endParaRPr lang="en-US" altLang="ko-KR" dirty="0"/>
           </a:p>
           <a:p>
             <a:r>
-              <a:rPr lang="ko-KR" altLang="en-US" dirty="0" smtClean="0"/>
-              <a:t>뼈대를 </a:t>
-            </a:r>
-            <a:r>
               <a:rPr lang="ko-KR" altLang="en-US" dirty="0"/>
-              <a:t>사용하는 </a:t>
-            </a:r>
-            <a:r>
-              <a:rPr lang="ko-KR" altLang="en-US" dirty="0" err="1"/>
-              <a:t>스키닝</a:t>
+              <a:t>포스트 프로세싱 기법을 사용한 렌더링</a:t>
+            </a:r>
+            <a:r>
+              <a:rPr lang="en-US" altLang="ko-KR" dirty="0"/>
+              <a:t> </a:t>
             </a:r>
             <a:r>
               <a:rPr lang="ko-KR" altLang="en-US" dirty="0"/>
-              <a:t> 캐릭터 </a:t>
-            </a:r>
-            <a:r>
-              <a:rPr lang="ko-KR" altLang="en-US" dirty="0" smtClean="0"/>
-              <a:t>애니메이션</a:t>
-            </a:r>
-            <a:endParaRPr lang="en-US" altLang="ko-KR" dirty="0" smtClean="0"/>
-          </a:p>
-          <a:p>
-            <a:r>
-              <a:rPr lang="ko-KR" altLang="en-US" dirty="0" smtClean="0"/>
-              <a:t>추가가 필요</a:t>
-            </a:r>
-            <a:r>
-              <a:rPr lang="en-US" altLang="ko-KR" smtClean="0"/>
-              <a:t>!</a:t>
+              <a:t>효과</a:t>
             </a:r>
             <a:endParaRPr lang="en-US" altLang="ko-KR" dirty="0"/>
           </a:p>
           <a:p>
             <a:r>
               <a:rPr lang="en-US" altLang="ko-KR" dirty="0"/>
-              <a:t>IOCP</a:t>
+              <a:t>IOCP </a:t>
             </a:r>
             <a:r>
               <a:rPr lang="ko-KR" altLang="en-US" dirty="0"/>
-              <a:t>를 사용한 대용량 </a:t>
-            </a:r>
-            <a:r>
-              <a:rPr lang="ko-KR" altLang="en-US" dirty="0" err="1"/>
-              <a:t>동접</a:t>
-            </a:r>
-            <a:r>
-              <a:rPr lang="ko-KR" altLang="en-US" dirty="0"/>
-              <a:t> 서버 구현</a:t>
-            </a:r>
-            <a:endParaRPr lang="en-US" altLang="ko-KR" dirty="0"/>
+              <a:t>모델 기반 서버 개발</a:t>
+            </a:r>
+          </a:p>
+        </p:txBody>
+      </p:sp>
+      <p:sp>
+        <p:nvSpPr>
+          <p:cNvPr id="4" name="슬라이드 번호 개체 틀 3">
+            <a:extLst>
+              <a:ext uri="{FF2B5EF4-FFF2-40B4-BE49-F238E27FC236}">
+                <a16:creationId xmlns:a16="http://schemas.microsoft.com/office/drawing/2014/main" id="{992D6BB7-EA41-40E6-B8FF-BADBDA78D1C0}"/>
+              </a:ext>
+            </a:extLst>
+          </p:cNvPr>
+          <p:cNvSpPr>
+            <a:spLocks noGrp="1"/>
+          </p:cNvSpPr>
+          <p:nvPr>
+            <p:ph type="sldNum" sz="quarter" idx="12"/>
+          </p:nvPr>
+        </p:nvSpPr>
+        <p:spPr/>
+        <p:txBody>
+          <a:bodyPr/>
+          <a:lstStyle/>
+          <a:p>
+            <a:fld id="{22F905C2-50D5-44AC-866D-A51ECBF004AC}" type="slidenum">
+              <a:rPr lang="ko-KR" altLang="en-US" smtClean="0"/>
+              <a:pPr/>
+              <a:t>18</a:t>
+            </a:fld>
+            <a:r>
+              <a:rPr lang="en-US" altLang="ko-KR"/>
+              <a:t>/19</a:t>
+            </a:r>
+            <a:endParaRPr lang="ko-KR" altLang="en-US" dirty="0"/>
           </a:p>
         </p:txBody>
       </p:sp>
@@ -15320,7 +13602,7 @@
           <p:cNvPr id="5" name="그림 4">
             <a:extLst>
               <a:ext uri="{FF2B5EF4-FFF2-40B4-BE49-F238E27FC236}">
-                <a16:creationId xmlns:a16="http://schemas.microsoft.com/office/drawing/2014/main" id="{F0A56737-B7AE-4206-A72F-288B64F5205C}"/>
+                <a16:creationId xmlns:a16="http://schemas.microsoft.com/office/drawing/2014/main" id="{5AD42507-C91B-4B7C-A62B-E0DB70E620E1}"/>
               </a:ext>
             </a:extLst>
           </p:cNvPr>
@@ -15330,7 +13612,7 @@
           <p:nvPr/>
         </p:nvPicPr>
         <p:blipFill>
-          <a:blip r:embed="rId2">
+          <a:blip r:embed="rId3">
             <a:extLst>
               <a:ext uri="{28A0092B-C50C-407E-A947-70E740481C1C}">
                 <a14:useLocalDpi xmlns:a14="http://schemas.microsoft.com/office/drawing/2010/main" val="0"/>
@@ -15343,8 +13625,8 @@
         </p:blipFill>
         <p:spPr>
           <a:xfrm>
-            <a:off x="7057622" y="572909"/>
-            <a:ext cx="3820584" cy="2931105"/>
+            <a:off x="5425439" y="1464485"/>
+            <a:ext cx="2816289" cy="2160623"/>
           </a:xfrm>
           <a:prstGeom prst="rect">
             <a:avLst/>
@@ -15361,7 +13643,7 @@
           <p:cNvPr id="6" name="그림 5">
             <a:extLst>
               <a:ext uri="{FF2B5EF4-FFF2-40B4-BE49-F238E27FC236}">
-                <a16:creationId xmlns:a16="http://schemas.microsoft.com/office/drawing/2014/main" id="{0DFDC646-8F1F-4466-B076-25C7B420AE49}"/>
+                <a16:creationId xmlns:a16="http://schemas.microsoft.com/office/drawing/2014/main" id="{2266822E-8EBD-4CCE-8F4E-0525822CCD4B}"/>
               </a:ext>
             </a:extLst>
           </p:cNvPr>
@@ -15371,15 +13653,15 @@
           <p:nvPr/>
         </p:nvPicPr>
         <p:blipFill>
-          <a:blip r:embed="rId3"/>
+          <a:blip r:embed="rId4"/>
           <a:stretch>
             <a:fillRect/>
           </a:stretch>
         </p:blipFill>
         <p:spPr>
           <a:xfrm>
-            <a:off x="6952519" y="3909850"/>
-            <a:ext cx="4135894" cy="2500962"/>
+            <a:off x="8557847" y="1464485"/>
+            <a:ext cx="3421431" cy="2068929"/>
           </a:xfrm>
           <a:prstGeom prst="rect">
             <a:avLst/>
@@ -15391,44 +13673,97 @@
           </a:ln>
         </p:spPr>
       </p:pic>
-      <p:sp>
-        <p:nvSpPr>
-          <p:cNvPr id="7" name="슬라이드 번호 개체 틀 6">
+      <p:pic>
+        <p:nvPicPr>
+          <p:cNvPr id="1026" name="Picture 2" descr="ê´ë ¨ ì´ë¯¸ì§">
             <a:extLst>
               <a:ext uri="{FF2B5EF4-FFF2-40B4-BE49-F238E27FC236}">
-                <a16:creationId xmlns:a16="http://schemas.microsoft.com/office/drawing/2014/main" id="{ABABBE1D-E812-472E-ABB7-929312A27EB5}"/>
+                <a16:creationId xmlns:a16="http://schemas.microsoft.com/office/drawing/2014/main" id="{DA170979-15EF-4F81-A942-5D8B0E614A0A}"/>
               </a:ext>
             </a:extLst>
           </p:cNvPr>
-          <p:cNvSpPr>
-            <a:spLocks noGrp="1"/>
-          </p:cNvSpPr>
-          <p:nvPr>
-            <p:ph type="sldNum" sz="quarter" idx="12"/>
-          </p:nvPr>
-        </p:nvSpPr>
-        <p:spPr/>
-        <p:txBody>
-          <a:bodyPr/>
-          <a:lstStyle/>
-          <a:p>
-            <a:fld id="{22F905C2-50D5-44AC-866D-A51ECBF004AC}" type="slidenum">
-              <a:rPr lang="ko-KR" altLang="en-US" smtClean="0"/>
-              <a:pPr/>
-              <a:t>17</a:t>
-            </a:fld>
-            <a:r>
-              <a:rPr lang="en-US" altLang="ko-KR"/>
-              <a:t>/19</a:t>
-            </a:r>
-            <a:endParaRPr lang="ko-KR" altLang="en-US" dirty="0"/>
-          </a:p>
-        </p:txBody>
-      </p:sp>
+          <p:cNvPicPr>
+            <a:picLocks noChangeAspect="1" noChangeArrowheads="1"/>
+          </p:cNvPicPr>
+          <p:nvPr/>
+        </p:nvPicPr>
+        <p:blipFill>
+          <a:blip r:embed="rId5">
+            <a:extLst>
+              <a:ext uri="{28A0092B-C50C-407E-A947-70E740481C1C}">
+                <a14:useLocalDpi xmlns:a14="http://schemas.microsoft.com/office/drawing/2010/main" val="0"/>
+              </a:ext>
+            </a:extLst>
+          </a:blip>
+          <a:srcRect/>
+          <a:stretch>
+            <a:fillRect/>
+          </a:stretch>
+        </p:blipFill>
+        <p:spPr bwMode="auto">
+          <a:xfrm>
+            <a:off x="5425440" y="4040541"/>
+            <a:ext cx="3328416" cy="2093491"/>
+          </a:xfrm>
+          <a:prstGeom prst="rect">
+            <a:avLst/>
+          </a:prstGeom>
+          <a:noFill/>
+          <a:ln w="28575">
+            <a:solidFill>
+              <a:schemeClr val="accent1"/>
+            </a:solidFill>
+          </a:ln>
+          <a:extLst>
+            <a:ext uri="{909E8E84-426E-40DD-AFC4-6F175D3DCCD1}">
+              <a14:hiddenFill xmlns:a14="http://schemas.microsoft.com/office/drawing/2010/main">
+                <a:solidFill>
+                  <a:srgbClr val="FFFFFF"/>
+                </a:solidFill>
+              </a14:hiddenFill>
+            </a:ext>
+          </a:extLst>
+        </p:spPr>
+      </p:pic>
+      <p:pic>
+        <p:nvPicPr>
+          <p:cNvPr id="7" name="그림 6">
+            <a:extLst>
+              <a:ext uri="{FF2B5EF4-FFF2-40B4-BE49-F238E27FC236}">
+                <a16:creationId xmlns:a16="http://schemas.microsoft.com/office/drawing/2014/main" id="{03EF2F83-FA87-4E73-A93E-A68608BF86A4}"/>
+              </a:ext>
+            </a:extLst>
+          </p:cNvPr>
+          <p:cNvPicPr>
+            <a:picLocks noChangeAspect="1"/>
+          </p:cNvPicPr>
+          <p:nvPr/>
+        </p:nvPicPr>
+        <p:blipFill>
+          <a:blip r:embed="rId6"/>
+          <a:stretch>
+            <a:fillRect/>
+          </a:stretch>
+        </p:blipFill>
+        <p:spPr>
+          <a:xfrm>
+            <a:off x="9050615" y="3779140"/>
+            <a:ext cx="2928663" cy="2495090"/>
+          </a:xfrm>
+          <a:prstGeom prst="rect">
+            <a:avLst/>
+          </a:prstGeom>
+          <a:ln w="28575">
+            <a:solidFill>
+              <a:schemeClr val="accent1"/>
+            </a:solidFill>
+          </a:ln>
+        </p:spPr>
+      </p:pic>
     </p:spTree>
     <p:extLst>
       <p:ext uri="{BB962C8B-B14F-4D97-AF65-F5344CB8AC3E}">
-        <p14:creationId xmlns:p14="http://schemas.microsoft.com/office/powerpoint/2010/main" val="480094586"/>
+        <p14:creationId xmlns:p14="http://schemas.microsoft.com/office/powerpoint/2010/main" val="662292502"/>
       </p:ext>
     </p:extLst>
   </p:cSld>
@@ -15438,7 +13773,7 @@
 </p:sld>
 </file>
 
-<file path=ppt/slides/slide18.xml><?xml version="1.0" encoding="utf-8"?>
+<file path=ppt/slides/slide19.xml><?xml version="1.0" encoding="utf-8"?>
 <p:sld xmlns:a="http://schemas.openxmlformats.org/drawingml/2006/main" xmlns:r="http://schemas.openxmlformats.org/officeDocument/2006/relationships" xmlns:p="http://schemas.openxmlformats.org/presentationml/2006/main">
   <p:cSld>
     <p:spTree>
@@ -15753,7 +14088,7 @@
           </a:solidFill>
           <a:ln w="28575">
             <a:solidFill>
-              <a:srgbClr val="FFFF00"/>
+              <a:srgbClr val="7030A0"/>
             </a:solidFill>
           </a:ln>
         </p:spPr>
@@ -15779,10 +14114,12 @@
           <a:p>
             <a:pPr algn="ctr"/>
             <a:r>
-              <a:rPr lang="ko-KR" altLang="en-US" sz="2200" b="1">
+              <a:rPr lang="ko-KR" altLang="en-US" sz="2400" b="1">
                 <a:solidFill>
                   <a:schemeClr val="bg2"/>
                 </a:solidFill>
+                <a:latin typeface="휴먼모음T" panose="02030504000101010101" pitchFamily="18" charset="-127"/>
+                <a:ea typeface="휴먼모음T" panose="02030504000101010101" pitchFamily="18" charset="-127"/>
               </a:rPr>
               <a:t>김대훈</a:t>
             </a:r>
@@ -15814,7 +14151,7 @@
           </a:solidFill>
           <a:ln w="28575">
             <a:solidFill>
-              <a:srgbClr val="FFFF00"/>
+              <a:srgbClr val="7030A0"/>
             </a:solidFill>
           </a:ln>
         </p:spPr>
@@ -15840,10 +14177,12 @@
           <a:p>
             <a:pPr algn="ctr"/>
             <a:r>
-              <a:rPr lang="ko-KR" altLang="en-US" sz="2200" b="1" dirty="0">
+              <a:rPr lang="ko-KR" altLang="en-US" sz="2400" b="1" dirty="0">
                 <a:solidFill>
                   <a:schemeClr val="bg2"/>
                 </a:solidFill>
+                <a:latin typeface="휴먼모음T" panose="02030504000101010101" pitchFamily="18" charset="-127"/>
+                <a:ea typeface="휴먼모음T" panose="02030504000101010101" pitchFamily="18" charset="-127"/>
               </a:rPr>
               <a:t>박진수</a:t>
             </a:r>
@@ -15875,7 +14214,7 @@
           </a:solidFill>
           <a:ln w="28575">
             <a:solidFill>
-              <a:srgbClr val="FFFF00"/>
+              <a:srgbClr val="7030A0"/>
             </a:solidFill>
           </a:ln>
         </p:spPr>
@@ -15901,10 +14240,12 @@
           <a:p>
             <a:pPr algn="ctr"/>
             <a:r>
-              <a:rPr lang="ko-KR" altLang="en-US" sz="2200" b="1" dirty="0">
+              <a:rPr lang="ko-KR" altLang="en-US" sz="2400" b="1" dirty="0">
                 <a:solidFill>
                   <a:schemeClr val="bg2"/>
                 </a:solidFill>
+                <a:latin typeface="휴먼모음T" panose="02030504000101010101" pitchFamily="18" charset="-127"/>
+                <a:ea typeface="휴먼모음T" panose="02030504000101010101" pitchFamily="18" charset="-127"/>
               </a:rPr>
               <a:t>윤도균</a:t>
             </a:r>
@@ -15917,164 +14258,6 @@
             <a:extLst>
               <a:ext uri="{FF2B5EF4-FFF2-40B4-BE49-F238E27FC236}">
                 <a16:creationId xmlns:a16="http://schemas.microsoft.com/office/drawing/2014/main" id="{76DA9E73-BDE0-4512-9CC8-650E0CA0803F}"/>
-              </a:ext>
-            </a:extLst>
-          </p:cNvPr>
-          <p:cNvSpPr>
-            <a:spLocks noGrp="1"/>
-          </p:cNvSpPr>
-          <p:nvPr>
-            <p:ph type="sldNum" sz="quarter" idx="12"/>
-          </p:nvPr>
-        </p:nvSpPr>
-        <p:spPr/>
-        <p:txBody>
-          <a:bodyPr/>
-          <a:lstStyle/>
-          <a:p>
-            <a:fld id="{22F905C2-50D5-44AC-866D-A51ECBF004AC}" type="slidenum">
-              <a:rPr lang="ko-KR" altLang="en-US" smtClean="0"/>
-              <a:pPr/>
-              <a:t>18</a:t>
-            </a:fld>
-            <a:r>
-              <a:rPr lang="en-US" altLang="ko-KR"/>
-              <a:t>/19</a:t>
-            </a:r>
-            <a:endParaRPr lang="ko-KR" altLang="en-US" dirty="0"/>
-          </a:p>
-        </p:txBody>
-      </p:sp>
-    </p:spTree>
-  </p:cSld>
-  <p:clrMapOvr>
-    <a:masterClrMapping/>
-  </p:clrMapOvr>
-</p:sld>
-</file>
-
-<file path=ppt/slides/slide19.xml><?xml version="1.0" encoding="utf-8"?>
-<p:sld xmlns:a="http://schemas.openxmlformats.org/drawingml/2006/main" xmlns:r="http://schemas.openxmlformats.org/officeDocument/2006/relationships" xmlns:p="http://schemas.openxmlformats.org/presentationml/2006/main">
-  <p:cSld>
-    <p:spTree>
-      <p:nvGrpSpPr>
-        <p:cNvPr id="1" name="Shape 289"/>
-        <p:cNvGrpSpPr/>
-        <p:nvPr/>
-      </p:nvGrpSpPr>
-      <p:grpSpPr>
-        <a:xfrm>
-          <a:off x="0" y="0"/>
-          <a:ext cx="0" cy="0"/>
-          <a:chOff x="0" y="0"/>
-          <a:chExt cx="0" cy="0"/>
-        </a:xfrm>
-      </p:grpSpPr>
-      <p:sp>
-        <p:nvSpPr>
-          <p:cNvPr id="290" name="Google Shape;290;p37"/>
-          <p:cNvSpPr txBox="1">
-            <a:spLocks noGrp="1"/>
-          </p:cNvSpPr>
-          <p:nvPr>
-            <p:ph type="title"/>
-          </p:nvPr>
-        </p:nvSpPr>
-        <p:spPr>
-          <a:xfrm>
-            <a:off x="810000" y="447188"/>
-            <a:ext cx="10571998" cy="970450"/>
-          </a:xfrm>
-          <a:prstGeom prst="rect">
-            <a:avLst/>
-          </a:prstGeom>
-          <a:noFill/>
-          <a:ln>
-            <a:noFill/>
-          </a:ln>
-          <a:effectLst>
-            <a:outerShdw blurRad="50800">
-              <a:srgbClr val="000000">
-                <a:alpha val="60000"/>
-              </a:srgbClr>
-            </a:outerShdw>
-          </a:effectLst>
-        </p:spPr>
-        <p:txBody>
-          <a:bodyPr spcFirstLastPara="1" wrap="square" lIns="91425" tIns="45700" rIns="91425" bIns="45700" anchor="b" anchorCtr="0">
-            <a:noAutofit/>
-          </a:bodyPr>
-          <a:lstStyle/>
-          <a:p>
-            <a:pPr marL="0" marR="0" lvl="0" indent="0" algn="l" rtl="0">
-              <a:spcBef>
-                <a:spcPts val="0"/>
-              </a:spcBef>
-              <a:spcAft>
-                <a:spcPts val="0"/>
-              </a:spcAft>
-              <a:buClr>
-                <a:srgbClr val="FEFEFE"/>
-              </a:buClr>
-              <a:buSzPts val="4000"/>
-              <a:buFont typeface="Century Gothic"/>
-              <a:buNone/>
-            </a:pPr>
-            <a:r>
-              <a:rPr lang="ko-KR" altLang="en-US" sz="4000" b="1" i="0" u="none" strike="noStrike" cap="none">
-                <a:solidFill>
-                  <a:srgbClr val="FEFEFE"/>
-                </a:solidFill>
-                <a:latin typeface="+mn-ea"/>
-                <a:ea typeface="+mn-ea"/>
-                <a:cs typeface="Century Gothic"/>
-                <a:sym typeface="Century Gothic"/>
-              </a:rPr>
-              <a:t>예상 일정</a:t>
-            </a:r>
-            <a:endParaRPr lang="ko-KR" altLang="en-US">
-              <a:latin typeface="+mn-ea"/>
-              <a:ea typeface="+mn-ea"/>
-            </a:endParaRPr>
-          </a:p>
-        </p:txBody>
-      </p:sp>
-      <p:pic>
-        <p:nvPicPr>
-          <p:cNvPr id="6" name="그림 5">
-            <a:extLst>
-              <a:ext uri="{FF2B5EF4-FFF2-40B4-BE49-F238E27FC236}">
-                <a16:creationId xmlns:a16="http://schemas.microsoft.com/office/drawing/2014/main" id="{E18EE494-DEFD-4D97-83CF-5AB1D59D77A6}"/>
-              </a:ext>
-            </a:extLst>
-          </p:cNvPr>
-          <p:cNvPicPr>
-            <a:picLocks noChangeAspect="1"/>
-          </p:cNvPicPr>
-          <p:nvPr/>
-        </p:nvPicPr>
-        <p:blipFill>
-          <a:blip r:embed="rId3"/>
-          <a:stretch>
-            <a:fillRect/>
-          </a:stretch>
-        </p:blipFill>
-        <p:spPr>
-          <a:xfrm>
-            <a:off x="1362107" y="2567152"/>
-            <a:ext cx="9467783" cy="3539358"/>
-          </a:xfrm>
-          <a:prstGeom prst="rect">
-            <a:avLst/>
-          </a:prstGeom>
-        </p:spPr>
-      </p:pic>
-      <p:sp>
-        <p:nvSpPr>
-          <p:cNvPr id="7" name="슬라이드 번호 개체 틀 6">
-            <a:extLst>
-              <a:ext uri="{FF2B5EF4-FFF2-40B4-BE49-F238E27FC236}">
-                <a16:creationId xmlns:a16="http://schemas.microsoft.com/office/drawing/2014/main" id="{75D05A81-D74D-4C76-BA5F-14830C403FFC}"/>
               </a:ext>
             </a:extLst>
           </p:cNvPr>
@@ -16144,7 +14327,7 @@
                 <a16:creationId xmlns:a16="http://schemas.microsoft.com/office/drawing/2014/main" id="{089A69AF-D57B-49B4-886C-D4A5DC194421}"/>
               </a:ext>
               <a:ext uri="{C183D7F6-B498-43B3-948B-1728B52AA6E4}">
-                <adec:decorative xmlns:adec="http://schemas.microsoft.com/office/drawing/2017/decorative" xmlns="" val="1"/>
+                <adec:decorative xmlns:adec="http://schemas.microsoft.com/office/drawing/2017/decorative" val="1"/>
               </a:ext>
             </a:extLst>
           </p:cNvPr>
@@ -16204,7 +14387,7 @@
                 <a16:creationId xmlns:a16="http://schemas.microsoft.com/office/drawing/2014/main" id="{CABDC08D-6093-4397-92D4-54D00E2BB1C2}"/>
               </a:ext>
               <a:ext uri="{C183D7F6-B498-43B3-948B-1728B52AA6E4}">
-                <adec:decorative xmlns:adec="http://schemas.microsoft.com/office/drawing/2017/decorative" xmlns="" val="1"/>
+                <adec:decorative xmlns:adec="http://schemas.microsoft.com/office/drawing/2017/decorative" val="1"/>
               </a:ext>
             </a:extLst>
           </p:cNvPr>
@@ -16648,7 +14831,7 @@
                 <a:latin typeface="+mn-ea"/>
                 <a:ea typeface="+mn-ea"/>
               </a:rPr>
-              <a:t>개발 내용</a:t>
+              <a:t>연구 과제</a:t>
             </a:r>
             <a:r>
               <a:rPr lang="en-US" altLang="ko-KR" dirty="0">
@@ -16766,6 +14949,164 @@
               <a:latin typeface="+mn-ea"/>
               <a:ea typeface="+mn-ea"/>
             </a:endParaRPr>
+          </a:p>
+        </p:txBody>
+      </p:sp>
+    </p:spTree>
+  </p:cSld>
+  <p:clrMapOvr>
+    <a:masterClrMapping/>
+  </p:clrMapOvr>
+</p:sld>
+</file>
+
+<file path=ppt/slides/slide20.xml><?xml version="1.0" encoding="utf-8"?>
+<p:sld xmlns:a="http://schemas.openxmlformats.org/drawingml/2006/main" xmlns:r="http://schemas.openxmlformats.org/officeDocument/2006/relationships" xmlns:p="http://schemas.openxmlformats.org/presentationml/2006/main">
+  <p:cSld>
+    <p:spTree>
+      <p:nvGrpSpPr>
+        <p:cNvPr id="1" name="Shape 289"/>
+        <p:cNvGrpSpPr/>
+        <p:nvPr/>
+      </p:nvGrpSpPr>
+      <p:grpSpPr>
+        <a:xfrm>
+          <a:off x="0" y="0"/>
+          <a:ext cx="0" cy="0"/>
+          <a:chOff x="0" y="0"/>
+          <a:chExt cx="0" cy="0"/>
+        </a:xfrm>
+      </p:grpSpPr>
+      <p:sp>
+        <p:nvSpPr>
+          <p:cNvPr id="290" name="Google Shape;290;p37"/>
+          <p:cNvSpPr txBox="1">
+            <a:spLocks noGrp="1"/>
+          </p:cNvSpPr>
+          <p:nvPr>
+            <p:ph type="title"/>
+          </p:nvPr>
+        </p:nvSpPr>
+        <p:spPr>
+          <a:xfrm>
+            <a:off x="810000" y="447188"/>
+            <a:ext cx="10571998" cy="970450"/>
+          </a:xfrm>
+          <a:prstGeom prst="rect">
+            <a:avLst/>
+          </a:prstGeom>
+          <a:noFill/>
+          <a:ln>
+            <a:noFill/>
+          </a:ln>
+          <a:effectLst>
+            <a:outerShdw blurRad="50800">
+              <a:srgbClr val="000000">
+                <a:alpha val="60000"/>
+              </a:srgbClr>
+            </a:outerShdw>
+          </a:effectLst>
+        </p:spPr>
+        <p:txBody>
+          <a:bodyPr spcFirstLastPara="1" wrap="square" lIns="91425" tIns="45700" rIns="91425" bIns="45700" anchor="b" anchorCtr="0">
+            <a:noAutofit/>
+          </a:bodyPr>
+          <a:lstStyle/>
+          <a:p>
+            <a:pPr marL="0" marR="0" lvl="0" indent="0" algn="l" rtl="0">
+              <a:spcBef>
+                <a:spcPts val="0"/>
+              </a:spcBef>
+              <a:spcAft>
+                <a:spcPts val="0"/>
+              </a:spcAft>
+              <a:buClr>
+                <a:srgbClr val="FEFEFE"/>
+              </a:buClr>
+              <a:buSzPts val="4000"/>
+              <a:buFont typeface="Century Gothic"/>
+              <a:buNone/>
+            </a:pPr>
+            <a:r>
+              <a:rPr lang="ko-KR" altLang="en-US" sz="4000" b="1" i="0" u="none" strike="noStrike" cap="none">
+                <a:solidFill>
+                  <a:srgbClr val="FEFEFE"/>
+                </a:solidFill>
+                <a:latin typeface="+mn-ea"/>
+                <a:ea typeface="+mn-ea"/>
+                <a:cs typeface="Century Gothic"/>
+                <a:sym typeface="Century Gothic"/>
+              </a:rPr>
+              <a:t>예상 일정</a:t>
+            </a:r>
+            <a:endParaRPr lang="ko-KR" altLang="en-US">
+              <a:latin typeface="+mn-ea"/>
+              <a:ea typeface="+mn-ea"/>
+            </a:endParaRPr>
+          </a:p>
+        </p:txBody>
+      </p:sp>
+      <p:pic>
+        <p:nvPicPr>
+          <p:cNvPr id="6" name="그림 5">
+            <a:extLst>
+              <a:ext uri="{FF2B5EF4-FFF2-40B4-BE49-F238E27FC236}">
+                <a16:creationId xmlns:a16="http://schemas.microsoft.com/office/drawing/2014/main" id="{E18EE494-DEFD-4D97-83CF-5AB1D59D77A6}"/>
+              </a:ext>
+            </a:extLst>
+          </p:cNvPr>
+          <p:cNvPicPr>
+            <a:picLocks noChangeAspect="1"/>
+          </p:cNvPicPr>
+          <p:nvPr/>
+        </p:nvPicPr>
+        <p:blipFill>
+          <a:blip r:embed="rId3"/>
+          <a:stretch>
+            <a:fillRect/>
+          </a:stretch>
+        </p:blipFill>
+        <p:spPr>
+          <a:xfrm>
+            <a:off x="1362107" y="2567152"/>
+            <a:ext cx="9467783" cy="3539358"/>
+          </a:xfrm>
+          <a:prstGeom prst="rect">
+            <a:avLst/>
+          </a:prstGeom>
+        </p:spPr>
+      </p:pic>
+      <p:sp>
+        <p:nvSpPr>
+          <p:cNvPr id="7" name="슬라이드 번호 개체 틀 6">
+            <a:extLst>
+              <a:ext uri="{FF2B5EF4-FFF2-40B4-BE49-F238E27FC236}">
+                <a16:creationId xmlns:a16="http://schemas.microsoft.com/office/drawing/2014/main" id="{75D05A81-D74D-4C76-BA5F-14830C403FFC}"/>
+              </a:ext>
+            </a:extLst>
+          </p:cNvPr>
+          <p:cNvSpPr>
+            <a:spLocks noGrp="1"/>
+          </p:cNvSpPr>
+          <p:nvPr>
+            <p:ph type="sldNum" sz="quarter" idx="12"/>
+          </p:nvPr>
+        </p:nvSpPr>
+        <p:spPr/>
+        <p:txBody>
+          <a:bodyPr/>
+          <a:lstStyle/>
+          <a:p>
+            <a:fld id="{22F905C2-50D5-44AC-866D-A51ECBF004AC}" type="slidenum">
+              <a:rPr lang="ko-KR" altLang="en-US" smtClean="0"/>
+              <a:pPr/>
+              <a:t>20</a:t>
+            </a:fld>
+            <a:r>
+              <a:rPr lang="en-US" altLang="ko-KR"/>
+              <a:t>/19</a:t>
+            </a:r>
+            <a:endParaRPr lang="ko-KR" altLang="en-US" dirty="0"/>
           </a:p>
         </p:txBody>
       </p:sp>
@@ -17866,11 +16207,18 @@
               <a:buSzPts val="1800"/>
             </a:pPr>
             <a:r>
+              <a:rPr lang="ko-KR" altLang="en-US" dirty="0">
+                <a:latin typeface="+mn-ea"/>
+                <a:ea typeface="+mn-ea"/>
+              </a:rPr>
+              <a:t>캐릭터마다 고유의 </a:t>
+            </a:r>
+            <a:r>
               <a:rPr lang="ko-KR" dirty="0">
                 <a:latin typeface="+mn-ea"/>
                 <a:ea typeface="+mn-ea"/>
               </a:rPr>
-              <a:t>근거리, 중거리, 원거리용 무기 3개를 </a:t>
+              <a:t>무기 3개를 </a:t>
             </a:r>
             <a:r>
               <a:rPr lang="ko-KR" altLang="en-US" dirty="0">
@@ -18453,20 +16801,20 @@
               <a:buSzPts val="1800"/>
             </a:pPr>
             <a:r>
-              <a:rPr lang="ko-KR" altLang="en-US" dirty="0" err="1">
+              <a:rPr lang="ko-KR" altLang="en-US" sz="2000" dirty="0" err="1">
                 <a:latin typeface="+mn-ea"/>
                 <a:ea typeface="+mn-ea"/>
               </a:rPr>
               <a:t>부스터</a:t>
             </a:r>
             <a:r>
-              <a:rPr lang="ko-KR" altLang="en-US" dirty="0">
+              <a:rPr lang="ko-KR" altLang="en-US" sz="2000" dirty="0">
                 <a:latin typeface="+mn-ea"/>
                 <a:ea typeface="+mn-ea"/>
               </a:rPr>
               <a:t> 게이지를 사용해 비행한다</a:t>
             </a:r>
-            <a:endParaRPr dirty="0">
+            <a:endParaRPr sz="2000" dirty="0">
               <a:latin typeface="+mn-ea"/>
               <a:ea typeface="+mn-ea"/>
             </a:endParaRPr>
@@ -18831,8 +17179,8 @@
         </p:nvSpPr>
         <p:spPr>
           <a:xfrm>
-            <a:off x="818712" y="3429000"/>
-            <a:ext cx="10554600" cy="2429886"/>
+            <a:off x="3608832" y="3429000"/>
+            <a:ext cx="7764480" cy="2429886"/>
           </a:xfrm>
           <a:prstGeom prst="rect">
             <a:avLst/>
@@ -18868,7 +17216,7 @@
               <a:buSzPct val="88000"/>
             </a:pPr>
             <a:r>
-              <a:rPr lang="ko-KR" sz="1700" dirty="0">
+              <a:rPr lang="ko-KR" sz="1900" dirty="0">
                 <a:solidFill>
                   <a:srgbClr val="FFFFFF"/>
                 </a:solidFill>
@@ -18878,7 +17226,7 @@
               <a:t>체력, 방어력, </a:t>
             </a:r>
             <a:r>
-              <a:rPr lang="ko-KR" altLang="en-US" sz="1700" dirty="0">
+              <a:rPr lang="ko-KR" altLang="en-US" sz="1900" dirty="0">
                 <a:solidFill>
                   <a:srgbClr val="FFFFFF"/>
                 </a:solidFill>
@@ -18887,7 +17235,7 @@
               <a:t>이동속도</a:t>
             </a:r>
             <a:r>
-              <a:rPr lang="ko-KR" sz="1700" dirty="0">
+              <a:rPr lang="ko-KR" sz="1900" dirty="0">
                 <a:solidFill>
                   <a:srgbClr val="FFFFFF"/>
                 </a:solidFill>
@@ -18897,7 +17245,7 @@
               <a:t>가 높</a:t>
             </a:r>
             <a:r>
-              <a:rPr lang="ko-KR" altLang="en-US" sz="1700" dirty="0">
+              <a:rPr lang="ko-KR" altLang="en-US" sz="1900" dirty="0">
                 <a:solidFill>
                   <a:srgbClr val="FFFFFF"/>
                 </a:solidFill>
@@ -18905,7 +17253,7 @@
               </a:rPr>
               <a:t>은 근접 전투 특화 타입</a:t>
             </a:r>
-            <a:endParaRPr lang="en-US" altLang="ko-KR" sz="1700" dirty="0">
+            <a:endParaRPr lang="en-US" altLang="ko-KR" sz="1900" dirty="0">
               <a:solidFill>
                 <a:srgbClr val="FFFFFF"/>
               </a:solidFill>
@@ -18927,7 +17275,7 @@
               <a:buSzPct val="88000"/>
             </a:pPr>
             <a:r>
-              <a:rPr lang="ko-KR" altLang="en-US" sz="1700" dirty="0">
+              <a:rPr lang="ko-KR" altLang="en-US" sz="1900" dirty="0">
                 <a:solidFill>
                   <a:srgbClr val="FFFFFF"/>
                 </a:solidFill>
@@ -18937,7 +17285,7 @@
               <a:t>수평 </a:t>
             </a:r>
             <a:r>
-              <a:rPr lang="ko-KR" altLang="en-US" sz="1700" dirty="0">
+              <a:rPr lang="ko-KR" altLang="en-US" sz="1900" dirty="0">
                 <a:solidFill>
                   <a:srgbClr val="FFFFFF"/>
                 </a:solidFill>
@@ -18946,7 +17294,7 @@
               <a:t>이동시 </a:t>
             </a:r>
             <a:r>
-              <a:rPr lang="ko-KR" sz="1700" dirty="0">
+              <a:rPr lang="ko-KR" sz="1900" dirty="0">
                 <a:solidFill>
                   <a:srgbClr val="FFFFFF"/>
                 </a:solidFill>
@@ -18956,7 +17304,7 @@
               <a:t>부스터를 </a:t>
             </a:r>
             <a:r>
-              <a:rPr lang="ko-KR" altLang="en-US" sz="1700" dirty="0">
+              <a:rPr lang="ko-KR" altLang="en-US" sz="1900" dirty="0">
                 <a:solidFill>
                   <a:srgbClr val="FFFFFF"/>
                 </a:solidFill>
@@ -18965,7 +17313,7 @@
               </a:rPr>
               <a:t>소모하는 양이 적다</a:t>
             </a:r>
-            <a:endParaRPr lang="en-US" altLang="ko-KR" sz="1700" dirty="0">
+            <a:endParaRPr lang="en-US" altLang="ko-KR" sz="1900" dirty="0">
               <a:solidFill>
                 <a:srgbClr val="FFFFFF"/>
               </a:solidFill>
@@ -18987,7 +17335,7 @@
               <a:buSzPct val="88000"/>
             </a:pPr>
             <a:r>
-              <a:rPr lang="ko-KR" altLang="en-US" sz="1700" dirty="0">
+              <a:rPr lang="ko-KR" altLang="en-US" sz="1900" dirty="0">
                 <a:solidFill>
                   <a:srgbClr val="FFFFFF"/>
                 </a:solidFill>
@@ -18997,7 +17345,7 @@
               <a:t>시야가 좁고 </a:t>
             </a:r>
             <a:r>
-              <a:rPr lang="ko-KR" sz="1700" dirty="0">
+              <a:rPr lang="ko-KR" sz="1900" dirty="0">
                 <a:solidFill>
                   <a:srgbClr val="FFFFFF"/>
                 </a:solidFill>
@@ -19007,7 +17355,7 @@
               <a:t>자동</a:t>
             </a:r>
             <a:r>
-              <a:rPr lang="en-US" altLang="ko-KR" sz="1700" dirty="0">
+              <a:rPr lang="en-US" altLang="ko-KR" sz="1900" dirty="0">
                 <a:solidFill>
                   <a:srgbClr val="FFFFFF"/>
                 </a:solidFill>
@@ -19017,7 +17365,7 @@
               <a:t> </a:t>
             </a:r>
             <a:r>
-              <a:rPr lang="ko-KR" sz="1700" dirty="0">
+              <a:rPr lang="ko-KR" sz="1900" dirty="0">
                 <a:solidFill>
                   <a:srgbClr val="FFFFFF"/>
                 </a:solidFill>
@@ -19027,7 +17375,7 @@
               <a:t>조준</a:t>
             </a:r>
             <a:r>
-              <a:rPr lang="ko-KR" altLang="en-US" sz="1700" dirty="0">
+              <a:rPr lang="ko-KR" altLang="en-US" sz="1900" dirty="0">
                 <a:solidFill>
                   <a:srgbClr val="FFFFFF"/>
                 </a:solidFill>
@@ -19037,7 +17385,7 @@
               <a:t>이 되는</a:t>
             </a:r>
             <a:r>
-              <a:rPr lang="ko-KR" sz="1700" dirty="0">
+              <a:rPr lang="ko-KR" sz="1900" dirty="0">
                 <a:solidFill>
                   <a:srgbClr val="FFFFFF"/>
                 </a:solidFill>
@@ -19047,7 +17395,7 @@
               <a:t> 거리가 짧</a:t>
             </a:r>
             <a:r>
-              <a:rPr lang="ko-KR" altLang="en-US" sz="1700" dirty="0">
+              <a:rPr lang="ko-KR" altLang="en-US" sz="1900" dirty="0">
                 <a:solidFill>
                   <a:srgbClr val="FFFFFF"/>
                 </a:solidFill>
@@ -19056,7 +17404,37 @@
               </a:rPr>
               <a:t>다</a:t>
             </a:r>
-            <a:endParaRPr sz="1700" dirty="0">
+            <a:endParaRPr lang="en-US" altLang="ko-KR" sz="1900" dirty="0">
+              <a:solidFill>
+                <a:srgbClr val="FFFFFF"/>
+              </a:solidFill>
+              <a:latin typeface="+mn-ea"/>
+              <a:ea typeface="+mn-ea"/>
+            </a:endParaRPr>
+          </a:p>
+          <a:p>
+            <a:pPr>
+              <a:lnSpc>
+                <a:spcPct val="150000"/>
+              </a:lnSpc>
+              <a:spcBef>
+                <a:spcPts val="0"/>
+              </a:spcBef>
+              <a:spcAft>
+                <a:spcPts val="0"/>
+              </a:spcAft>
+              <a:buSzPct val="88000"/>
+            </a:pPr>
+            <a:r>
+              <a:rPr lang="ko-KR" altLang="en-US" sz="1900" dirty="0">
+                <a:solidFill>
+                  <a:srgbClr val="FFFFFF"/>
+                </a:solidFill>
+                <a:latin typeface="+mn-ea"/>
+              </a:rPr>
+              <a:t>근거리 전투에 적합한 무장을 갖추고 있다</a:t>
+            </a:r>
+            <a:endParaRPr sz="1900" dirty="0">
               <a:solidFill>
                 <a:srgbClr val="FFFFFF"/>
               </a:solidFill>
@@ -19349,57 +17727,6 @@
               <a:latin typeface="+mn-ea"/>
               <a:ea typeface="+mn-ea"/>
             </a:endParaRPr>
-          </a:p>
-        </p:txBody>
-      </p:sp>
-      <p:sp>
-        <p:nvSpPr>
-          <p:cNvPr id="6" name="TextBox 5">
-            <a:extLst>
-              <a:ext uri="{FF2B5EF4-FFF2-40B4-BE49-F238E27FC236}">
-                <a16:creationId xmlns:a16="http://schemas.microsoft.com/office/drawing/2014/main" id="{CD196359-A408-45BE-A732-9FF6F5D3ACF9}"/>
-              </a:ext>
-            </a:extLst>
-          </p:cNvPr>
-          <p:cNvSpPr txBox="1"/>
-          <p:nvPr/>
-        </p:nvSpPr>
-        <p:spPr>
-          <a:xfrm>
-            <a:off x="7735613" y="3859924"/>
-            <a:ext cx="2961413" cy="646331"/>
-          </a:xfrm>
-          <a:prstGeom prst="rect">
-            <a:avLst/>
-          </a:prstGeom>
-          <a:noFill/>
-        </p:spPr>
-        <p:txBody>
-          <a:bodyPr wrap="square" rtlCol="0">
-            <a:spAutoFit/>
-          </a:bodyPr>
-          <a:lstStyle/>
-          <a:p>
-            <a:r>
-              <a:rPr lang="ko-KR" altLang="en-US" dirty="0"/>
-              <a:t>여기에 모델링 사진 </a:t>
-            </a:r>
-            <a:endParaRPr lang="en-US" altLang="ko-KR" dirty="0"/>
-          </a:p>
-          <a:p>
-            <a:r>
-              <a:rPr lang="en-US" altLang="ko-KR" dirty="0"/>
-              <a:t>(</a:t>
-            </a:r>
-            <a:r>
-              <a:rPr lang="ko-KR" altLang="en-US" dirty="0"/>
-              <a:t>없으면 이 대화상자 삭제</a:t>
-            </a:r>
-            <a:r>
-              <a:rPr lang="en-US" altLang="ko-KR" dirty="0"/>
-              <a:t>)</a:t>
-            </a:r>
-            <a:endParaRPr lang="ko-KR" altLang="en-US" dirty="0"/>
           </a:p>
         </p:txBody>
       </p:sp>
@@ -19474,8 +17801,8 @@
         </p:nvSpPr>
         <p:spPr>
           <a:xfrm>
-            <a:off x="818712" y="3428999"/>
-            <a:ext cx="10554600" cy="2429887"/>
+            <a:off x="3572256" y="3428999"/>
+            <a:ext cx="7801056" cy="2429887"/>
           </a:xfrm>
           <a:prstGeom prst="rect">
             <a:avLst/>
@@ -19511,7 +17838,7 @@
               <a:buSzPts val="1500"/>
             </a:pPr>
             <a:r>
-              <a:rPr lang="ko-KR" sz="1700" dirty="0">
+              <a:rPr lang="ko-KR" sz="2000" dirty="0">
                 <a:solidFill>
                   <a:srgbClr val="FFFFFF"/>
                 </a:solidFill>
@@ -19520,7 +17847,7 @@
               </a:rPr>
               <a:t>전체적으로 밸런스 잡힌 성능</a:t>
             </a:r>
-            <a:endParaRPr lang="en-US" altLang="ko-KR" sz="1700" dirty="0">
+            <a:endParaRPr lang="en-US" altLang="ko-KR" sz="2000" dirty="0">
               <a:solidFill>
                 <a:srgbClr val="FFFFFF"/>
               </a:solidFill>
@@ -19542,7 +17869,7 @@
               <a:buSzPts val="1500"/>
             </a:pPr>
             <a:r>
-              <a:rPr lang="ko-KR" altLang="en-US" sz="1700" dirty="0">
+              <a:rPr lang="ko-KR" altLang="en-US" sz="2000" dirty="0">
                 <a:solidFill>
                   <a:srgbClr val="FFFFFF"/>
                 </a:solidFill>
@@ -19550,7 +17877,56 @@
               </a:rPr>
               <a:t>모든 능력치가 중간에 있는 표준 캐릭터</a:t>
             </a:r>
-            <a:endParaRPr sz="1700" dirty="0">
+            <a:endParaRPr lang="en-US" altLang="ko-KR" sz="2000" dirty="0">
+              <a:solidFill>
+                <a:srgbClr val="FFFFFF"/>
+              </a:solidFill>
+              <a:latin typeface="+mn-ea"/>
+            </a:endParaRPr>
+          </a:p>
+          <a:p>
+            <a:pPr marL="304800" indent="-285750">
+              <a:lnSpc>
+                <a:spcPct val="150000"/>
+              </a:lnSpc>
+              <a:spcBef>
+                <a:spcPts val="0"/>
+              </a:spcBef>
+              <a:spcAft>
+                <a:spcPts val="0"/>
+              </a:spcAft>
+              <a:buSzPts val="1500"/>
+            </a:pPr>
+            <a:r>
+              <a:rPr lang="ko-KR" altLang="en-US" sz="2000" dirty="0">
+                <a:solidFill>
+                  <a:srgbClr val="FFFFFF"/>
+                </a:solidFill>
+                <a:latin typeface="+mn-ea"/>
+                <a:ea typeface="+mn-ea"/>
+              </a:rPr>
+              <a:t>중거리 전투에 </a:t>
+            </a:r>
+            <a:r>
+              <a:rPr lang="ko-KR" altLang="en-US" sz="2000" dirty="0">
+                <a:solidFill>
+                  <a:srgbClr val="FFFFFF"/>
+                </a:solidFill>
+                <a:latin typeface="+mn-ea"/>
+              </a:rPr>
+              <a:t>적합한</a:t>
+            </a:r>
+            <a:r>
+              <a:rPr lang="ko-KR" altLang="en-US" sz="2000" dirty="0">
+                <a:solidFill>
+                  <a:srgbClr val="FFFFFF"/>
+                </a:solidFill>
+                <a:latin typeface="+mn-ea"/>
+                <a:ea typeface="+mn-ea"/>
+              </a:rPr>
+              <a:t> 무장을 갖추고 있다</a:t>
+            </a:r>
+            <a:endParaRPr sz="2000" dirty="0">
               <a:solidFill>
                 <a:srgbClr val="FFFFFF"/>
               </a:solidFill>
@@ -19843,57 +18219,6 @@
               </a:rPr>
               <a:t>중거리 캐릭터</a:t>
             </a:r>
-          </a:p>
-        </p:txBody>
-      </p:sp>
-      <p:sp>
-        <p:nvSpPr>
-          <p:cNvPr id="11" name="TextBox 10">
-            <a:extLst>
-              <a:ext uri="{FF2B5EF4-FFF2-40B4-BE49-F238E27FC236}">
-                <a16:creationId xmlns:a16="http://schemas.microsoft.com/office/drawing/2014/main" id="{F817D604-1060-4548-BA58-D5E4DAFEA66D}"/>
-              </a:ext>
-            </a:extLst>
-          </p:cNvPr>
-          <p:cNvSpPr txBox="1"/>
-          <p:nvPr/>
-        </p:nvSpPr>
-        <p:spPr>
-          <a:xfrm>
-            <a:off x="7735613" y="3859924"/>
-            <a:ext cx="2961413" cy="646331"/>
-          </a:xfrm>
-          <a:prstGeom prst="rect">
-            <a:avLst/>
-          </a:prstGeom>
-          <a:noFill/>
-        </p:spPr>
-        <p:txBody>
-          <a:bodyPr wrap="square" rtlCol="0">
-            <a:spAutoFit/>
-          </a:bodyPr>
-          <a:lstStyle/>
-          <a:p>
-            <a:r>
-              <a:rPr lang="ko-KR" altLang="en-US" dirty="0"/>
-              <a:t>여기에 모델링 사진 </a:t>
-            </a:r>
-            <a:endParaRPr lang="en-US" altLang="ko-KR" dirty="0"/>
-          </a:p>
-          <a:p>
-            <a:r>
-              <a:rPr lang="en-US" altLang="ko-KR" dirty="0"/>
-              <a:t>(</a:t>
-            </a:r>
-            <a:r>
-              <a:rPr lang="ko-KR" altLang="en-US" dirty="0"/>
-              <a:t>없으면 이 대화상자 삭제</a:t>
-            </a:r>
-            <a:r>
-              <a:rPr lang="en-US" altLang="ko-KR" dirty="0"/>
-              <a:t>)</a:t>
-            </a:r>
-            <a:endParaRPr lang="ko-KR" altLang="en-US" dirty="0"/>
           </a:p>
         </p:txBody>
       </p:sp>
@@ -19968,8 +18293,8 @@
         </p:nvSpPr>
         <p:spPr>
           <a:xfrm>
-            <a:off x="818712" y="3428999"/>
-            <a:ext cx="10554600" cy="2429887"/>
+            <a:off x="3560064" y="3428999"/>
+            <a:ext cx="7813248" cy="2429887"/>
           </a:xfrm>
           <a:prstGeom prst="rect">
             <a:avLst/>
@@ -20005,7 +18330,7 @@
               <a:buSzPts val="1500"/>
             </a:pPr>
             <a:r>
-              <a:rPr lang="ko-KR" sz="1700" dirty="0">
+              <a:rPr lang="ko-KR" sz="1900" dirty="0">
                 <a:solidFill>
                   <a:srgbClr val="FFFFFF"/>
                 </a:solidFill>
@@ -20015,7 +18340,7 @@
               <a:t>체력, 방어력, </a:t>
             </a:r>
             <a:r>
-              <a:rPr lang="ko-KR" altLang="en-US" sz="1700" dirty="0">
+              <a:rPr lang="ko-KR" altLang="en-US" sz="1900" dirty="0">
                 <a:solidFill>
                   <a:srgbClr val="FFFFFF"/>
                 </a:solidFill>
@@ -20024,16 +18349,25 @@
               <a:t>이동속도</a:t>
             </a:r>
             <a:r>
-              <a:rPr lang="ko-KR" sz="1700" dirty="0">
+              <a:rPr lang="ko-KR" sz="1900" dirty="0">
                 <a:solidFill>
                   <a:srgbClr val="FFFFFF"/>
                 </a:solidFill>
                 <a:latin typeface="+mn-ea"/>
                 <a:ea typeface="+mn-ea"/>
               </a:rPr>
-              <a:t>가 낮음</a:t>
-            </a:r>
-            <a:endParaRPr sz="1700" dirty="0">
+              <a:t>가 </a:t>
+            </a:r>
+            <a:r>
+              <a:rPr lang="ko-KR" altLang="en-US" sz="1900" dirty="0">
+                <a:solidFill>
+                  <a:srgbClr val="FFFFFF"/>
+                </a:solidFill>
+                <a:latin typeface="+mn-ea"/>
+              </a:rPr>
+              <a:t>가장 낮은 암살자 타입</a:t>
+            </a:r>
+            <a:endParaRPr sz="1900" dirty="0">
               <a:solidFill>
                 <a:srgbClr val="FFFFFF"/>
               </a:solidFill>
@@ -20055,7 +18389,7 @@
               <a:buSzPts val="1500"/>
             </a:pPr>
             <a:r>
-              <a:rPr lang="ko-KR" altLang="en-US" sz="1700" dirty="0">
+              <a:rPr lang="ko-KR" altLang="en-US" sz="1900" dirty="0">
                 <a:solidFill>
                   <a:srgbClr val="FFFFFF"/>
                 </a:solidFill>
@@ -20063,7 +18397,7 @@
               </a:rPr>
               <a:t>수직 이동시 부스터를 소모하는 양이 적다</a:t>
             </a:r>
-            <a:endParaRPr sz="1700" dirty="0">
+            <a:endParaRPr sz="1900" dirty="0">
               <a:solidFill>
                 <a:srgbClr val="FFFFFF"/>
               </a:solidFill>
@@ -20085,7 +18419,7 @@
               <a:buSzPts val="1500"/>
             </a:pPr>
             <a:r>
-              <a:rPr lang="ko-KR" sz="1700" dirty="0">
+              <a:rPr lang="ko-KR" sz="1900" dirty="0">
                 <a:solidFill>
                   <a:srgbClr val="FFFFFF"/>
                 </a:solidFill>
@@ -20095,7 +18429,7 @@
               <a:t>시야</a:t>
             </a:r>
             <a:r>
-              <a:rPr lang="ko-KR" altLang="en-US" sz="1700" dirty="0">
+              <a:rPr lang="ko-KR" altLang="en-US" sz="1900" dirty="0">
                 <a:solidFill>
                   <a:srgbClr val="FFFFFF"/>
                 </a:solidFill>
@@ -20105,17 +18439,27 @@
               <a:t>가 멀고</a:t>
             </a:r>
             <a:r>
-              <a:rPr lang="ko-KR" sz="1700" dirty="0">
+              <a:rPr lang="en-US" altLang="ko-KR" sz="1900" dirty="0">
                 <a:solidFill>
                   <a:srgbClr val="FFFFFF"/>
                 </a:solidFill>
                 <a:latin typeface="+mn-ea"/>
                 <a:ea typeface="+mn-ea"/>
               </a:rPr>
+              <a:t>,</a:t>
+            </a:r>
+            <a:r>
+              <a:rPr lang="ko-KR" sz="1900" dirty="0">
+                <a:solidFill>
+                  <a:srgbClr val="FFFFFF"/>
+                </a:solidFill>
+                <a:latin typeface="+mn-ea"/>
+                <a:ea typeface="+mn-ea"/>
+              </a:rPr>
               <a:t> 자동</a:t>
             </a:r>
             <a:r>
-              <a:rPr lang="en-US" altLang="ko-KR" sz="1700" dirty="0">
+              <a:rPr lang="en-US" altLang="ko-KR" sz="1900" dirty="0">
                 <a:solidFill>
                   <a:srgbClr val="FFFFFF"/>
                 </a:solidFill>
@@ -20125,7 +18469,7 @@
               <a:t> </a:t>
             </a:r>
             <a:r>
-              <a:rPr lang="ko-KR" sz="1700" dirty="0">
+              <a:rPr lang="ko-KR" sz="1900" dirty="0">
                 <a:solidFill>
                   <a:srgbClr val="FFFFFF"/>
                 </a:solidFill>
@@ -20135,7 +18479,7 @@
               <a:t>조준</a:t>
             </a:r>
             <a:r>
-              <a:rPr lang="ko-KR" altLang="en-US" sz="1700" dirty="0">
+              <a:rPr lang="ko-KR" altLang="en-US" sz="1900" dirty="0">
                 <a:solidFill>
                   <a:srgbClr val="FFFFFF"/>
                 </a:solidFill>
@@ -20145,7 +18489,7 @@
               <a:t>이 되는</a:t>
             </a:r>
             <a:r>
-              <a:rPr lang="ko-KR" sz="1700" dirty="0">
+              <a:rPr lang="ko-KR" sz="1900" dirty="0">
                 <a:solidFill>
                   <a:srgbClr val="FFFFFF"/>
                 </a:solidFill>
@@ -20155,7 +18499,7 @@
               <a:t> 거리가 </a:t>
             </a:r>
             <a:r>
-              <a:rPr lang="ko-KR" altLang="en-US" sz="1700" dirty="0">
+              <a:rPr lang="ko-KR" altLang="en-US" sz="1900" dirty="0">
                 <a:solidFill>
                   <a:srgbClr val="FFFFFF"/>
                 </a:solidFill>
@@ -20163,13 +18507,35 @@
               </a:rPr>
               <a:t>길다</a:t>
             </a:r>
-            <a:endParaRPr sz="1700" dirty="0">
+            <a:endParaRPr lang="en-US" altLang="ko-KR" sz="1900" dirty="0">
               <a:solidFill>
                 <a:srgbClr val="FFFFFF"/>
               </a:solidFill>
               <a:latin typeface="+mn-ea"/>
-              <a:ea typeface="+mn-ea"/>
             </a:endParaRPr>
+          </a:p>
+          <a:p>
+            <a:pPr marL="304800" indent="-285750">
+              <a:lnSpc>
+                <a:spcPct val="150000"/>
+              </a:lnSpc>
+              <a:spcBef>
+                <a:spcPts val="0"/>
+              </a:spcBef>
+              <a:spcAft>
+                <a:spcPts val="0"/>
+              </a:spcAft>
+              <a:buSzPts val="1500"/>
+            </a:pPr>
+            <a:r>
+              <a:rPr lang="ko-KR" altLang="en-US" sz="1900" dirty="0">
+                <a:solidFill>
+                  <a:srgbClr val="FFFFFF"/>
+                </a:solidFill>
+                <a:latin typeface="+mn-ea"/>
+              </a:rPr>
+              <a:t>원거리 전투에 적합한 무장을 갖추고 있다</a:t>
+            </a:r>
           </a:p>
         </p:txBody>
       </p:sp>
@@ -20456,57 +18822,6 @@
               </a:rPr>
               <a:t>원거리 캐릭터</a:t>
             </a:r>
-          </a:p>
-        </p:txBody>
-      </p:sp>
-      <p:sp>
-        <p:nvSpPr>
-          <p:cNvPr id="11" name="TextBox 10">
-            <a:extLst>
-              <a:ext uri="{FF2B5EF4-FFF2-40B4-BE49-F238E27FC236}">
-                <a16:creationId xmlns:a16="http://schemas.microsoft.com/office/drawing/2014/main" id="{B7C4144D-48B1-454D-AC8C-154E611EE9E4}"/>
-              </a:ext>
-            </a:extLst>
-          </p:cNvPr>
-          <p:cNvSpPr txBox="1"/>
-          <p:nvPr/>
-        </p:nvSpPr>
-        <p:spPr>
-          <a:xfrm>
-            <a:off x="7735613" y="3859924"/>
-            <a:ext cx="2961413" cy="646331"/>
-          </a:xfrm>
-          <a:prstGeom prst="rect">
-            <a:avLst/>
-          </a:prstGeom>
-          <a:noFill/>
-        </p:spPr>
-        <p:txBody>
-          <a:bodyPr wrap="square" rtlCol="0">
-            <a:spAutoFit/>
-          </a:bodyPr>
-          <a:lstStyle/>
-          <a:p>
-            <a:r>
-              <a:rPr lang="ko-KR" altLang="en-US" dirty="0"/>
-              <a:t>여기에 모델링 사진 </a:t>
-            </a:r>
-            <a:endParaRPr lang="en-US" altLang="ko-KR" dirty="0"/>
-          </a:p>
-          <a:p>
-            <a:r>
-              <a:rPr lang="en-US" altLang="ko-KR" dirty="0"/>
-              <a:t>(</a:t>
-            </a:r>
-            <a:r>
-              <a:rPr lang="ko-KR" altLang="en-US" dirty="0"/>
-              <a:t>없으면 이 대화상자 삭제</a:t>
-            </a:r>
-            <a:r>
-              <a:rPr lang="en-US" altLang="ko-KR" dirty="0"/>
-              <a:t>)</a:t>
-            </a:r>
-            <a:endParaRPr lang="ko-KR" altLang="en-US" dirty="0"/>
           </a:p>
         </p:txBody>
       </p:sp>

--- a/design/알약전사_발표ppt.pptx
+++ b/design/알약전사_발표ppt.pptx
@@ -272,7 +272,7 @@
           <a:p>
             <a:fld id="{91E23A69-A730-4BF6-8DEA-FD1E0013C869}" type="datetimeFigureOut">
               <a:rPr lang="ko-KR" altLang="en-US" smtClean="0"/>
-              <a:t>2018-12-13</a:t>
+              <a:t>2018-12-21</a:t>
             </a:fld>
             <a:endParaRPr lang="ko-KR" altLang="en-US"/>
           </a:p>
@@ -2616,7 +2616,7 @@
           <a:effectLst/>
           <a:extLst>
             <a:ext uri="{91240B29-F687-4f45-9708-019B960494DF}">
-              <a14:hiddenLine xmlns="" xmlns:a14="http://schemas.microsoft.com/office/drawing/2010/main" w="9525">
+              <a14:hiddenLine xmlns:a14="http://schemas.microsoft.com/office/drawing/2010/main" xmlns="" w="9525">
                 <a:solidFill>
                   <a:srgbClr val="000000"/>
                 </a:solidFill>
@@ -2806,9 +2806,9 @@
           <a:bodyPr/>
           <a:lstStyle/>
           <a:p>
-            <a:fld id="{EE929141-987B-4E0E-8A1C-0D0C5E34CD8A}" type="datetime1">
+            <a:fld id="{548F7966-5BD4-4160-AD07-F2A26FA357E6}" type="datetime1">
               <a:rPr lang="ko-KR" altLang="en-US" smtClean="0"/>
-              <a:t>2018-12-13</a:t>
+              <a:t>2018-12-21</a:t>
             </a:fld>
             <a:endParaRPr lang="ko-KR" altLang="en-US"/>
           </a:p>
@@ -3124,9 +3124,9 @@
           <a:bodyPr/>
           <a:lstStyle/>
           <a:p>
-            <a:fld id="{1F9442AD-A711-4F07-AF92-61D330AD20B2}" type="datetime1">
+            <a:fld id="{4FB1B36F-3081-43B1-830A-31F15C25C5A1}" type="datetime1">
               <a:rPr lang="ko-KR" altLang="en-US" smtClean="0"/>
-              <a:t>2018-12-13</a:t>
+              <a:t>2018-12-21</a:t>
             </a:fld>
             <a:endParaRPr lang="ko-KR" altLang="en-US"/>
           </a:p>
@@ -3612,9 +3612,9 @@
           <a:bodyPr/>
           <a:lstStyle/>
           <a:p>
-            <a:fld id="{6F82643C-D9FF-4B24-B73E-D589B63AA460}" type="datetime1">
+            <a:fld id="{189EA911-28D4-4C64-B84A-4EBF339DB45D}" type="datetime1">
               <a:rPr lang="ko-KR" altLang="en-US" smtClean="0"/>
-              <a:t>2018-12-13</a:t>
+              <a:t>2018-12-21</a:t>
             </a:fld>
             <a:endParaRPr lang="ko-KR" altLang="en-US"/>
           </a:p>
@@ -3981,9 +3981,9 @@
           <a:bodyPr/>
           <a:lstStyle/>
           <a:p>
-            <a:fld id="{DA6D1534-38D3-446E-A87B-41ED7EA6F28B}" type="datetime1">
+            <a:fld id="{2845077F-6428-444E-AF37-1695B56876CC}" type="datetime1">
               <a:rPr lang="ko-KR" altLang="en-US" smtClean="0"/>
-              <a:t>2018-12-13</a:t>
+              <a:t>2018-12-21</a:t>
             </a:fld>
             <a:endParaRPr lang="ko-KR" altLang="en-US"/>
           </a:p>
@@ -4138,7 +4138,7 @@
           <a:ln/>
           <a:extLst>
             <a:ext uri="{91240B29-F687-4f45-9708-019B960494DF}">
-              <a14:hiddenLine xmlns="" xmlns:a14="http://schemas.microsoft.com/office/drawing/2010/main" w="9525">
+              <a14:hiddenLine xmlns:a14="http://schemas.microsoft.com/office/drawing/2010/main" xmlns="" w="9525">
                 <a:solidFill>
                   <a:srgbClr val="000000"/>
                 </a:solidFill>
@@ -4254,9 +4254,9 @@
           <a:bodyPr/>
           <a:lstStyle/>
           <a:p>
-            <a:fld id="{E1B5ECCB-99D1-481F-8164-6090A1775B37}" type="datetime1">
+            <a:fld id="{A8E8095C-4D3B-47E5-9F6E-1D2F9055E017}" type="datetime1">
               <a:rPr lang="ko-KR" altLang="en-US" smtClean="0"/>
-              <a:t>2018-12-13</a:t>
+              <a:t>2018-12-21</a:t>
             </a:fld>
             <a:endParaRPr lang="ko-KR" altLang="en-US"/>
           </a:p>
@@ -4413,7 +4413,7 @@
           <a:ln/>
           <a:extLst>
             <a:ext uri="{91240B29-F687-4f45-9708-019B960494DF}">
-              <a14:hiddenLine xmlns="" xmlns:a14="http://schemas.microsoft.com/office/drawing/2010/main" w="9525">
+              <a14:hiddenLine xmlns:a14="http://schemas.microsoft.com/office/drawing/2010/main" xmlns="" w="9525">
                 <a:solidFill>
                   <a:srgbClr val="000000"/>
                 </a:solidFill>
@@ -4539,9 +4539,9 @@
           <a:bodyPr/>
           <a:lstStyle/>
           <a:p>
-            <a:fld id="{1F36E58F-1A82-4A42-989B-D07B942E1FCE}" type="datetime1">
+            <a:fld id="{A9C73691-F8DF-41E7-A21C-37A8DF69CD1D}" type="datetime1">
               <a:rPr lang="ko-KR" altLang="en-US" smtClean="0"/>
-              <a:t>2018-12-13</a:t>
+              <a:t>2018-12-21</a:t>
             </a:fld>
             <a:endParaRPr lang="ko-KR" altLang="en-US"/>
           </a:p>
@@ -4696,7 +4696,7 @@
           <a:ln/>
           <a:extLst>
             <a:ext uri="{91240B29-F687-4f45-9708-019B960494DF}">
-              <a14:hiddenLine xmlns="" xmlns:a14="http://schemas.microsoft.com/office/drawing/2010/main" w="9525">
+              <a14:hiddenLine xmlns:a14="http://schemas.microsoft.com/office/drawing/2010/main" xmlns="" w="9525">
                 <a:solidFill>
                   <a:srgbClr val="000000"/>
                 </a:solidFill>
@@ -4822,9 +4822,9 @@
           <a:bodyPr/>
           <a:lstStyle/>
           <a:p>
-            <a:fld id="{C03EDFE7-914D-4046-A60E-33D8623911A0}" type="datetime1">
+            <a:fld id="{DD809311-7180-4696-A2A6-EF179EEC101A}" type="datetime1">
               <a:rPr lang="ko-KR" altLang="en-US" smtClean="0"/>
-              <a:t>2018-12-13</a:t>
+              <a:t>2018-12-21</a:t>
             </a:fld>
             <a:endParaRPr lang="ko-KR" altLang="en-US"/>
           </a:p>
@@ -4880,7 +4880,7 @@
             </a:fld>
             <a:r>
               <a:rPr lang="en-US" altLang="ko-KR" dirty="0"/>
-              <a:t>/19</a:t>
+              <a:t>/20</a:t>
             </a:r>
             <a:endParaRPr lang="ko-KR" altLang="en-US" dirty="0"/>
           </a:p>
@@ -5179,9 +5179,9 @@
           <a:bodyPr/>
           <a:lstStyle/>
           <a:p>
-            <a:fld id="{AA7BC0C3-320C-461F-925D-4A93EEF6A707}" type="datetime1">
+            <a:fld id="{3245A063-ADEE-4787-8FA8-652C2A389440}" type="datetime1">
               <a:rPr lang="ko-KR" altLang="en-US" smtClean="0"/>
-              <a:t>2018-12-13</a:t>
+              <a:t>2018-12-21</a:t>
             </a:fld>
             <a:endParaRPr lang="ko-KR" altLang="en-US"/>
           </a:p>
@@ -5336,7 +5336,7 @@
           <a:ln/>
           <a:extLst>
             <a:ext uri="{91240B29-F687-4f45-9708-019B960494DF}">
-              <a14:hiddenLine xmlns="" xmlns:a14="http://schemas.microsoft.com/office/drawing/2010/main" w="9525">
+              <a14:hiddenLine xmlns:a14="http://schemas.microsoft.com/office/drawing/2010/main" xmlns="" w="9525">
                 <a:solidFill>
                   <a:srgbClr val="000000"/>
                 </a:solidFill>
@@ -5518,9 +5518,9 @@
           <a:bodyPr/>
           <a:lstStyle/>
           <a:p>
-            <a:fld id="{2FFB0AF4-ECE2-4057-8D3B-8B2263B0CFA0}" type="datetime1">
+            <a:fld id="{DB8C7317-A013-46BD-B7A0-280AC84F6132}" type="datetime1">
               <a:rPr lang="ko-KR" altLang="en-US" smtClean="0"/>
-              <a:t>2018-12-13</a:t>
+              <a:t>2018-12-21</a:t>
             </a:fld>
             <a:endParaRPr lang="ko-KR" altLang="en-US"/>
           </a:p>
@@ -5675,7 +5675,7 @@
           <a:ln/>
           <a:extLst>
             <a:ext uri="{91240B29-F687-4f45-9708-019B960494DF}">
-              <a14:hiddenLine xmlns="" xmlns:a14="http://schemas.microsoft.com/office/drawing/2010/main" w="9525">
+              <a14:hiddenLine xmlns:a14="http://schemas.microsoft.com/office/drawing/2010/main" xmlns="" w="9525">
                 <a:solidFill>
                   <a:srgbClr val="000000"/>
                 </a:solidFill>
@@ -5995,9 +5995,9 @@
           <a:bodyPr/>
           <a:lstStyle/>
           <a:p>
-            <a:fld id="{D1E5018E-F1AF-4CAA-9DD5-BA77B6C40E95}" type="datetime1">
+            <a:fld id="{76C71E5E-3352-4FD5-9473-ABFBF1FB28BF}" type="datetime1">
               <a:rPr lang="ko-KR" altLang="en-US" smtClean="0"/>
-              <a:t>2018-12-13</a:t>
+              <a:t>2018-12-21</a:t>
             </a:fld>
             <a:endParaRPr lang="ko-KR" altLang="en-US"/>
           </a:p>
@@ -6152,7 +6152,7 @@
           <a:ln/>
           <a:extLst>
             <a:ext uri="{91240B29-F687-4f45-9708-019B960494DF}">
-              <a14:hiddenLine xmlns="" xmlns:a14="http://schemas.microsoft.com/office/drawing/2010/main" w="9525">
+              <a14:hiddenLine xmlns:a14="http://schemas.microsoft.com/office/drawing/2010/main" xmlns="" w="9525">
                 <a:solidFill>
                   <a:srgbClr val="000000"/>
                 </a:solidFill>
@@ -6216,9 +6216,9 @@
           <a:bodyPr/>
           <a:lstStyle/>
           <a:p>
-            <a:fld id="{2EB65A91-4B35-4702-A24C-ECBC0E47F3C9}" type="datetime1">
+            <a:fld id="{887FBF94-B83F-47CD-861D-C43945A088CA}" type="datetime1">
               <a:rPr lang="ko-KR" altLang="en-US" smtClean="0"/>
-              <a:t>2018-12-13</a:t>
+              <a:t>2018-12-21</a:t>
             </a:fld>
             <a:endParaRPr lang="ko-KR" altLang="en-US"/>
           </a:p>
@@ -6311,9 +6311,9 @@
           <a:bodyPr/>
           <a:lstStyle/>
           <a:p>
-            <a:fld id="{8056736B-4A53-4FA4-8E59-8BB049B3B73C}" type="datetime1">
+            <a:fld id="{B8C9840D-832F-4E9D-9E20-C04EC41F3B9F}" type="datetime1">
               <a:rPr lang="ko-KR" altLang="en-US" smtClean="0"/>
-              <a:t>2018-12-13</a:t>
+              <a:t>2018-12-21</a:t>
             </a:fld>
             <a:endParaRPr lang="ko-KR" altLang="en-US"/>
           </a:p>
@@ -6581,7 +6581,7 @@
           <a:ln/>
           <a:extLst>
             <a:ext uri="{91240B29-F687-4f45-9708-019B960494DF}">
-              <a14:hiddenLine xmlns="" xmlns:a14="http://schemas.microsoft.com/office/drawing/2010/main" w="9525">
+              <a14:hiddenLine xmlns:a14="http://schemas.microsoft.com/office/drawing/2010/main" xmlns="" w="9525">
                 <a:solidFill>
                   <a:srgbClr val="000000"/>
                 </a:solidFill>
@@ -6778,9 +6778,9 @@
           <a:bodyPr/>
           <a:lstStyle/>
           <a:p>
-            <a:fld id="{C942AD11-C483-4887-8737-CC24028AEEAD}" type="datetime1">
+            <a:fld id="{A44102A5-EE99-4E3C-90F2-31138254893B}" type="datetime1">
               <a:rPr lang="ko-KR" altLang="en-US" smtClean="0"/>
-              <a:t>2018-12-13</a:t>
+              <a:t>2018-12-21</a:t>
             </a:fld>
             <a:endParaRPr lang="ko-KR" altLang="en-US"/>
           </a:p>
@@ -7091,9 +7091,9 @@
           <a:bodyPr/>
           <a:lstStyle/>
           <a:p>
-            <a:fld id="{9CA6E81C-E4EF-482F-BC78-6F664451D9FB}" type="datetime1">
+            <a:fld id="{DE2E4255-50F2-43D2-A2C1-2EAA9B106B03}" type="datetime1">
               <a:rPr lang="ko-KR" altLang="en-US" smtClean="0"/>
-              <a:t>2018-12-13</a:t>
+              <a:t>2018-12-21</a:t>
             </a:fld>
             <a:endParaRPr lang="ko-KR" altLang="en-US"/>
           </a:p>
@@ -7361,9 +7361,9 @@
             </a:lvl1pPr>
           </a:lstStyle>
           <a:p>
-            <a:fld id="{F706A5A2-9EB7-40B5-A512-DBBE4894DCB4}" type="datetime1">
+            <a:fld id="{91C2DAA2-BB4E-4B89-87AF-A60DA25F0B11}" type="datetime1">
               <a:rPr lang="ko-KR" altLang="en-US" smtClean="0"/>
-              <a:t>2018-12-13</a:t>
+              <a:t>2018-12-21</a:t>
             </a:fld>
             <a:endParaRPr lang="ko-KR" altLang="en-US"/>
           </a:p>
@@ -8938,10 +8938,10 @@
       </p:pic>
       <p:sp>
         <p:nvSpPr>
-          <p:cNvPr id="2" name="슬라이드 번호 개체 틀 1">
+          <p:cNvPr id="3" name="슬라이드 번호 개체 틀 2">
             <a:extLst>
               <a:ext uri="{FF2B5EF4-FFF2-40B4-BE49-F238E27FC236}">
-                <a16:creationId xmlns:a16="http://schemas.microsoft.com/office/drawing/2014/main" id="{1A7F3F04-0E19-4691-B3FA-76F184877A7A}"/>
+                <a16:creationId xmlns:a16="http://schemas.microsoft.com/office/drawing/2014/main" id="{91AAB6E8-F1ED-4374-874B-C61AE4A0D0B9}"/>
               </a:ext>
             </a:extLst>
           </p:cNvPr>
@@ -8964,7 +8964,7 @@
             </a:fld>
             <a:r>
               <a:rPr lang="en-US" altLang="ko-KR"/>
-              <a:t>/19</a:t>
+              <a:t>/20</a:t>
             </a:r>
             <a:endParaRPr lang="ko-KR" altLang="en-US" dirty="0"/>
           </a:p>
@@ -9805,10 +9805,10 @@
       </p:cxnSp>
       <p:sp>
         <p:nvSpPr>
-          <p:cNvPr id="2" name="슬라이드 번호 개체 틀 1">
+          <p:cNvPr id="3" name="슬라이드 번호 개체 틀 2">
             <a:extLst>
               <a:ext uri="{FF2B5EF4-FFF2-40B4-BE49-F238E27FC236}">
-                <a16:creationId xmlns:a16="http://schemas.microsoft.com/office/drawing/2014/main" id="{31EBC60E-08E7-4FC8-8BF8-312DF0654219}"/>
+                <a16:creationId xmlns:a16="http://schemas.microsoft.com/office/drawing/2014/main" id="{40B9198B-F4E7-4386-ACA8-ED4DC315C0B4}"/>
               </a:ext>
             </a:extLst>
           </p:cNvPr>
@@ -9831,7 +9831,7 @@
             </a:fld>
             <a:r>
               <a:rPr lang="en-US" altLang="ko-KR"/>
-              <a:t>/19</a:t>
+              <a:t>/20</a:t>
             </a:r>
             <a:endParaRPr lang="ko-KR" altLang="en-US" dirty="0"/>
           </a:p>
@@ -10450,10 +10450,10 @@
       </p:sp>
       <p:sp>
         <p:nvSpPr>
-          <p:cNvPr id="2" name="슬라이드 번호 개체 틀 1">
+          <p:cNvPr id="3" name="슬라이드 번호 개체 틀 2">
             <a:extLst>
               <a:ext uri="{FF2B5EF4-FFF2-40B4-BE49-F238E27FC236}">
-                <a16:creationId xmlns:a16="http://schemas.microsoft.com/office/drawing/2014/main" id="{B076CF9C-755D-4308-B739-8ADC3747A213}"/>
+                <a16:creationId xmlns:a16="http://schemas.microsoft.com/office/drawing/2014/main" id="{B540C0B3-5197-4B96-AD7F-ABC4E999CFA5}"/>
               </a:ext>
             </a:extLst>
           </p:cNvPr>
@@ -10476,7 +10476,7 @@
             </a:fld>
             <a:r>
               <a:rPr lang="en-US" altLang="ko-KR"/>
-              <a:t>/19</a:t>
+              <a:t>/20</a:t>
             </a:r>
             <a:endParaRPr lang="ko-KR" altLang="en-US" dirty="0"/>
           </a:p>
@@ -10790,10 +10790,10 @@
       </p:pic>
       <p:sp>
         <p:nvSpPr>
-          <p:cNvPr id="7" name="슬라이드 번호 개체 틀 6">
+          <p:cNvPr id="5" name="슬라이드 번호 개체 틀 4">
             <a:extLst>
               <a:ext uri="{FF2B5EF4-FFF2-40B4-BE49-F238E27FC236}">
-                <a16:creationId xmlns:a16="http://schemas.microsoft.com/office/drawing/2014/main" id="{C67A5F7A-E684-4B1D-A103-1844AF941AED}"/>
+                <a16:creationId xmlns:a16="http://schemas.microsoft.com/office/drawing/2014/main" id="{C3037AEC-FA0B-4991-AA1F-E59DECD2BC1E}"/>
               </a:ext>
             </a:extLst>
           </p:cNvPr>
@@ -10816,7 +10816,7 @@
             </a:fld>
             <a:r>
               <a:rPr lang="en-US" altLang="ko-KR"/>
-              <a:t>/19</a:t>
+              <a:t>/20</a:t>
             </a:r>
             <a:endParaRPr lang="ko-KR" altLang="en-US" dirty="0"/>
           </a:p>
@@ -11513,10 +11513,10 @@
       </p:sp>
       <p:sp>
         <p:nvSpPr>
-          <p:cNvPr id="2" name="슬라이드 번호 개체 틀 1">
+          <p:cNvPr id="3" name="슬라이드 번호 개체 틀 2">
             <a:extLst>
               <a:ext uri="{FF2B5EF4-FFF2-40B4-BE49-F238E27FC236}">
-                <a16:creationId xmlns:a16="http://schemas.microsoft.com/office/drawing/2014/main" id="{A5F708A1-E742-4E7A-98D6-9DF0FF7F3E3D}"/>
+                <a16:creationId xmlns:a16="http://schemas.microsoft.com/office/drawing/2014/main" id="{DF4C7A2D-2E59-4BA2-A4D4-5F9EBF4E5C90}"/>
               </a:ext>
             </a:extLst>
           </p:cNvPr>
@@ -11539,7 +11539,7 @@
             </a:fld>
             <a:r>
               <a:rPr lang="en-US" altLang="ko-KR"/>
-              <a:t>/19</a:t>
+              <a:t>/20</a:t>
             </a:r>
             <a:endParaRPr lang="ko-KR" altLang="en-US" dirty="0"/>
           </a:p>
@@ -11647,45 +11647,6 @@
               <a:rPr lang="ko-KR" altLang="en-US" dirty="0"/>
               <a:t>아이템을 사용하는 것으로 이로운 효과를 얻는다</a:t>
             </a:r>
-          </a:p>
-        </p:txBody>
-      </p:sp>
-      <p:sp>
-        <p:nvSpPr>
-          <p:cNvPr id="4" name="슬라이드 번호 개체 틀 3">
-            <a:extLst>
-              <a:ext uri="{FF2B5EF4-FFF2-40B4-BE49-F238E27FC236}">
-                <a16:creationId xmlns:a16="http://schemas.microsoft.com/office/drawing/2014/main" id="{03BBEB6A-17B7-48DB-8E5F-1AC3A726BA47}"/>
-              </a:ext>
-            </a:extLst>
-          </p:cNvPr>
-          <p:cNvSpPr>
-            <a:spLocks noGrp="1"/>
-          </p:cNvSpPr>
-          <p:nvPr>
-            <p:ph type="sldNum" sz="quarter" idx="12"/>
-          </p:nvPr>
-        </p:nvSpPr>
-        <p:spPr>
-          <a:xfrm>
-            <a:off x="10917124" y="6161187"/>
-            <a:ext cx="1062155" cy="490599"/>
-          </a:xfrm>
-        </p:spPr>
-        <p:txBody>
-          <a:bodyPr/>
-          <a:lstStyle/>
-          <a:p>
-            <a:fld id="{22F905C2-50D5-44AC-866D-A51ECBF004AC}" type="slidenum">
-              <a:rPr lang="ko-KR" altLang="en-US" smtClean="0"/>
-              <a:pPr/>
-              <a:t>15</a:t>
-            </a:fld>
-            <a:r>
-              <a:rPr lang="en-US" altLang="ko-KR"/>
-              <a:t>/19</a:t>
-            </a:r>
-            <a:endParaRPr lang="ko-KR" altLang="en-US" dirty="0"/>
           </a:p>
         </p:txBody>
       </p:sp>
@@ -11741,6 +11702,40 @@
           </a:extLst>
         </p:spPr>
       </p:pic>
+      <p:sp>
+        <p:nvSpPr>
+          <p:cNvPr id="5" name="슬라이드 번호 개체 틀 4">
+            <a:extLst>
+              <a:ext uri="{FF2B5EF4-FFF2-40B4-BE49-F238E27FC236}">
+                <a16:creationId xmlns:a16="http://schemas.microsoft.com/office/drawing/2014/main" id="{AE4A251C-85E4-4D9A-9D86-51D3F497652A}"/>
+              </a:ext>
+            </a:extLst>
+          </p:cNvPr>
+          <p:cNvSpPr>
+            <a:spLocks noGrp="1"/>
+          </p:cNvSpPr>
+          <p:nvPr>
+            <p:ph type="sldNum" sz="quarter" idx="12"/>
+          </p:nvPr>
+        </p:nvSpPr>
+        <p:spPr/>
+        <p:txBody>
+          <a:bodyPr/>
+          <a:lstStyle/>
+          <a:p>
+            <a:fld id="{22F905C2-50D5-44AC-866D-A51ECBF004AC}" type="slidenum">
+              <a:rPr lang="ko-KR" altLang="en-US" smtClean="0"/>
+              <a:pPr/>
+              <a:t>15</a:t>
+            </a:fld>
+            <a:r>
+              <a:rPr lang="en-US" altLang="ko-KR"/>
+              <a:t>/20</a:t>
+            </a:r>
+            <a:endParaRPr lang="ko-KR" altLang="en-US" dirty="0"/>
+          </a:p>
+        </p:txBody>
+      </p:sp>
     </p:spTree>
     <p:extLst>
       <p:ext uri="{BB962C8B-B14F-4D97-AF65-F5344CB8AC3E}">
@@ -12498,10 +12493,10 @@
       </p:sp>
       <p:sp>
         <p:nvSpPr>
-          <p:cNvPr id="2" name="슬라이드 번호 개체 틀 1">
+          <p:cNvPr id="4" name="슬라이드 번호 개체 틀 3">
             <a:extLst>
               <a:ext uri="{FF2B5EF4-FFF2-40B4-BE49-F238E27FC236}">
-                <a16:creationId xmlns:a16="http://schemas.microsoft.com/office/drawing/2014/main" id="{B8F3033A-3020-4EDF-BD89-EC2CC3B7A8E3}"/>
+                <a16:creationId xmlns:a16="http://schemas.microsoft.com/office/drawing/2014/main" id="{B4FB9E6C-84E8-44CD-8133-A6926F7EDA8E}"/>
               </a:ext>
             </a:extLst>
           </p:cNvPr>
@@ -12524,7 +12519,7 @@
             </a:fld>
             <a:r>
               <a:rPr lang="en-US" altLang="ko-KR"/>
-              <a:t>/19</a:t>
+              <a:t>/20</a:t>
             </a:r>
             <a:endParaRPr lang="ko-KR" altLang="en-US" dirty="0"/>
           </a:p>
@@ -13389,10 +13384,10 @@
       </p:sp>
       <p:sp>
         <p:nvSpPr>
-          <p:cNvPr id="2" name="슬라이드 번호 개체 틀 1">
+          <p:cNvPr id="3" name="슬라이드 번호 개체 틀 2">
             <a:extLst>
               <a:ext uri="{FF2B5EF4-FFF2-40B4-BE49-F238E27FC236}">
-                <a16:creationId xmlns:a16="http://schemas.microsoft.com/office/drawing/2014/main" id="{DDF45B99-5E15-4F31-8B86-02448EEE57A9}"/>
+                <a16:creationId xmlns:a16="http://schemas.microsoft.com/office/drawing/2014/main" id="{0DA5C2FE-A3FD-4589-A2E8-9C4739286A84}"/>
               </a:ext>
             </a:extLst>
           </p:cNvPr>
@@ -13415,7 +13410,7 @@
             </a:fld>
             <a:r>
               <a:rPr lang="en-US" altLang="ko-KR"/>
-              <a:t>/19</a:t>
+              <a:t>/20</a:t>
             </a:r>
             <a:endParaRPr lang="ko-KR" altLang="en-US" dirty="0"/>
           </a:p>
@@ -13560,40 +13555,6 @@
               <a:rPr lang="ko-KR" altLang="en-US" dirty="0"/>
               <a:t>모델 기반 서버 개발</a:t>
             </a:r>
-          </a:p>
-        </p:txBody>
-      </p:sp>
-      <p:sp>
-        <p:nvSpPr>
-          <p:cNvPr id="4" name="슬라이드 번호 개체 틀 3">
-            <a:extLst>
-              <a:ext uri="{FF2B5EF4-FFF2-40B4-BE49-F238E27FC236}">
-                <a16:creationId xmlns:a16="http://schemas.microsoft.com/office/drawing/2014/main" id="{992D6BB7-EA41-40E6-B8FF-BADBDA78D1C0}"/>
-              </a:ext>
-            </a:extLst>
-          </p:cNvPr>
-          <p:cNvSpPr>
-            <a:spLocks noGrp="1"/>
-          </p:cNvSpPr>
-          <p:nvPr>
-            <p:ph type="sldNum" sz="quarter" idx="12"/>
-          </p:nvPr>
-        </p:nvSpPr>
-        <p:spPr/>
-        <p:txBody>
-          <a:bodyPr/>
-          <a:lstStyle/>
-          <a:p>
-            <a:fld id="{22F905C2-50D5-44AC-866D-A51ECBF004AC}" type="slidenum">
-              <a:rPr lang="ko-KR" altLang="en-US" smtClean="0"/>
-              <a:pPr/>
-              <a:t>18</a:t>
-            </a:fld>
-            <a:r>
-              <a:rPr lang="en-US" altLang="ko-KR"/>
-              <a:t>/19</a:t>
-            </a:r>
-            <a:endParaRPr lang="ko-KR" altLang="en-US" dirty="0"/>
           </a:p>
         </p:txBody>
       </p:sp>
@@ -13760,6 +13721,40 @@
           </a:ln>
         </p:spPr>
       </p:pic>
+      <p:sp>
+        <p:nvSpPr>
+          <p:cNvPr id="8" name="슬라이드 번호 개체 틀 7">
+            <a:extLst>
+              <a:ext uri="{FF2B5EF4-FFF2-40B4-BE49-F238E27FC236}">
+                <a16:creationId xmlns:a16="http://schemas.microsoft.com/office/drawing/2014/main" id="{6C593C1E-F81F-49F6-9622-188F61DEB2A2}"/>
+              </a:ext>
+            </a:extLst>
+          </p:cNvPr>
+          <p:cNvSpPr>
+            <a:spLocks noGrp="1"/>
+          </p:cNvSpPr>
+          <p:nvPr>
+            <p:ph type="sldNum" sz="quarter" idx="12"/>
+          </p:nvPr>
+        </p:nvSpPr>
+        <p:spPr/>
+        <p:txBody>
+          <a:bodyPr/>
+          <a:lstStyle/>
+          <a:p>
+            <a:fld id="{22F905C2-50D5-44AC-866D-A51ECBF004AC}" type="slidenum">
+              <a:rPr lang="ko-KR" altLang="en-US" smtClean="0"/>
+              <a:pPr/>
+              <a:t>18</a:t>
+            </a:fld>
+            <a:r>
+              <a:rPr lang="en-US" altLang="ko-KR"/>
+              <a:t>/20</a:t>
+            </a:r>
+            <a:endParaRPr lang="ko-KR" altLang="en-US" dirty="0"/>
+          </a:p>
+        </p:txBody>
+      </p:sp>
     </p:spTree>
     <p:extLst>
       <p:ext uri="{BB962C8B-B14F-4D97-AF65-F5344CB8AC3E}">
@@ -14254,10 +14249,10 @@
       </p:sp>
       <p:sp>
         <p:nvSpPr>
-          <p:cNvPr id="8" name="슬라이드 번호 개체 틀 7">
+          <p:cNvPr id="7" name="슬라이드 번호 개체 틀 6">
             <a:extLst>
               <a:ext uri="{FF2B5EF4-FFF2-40B4-BE49-F238E27FC236}">
-                <a16:creationId xmlns:a16="http://schemas.microsoft.com/office/drawing/2014/main" id="{76DA9E73-BDE0-4512-9CC8-650E0CA0803F}"/>
+                <a16:creationId xmlns:a16="http://schemas.microsoft.com/office/drawing/2014/main" id="{87CDD21E-EC71-4081-AB63-D14556E401F0}"/>
               </a:ext>
             </a:extLst>
           </p:cNvPr>
@@ -14280,7 +14275,7 @@
             </a:fld>
             <a:r>
               <a:rPr lang="en-US" altLang="ko-KR"/>
-              <a:t>/19</a:t>
+              <a:t>/20</a:t>
             </a:r>
             <a:endParaRPr lang="ko-KR" altLang="en-US" dirty="0"/>
           </a:p>
@@ -14592,7 +14587,7 @@
           <a:effectLst/>
           <a:extLst>
             <a:ext uri="{91240B29-F687-4f45-9708-019B960494DF}">
-              <a14:hiddenLine xmlns="" xmlns:a16="http://schemas.microsoft.com/office/drawing/2014/main" xmlns:p14="http://schemas.microsoft.com/office/powerpoint/2010/main" xmlns:a14="http://schemas.microsoft.com/office/drawing/2010/main" w="9525">
+              <a14:hiddenLine xmlns:a14="http://schemas.microsoft.com/office/drawing/2010/main" xmlns:p14="http://schemas.microsoft.com/office/powerpoint/2010/main" xmlns:a16="http://schemas.microsoft.com/office/drawing/2014/main" xmlns="" w="9525">
                 <a:solidFill>
                   <a:srgbClr val="000000"/>
                 </a:solidFill>
@@ -14773,6 +14768,26 @@
               </a:rPr>
               <a:t>..........................12~14</a:t>
             </a:r>
+          </a:p>
+          <a:p>
+            <a:pPr marL="869950" lvl="1">
+              <a:spcBef>
+                <a:spcPts val="0"/>
+              </a:spcBef>
+              <a:buSzPts val="1600"/>
+            </a:pPr>
+            <a:r>
+              <a:rPr lang="ko-KR" altLang="en-US" dirty="0">
+                <a:latin typeface="+mn-ea"/>
+              </a:rPr>
+              <a:t>아이템</a:t>
+            </a:r>
+            <a:r>
+              <a:rPr lang="en-US" altLang="ko-KR" dirty="0">
+                <a:latin typeface="+mn-ea"/>
+              </a:rPr>
+              <a:t>..................................15</a:t>
+            </a:r>
             <a:endParaRPr lang="ko-KR" altLang="en-US" dirty="0">
               <a:latin typeface="+mn-ea"/>
               <a:ea typeface="+mn-ea"/>
@@ -14797,7 +14812,7 @@
                 <a:latin typeface="+mn-ea"/>
                 <a:ea typeface="+mn-ea"/>
               </a:rPr>
-              <a:t>........................................15,16</a:t>
+              <a:t>........................................16,17</a:t>
             </a:r>
             <a:endParaRPr lang="ko-KR" altLang="en-US" dirty="0">
               <a:latin typeface="+mn-ea"/>
@@ -14838,7 +14853,7 @@
                 <a:latin typeface="+mn-ea"/>
                 <a:ea typeface="+mn-ea"/>
               </a:rPr>
-              <a:t>..........................................17</a:t>
+              <a:t>..........................................18</a:t>
             </a:r>
             <a:endParaRPr lang="ko-KR" altLang="en-US" dirty="0">
               <a:latin typeface="+mn-ea"/>
@@ -14885,7 +14900,7 @@
               <a:rPr lang="en-US" altLang="ko-KR" dirty="0">
                 <a:latin typeface="+mn-ea"/>
               </a:rPr>
-              <a:t>18~19</a:t>
+              <a:t>19~20</a:t>
             </a:r>
             <a:endParaRPr lang="ko-KR" altLang="en-US" dirty="0">
               <a:latin typeface="+mn-ea"/>
@@ -14917,7 +14932,7 @@
               <a:rPr lang="en-US" altLang="ko-KR" dirty="0">
                 <a:latin typeface="+mn-ea"/>
               </a:rPr>
-              <a:t>18</a:t>
+              <a:t>19</a:t>
             </a:r>
             <a:endParaRPr lang="ko-KR" altLang="en-US" dirty="0">
               <a:latin typeface="+mn-ea"/>
@@ -14943,7 +14958,7 @@
                 <a:latin typeface="+mn-ea"/>
                 <a:ea typeface="+mn-ea"/>
               </a:rPr>
-              <a:t>....................19</a:t>
+              <a:t>....................20</a:t>
             </a:r>
             <a:endParaRPr lang="ko-KR" altLang="en-US" dirty="0">
               <a:latin typeface="+mn-ea"/>
@@ -15078,10 +15093,10 @@
       </p:pic>
       <p:sp>
         <p:nvSpPr>
-          <p:cNvPr id="7" name="슬라이드 번호 개체 틀 6">
+          <p:cNvPr id="2" name="슬라이드 번호 개체 틀 1">
             <a:extLst>
               <a:ext uri="{FF2B5EF4-FFF2-40B4-BE49-F238E27FC236}">
-                <a16:creationId xmlns:a16="http://schemas.microsoft.com/office/drawing/2014/main" id="{75D05A81-D74D-4C76-BA5F-14830C403FFC}"/>
+                <a16:creationId xmlns:a16="http://schemas.microsoft.com/office/drawing/2014/main" id="{89C1E7C7-1B38-43A2-915A-3E13752BFC2E}"/>
               </a:ext>
             </a:extLst>
           </p:cNvPr>
@@ -15104,7 +15119,7 @@
             </a:fld>
             <a:r>
               <a:rPr lang="en-US" altLang="ko-KR"/>
-              <a:t>/19</a:t>
+              <a:t>/20</a:t>
             </a:r>
             <a:endParaRPr lang="ko-KR" altLang="en-US" dirty="0"/>
           </a:p>
@@ -15575,10 +15590,10 @@
       </p:pic>
       <p:sp>
         <p:nvSpPr>
-          <p:cNvPr id="9" name="슬라이드 번호 개체 틀 8">
+          <p:cNvPr id="2" name="슬라이드 번호 개체 틀 1">
             <a:extLst>
               <a:ext uri="{FF2B5EF4-FFF2-40B4-BE49-F238E27FC236}">
-                <a16:creationId xmlns:a16="http://schemas.microsoft.com/office/drawing/2014/main" id="{156CC66B-154A-404C-8CAD-06D0A47E9A9A}"/>
+                <a16:creationId xmlns:a16="http://schemas.microsoft.com/office/drawing/2014/main" id="{AAE9D045-676B-40EA-9870-20E6137862DE}"/>
               </a:ext>
             </a:extLst>
           </p:cNvPr>
@@ -15601,7 +15616,7 @@
             </a:fld>
             <a:r>
               <a:rPr lang="en-US" altLang="ko-KR"/>
-              <a:t>/19</a:t>
+              <a:t>/20</a:t>
             </a:r>
             <a:endParaRPr lang="ko-KR" altLang="en-US" dirty="0"/>
           </a:p>
@@ -16101,10 +16116,10 @@
       </p:sp>
       <p:sp>
         <p:nvSpPr>
-          <p:cNvPr id="3" name="슬라이드 번호 개체 틀 2">
+          <p:cNvPr id="4" name="슬라이드 번호 개체 틀 3">
             <a:extLst>
               <a:ext uri="{FF2B5EF4-FFF2-40B4-BE49-F238E27FC236}">
-                <a16:creationId xmlns:a16="http://schemas.microsoft.com/office/drawing/2014/main" id="{07B75E6B-58F5-409C-AFC2-728288521549}"/>
+                <a16:creationId xmlns:a16="http://schemas.microsoft.com/office/drawing/2014/main" id="{D7569BDE-045F-4870-84A6-71D6DCF0F7C6}"/>
               </a:ext>
             </a:extLst>
           </p:cNvPr>
@@ -16127,7 +16142,7 @@
             </a:fld>
             <a:r>
               <a:rPr lang="en-US" altLang="ko-KR"/>
-              <a:t>/19</a:t>
+              <a:t>/20</a:t>
             </a:r>
             <a:endParaRPr lang="ko-KR" altLang="en-US" dirty="0"/>
           </a:p>
@@ -16638,10 +16653,10 @@
       </p:sp>
       <p:sp>
         <p:nvSpPr>
-          <p:cNvPr id="2" name="슬라이드 번호 개체 틀 1">
+          <p:cNvPr id="3" name="슬라이드 번호 개체 틀 2">
             <a:extLst>
               <a:ext uri="{FF2B5EF4-FFF2-40B4-BE49-F238E27FC236}">
-                <a16:creationId xmlns:a16="http://schemas.microsoft.com/office/drawing/2014/main" id="{B32F4885-1A8B-4727-80AA-585F1FBEE6B4}"/>
+                <a16:creationId xmlns:a16="http://schemas.microsoft.com/office/drawing/2014/main" id="{9BA57E0E-C817-432E-BDAE-22071AB8AF53}"/>
               </a:ext>
             </a:extLst>
           </p:cNvPr>
@@ -16664,7 +16679,7 @@
             </a:fld>
             <a:r>
               <a:rPr lang="en-US" altLang="ko-KR"/>
-              <a:t>/19</a:t>
+              <a:t>/20</a:t>
             </a:r>
             <a:endParaRPr lang="ko-KR" altLang="en-US" dirty="0"/>
           </a:p>
@@ -17110,10 +17125,10 @@
       </p:cxnSp>
       <p:sp>
         <p:nvSpPr>
-          <p:cNvPr id="9" name="슬라이드 번호 개체 틀 8">
+          <p:cNvPr id="3" name="슬라이드 번호 개체 틀 2">
             <a:extLst>
               <a:ext uri="{FF2B5EF4-FFF2-40B4-BE49-F238E27FC236}">
-                <a16:creationId xmlns:a16="http://schemas.microsoft.com/office/drawing/2014/main" id="{A8C30456-601F-479D-A68D-FBCB67D8115E}"/>
+                <a16:creationId xmlns:a16="http://schemas.microsoft.com/office/drawing/2014/main" id="{1EAB868F-5A13-4BD7-8ECE-0727772A6603}"/>
               </a:ext>
             </a:extLst>
           </p:cNvPr>
@@ -17136,7 +17151,7 @@
             </a:fld>
             <a:r>
               <a:rPr lang="en-US" altLang="ko-KR"/>
-              <a:t>/19</a:t>
+              <a:t>/20</a:t>
             </a:r>
             <a:endParaRPr lang="ko-KR" altLang="en-US" dirty="0"/>
           </a:p>
@@ -17732,10 +17747,10 @@
       </p:sp>
       <p:sp>
         <p:nvSpPr>
-          <p:cNvPr id="2" name="슬라이드 번호 개체 틀 1">
+          <p:cNvPr id="3" name="슬라이드 번호 개체 틀 2">
             <a:extLst>
               <a:ext uri="{FF2B5EF4-FFF2-40B4-BE49-F238E27FC236}">
-                <a16:creationId xmlns:a16="http://schemas.microsoft.com/office/drawing/2014/main" id="{C1135FB4-BAEF-4E62-93AA-9D4B0C1758C1}"/>
+                <a16:creationId xmlns:a16="http://schemas.microsoft.com/office/drawing/2014/main" id="{6481B533-772F-416D-9535-3F055C1F505D}"/>
               </a:ext>
             </a:extLst>
           </p:cNvPr>
@@ -17758,7 +17773,7 @@
             </a:fld>
             <a:r>
               <a:rPr lang="en-US" altLang="ko-KR"/>
-              <a:t>/19</a:t>
+              <a:t>/20</a:t>
             </a:r>
             <a:endParaRPr lang="ko-KR" altLang="en-US" dirty="0"/>
           </a:p>
@@ -18224,10 +18239,10 @@
       </p:sp>
       <p:sp>
         <p:nvSpPr>
-          <p:cNvPr id="2" name="슬라이드 번호 개체 틀 1">
+          <p:cNvPr id="3" name="슬라이드 번호 개체 틀 2">
             <a:extLst>
               <a:ext uri="{FF2B5EF4-FFF2-40B4-BE49-F238E27FC236}">
-                <a16:creationId xmlns:a16="http://schemas.microsoft.com/office/drawing/2014/main" id="{246666DE-B1F1-44CA-979C-369747219BFE}"/>
+                <a16:creationId xmlns:a16="http://schemas.microsoft.com/office/drawing/2014/main" id="{7AD0CEC3-9E95-4FA2-A06E-E33B3274E002}"/>
               </a:ext>
             </a:extLst>
           </p:cNvPr>
@@ -18250,7 +18265,7 @@
             </a:fld>
             <a:r>
               <a:rPr lang="en-US" altLang="ko-KR"/>
-              <a:t>/19</a:t>
+              <a:t>/20</a:t>
             </a:r>
             <a:endParaRPr lang="ko-KR" altLang="en-US" dirty="0"/>
           </a:p>
@@ -18827,10 +18842,10 @@
       </p:sp>
       <p:sp>
         <p:nvSpPr>
-          <p:cNvPr id="2" name="슬라이드 번호 개체 틀 1">
+          <p:cNvPr id="3" name="슬라이드 번호 개체 틀 2">
             <a:extLst>
               <a:ext uri="{FF2B5EF4-FFF2-40B4-BE49-F238E27FC236}">
-                <a16:creationId xmlns:a16="http://schemas.microsoft.com/office/drawing/2014/main" id="{87B9EBDD-EB5F-4926-9C99-A4D52E55DD91}"/>
+                <a16:creationId xmlns:a16="http://schemas.microsoft.com/office/drawing/2014/main" id="{08EB8560-8215-4183-9E76-7DF1486BCF22}"/>
               </a:ext>
             </a:extLst>
           </p:cNvPr>
@@ -18853,7 +18868,7 @@
             </a:fld>
             <a:r>
               <a:rPr lang="en-US" altLang="ko-KR"/>
-              <a:t>/19</a:t>
+              <a:t>/20</a:t>
             </a:r>
             <a:endParaRPr lang="ko-KR" altLang="en-US" dirty="0"/>
           </a:p>

--- a/design/알약전사_발표ppt.pptx
+++ b/design/알약전사_발표ppt.pptx
@@ -590,7 +590,7 @@
               </a:spcAft>
               <a:buNone/>
             </a:pPr>
-            <a:endParaRPr/>
+            <a:endParaRPr dirty="0"/>
           </a:p>
         </p:txBody>
       </p:sp>
@@ -2616,7 +2616,7 @@
           <a:effectLst/>
           <a:extLst>
             <a:ext uri="{91240B29-F687-4f45-9708-019B960494DF}">
-              <a14:hiddenLine xmlns:a14="http://schemas.microsoft.com/office/drawing/2010/main" xmlns="" w="9525">
+              <a14:hiddenLine xmlns="" xmlns:a14="http://schemas.microsoft.com/office/drawing/2010/main" w="9525">
                 <a:solidFill>
                   <a:srgbClr val="000000"/>
                 </a:solidFill>
@@ -4138,7 +4138,7 @@
           <a:ln/>
           <a:extLst>
             <a:ext uri="{91240B29-F687-4f45-9708-019B960494DF}">
-              <a14:hiddenLine xmlns:a14="http://schemas.microsoft.com/office/drawing/2010/main" xmlns="" w="9525">
+              <a14:hiddenLine xmlns="" xmlns:a14="http://schemas.microsoft.com/office/drawing/2010/main" w="9525">
                 <a:solidFill>
                   <a:srgbClr val="000000"/>
                 </a:solidFill>
@@ -4413,7 +4413,7 @@
           <a:ln/>
           <a:extLst>
             <a:ext uri="{91240B29-F687-4f45-9708-019B960494DF}">
-              <a14:hiddenLine xmlns:a14="http://schemas.microsoft.com/office/drawing/2010/main" xmlns="" w="9525">
+              <a14:hiddenLine xmlns="" xmlns:a14="http://schemas.microsoft.com/office/drawing/2010/main" w="9525">
                 <a:solidFill>
                   <a:srgbClr val="000000"/>
                 </a:solidFill>
@@ -4696,7 +4696,7 @@
           <a:ln/>
           <a:extLst>
             <a:ext uri="{91240B29-F687-4f45-9708-019B960494DF}">
-              <a14:hiddenLine xmlns:a14="http://schemas.microsoft.com/office/drawing/2010/main" xmlns="" w="9525">
+              <a14:hiddenLine xmlns="" xmlns:a14="http://schemas.microsoft.com/office/drawing/2010/main" w="9525">
                 <a:solidFill>
                   <a:srgbClr val="000000"/>
                 </a:solidFill>
@@ -5336,7 +5336,7 @@
           <a:ln/>
           <a:extLst>
             <a:ext uri="{91240B29-F687-4f45-9708-019B960494DF}">
-              <a14:hiddenLine xmlns:a14="http://schemas.microsoft.com/office/drawing/2010/main" xmlns="" w="9525">
+              <a14:hiddenLine xmlns="" xmlns:a14="http://schemas.microsoft.com/office/drawing/2010/main" w="9525">
                 <a:solidFill>
                   <a:srgbClr val="000000"/>
                 </a:solidFill>
@@ -5675,7 +5675,7 @@
           <a:ln/>
           <a:extLst>
             <a:ext uri="{91240B29-F687-4f45-9708-019B960494DF}">
-              <a14:hiddenLine xmlns:a14="http://schemas.microsoft.com/office/drawing/2010/main" xmlns="" w="9525">
+              <a14:hiddenLine xmlns="" xmlns:a14="http://schemas.microsoft.com/office/drawing/2010/main" w="9525">
                 <a:solidFill>
                   <a:srgbClr val="000000"/>
                 </a:solidFill>
@@ -6152,7 +6152,7 @@
           <a:ln/>
           <a:extLst>
             <a:ext uri="{91240B29-F687-4f45-9708-019B960494DF}">
-              <a14:hiddenLine xmlns:a14="http://schemas.microsoft.com/office/drawing/2010/main" xmlns="" w="9525">
+              <a14:hiddenLine xmlns="" xmlns:a14="http://schemas.microsoft.com/office/drawing/2010/main" w="9525">
                 <a:solidFill>
                   <a:srgbClr val="000000"/>
                 </a:solidFill>
@@ -6581,7 +6581,7 @@
           <a:ln/>
           <a:extLst>
             <a:ext uri="{91240B29-F687-4f45-9708-019B960494DF}">
-              <a14:hiddenLine xmlns:a14="http://schemas.microsoft.com/office/drawing/2010/main" xmlns="" w="9525">
+              <a14:hiddenLine xmlns="" xmlns:a14="http://schemas.microsoft.com/office/drawing/2010/main" w="9525">
                 <a:solidFill>
                   <a:srgbClr val="000000"/>
                 </a:solidFill>
@@ -13514,6 +13514,7 @@
             <a:endParaRPr lang="en-US" altLang="ko-KR" dirty="0"/>
           </a:p>
           <a:p>
+            <a:pPr lvl="1"/>
             <a:r>
               <a:rPr lang="ko-KR" altLang="en-US" dirty="0"/>
               <a:t>환경 매핑을 사용한 금속 재질 표현</a:t>
@@ -13521,6 +13522,7 @@
             <a:endParaRPr lang="en-US" altLang="ko-KR" dirty="0"/>
           </a:p>
           <a:p>
+            <a:pPr lvl="1"/>
             <a:r>
               <a:rPr lang="ko-KR" altLang="en-US" dirty="0" err="1"/>
               <a:t>범프</a:t>
@@ -13532,6 +13534,7 @@
             <a:endParaRPr lang="en-US" altLang="ko-KR" dirty="0"/>
           </a:p>
           <a:p>
+            <a:pPr lvl="1"/>
             <a:r>
               <a:rPr lang="ko-KR" altLang="en-US" dirty="0"/>
               <a:t>포스트 프로세싱 기법을 사용한 렌더링</a:t>
@@ -13553,8 +13556,33 @@
             </a:r>
             <a:r>
               <a:rPr lang="ko-KR" altLang="en-US" dirty="0"/>
-              <a:t>모델 기반 서버 개발</a:t>
-            </a:r>
+              <a:t>모델 기반 서버 </a:t>
+            </a:r>
+            <a:r>
+              <a:rPr lang="ko-KR" altLang="en-US" dirty="0" smtClean="0"/>
+              <a:t>개발</a:t>
+            </a:r>
+            <a:endParaRPr lang="en-US" altLang="ko-KR" dirty="0" smtClean="0"/>
+          </a:p>
+          <a:p>
+            <a:pPr lvl="1"/>
+            <a:r>
+              <a:rPr lang="ko-KR" altLang="en-US" dirty="0" smtClean="0"/>
+              <a:t>대용량 다중 접속</a:t>
+            </a:r>
+            <a:endParaRPr lang="en-US" altLang="ko-KR" dirty="0" smtClean="0"/>
+          </a:p>
+          <a:p>
+            <a:pPr lvl="1"/>
+            <a:r>
+              <a:rPr lang="ko-KR" altLang="en-US" dirty="0" smtClean="0"/>
+              <a:t>낮은 네트워크 </a:t>
+            </a:r>
+            <a:r>
+              <a:rPr lang="ko-KR" altLang="en-US" dirty="0" err="1" smtClean="0"/>
+              <a:t>딜레이</a:t>
+            </a:r>
+            <a:endParaRPr lang="ko-KR" altLang="en-US" dirty="0"/>
           </a:p>
         </p:txBody>
       </p:sp>
@@ -14322,7 +14350,7 @@
                 <a16:creationId xmlns:a16="http://schemas.microsoft.com/office/drawing/2014/main" id="{089A69AF-D57B-49B4-886C-D4A5DC194421}"/>
               </a:ext>
               <a:ext uri="{C183D7F6-B498-43B3-948B-1728B52AA6E4}">
-                <adec:decorative xmlns:adec="http://schemas.microsoft.com/office/drawing/2017/decorative" val="1"/>
+                <adec:decorative xmlns:adec="http://schemas.microsoft.com/office/drawing/2017/decorative" xmlns="" val="1"/>
               </a:ext>
             </a:extLst>
           </p:cNvPr>
@@ -14382,7 +14410,7 @@
                 <a16:creationId xmlns:a16="http://schemas.microsoft.com/office/drawing/2014/main" id="{CABDC08D-6093-4397-92D4-54D00E2BB1C2}"/>
               </a:ext>
               <a:ext uri="{C183D7F6-B498-43B3-948B-1728B52AA6E4}">
-                <adec:decorative xmlns:adec="http://schemas.microsoft.com/office/drawing/2017/decorative" val="1"/>
+                <adec:decorative xmlns:adec="http://schemas.microsoft.com/office/drawing/2017/decorative" xmlns="" val="1"/>
               </a:ext>
             </a:extLst>
           </p:cNvPr>
@@ -14587,7 +14615,7 @@
           <a:effectLst/>
           <a:extLst>
             <a:ext uri="{91240B29-F687-4f45-9708-019B960494DF}">
-              <a14:hiddenLine xmlns:a14="http://schemas.microsoft.com/office/drawing/2010/main" xmlns:p14="http://schemas.microsoft.com/office/powerpoint/2010/main" xmlns:a16="http://schemas.microsoft.com/office/drawing/2014/main" xmlns="" w="9525">
+              <a14:hiddenLine xmlns="" xmlns:a16="http://schemas.microsoft.com/office/drawing/2014/main" xmlns:p14="http://schemas.microsoft.com/office/powerpoint/2010/main" xmlns:a14="http://schemas.microsoft.com/office/drawing/2010/main" w="9525">
                 <a:solidFill>
                   <a:srgbClr val="000000"/>
                 </a:solidFill>
